--- a/doc/SoftwareDesign/Architecture-P4.pptx
+++ b/doc/SoftwareDesign/Architecture-P4.pptx
@@ -5,7 +5,7 @@
     <p:sldMasterId id="2147483648" r:id="rId1"/>
   </p:sldMasterIdLst>
   <p:notesMasterIdLst>
-    <p:notesMasterId r:id="rId7"/>
+    <p:notesMasterId r:id="rId8"/>
   </p:notesMasterIdLst>
   <p:sldIdLst>
     <p:sldId id="256" r:id="rId2"/>
@@ -13,6 +13,7 @@
     <p:sldId id="306" r:id="rId4"/>
     <p:sldId id="308" r:id="rId5"/>
     <p:sldId id="307" r:id="rId6"/>
+    <p:sldId id="301" r:id="rId7"/>
   </p:sldIdLst>
   <p:sldSz cx="12192000" cy="6858000"/>
   <p:notesSz cx="6858000" cy="9144000"/>
@@ -627,6 +628,2179 @@
     <p:extLst>
       <p:ext uri="{BB962C8B-B14F-4D97-AF65-F5344CB8AC3E}">
         <p14:creationId xmlns:p14="http://schemas.microsoft.com/office/powerpoint/2010/main" val="825882882"/>
+      </p:ext>
+    </p:extLst>
+  </p:cSld>
+  <p:clrMapOvr>
+    <a:masterClrMapping/>
+  </p:clrMapOvr>
+</p:notes>
+</file>
+
+<file path=ppt/notesSlides/notesSlide3.xml><?xml version="1.0" encoding="utf-8"?>
+<p:notes xmlns:a="http://schemas.openxmlformats.org/drawingml/2006/main" xmlns:r="http://schemas.openxmlformats.org/officeDocument/2006/relationships" xmlns:p="http://schemas.openxmlformats.org/presentationml/2006/main">
+  <p:cSld>
+    <p:spTree>
+      <p:nvGrpSpPr>
+        <p:cNvPr id="1" name=""/>
+        <p:cNvGrpSpPr/>
+        <p:nvPr/>
+      </p:nvGrpSpPr>
+      <p:grpSpPr>
+        <a:xfrm>
+          <a:off x="0" y="0"/>
+          <a:ext cx="0" cy="0"/>
+          <a:chOff x="0" y="0"/>
+          <a:chExt cx="0" cy="0"/>
+        </a:xfrm>
+      </p:grpSpPr>
+      <p:sp>
+        <p:nvSpPr>
+          <p:cNvPr id="2" name="幻灯片图像占位符 1"/>
+          <p:cNvSpPr>
+            <a:spLocks noGrp="1" noRot="1" noChangeAspect="1"/>
+          </p:cNvSpPr>
+          <p:nvPr>
+            <p:ph type="sldImg"/>
+          </p:nvPr>
+        </p:nvSpPr>
+        <p:spPr/>
+      </p:sp>
+      <p:sp>
+        <p:nvSpPr>
+          <p:cNvPr id="3" name="备注占位符 2"/>
+          <p:cNvSpPr>
+            <a:spLocks noGrp="1"/>
+          </p:cNvSpPr>
+          <p:nvPr>
+            <p:ph type="body" idx="1"/>
+          </p:nvPr>
+        </p:nvSpPr>
+        <p:spPr/>
+        <p:txBody>
+          <a:bodyPr/>
+          <a:lstStyle/>
+          <a:p>
+            <a:r>
+              <a:rPr lang="en-US" altLang="zh-CN" dirty="0" err="1"/>
+              <a:t>VNFaaS</a:t>
+            </a:r>
+            <a:r>
+              <a:rPr lang="en-US" altLang="zh-CN" dirty="0"/>
+              <a:t> - </a:t>
+            </a:r>
+            <a:r>
+              <a:rPr lang="zh-CN" altLang="en-US" dirty="0"/>
+              <a:t>外网用户访问</a:t>
+            </a:r>
+            <a:r>
+              <a:rPr lang="en-US" altLang="zh-CN" dirty="0"/>
+              <a:t>DCN</a:t>
+            </a:r>
+            <a:r>
+              <a:rPr lang="zh-CN" altLang="en-US" dirty="0"/>
+              <a:t>的</a:t>
+            </a:r>
+            <a:r>
+              <a:rPr lang="en-US" altLang="zh-CN" dirty="0"/>
+              <a:t>Website</a:t>
+            </a:r>
+          </a:p>
+          <a:p>
+            <a:endParaRPr lang="en-US" altLang="zh-CN" dirty="0"/>
+          </a:p>
+          <a:p>
+            <a:r>
+              <a:rPr lang="zh-CN" altLang="en-US" dirty="0"/>
+              <a:t>此图为</a:t>
+            </a:r>
+            <a:r>
+              <a:rPr lang="en-US" altLang="zh-CN" dirty="0" err="1"/>
+              <a:t>mininet</a:t>
+            </a:r>
+            <a:r>
+              <a:rPr lang="zh-CN" altLang="en-US" dirty="0"/>
+              <a:t>原型系统设置，所有的</a:t>
+            </a:r>
+            <a:r>
+              <a:rPr lang="en-US" altLang="zh-CN" dirty="0"/>
+              <a:t>KVM bridge</a:t>
+            </a:r>
+            <a:r>
+              <a:rPr lang="zh-CN" altLang="en-US" dirty="0"/>
+              <a:t>可以理解为网线（注意所有和</a:t>
+            </a:r>
+            <a:r>
+              <a:rPr lang="en-US" altLang="zh-CN" dirty="0"/>
+              <a:t>KVM bridge</a:t>
+            </a:r>
+            <a:r>
+              <a:rPr lang="zh-CN" altLang="en-US" dirty="0"/>
+              <a:t>连接的</a:t>
+            </a:r>
+            <a:r>
+              <a:rPr lang="en-US" altLang="zh-CN" dirty="0"/>
+              <a:t>VM</a:t>
+            </a:r>
+            <a:r>
+              <a:rPr lang="zh-CN" altLang="en-US" dirty="0"/>
+              <a:t>需要删除对应</a:t>
+            </a:r>
+            <a:r>
+              <a:rPr lang="en-US" altLang="zh-CN" dirty="0"/>
+              <a:t>bridge</a:t>
+            </a:r>
+            <a:r>
+              <a:rPr lang="zh-CN" altLang="en-US" dirty="0"/>
+              <a:t>的默认</a:t>
+            </a:r>
+            <a:r>
+              <a:rPr lang="en-US" altLang="zh-CN" dirty="0"/>
+              <a:t>route</a:t>
+            </a:r>
+            <a:r>
+              <a:rPr lang="zh-CN" altLang="en-US" dirty="0"/>
+              <a:t>）</a:t>
+            </a:r>
+            <a:endParaRPr lang="en-US" altLang="zh-CN" dirty="0"/>
+          </a:p>
+          <a:p>
+            <a:endParaRPr lang="en-US" altLang="zh-CN" dirty="0"/>
+          </a:p>
+          <a:p>
+            <a:r>
+              <a:rPr lang="en-US" altLang="zh-CN" dirty="0"/>
+              <a:t>Ingress</a:t>
+            </a:r>
+            <a:r>
+              <a:rPr lang="zh-CN" altLang="en-US" dirty="0"/>
+              <a:t>表示</a:t>
+            </a:r>
+            <a:r>
+              <a:rPr lang="en-US" altLang="zh-CN" dirty="0"/>
+              <a:t>peer switch</a:t>
+            </a:r>
+            <a:r>
+              <a:rPr lang="zh-CN" altLang="en-US" dirty="0"/>
+              <a:t>（运行</a:t>
+            </a:r>
+            <a:r>
+              <a:rPr lang="en-US" altLang="zh-CN" dirty="0" err="1"/>
+              <a:t>pktgen</a:t>
+            </a:r>
+            <a:r>
+              <a:rPr lang="zh-CN" altLang="en-US" dirty="0"/>
+              <a:t>）</a:t>
+            </a:r>
+            <a:endParaRPr lang="en-US" altLang="zh-CN" dirty="0"/>
+          </a:p>
+          <a:p>
+            <a:r>
+              <a:rPr lang="zh-CN" altLang="en-US" dirty="0"/>
+              <a:t>生成流量：</a:t>
+            </a:r>
+            <a:r>
+              <a:rPr lang="en-US" altLang="zh-CN" dirty="0" err="1"/>
+              <a:t>src</a:t>
+            </a:r>
+            <a:r>
+              <a:rPr lang="en-US" altLang="zh-CN" dirty="0"/>
+              <a:t> </a:t>
+            </a:r>
+            <a:r>
+              <a:rPr lang="en-US" altLang="zh-CN" dirty="0" err="1"/>
+              <a:t>ip</a:t>
+            </a:r>
+            <a:r>
+              <a:rPr lang="en-US" altLang="zh-CN" dirty="0"/>
+              <a:t> range from 1.1.1.1 to 9.255.255.254</a:t>
+            </a:r>
+            <a:r>
+              <a:rPr lang="zh-CN" altLang="en-US" dirty="0"/>
+              <a:t>， </a:t>
+            </a:r>
+            <a:r>
+              <a:rPr lang="en-US" altLang="zh-CN" dirty="0" err="1"/>
+              <a:t>dst</a:t>
+            </a:r>
+            <a:r>
+              <a:rPr lang="en-US" altLang="zh-CN" dirty="0"/>
+              <a:t> </a:t>
+            </a:r>
+            <a:r>
+              <a:rPr lang="en-US" altLang="zh-CN" dirty="0" err="1"/>
+              <a:t>ip</a:t>
+            </a:r>
+            <a:r>
+              <a:rPr lang="en-US" altLang="zh-CN" dirty="0"/>
+              <a:t> range from 11.1.1.1 to 19.255.255.254</a:t>
+            </a:r>
+          </a:p>
+          <a:p>
+            <a:r>
+              <a:rPr lang="en-US" altLang="zh-CN" dirty="0" err="1"/>
+              <a:t>src</a:t>
+            </a:r>
+            <a:r>
+              <a:rPr lang="en-US" altLang="zh-CN" dirty="0"/>
+              <a:t> mac</a:t>
+            </a:r>
+            <a:r>
+              <a:rPr lang="zh-CN" altLang="en-US" dirty="0"/>
+              <a:t>填写</a:t>
+            </a:r>
+            <a:r>
+              <a:rPr lang="en-US" altLang="zh-CN" dirty="0"/>
+              <a:t>peer switch</a:t>
+            </a:r>
+            <a:r>
+              <a:rPr lang="zh-CN" altLang="en-US" dirty="0"/>
+              <a:t>的</a:t>
+            </a:r>
+            <a:r>
+              <a:rPr lang="en-US" altLang="zh-CN" dirty="0"/>
+              <a:t>MAC</a:t>
+            </a:r>
+            <a:r>
+              <a:rPr lang="zh-CN" altLang="en-US" dirty="0"/>
+              <a:t>，</a:t>
+            </a:r>
+            <a:r>
+              <a:rPr lang="en-US" altLang="zh-CN" dirty="0" err="1"/>
+              <a:t>dst</a:t>
+            </a:r>
+            <a:r>
+              <a:rPr lang="en-US" altLang="zh-CN" dirty="0"/>
+              <a:t> mac</a:t>
+            </a:r>
+            <a:r>
+              <a:rPr lang="zh-CN" altLang="en-US" dirty="0"/>
+              <a:t>填写</a:t>
+            </a:r>
+            <a:r>
+              <a:rPr lang="en-US" altLang="zh-CN" dirty="0"/>
+              <a:t>DCN Gateway</a:t>
+            </a:r>
+            <a:r>
+              <a:rPr lang="zh-CN" altLang="en-US" dirty="0"/>
+              <a:t>的</a:t>
+            </a:r>
+            <a:r>
+              <a:rPr lang="en-US" altLang="zh-CN" dirty="0"/>
+              <a:t>MAC</a:t>
+            </a:r>
+            <a:r>
+              <a:rPr lang="zh-CN" altLang="en-US" dirty="0"/>
+              <a:t>。</a:t>
+            </a:r>
+            <a:endParaRPr lang="en-US" altLang="zh-CN" dirty="0"/>
+          </a:p>
+          <a:p>
+            <a:r>
+              <a:rPr lang="en-US" altLang="zh-CN" dirty="0"/>
+              <a:t>Default gateway</a:t>
+            </a:r>
+            <a:r>
+              <a:rPr lang="zh-CN" altLang="en-US" dirty="0"/>
+              <a:t>选其中一个，如果</a:t>
+            </a:r>
+            <a:r>
+              <a:rPr lang="en-US" altLang="zh-CN" dirty="0"/>
+              <a:t>default gateway</a:t>
+            </a:r>
+            <a:r>
+              <a:rPr lang="zh-CN" altLang="en-US" dirty="0"/>
+              <a:t>故障，发给另一个。</a:t>
+            </a:r>
+            <a:endParaRPr lang="en-US" altLang="zh-CN" dirty="0"/>
+          </a:p>
+          <a:p>
+            <a:endParaRPr lang="en-US" altLang="zh-CN" dirty="0"/>
+          </a:p>
+          <a:p>
+            <a:r>
+              <a:rPr lang="en-US" altLang="zh-CN" dirty="0"/>
+              <a:t>DCN Gateway</a:t>
+            </a:r>
+            <a:r>
+              <a:rPr lang="zh-CN" altLang="en-US" dirty="0"/>
+              <a:t>是一个三层交换机</a:t>
+            </a:r>
+            <a:r>
+              <a:rPr lang="en-US" altLang="zh-CN" dirty="0"/>
+              <a:t>(</a:t>
+            </a:r>
+            <a:r>
+              <a:rPr lang="zh-CN" altLang="en-US" dirty="0"/>
+              <a:t>无状态</a:t>
+            </a:r>
+            <a:r>
+              <a:rPr lang="en-US" altLang="zh-CN" dirty="0"/>
+              <a:t>)</a:t>
+            </a:r>
+          </a:p>
+          <a:p>
+            <a:r>
+              <a:rPr lang="zh-CN" altLang="en-US" dirty="0"/>
+              <a:t>三层交换机的流表规则：</a:t>
+            </a:r>
+            <a:endParaRPr lang="en-US" altLang="zh-CN" dirty="0"/>
+          </a:p>
+          <a:p>
+            <a:pPr marL="0" marR="0" lvl="0" indent="0" algn="l" defTabSz="914400" rtl="0" eaLnBrk="1" fontAlgn="auto" latinLnBrk="0" hangingPunct="1">
+              <a:lnSpc>
+                <a:spcPct val="100000"/>
+              </a:lnSpc>
+              <a:spcBef>
+                <a:spcPts val="0"/>
+              </a:spcBef>
+              <a:spcAft>
+                <a:spcPts val="0"/>
+              </a:spcAft>
+              <a:buClrTx/>
+              <a:buSzTx/>
+              <a:buFontTx/>
+              <a:buNone/>
+              <a:tabLst/>
+              <a:defRPr/>
+            </a:pPr>
+            <a:r>
+              <a:rPr lang="zh-CN" altLang="en-US" dirty="0"/>
+              <a:t>配置</a:t>
+            </a:r>
+            <a:r>
+              <a:rPr lang="en-US" altLang="zh-CN" dirty="0"/>
+              <a:t>L2</a:t>
+            </a:r>
+            <a:r>
+              <a:rPr lang="zh-CN" altLang="en-US" dirty="0"/>
+              <a:t>转发规则：</a:t>
+            </a:r>
+            <a:endParaRPr lang="en-US" altLang="zh-CN" dirty="0"/>
+          </a:p>
+          <a:p>
+            <a:pPr marL="0" marR="0" lvl="0" indent="0" algn="l" defTabSz="914400" rtl="0" eaLnBrk="1" fontAlgn="auto" latinLnBrk="0" hangingPunct="1">
+              <a:lnSpc>
+                <a:spcPct val="100000"/>
+              </a:lnSpc>
+              <a:spcBef>
+                <a:spcPts val="0"/>
+              </a:spcBef>
+              <a:spcAft>
+                <a:spcPts val="0"/>
+              </a:spcAft>
+              <a:buClrTx/>
+              <a:buSzTx/>
+              <a:buFontTx/>
+              <a:buNone/>
+              <a:tabLst/>
+              <a:defRPr/>
+            </a:pPr>
+            <a:r>
+              <a:rPr lang="en-US" altLang="zh-CN" dirty="0"/>
+              <a:t>	</a:t>
+            </a:r>
+            <a:r>
+              <a:rPr lang="zh-CN" altLang="en-US" dirty="0"/>
+              <a:t>如果</a:t>
+            </a:r>
+            <a:r>
+              <a:rPr lang="en-US" altLang="zh-CN" dirty="0" err="1"/>
+              <a:t>dst</a:t>
+            </a:r>
+            <a:r>
+              <a:rPr lang="en-US" altLang="zh-CN" dirty="0"/>
+              <a:t> mac</a:t>
+            </a:r>
+            <a:r>
+              <a:rPr lang="zh-CN" altLang="en-US" dirty="0"/>
+              <a:t>不是这台</a:t>
+            </a:r>
+            <a:r>
+              <a:rPr lang="en-US" altLang="zh-CN" dirty="0"/>
+              <a:t>L3 switch </a:t>
+            </a:r>
+            <a:r>
+              <a:rPr lang="en-US" altLang="zh-CN" dirty="0" err="1"/>
+              <a:t>nic</a:t>
+            </a:r>
+            <a:r>
+              <a:rPr lang="en-US" altLang="zh-CN" dirty="0"/>
+              <a:t> mac</a:t>
+            </a:r>
+            <a:r>
+              <a:rPr lang="zh-CN" altLang="en-US" dirty="0"/>
+              <a:t>（包括广播帧）：转发</a:t>
+            </a:r>
+            <a:r>
+              <a:rPr lang="en-US" altLang="zh-CN" dirty="0"/>
+              <a:t>frame</a:t>
+            </a:r>
+            <a:r>
+              <a:rPr lang="zh-CN" altLang="en-US" dirty="0"/>
+              <a:t>。（有一个</a:t>
+            </a:r>
+            <a:r>
+              <a:rPr lang="en-US" altLang="zh-CN" dirty="0"/>
+              <a:t>Ryu app</a:t>
+            </a:r>
+            <a:r>
+              <a:rPr lang="zh-CN" altLang="en-US" dirty="0"/>
+              <a:t>运行</a:t>
+            </a:r>
+            <a:r>
+              <a:rPr lang="en-US" altLang="zh-CN" dirty="0" err="1"/>
+              <a:t>spt</a:t>
+            </a:r>
+            <a:r>
+              <a:rPr lang="zh-CN" altLang="en-US" dirty="0"/>
+              <a:t>协议）</a:t>
+            </a:r>
+            <a:endParaRPr lang="en-US" altLang="zh-CN" dirty="0"/>
+          </a:p>
+          <a:p>
+            <a:r>
+              <a:rPr lang="zh-CN" altLang="en-US" dirty="0"/>
+              <a:t>配置</a:t>
+            </a:r>
+            <a:r>
+              <a:rPr lang="en-US" altLang="zh-CN" dirty="0"/>
+              <a:t>L3</a:t>
+            </a:r>
+            <a:r>
+              <a:rPr lang="zh-CN" altLang="en-US" dirty="0"/>
+              <a:t>路由规则：</a:t>
+            </a:r>
+            <a:endParaRPr lang="en-US" altLang="zh-CN" dirty="0"/>
+          </a:p>
+          <a:p>
+            <a:r>
+              <a:rPr lang="en-US" altLang="zh-CN" dirty="0"/>
+              <a:t>	</a:t>
+            </a:r>
+            <a:r>
+              <a:rPr lang="zh-CN" altLang="en-US" dirty="0"/>
+              <a:t>如果</a:t>
+            </a:r>
+            <a:r>
+              <a:rPr lang="en-US" altLang="zh-CN" dirty="0" err="1"/>
+              <a:t>dst</a:t>
+            </a:r>
+            <a:r>
+              <a:rPr lang="en-US" altLang="zh-CN" dirty="0"/>
+              <a:t> mac</a:t>
+            </a:r>
+            <a:r>
+              <a:rPr lang="zh-CN" altLang="en-US" dirty="0"/>
+              <a:t>是这台</a:t>
+            </a:r>
+            <a:r>
+              <a:rPr lang="en-US" altLang="zh-CN" dirty="0"/>
+              <a:t>L3 switch </a:t>
+            </a:r>
+            <a:r>
+              <a:rPr lang="en-US" altLang="zh-CN" dirty="0" err="1"/>
+              <a:t>nic</a:t>
+            </a:r>
+            <a:r>
+              <a:rPr lang="en-US" altLang="zh-CN" dirty="0"/>
+              <a:t> mac</a:t>
+            </a:r>
+            <a:r>
+              <a:rPr lang="zh-CN" altLang="en-US" dirty="0"/>
+              <a:t>：把所有从</a:t>
+            </a:r>
+            <a:r>
+              <a:rPr lang="en-US" altLang="zh-CN" dirty="0"/>
+              <a:t>Inbound port</a:t>
+            </a:r>
+            <a:r>
+              <a:rPr lang="zh-CN" altLang="en-US" dirty="0"/>
+              <a:t>输入的</a:t>
+            </a:r>
+            <a:r>
+              <a:rPr lang="en-US" altLang="zh-CN" dirty="0"/>
+              <a:t>Inbound traffic</a:t>
+            </a:r>
+            <a:r>
+              <a:rPr lang="zh-CN" altLang="en-US" dirty="0"/>
+              <a:t>路由给</a:t>
+            </a:r>
+            <a:r>
+              <a:rPr lang="en-US" altLang="zh-CN" dirty="0"/>
+              <a:t>Classifier</a:t>
+            </a:r>
+            <a:r>
+              <a:rPr lang="zh-CN" altLang="en-US" dirty="0"/>
+              <a:t>（修改</a:t>
+            </a:r>
+            <a:r>
+              <a:rPr lang="en-US" altLang="zh-CN" dirty="0" err="1"/>
+              <a:t>src</a:t>
+            </a:r>
+            <a:r>
+              <a:rPr lang="en-US" altLang="zh-CN" dirty="0"/>
+              <a:t> mac to DCN Gateway</a:t>
+            </a:r>
+            <a:r>
+              <a:rPr lang="zh-CN" altLang="en-US" dirty="0"/>
+              <a:t>，</a:t>
+            </a:r>
+            <a:r>
+              <a:rPr lang="en-US" altLang="zh-CN" dirty="0" err="1"/>
+              <a:t>dst</a:t>
+            </a:r>
+            <a:r>
+              <a:rPr lang="en-US" altLang="zh-CN" dirty="0"/>
+              <a:t> mac to classifier</a:t>
+            </a:r>
+            <a:r>
+              <a:rPr lang="zh-CN" altLang="en-US" dirty="0"/>
+              <a:t>）；（有一个</a:t>
+            </a:r>
+            <a:r>
+              <a:rPr lang="en-US" altLang="zh-CN" dirty="0" err="1"/>
+              <a:t>ryu</a:t>
+            </a:r>
+            <a:r>
+              <a:rPr lang="en-US" altLang="zh-CN" dirty="0"/>
+              <a:t> app</a:t>
+            </a:r>
+            <a:r>
+              <a:rPr lang="zh-CN" altLang="en-US" dirty="0"/>
+              <a:t>运行静态规则下发）</a:t>
+            </a:r>
+            <a:endParaRPr lang="en-US" altLang="zh-CN" dirty="0"/>
+          </a:p>
+          <a:p>
+            <a:r>
+              <a:rPr lang="en-US" altLang="zh-CN" dirty="0"/>
+              <a:t>	</a:t>
+            </a:r>
+            <a:r>
+              <a:rPr lang="zh-CN" altLang="en-US" dirty="0"/>
+              <a:t>如果</a:t>
+            </a:r>
+            <a:r>
+              <a:rPr lang="en-US" altLang="zh-CN" dirty="0" err="1"/>
+              <a:t>dst</a:t>
+            </a:r>
+            <a:r>
+              <a:rPr lang="en-US" altLang="zh-CN" dirty="0"/>
+              <a:t> </a:t>
+            </a:r>
+            <a:r>
+              <a:rPr lang="en-US" altLang="zh-CN" dirty="0" err="1"/>
+              <a:t>ip</a:t>
+            </a:r>
+            <a:r>
+              <a:rPr lang="zh-CN" altLang="en-US" dirty="0"/>
+              <a:t>是外网的发给</a:t>
+            </a:r>
+            <a:r>
+              <a:rPr lang="en-US" altLang="zh-CN" dirty="0"/>
+              <a:t>Ingress</a:t>
+            </a:r>
+            <a:r>
+              <a:rPr lang="zh-CN" altLang="en-US" dirty="0"/>
+              <a:t>；（有一个</a:t>
+            </a:r>
+            <a:r>
+              <a:rPr lang="en-US" altLang="zh-CN" dirty="0"/>
+              <a:t>Ryu app</a:t>
+            </a:r>
+            <a:r>
+              <a:rPr lang="zh-CN" altLang="en-US" dirty="0"/>
+              <a:t>计算以</a:t>
+            </a:r>
+            <a:r>
+              <a:rPr lang="en-US" altLang="zh-CN" dirty="0"/>
+              <a:t>gateway1</a:t>
+            </a:r>
+            <a:r>
+              <a:rPr lang="zh-CN" altLang="en-US" dirty="0"/>
+              <a:t>或者</a:t>
+            </a:r>
+            <a:r>
+              <a:rPr lang="en-US" altLang="zh-CN" dirty="0"/>
+              <a:t>2</a:t>
+            </a:r>
+            <a:r>
+              <a:rPr lang="zh-CN" altLang="en-US" dirty="0"/>
+              <a:t>为</a:t>
+            </a:r>
+            <a:r>
+              <a:rPr lang="en-US" altLang="zh-CN" dirty="0"/>
+              <a:t>root</a:t>
+            </a:r>
+            <a:r>
+              <a:rPr lang="zh-CN" altLang="en-US" dirty="0"/>
+              <a:t>的转发树，发生</a:t>
+            </a:r>
+            <a:r>
+              <a:rPr lang="en-US" altLang="zh-CN" dirty="0"/>
+              <a:t>network</a:t>
+            </a:r>
+            <a:r>
+              <a:rPr lang="zh-CN" altLang="en-US" dirty="0"/>
+              <a:t>故障需要重新计算）</a:t>
+            </a:r>
+            <a:endParaRPr lang="en-US" altLang="zh-CN" dirty="0"/>
+          </a:p>
+          <a:p>
+            <a:r>
+              <a:rPr lang="en-US" altLang="zh-CN" dirty="0"/>
+              <a:t>	</a:t>
+            </a:r>
+            <a:r>
+              <a:rPr lang="zh-CN" altLang="en-US" dirty="0"/>
+              <a:t>如果</a:t>
+            </a:r>
+            <a:r>
+              <a:rPr lang="en-US" altLang="zh-CN" dirty="0" err="1"/>
+              <a:t>dst</a:t>
+            </a:r>
+            <a:r>
+              <a:rPr lang="en-US" altLang="zh-CN" dirty="0"/>
+              <a:t> </a:t>
+            </a:r>
+            <a:r>
+              <a:rPr lang="en-US" altLang="zh-CN" dirty="0" err="1"/>
+              <a:t>ip</a:t>
+            </a:r>
+            <a:r>
+              <a:rPr lang="zh-CN" altLang="en-US" dirty="0"/>
+              <a:t>是内网</a:t>
+            </a:r>
+            <a:r>
+              <a:rPr lang="en-US" altLang="zh-CN" dirty="0"/>
+              <a:t>192.168.121.0/24</a:t>
+            </a:r>
+            <a:r>
+              <a:rPr lang="zh-CN" altLang="en-US" dirty="0"/>
+              <a:t>的就丢弃（不负责</a:t>
+            </a:r>
+            <a:r>
+              <a:rPr lang="en-US" altLang="zh-CN" dirty="0"/>
+              <a:t>L2</a:t>
+            </a:r>
+            <a:r>
+              <a:rPr lang="zh-CN" altLang="en-US" dirty="0"/>
+              <a:t>转发）；</a:t>
+            </a:r>
+            <a:endParaRPr lang="en-US" altLang="zh-CN" dirty="0"/>
+          </a:p>
+          <a:p>
+            <a:r>
+              <a:rPr lang="en-US" altLang="zh-CN" dirty="0"/>
+              <a:t>	</a:t>
+            </a:r>
+            <a:r>
+              <a:rPr lang="zh-CN" altLang="en-US" dirty="0"/>
+              <a:t>如果</a:t>
+            </a:r>
+            <a:r>
+              <a:rPr lang="en-US" altLang="zh-CN" dirty="0" err="1"/>
+              <a:t>dst</a:t>
+            </a:r>
+            <a:r>
+              <a:rPr lang="en-US" altLang="zh-CN" dirty="0"/>
+              <a:t> </a:t>
+            </a:r>
+            <a:r>
+              <a:rPr lang="en-US" altLang="zh-CN" dirty="0" err="1"/>
+              <a:t>ip</a:t>
+            </a:r>
+            <a:r>
+              <a:rPr lang="zh-CN" altLang="en-US" dirty="0"/>
+              <a:t>是内网</a:t>
+            </a:r>
+            <a:r>
+              <a:rPr lang="en-US" altLang="zh-CN" dirty="0"/>
+              <a:t>10.0.0.0/8</a:t>
+            </a:r>
+            <a:r>
+              <a:rPr lang="zh-CN" altLang="en-US" dirty="0"/>
+              <a:t>的按照</a:t>
+            </a:r>
+            <a:r>
+              <a:rPr lang="en-US" altLang="zh-CN" dirty="0"/>
+              <a:t>SFC domain</a:t>
+            </a:r>
+            <a:r>
+              <a:rPr lang="zh-CN" altLang="en-US" dirty="0"/>
+              <a:t>流表转发；（有一个</a:t>
+            </a:r>
+            <a:r>
+              <a:rPr lang="en-US" altLang="zh-CN" dirty="0"/>
+              <a:t>Ryu app</a:t>
+            </a:r>
+            <a:r>
+              <a:rPr lang="zh-CN" altLang="en-US" dirty="0"/>
+              <a:t>计算</a:t>
+            </a:r>
+            <a:r>
+              <a:rPr lang="en-US" altLang="zh-CN" dirty="0"/>
+              <a:t>UFFR</a:t>
+            </a:r>
+            <a:r>
+              <a:rPr lang="zh-CN" altLang="en-US" dirty="0"/>
+              <a:t>路径，这个是唯一需要和</a:t>
+            </a:r>
+            <a:r>
+              <a:rPr lang="en-US" altLang="zh-CN" dirty="0"/>
+              <a:t>orchestrator</a:t>
+            </a:r>
+            <a:r>
+              <a:rPr lang="zh-CN" altLang="en-US" dirty="0"/>
+              <a:t>交互的</a:t>
+            </a:r>
+            <a:r>
+              <a:rPr lang="en-US" altLang="zh-CN" dirty="0"/>
+              <a:t>app</a:t>
+            </a:r>
+            <a:r>
+              <a:rPr lang="zh-CN" altLang="en-US" dirty="0"/>
+              <a:t>）</a:t>
+            </a:r>
+            <a:endParaRPr lang="en-US" altLang="zh-CN" dirty="0"/>
+          </a:p>
+          <a:p>
+            <a:endParaRPr lang="en-US" altLang="zh-CN" dirty="0"/>
+          </a:p>
+          <a:p>
+            <a:r>
+              <a:rPr lang="en-US" altLang="zh-CN" dirty="0"/>
+              <a:t>Classifier</a:t>
+            </a:r>
+            <a:r>
+              <a:rPr lang="zh-CN" altLang="en-US" dirty="0"/>
+              <a:t>（无状态）执行流分类（</a:t>
+            </a:r>
+            <a:r>
+              <a:rPr lang="en-US" altLang="zh-CN" dirty="0"/>
+              <a:t>match </a:t>
+            </a:r>
+            <a:r>
+              <a:rPr lang="en-US" altLang="zh-CN" dirty="0" err="1"/>
+              <a:t>src</a:t>
+            </a:r>
+            <a:r>
+              <a:rPr lang="en-US" altLang="zh-CN" dirty="0"/>
+              <a:t>/</a:t>
+            </a:r>
+            <a:r>
+              <a:rPr lang="en-US" altLang="zh-CN" dirty="0" err="1"/>
+              <a:t>dst</a:t>
+            </a:r>
+            <a:r>
+              <a:rPr lang="en-US" altLang="zh-CN" dirty="0"/>
+              <a:t> </a:t>
+            </a:r>
+            <a:r>
+              <a:rPr lang="en-US" altLang="zh-CN" dirty="0" err="1"/>
+              <a:t>ip</a:t>
+            </a:r>
+            <a:r>
+              <a:rPr lang="zh-CN" altLang="en-US" dirty="0"/>
+              <a:t>）</a:t>
+            </a:r>
+            <a:endParaRPr lang="en-US" altLang="zh-CN" dirty="0"/>
+          </a:p>
+          <a:p>
+            <a:r>
+              <a:rPr lang="zh-CN" altLang="en-US" dirty="0"/>
+              <a:t>对于正向</a:t>
+            </a:r>
+            <a:r>
+              <a:rPr lang="en-US" altLang="zh-CN" dirty="0"/>
+              <a:t>SFC</a:t>
+            </a:r>
+            <a:r>
+              <a:rPr lang="zh-CN" altLang="en-US" dirty="0"/>
+              <a:t>流（匹配</a:t>
+            </a:r>
+            <a:r>
+              <a:rPr lang="en-US" altLang="zh-CN" dirty="0" err="1"/>
+              <a:t>dst</a:t>
+            </a:r>
+            <a:r>
+              <a:rPr lang="en-US" altLang="zh-CN" dirty="0"/>
+              <a:t> </a:t>
+            </a:r>
+            <a:r>
+              <a:rPr lang="en-US" altLang="zh-CN" dirty="0" err="1"/>
+              <a:t>ip</a:t>
+            </a:r>
+            <a:r>
+              <a:rPr lang="zh-CN" altLang="en-US" dirty="0"/>
+              <a:t>）：</a:t>
+            </a:r>
+            <a:endParaRPr lang="en-US" altLang="zh-CN" dirty="0"/>
+          </a:p>
+          <a:p>
+            <a:r>
+              <a:rPr lang="en-US" altLang="zh-CN" dirty="0" err="1"/>
+              <a:t>Decap</a:t>
+            </a:r>
+            <a:r>
+              <a:rPr lang="en-US" altLang="zh-CN" dirty="0"/>
+              <a:t> mac header</a:t>
+            </a:r>
+            <a:r>
+              <a:rPr lang="zh-CN" altLang="en-US" dirty="0"/>
+              <a:t>；</a:t>
+            </a:r>
+            <a:endParaRPr lang="en-US" altLang="zh-CN" dirty="0"/>
+          </a:p>
+          <a:p>
+            <a:r>
+              <a:rPr lang="en-US" altLang="zh-CN" dirty="0" err="1"/>
+              <a:t>Encap</a:t>
+            </a:r>
+            <a:r>
+              <a:rPr lang="en-US" altLang="zh-CN" dirty="0"/>
+              <a:t> </a:t>
+            </a:r>
+            <a:r>
+              <a:rPr lang="en-US" altLang="zh-CN" dirty="0" err="1"/>
+              <a:t>outter</a:t>
+            </a:r>
+            <a:r>
+              <a:rPr lang="en-US" altLang="zh-CN" dirty="0"/>
+              <a:t> </a:t>
+            </a:r>
+            <a:r>
+              <a:rPr lang="en-US" altLang="zh-CN" dirty="0" err="1"/>
+              <a:t>ip</a:t>
+            </a:r>
+            <a:r>
+              <a:rPr lang="en-US" altLang="zh-CN" dirty="0"/>
+              <a:t> header</a:t>
+            </a:r>
+            <a:r>
+              <a:rPr lang="zh-CN" altLang="en-US" dirty="0"/>
+              <a:t>到下一个</a:t>
+            </a:r>
+            <a:r>
+              <a:rPr lang="en-US" altLang="zh-CN" dirty="0"/>
+              <a:t>VNF</a:t>
+            </a:r>
+            <a:r>
+              <a:rPr lang="zh-CN" altLang="en-US" dirty="0"/>
+              <a:t>所在</a:t>
+            </a:r>
+            <a:r>
+              <a:rPr lang="en-US" altLang="zh-CN" dirty="0"/>
+              <a:t>server</a:t>
+            </a:r>
+            <a:r>
+              <a:rPr lang="zh-CN" altLang="en-US" dirty="0"/>
+              <a:t>，</a:t>
+            </a:r>
+            <a:r>
+              <a:rPr lang="en-US" altLang="zh-CN" dirty="0" err="1"/>
+              <a:t>src</a:t>
+            </a:r>
+            <a:r>
+              <a:rPr lang="en-US" altLang="zh-CN" dirty="0"/>
+              <a:t> </a:t>
+            </a:r>
+            <a:r>
+              <a:rPr lang="en-US" altLang="zh-CN" dirty="0" err="1"/>
+              <a:t>ip</a:t>
+            </a:r>
+            <a:r>
+              <a:rPr lang="en-US" altLang="zh-CN" dirty="0"/>
+              <a:t>=Classifier</a:t>
+            </a:r>
+            <a:r>
+              <a:rPr lang="zh-CN" altLang="en-US" dirty="0"/>
+              <a:t>， </a:t>
+            </a:r>
+            <a:r>
+              <a:rPr lang="en-US" altLang="zh-CN" dirty="0" err="1"/>
+              <a:t>dst</a:t>
+            </a:r>
+            <a:r>
+              <a:rPr lang="en-US" altLang="zh-CN" dirty="0"/>
+              <a:t> </a:t>
+            </a:r>
+            <a:r>
+              <a:rPr lang="en-US" altLang="zh-CN" dirty="0" err="1"/>
+              <a:t>ip</a:t>
+            </a:r>
+            <a:r>
+              <a:rPr lang="en-US" altLang="zh-CN" dirty="0"/>
+              <a:t>=</a:t>
+            </a:r>
+            <a:r>
+              <a:rPr lang="en-US" altLang="zh-CN" dirty="0" err="1"/>
+              <a:t>nextServerSFCDomainIP</a:t>
+            </a:r>
+            <a:endParaRPr lang="en-US" altLang="zh-CN" dirty="0"/>
+          </a:p>
+          <a:p>
+            <a:r>
+              <a:rPr lang="en-US" altLang="zh-CN" dirty="0" err="1"/>
+              <a:t>Encap</a:t>
+            </a:r>
+            <a:r>
+              <a:rPr lang="en-US" altLang="zh-CN" dirty="0"/>
+              <a:t> mac header</a:t>
+            </a:r>
+            <a:r>
+              <a:rPr lang="zh-CN" altLang="en-US" dirty="0"/>
+              <a:t>（</a:t>
+            </a:r>
+            <a:r>
+              <a:rPr lang="en-US" altLang="zh-CN" dirty="0" err="1"/>
+              <a:t>src</a:t>
+            </a:r>
+            <a:r>
+              <a:rPr lang="en-US" altLang="zh-CN" dirty="0"/>
+              <a:t> mac=classifier mac</a:t>
+            </a:r>
+            <a:r>
+              <a:rPr lang="zh-CN" altLang="en-US" dirty="0"/>
+              <a:t>；</a:t>
+            </a:r>
+            <a:r>
+              <a:rPr lang="en-US" altLang="zh-CN" dirty="0" err="1"/>
+              <a:t>dst</a:t>
+            </a:r>
+            <a:r>
+              <a:rPr lang="en-US" altLang="zh-CN" dirty="0"/>
+              <a:t> mac=DCN Gateway mac</a:t>
+            </a:r>
+            <a:r>
+              <a:rPr lang="zh-CN" altLang="en-US" dirty="0"/>
+              <a:t>）</a:t>
+            </a:r>
+            <a:endParaRPr lang="en-US" altLang="zh-CN" dirty="0"/>
+          </a:p>
+          <a:p>
+            <a:r>
+              <a:rPr lang="zh-CN" altLang="en-US" dirty="0"/>
+              <a:t>至此</a:t>
+            </a:r>
+            <a:r>
+              <a:rPr lang="en-US" altLang="zh-CN" dirty="0"/>
+              <a:t>inbound traffic</a:t>
+            </a:r>
+            <a:r>
+              <a:rPr lang="zh-CN" altLang="en-US" dirty="0"/>
+              <a:t>进入</a:t>
+            </a:r>
+            <a:r>
+              <a:rPr lang="en-US" altLang="zh-CN" dirty="0"/>
+              <a:t>SFC domain</a:t>
+            </a:r>
+          </a:p>
+          <a:p>
+            <a:endParaRPr lang="en-US" altLang="zh-CN" dirty="0"/>
+          </a:p>
+          <a:p>
+            <a:r>
+              <a:rPr lang="en-US" altLang="zh-CN" dirty="0"/>
+              <a:t>SFC</a:t>
+            </a:r>
+            <a:r>
+              <a:rPr lang="zh-CN" altLang="en-US" dirty="0"/>
+              <a:t>：</a:t>
+            </a:r>
+            <a:r>
+              <a:rPr lang="en-US" altLang="zh-CN" dirty="0"/>
+              <a:t>FW-&gt;LB</a:t>
+            </a:r>
+          </a:p>
+          <a:p>
+            <a:r>
+              <a:rPr lang="en-US" altLang="zh-CN" dirty="0"/>
+              <a:t>FW</a:t>
+            </a:r>
+            <a:r>
+              <a:rPr lang="zh-CN" altLang="en-US" dirty="0"/>
+              <a:t>：</a:t>
+            </a:r>
+            <a:r>
+              <a:rPr lang="en-US" altLang="zh-CN" dirty="0"/>
+              <a:t>drop or pass</a:t>
+            </a:r>
+          </a:p>
+          <a:p>
+            <a:r>
+              <a:rPr lang="en-US" altLang="zh-CN" dirty="0"/>
+              <a:t>LB</a:t>
+            </a:r>
+            <a:r>
+              <a:rPr lang="zh-CN" altLang="en-US" dirty="0"/>
+              <a:t>：修改</a:t>
+            </a:r>
+            <a:r>
+              <a:rPr lang="en-US" altLang="zh-CN" dirty="0"/>
+              <a:t>inner </a:t>
+            </a:r>
+            <a:r>
+              <a:rPr lang="en-US" altLang="zh-CN" dirty="0" err="1"/>
+              <a:t>dst</a:t>
+            </a:r>
+            <a:r>
+              <a:rPr lang="en-US" altLang="zh-CN" dirty="0"/>
+              <a:t> </a:t>
+            </a:r>
+            <a:r>
+              <a:rPr lang="en-US" altLang="zh-CN" dirty="0" err="1"/>
+              <a:t>ip</a:t>
+            </a:r>
+            <a:r>
+              <a:rPr lang="zh-CN" altLang="en-US" dirty="0"/>
+              <a:t>为</a:t>
+            </a:r>
+            <a:r>
+              <a:rPr lang="en-US" altLang="zh-CN" dirty="0"/>
+              <a:t>website server</a:t>
+            </a:r>
+            <a:r>
+              <a:rPr lang="zh-CN" altLang="en-US" dirty="0"/>
+              <a:t>中的一台（内网</a:t>
+            </a:r>
+            <a:r>
+              <a:rPr lang="en-US" altLang="zh-CN" dirty="0" err="1"/>
+              <a:t>ip</a:t>
+            </a:r>
+            <a:r>
+              <a:rPr lang="zh-CN" altLang="en-US" dirty="0"/>
+              <a:t>）</a:t>
+            </a:r>
+            <a:endParaRPr lang="en-US" altLang="zh-CN" dirty="0"/>
+          </a:p>
+          <a:p>
+            <a:endParaRPr lang="en-US" altLang="zh-CN" dirty="0"/>
+          </a:p>
+          <a:p>
+            <a:pPr marL="0" marR="0" lvl="0" indent="0" algn="l" defTabSz="914400" rtl="0" eaLnBrk="1" fontAlgn="auto" latinLnBrk="0" hangingPunct="1">
+              <a:lnSpc>
+                <a:spcPct val="100000"/>
+              </a:lnSpc>
+              <a:spcBef>
+                <a:spcPts val="0"/>
+              </a:spcBef>
+              <a:spcAft>
+                <a:spcPts val="0"/>
+              </a:spcAft>
+              <a:buClrTx/>
+              <a:buSzTx/>
+              <a:buFontTx/>
+              <a:buNone/>
+              <a:tabLst/>
+              <a:defRPr/>
+            </a:pPr>
+            <a:r>
+              <a:rPr lang="zh-CN" altLang="en-US" dirty="0"/>
+              <a:t>每台</a:t>
+            </a:r>
+            <a:r>
+              <a:rPr lang="en-US" altLang="zh-CN" dirty="0"/>
+              <a:t>VNF server</a:t>
+            </a:r>
+            <a:r>
+              <a:rPr lang="zh-CN" altLang="en-US" dirty="0"/>
+              <a:t>的</a:t>
+            </a:r>
+            <a:r>
+              <a:rPr lang="en-US" altLang="zh-CN" dirty="0"/>
+              <a:t>BESS</a:t>
+            </a:r>
+            <a:r>
+              <a:rPr lang="zh-CN" altLang="en-US" dirty="0"/>
+              <a:t>需要配置默认的</a:t>
+            </a:r>
+            <a:r>
+              <a:rPr lang="en-US" altLang="zh-CN" dirty="0"/>
+              <a:t>gateway</a:t>
+            </a:r>
+            <a:r>
+              <a:rPr lang="zh-CN" altLang="en-US" dirty="0"/>
+              <a:t>为</a:t>
+            </a:r>
+            <a:r>
+              <a:rPr lang="en-US" altLang="zh-CN" dirty="0"/>
+              <a:t>peer </a:t>
+            </a:r>
+            <a:r>
+              <a:rPr lang="en-US" altLang="zh-CN" dirty="0" err="1"/>
+              <a:t>ovs</a:t>
+            </a:r>
+            <a:r>
+              <a:rPr lang="zh-CN" altLang="en-US" dirty="0"/>
+              <a:t>。这个需要控制平面收集信息，并配置</a:t>
+            </a:r>
+            <a:r>
+              <a:rPr lang="en-US" altLang="zh-CN" dirty="0"/>
+              <a:t>BESS</a:t>
+            </a:r>
+            <a:r>
+              <a:rPr lang="zh-CN" altLang="en-US" dirty="0"/>
+              <a:t>来实现这一功能。</a:t>
+            </a:r>
+            <a:endParaRPr lang="en-US" altLang="zh-CN" dirty="0"/>
+          </a:p>
+          <a:p>
+            <a:pPr marL="0" marR="0" lvl="0" indent="0" algn="l" defTabSz="914400" rtl="0" eaLnBrk="1" fontAlgn="auto" latinLnBrk="0" hangingPunct="1">
+              <a:lnSpc>
+                <a:spcPct val="100000"/>
+              </a:lnSpc>
+              <a:spcBef>
+                <a:spcPts val="0"/>
+              </a:spcBef>
+              <a:spcAft>
+                <a:spcPts val="0"/>
+              </a:spcAft>
+              <a:buClrTx/>
+              <a:buSzTx/>
+              <a:buFontTx/>
+              <a:buNone/>
+              <a:tabLst/>
+              <a:defRPr/>
+            </a:pPr>
+            <a:r>
+              <a:rPr lang="zh-CN" altLang="en-US" dirty="0"/>
+              <a:t>每个</a:t>
+            </a:r>
+            <a:r>
+              <a:rPr lang="en-US" altLang="zh-CN" dirty="0"/>
+              <a:t>SFF</a:t>
+            </a:r>
+            <a:r>
+              <a:rPr lang="zh-CN" altLang="en-US" dirty="0"/>
+              <a:t>收到</a:t>
+            </a:r>
+            <a:r>
+              <a:rPr lang="en-US" altLang="zh-CN" dirty="0"/>
+              <a:t>frame</a:t>
+            </a:r>
+            <a:r>
+              <a:rPr lang="zh-CN" altLang="en-US" dirty="0"/>
+              <a:t>不要去掉</a:t>
+            </a:r>
+            <a:r>
+              <a:rPr lang="en-US" altLang="zh-CN" dirty="0"/>
+              <a:t>mac header</a:t>
+            </a:r>
+            <a:r>
+              <a:rPr lang="zh-CN" altLang="en-US" dirty="0"/>
+              <a:t>；</a:t>
+            </a:r>
+            <a:r>
+              <a:rPr lang="en-US" altLang="zh-CN" dirty="0"/>
+              <a:t>traffic</a:t>
+            </a:r>
+            <a:r>
+              <a:rPr lang="zh-CN" altLang="en-US" dirty="0"/>
+              <a:t>从</a:t>
+            </a:r>
+            <a:r>
+              <a:rPr lang="en-US" altLang="zh-CN" dirty="0"/>
+              <a:t>server</a:t>
+            </a:r>
+            <a:r>
+              <a:rPr lang="zh-CN" altLang="en-US" dirty="0"/>
+              <a:t>发出去时，修改</a:t>
+            </a:r>
+            <a:r>
+              <a:rPr lang="en-US" altLang="zh-CN" dirty="0" err="1"/>
+              <a:t>outter</a:t>
+            </a:r>
+            <a:r>
+              <a:rPr lang="en-US" altLang="zh-CN" dirty="0"/>
+              <a:t> mac header</a:t>
+            </a:r>
+            <a:r>
+              <a:rPr lang="zh-CN" altLang="en-US" dirty="0"/>
+              <a:t>：</a:t>
+            </a:r>
+            <a:r>
+              <a:rPr lang="en-US" altLang="zh-CN" dirty="0" err="1"/>
+              <a:t>src</a:t>
+            </a:r>
+            <a:r>
+              <a:rPr lang="en-US" altLang="zh-CN" dirty="0"/>
+              <a:t> mac=server mac</a:t>
+            </a:r>
+            <a:r>
+              <a:rPr lang="zh-CN" altLang="en-US" dirty="0"/>
+              <a:t>；</a:t>
+            </a:r>
+            <a:r>
+              <a:rPr lang="en-US" altLang="zh-CN" dirty="0" err="1"/>
+              <a:t>dst</a:t>
+            </a:r>
+            <a:r>
+              <a:rPr lang="en-US" altLang="zh-CN" dirty="0"/>
+              <a:t> mac=</a:t>
+            </a:r>
+            <a:r>
+              <a:rPr lang="en-US" altLang="zh-CN" dirty="0" err="1"/>
+              <a:t>ovs</a:t>
+            </a:r>
+            <a:r>
+              <a:rPr lang="en-US" altLang="zh-CN" dirty="0"/>
+              <a:t> mac</a:t>
+            </a:r>
+            <a:r>
+              <a:rPr lang="zh-CN" altLang="en-US" dirty="0"/>
+              <a:t>。</a:t>
+            </a:r>
+            <a:endParaRPr lang="en-US" altLang="zh-CN" dirty="0"/>
+          </a:p>
+          <a:p>
+            <a:r>
+              <a:rPr lang="zh-CN" altLang="en-US" dirty="0"/>
+              <a:t>第一个</a:t>
+            </a:r>
+            <a:r>
+              <a:rPr lang="en-US" altLang="zh-CN" dirty="0"/>
+              <a:t>SFF</a:t>
+            </a:r>
+            <a:r>
+              <a:rPr lang="zh-CN" altLang="en-US" dirty="0"/>
+              <a:t>在</a:t>
+            </a:r>
+            <a:r>
+              <a:rPr lang="en-US" altLang="zh-CN" dirty="0"/>
+              <a:t>VNF</a:t>
+            </a:r>
+            <a:r>
+              <a:rPr lang="zh-CN" altLang="en-US" dirty="0"/>
+              <a:t>处理完</a:t>
+            </a:r>
+            <a:r>
+              <a:rPr lang="en-US" altLang="zh-CN" dirty="0"/>
+              <a:t>traffic</a:t>
+            </a:r>
+            <a:r>
+              <a:rPr lang="zh-CN" altLang="en-US" dirty="0"/>
+              <a:t>后更新</a:t>
+            </a:r>
+            <a:r>
+              <a:rPr lang="en-US" altLang="zh-CN" dirty="0" err="1"/>
+              <a:t>outter</a:t>
+            </a:r>
+            <a:r>
+              <a:rPr lang="en-US" altLang="zh-CN" dirty="0"/>
+              <a:t> </a:t>
+            </a:r>
+            <a:r>
+              <a:rPr lang="en-US" altLang="zh-CN" dirty="0" err="1"/>
+              <a:t>ip</a:t>
+            </a:r>
+            <a:r>
+              <a:rPr lang="en-US" altLang="zh-CN" dirty="0"/>
+              <a:t> header</a:t>
+            </a:r>
+            <a:r>
+              <a:rPr lang="zh-CN" altLang="en-US" dirty="0"/>
+              <a:t>（只更新</a:t>
+            </a:r>
+            <a:r>
+              <a:rPr lang="en-US" altLang="zh-CN" dirty="0" err="1"/>
+              <a:t>dst</a:t>
+            </a:r>
+            <a:r>
+              <a:rPr lang="en-US" altLang="zh-CN" dirty="0"/>
+              <a:t> </a:t>
+            </a:r>
+            <a:r>
+              <a:rPr lang="en-US" altLang="zh-CN" dirty="0" err="1"/>
+              <a:t>ip</a:t>
+            </a:r>
+            <a:r>
+              <a:rPr lang="zh-CN" altLang="en-US" dirty="0"/>
+              <a:t>；</a:t>
+            </a:r>
+            <a:r>
+              <a:rPr lang="en-US" altLang="zh-CN" dirty="0" err="1"/>
+              <a:t>src</a:t>
+            </a:r>
+            <a:r>
+              <a:rPr lang="en-US" altLang="zh-CN" dirty="0"/>
+              <a:t> </a:t>
+            </a:r>
+            <a:r>
+              <a:rPr lang="en-US" altLang="zh-CN" dirty="0" err="1"/>
+              <a:t>ip</a:t>
+            </a:r>
+            <a:r>
+              <a:rPr lang="en-US" altLang="zh-CN" dirty="0"/>
+              <a:t>=classifier </a:t>
+            </a:r>
+            <a:r>
+              <a:rPr lang="en-US" altLang="zh-CN" dirty="0" err="1"/>
+              <a:t>ip</a:t>
+            </a:r>
+            <a:r>
+              <a:rPr lang="zh-CN" altLang="en-US" dirty="0"/>
+              <a:t>不变）；</a:t>
+            </a:r>
+            <a:endParaRPr lang="en-US" altLang="zh-CN" dirty="0"/>
+          </a:p>
+          <a:p>
+            <a:r>
+              <a:rPr lang="zh-CN" altLang="en-US" dirty="0"/>
+              <a:t>最后一个</a:t>
+            </a:r>
+            <a:r>
+              <a:rPr lang="en-US" altLang="zh-CN" dirty="0"/>
+              <a:t>SFF</a:t>
+            </a:r>
+            <a:r>
+              <a:rPr lang="zh-CN" altLang="en-US" dirty="0"/>
+              <a:t>解封</a:t>
+            </a:r>
+            <a:r>
+              <a:rPr lang="en-US" altLang="zh-CN" dirty="0" err="1"/>
+              <a:t>outter</a:t>
+            </a:r>
+            <a:r>
+              <a:rPr lang="en-US" altLang="zh-CN" dirty="0"/>
+              <a:t> </a:t>
+            </a:r>
+            <a:r>
+              <a:rPr lang="en-US" altLang="zh-CN" dirty="0" err="1"/>
+              <a:t>ip</a:t>
+            </a:r>
+            <a:r>
+              <a:rPr lang="en-US" altLang="zh-CN" dirty="0"/>
+              <a:t> header</a:t>
+            </a:r>
+            <a:r>
+              <a:rPr lang="zh-CN" altLang="en-US" dirty="0"/>
+              <a:t>，离开</a:t>
+            </a:r>
+            <a:r>
+              <a:rPr lang="en-US" altLang="zh-CN" dirty="0"/>
+              <a:t>SFC Domain</a:t>
+            </a:r>
+            <a:r>
+              <a:rPr lang="zh-CN" altLang="en-US" dirty="0"/>
+              <a:t>，进入</a:t>
+            </a:r>
+            <a:r>
+              <a:rPr lang="en-US" altLang="zh-CN" dirty="0"/>
+              <a:t>L2</a:t>
+            </a:r>
+            <a:r>
+              <a:rPr lang="zh-CN" altLang="en-US" dirty="0"/>
+              <a:t>转发。</a:t>
+            </a:r>
+            <a:endParaRPr lang="en-US" altLang="zh-CN" dirty="0"/>
+          </a:p>
+          <a:p>
+            <a:r>
+              <a:rPr lang="en-US" altLang="zh-CN" dirty="0" err="1"/>
+              <a:t>src</a:t>
+            </a:r>
+            <a:r>
+              <a:rPr lang="en-US" altLang="zh-CN" dirty="0"/>
+              <a:t> mac=classifier mac</a:t>
+            </a:r>
+            <a:r>
+              <a:rPr lang="zh-CN" altLang="en-US" dirty="0"/>
+              <a:t>（伪造</a:t>
+            </a:r>
+            <a:r>
+              <a:rPr lang="en-US" altLang="zh-CN" dirty="0" err="1"/>
+              <a:t>src</a:t>
+            </a:r>
+            <a:r>
+              <a:rPr lang="en-US" altLang="zh-CN" dirty="0"/>
+              <a:t> mac</a:t>
+            </a:r>
+            <a:r>
+              <a:rPr lang="zh-CN" altLang="en-US" dirty="0"/>
+              <a:t>，这步很重要，因为只有这样才能保证</a:t>
+            </a:r>
+            <a:r>
+              <a:rPr lang="en-US" altLang="zh-CN" dirty="0"/>
+              <a:t>website server</a:t>
+            </a:r>
+            <a:r>
+              <a:rPr lang="zh-CN" altLang="en-US" dirty="0"/>
+              <a:t>把</a:t>
+            </a:r>
+            <a:r>
+              <a:rPr lang="en-US" altLang="zh-CN" dirty="0"/>
+              <a:t>traffic</a:t>
+            </a:r>
+            <a:r>
+              <a:rPr lang="zh-CN" altLang="en-US" dirty="0"/>
+              <a:t>发回</a:t>
+            </a:r>
+            <a:r>
+              <a:rPr lang="en-US" altLang="zh-CN" dirty="0"/>
+              <a:t>classifier</a:t>
+            </a:r>
+            <a:r>
+              <a:rPr lang="zh-CN" altLang="en-US" dirty="0"/>
+              <a:t>）</a:t>
+            </a:r>
+            <a:endParaRPr lang="en-US" altLang="zh-CN" dirty="0"/>
+          </a:p>
+          <a:p>
+            <a:r>
+              <a:rPr lang="en-US" altLang="zh-CN" dirty="0" err="1"/>
+              <a:t>dst</a:t>
+            </a:r>
+            <a:r>
+              <a:rPr lang="en-US" altLang="zh-CN" dirty="0"/>
+              <a:t> mac=</a:t>
+            </a:r>
+            <a:r>
+              <a:rPr lang="zh-CN" altLang="en-US" dirty="0"/>
+              <a:t>根据情况</a:t>
+            </a:r>
+            <a:endParaRPr lang="en-US" altLang="zh-CN" dirty="0"/>
+          </a:p>
+          <a:p>
+            <a:pPr marL="0" marR="0" lvl="0" indent="0" algn="l" defTabSz="914400" rtl="0" eaLnBrk="1" fontAlgn="auto" latinLnBrk="0" hangingPunct="1">
+              <a:lnSpc>
+                <a:spcPct val="100000"/>
+              </a:lnSpc>
+              <a:spcBef>
+                <a:spcPts val="0"/>
+              </a:spcBef>
+              <a:spcAft>
+                <a:spcPts val="0"/>
+              </a:spcAft>
+              <a:buClrTx/>
+              <a:buSzTx/>
+              <a:buFontTx/>
+              <a:buNone/>
+              <a:tabLst/>
+              <a:defRPr/>
+            </a:pPr>
+            <a:r>
+              <a:rPr lang="en-US" altLang="zh-CN" dirty="0" err="1"/>
+              <a:t>src</a:t>
+            </a:r>
+            <a:r>
+              <a:rPr lang="en-US" altLang="zh-CN" dirty="0"/>
+              <a:t> </a:t>
+            </a:r>
+            <a:r>
+              <a:rPr lang="en-US" altLang="zh-CN" dirty="0" err="1"/>
+              <a:t>ip</a:t>
+            </a:r>
+            <a:r>
+              <a:rPr lang="en-US" altLang="zh-CN" dirty="0"/>
+              <a:t>=</a:t>
+            </a:r>
+            <a:r>
+              <a:rPr lang="zh-CN" altLang="en-US" dirty="0"/>
+              <a:t>？（不变或者被</a:t>
+            </a:r>
+            <a:r>
+              <a:rPr lang="en-US" altLang="zh-CN" dirty="0"/>
+              <a:t>VNF</a:t>
+            </a:r>
+            <a:r>
+              <a:rPr lang="zh-CN" altLang="en-US" dirty="0"/>
+              <a:t>处理过）</a:t>
+            </a:r>
+            <a:endParaRPr lang="en-US" altLang="zh-CN" dirty="0"/>
+          </a:p>
+          <a:p>
+            <a:r>
+              <a:rPr lang="en-US" altLang="zh-CN" dirty="0" err="1"/>
+              <a:t>dst</a:t>
+            </a:r>
+            <a:r>
+              <a:rPr lang="en-US" altLang="zh-CN" dirty="0"/>
+              <a:t> </a:t>
+            </a:r>
+            <a:r>
+              <a:rPr lang="en-US" altLang="zh-CN" dirty="0" err="1"/>
+              <a:t>ip</a:t>
+            </a:r>
+            <a:r>
+              <a:rPr lang="en-US" altLang="zh-CN" dirty="0"/>
+              <a:t>=</a:t>
+            </a:r>
+            <a:r>
+              <a:rPr lang="zh-CN" altLang="en-US" dirty="0"/>
+              <a:t>？（不变或者被</a:t>
+            </a:r>
+            <a:r>
+              <a:rPr lang="en-US" altLang="zh-CN" dirty="0"/>
+              <a:t>VNF</a:t>
+            </a:r>
+            <a:r>
+              <a:rPr lang="zh-CN" altLang="en-US" dirty="0"/>
+              <a:t>处理过）</a:t>
+            </a:r>
+            <a:endParaRPr lang="en-US" altLang="zh-CN" dirty="0"/>
+          </a:p>
+          <a:p>
+            <a:endParaRPr lang="en-US" altLang="zh-CN" dirty="0"/>
+          </a:p>
+          <a:p>
+            <a:r>
+              <a:rPr lang="en-US" altLang="zh-CN" dirty="0"/>
+              <a:t>Website server</a:t>
+            </a:r>
+            <a:r>
+              <a:rPr lang="zh-CN" altLang="en-US" dirty="0"/>
+              <a:t>收到</a:t>
+            </a:r>
+            <a:r>
+              <a:rPr lang="en-US" altLang="zh-CN" dirty="0"/>
+              <a:t>inbound traffic</a:t>
+            </a:r>
+            <a:r>
+              <a:rPr lang="zh-CN" altLang="en-US" dirty="0"/>
+              <a:t>，处理完毕，交换</a:t>
+            </a:r>
+            <a:r>
+              <a:rPr lang="en-US" altLang="zh-CN" dirty="0" err="1"/>
+              <a:t>dst</a:t>
+            </a:r>
+            <a:r>
+              <a:rPr lang="en-US" altLang="zh-CN" dirty="0"/>
+              <a:t>/</a:t>
+            </a:r>
+            <a:r>
+              <a:rPr lang="en-US" altLang="zh-CN" dirty="0" err="1"/>
+              <a:t>src</a:t>
+            </a:r>
+            <a:r>
+              <a:rPr lang="en-US" altLang="zh-CN" dirty="0"/>
+              <a:t> port</a:t>
+            </a:r>
+            <a:r>
+              <a:rPr lang="zh-CN" altLang="en-US" dirty="0"/>
+              <a:t>，交换</a:t>
+            </a:r>
+            <a:r>
+              <a:rPr lang="en-US" altLang="zh-CN" dirty="0" err="1"/>
+              <a:t>dst</a:t>
+            </a:r>
+            <a:r>
+              <a:rPr lang="en-US" altLang="zh-CN" dirty="0"/>
+              <a:t>/</a:t>
+            </a:r>
+            <a:r>
+              <a:rPr lang="en-US" altLang="zh-CN" dirty="0" err="1"/>
+              <a:t>src</a:t>
+            </a:r>
+            <a:r>
+              <a:rPr lang="en-US" altLang="zh-CN" dirty="0"/>
+              <a:t> </a:t>
+            </a:r>
+            <a:r>
+              <a:rPr lang="en-US" altLang="zh-CN" dirty="0" err="1"/>
+              <a:t>ip</a:t>
+            </a:r>
+            <a:r>
+              <a:rPr lang="zh-CN" altLang="en-US" dirty="0"/>
+              <a:t>，交换</a:t>
+            </a:r>
+            <a:r>
+              <a:rPr lang="en-US" altLang="zh-CN" dirty="0" err="1"/>
+              <a:t>dst</a:t>
+            </a:r>
+            <a:r>
+              <a:rPr lang="en-US" altLang="zh-CN" dirty="0"/>
+              <a:t>/</a:t>
+            </a:r>
+            <a:r>
+              <a:rPr lang="en-US" altLang="zh-CN" dirty="0" err="1"/>
+              <a:t>src</a:t>
+            </a:r>
+            <a:r>
+              <a:rPr lang="en-US" altLang="zh-CN" dirty="0"/>
+              <a:t> mac</a:t>
+            </a:r>
+            <a:r>
+              <a:rPr lang="zh-CN" altLang="en-US" dirty="0"/>
+              <a:t>，发出</a:t>
+            </a:r>
+            <a:r>
+              <a:rPr lang="en-US" altLang="zh-CN" dirty="0"/>
+              <a:t>outbound traffic</a:t>
+            </a:r>
+            <a:r>
+              <a:rPr lang="zh-CN" altLang="en-US" dirty="0"/>
+              <a:t>。</a:t>
+            </a:r>
+            <a:endParaRPr lang="en-US" altLang="zh-CN" dirty="0"/>
+          </a:p>
+          <a:p>
+            <a:r>
+              <a:rPr lang="en-US" altLang="zh-CN" dirty="0"/>
+              <a:t>PS</a:t>
+            </a:r>
+            <a:r>
+              <a:rPr lang="zh-CN" altLang="en-US" dirty="0"/>
+              <a:t>：所有的</a:t>
+            </a:r>
+            <a:r>
+              <a:rPr lang="en-US" altLang="zh-CN" dirty="0"/>
+              <a:t>server</a:t>
+            </a:r>
+            <a:r>
+              <a:rPr lang="zh-CN" altLang="en-US" dirty="0"/>
+              <a:t>都要运行</a:t>
+            </a:r>
+            <a:r>
+              <a:rPr lang="en-US" altLang="zh-CN" dirty="0" err="1"/>
+              <a:t>arp</a:t>
+            </a:r>
+            <a:r>
+              <a:rPr lang="zh-CN" altLang="en-US" dirty="0"/>
+              <a:t>程序处理</a:t>
+            </a:r>
+            <a:r>
+              <a:rPr lang="en-US" altLang="zh-CN" dirty="0"/>
+              <a:t>192.168.121.0/24</a:t>
+            </a:r>
+            <a:r>
+              <a:rPr lang="zh-CN" altLang="en-US" dirty="0"/>
+              <a:t>网段的信息，每台</a:t>
+            </a:r>
+            <a:r>
+              <a:rPr lang="en-US" altLang="zh-CN" dirty="0"/>
+              <a:t>server</a:t>
+            </a:r>
+            <a:r>
+              <a:rPr lang="zh-CN" altLang="en-US" dirty="0"/>
+              <a:t>都分配一个</a:t>
+            </a:r>
+            <a:r>
+              <a:rPr lang="en-US" altLang="zh-CN" dirty="0"/>
+              <a:t>192.168.121.0/24</a:t>
+            </a:r>
+            <a:r>
+              <a:rPr lang="zh-CN" altLang="en-US" dirty="0"/>
+              <a:t>的</a:t>
+            </a:r>
+            <a:r>
+              <a:rPr lang="en-US" altLang="zh-CN" dirty="0" err="1"/>
+              <a:t>ip</a:t>
+            </a:r>
+            <a:r>
+              <a:rPr lang="zh-CN" altLang="en-US" dirty="0"/>
+              <a:t>地址（</a:t>
+            </a:r>
+            <a:r>
+              <a:rPr lang="en-US" altLang="zh-CN" dirty="0" err="1"/>
+              <a:t>dpdknic</a:t>
+            </a:r>
+            <a:r>
+              <a:rPr lang="zh-CN" altLang="en-US" dirty="0"/>
+              <a:t>无法处理，需要</a:t>
+            </a:r>
+            <a:r>
+              <a:rPr lang="en-US" altLang="zh-CN" dirty="0"/>
+              <a:t>kernel </a:t>
+            </a:r>
+            <a:r>
+              <a:rPr lang="en-US" altLang="zh-CN" dirty="0" err="1"/>
+              <a:t>nic</a:t>
+            </a:r>
+            <a:r>
+              <a:rPr lang="zh-CN" altLang="en-US" dirty="0"/>
+              <a:t>来处理）。而</a:t>
+            </a:r>
+            <a:r>
+              <a:rPr lang="en-US" altLang="zh-CN" dirty="0"/>
+              <a:t>10.0.0.0/8</a:t>
+            </a:r>
+            <a:r>
+              <a:rPr lang="zh-CN" altLang="en-US" dirty="0"/>
+              <a:t>网段的</a:t>
+            </a:r>
+            <a:r>
+              <a:rPr lang="en-US" altLang="zh-CN" dirty="0"/>
+              <a:t>mac-</a:t>
+            </a:r>
+            <a:r>
+              <a:rPr lang="en-US" altLang="zh-CN" dirty="0" err="1"/>
+              <a:t>ip</a:t>
+            </a:r>
+            <a:r>
+              <a:rPr lang="zh-CN" altLang="en-US" dirty="0"/>
+              <a:t>信息通过</a:t>
+            </a:r>
+            <a:r>
+              <a:rPr lang="en-US" altLang="zh-CN" dirty="0" err="1"/>
+              <a:t>serverAgent</a:t>
+            </a:r>
+            <a:r>
+              <a:rPr lang="zh-CN" altLang="en-US" dirty="0"/>
+              <a:t>发给</a:t>
+            </a:r>
+            <a:r>
+              <a:rPr lang="en-US" altLang="zh-CN" dirty="0"/>
+              <a:t>orchestrator</a:t>
+            </a:r>
+            <a:r>
+              <a:rPr lang="zh-CN" altLang="en-US" dirty="0"/>
+              <a:t>。</a:t>
+            </a:r>
+            <a:endParaRPr lang="en-US" altLang="zh-CN" dirty="0"/>
+          </a:p>
+          <a:p>
+            <a:endParaRPr lang="en-US" altLang="zh-CN" dirty="0"/>
+          </a:p>
+          <a:p>
+            <a:r>
+              <a:rPr lang="en-US" altLang="zh-CN" dirty="0"/>
+              <a:t>Classifier</a:t>
+            </a:r>
+            <a:r>
+              <a:rPr lang="zh-CN" altLang="en-US" dirty="0"/>
+              <a:t>会收到</a:t>
+            </a:r>
+            <a:r>
+              <a:rPr lang="en-US" altLang="zh-CN" dirty="0"/>
+              <a:t>outbound traffic</a:t>
+            </a:r>
+            <a:r>
+              <a:rPr lang="zh-CN" altLang="en-US" dirty="0"/>
+              <a:t>，其中</a:t>
+            </a:r>
+            <a:r>
+              <a:rPr lang="en-US" altLang="zh-CN" dirty="0" err="1"/>
+              <a:t>src</a:t>
+            </a:r>
+            <a:r>
+              <a:rPr lang="en-US" altLang="zh-CN" dirty="0"/>
+              <a:t> </a:t>
+            </a:r>
+            <a:r>
+              <a:rPr lang="en-US" altLang="zh-CN" dirty="0" err="1"/>
+              <a:t>ip</a:t>
+            </a:r>
+            <a:r>
+              <a:rPr lang="zh-CN" altLang="en-US" dirty="0"/>
+              <a:t>是某台</a:t>
+            </a:r>
+            <a:r>
+              <a:rPr lang="en-US" altLang="zh-CN" dirty="0"/>
+              <a:t>website</a:t>
+            </a:r>
+            <a:r>
+              <a:rPr lang="zh-CN" altLang="en-US" dirty="0"/>
+              <a:t>的</a:t>
+            </a:r>
+            <a:r>
+              <a:rPr lang="en-US" altLang="zh-CN" dirty="0" err="1"/>
+              <a:t>ip</a:t>
+            </a:r>
+            <a:r>
+              <a:rPr lang="zh-CN" altLang="en-US" dirty="0"/>
+              <a:t>（匹配</a:t>
+            </a:r>
+            <a:r>
+              <a:rPr lang="en-US" altLang="zh-CN" dirty="0" err="1"/>
+              <a:t>src</a:t>
+            </a:r>
+            <a:r>
+              <a:rPr lang="en-US" altLang="zh-CN" dirty="0"/>
+              <a:t> </a:t>
+            </a:r>
+            <a:r>
+              <a:rPr lang="en-US" altLang="zh-CN" dirty="0" err="1"/>
+              <a:t>ip</a:t>
+            </a:r>
+            <a:r>
+              <a:rPr lang="zh-CN" altLang="en-US" dirty="0"/>
+              <a:t>）</a:t>
+            </a:r>
+            <a:endParaRPr lang="en-US" altLang="zh-CN" dirty="0"/>
+          </a:p>
+          <a:p>
+            <a:r>
+              <a:rPr lang="zh-CN" altLang="en-US" dirty="0"/>
+              <a:t>分类为</a:t>
+            </a:r>
+            <a:r>
+              <a:rPr lang="en-US" altLang="zh-CN" dirty="0"/>
+              <a:t>SFC</a:t>
+            </a:r>
+            <a:r>
+              <a:rPr lang="zh-CN" altLang="en-US" dirty="0"/>
+              <a:t>流（匹配</a:t>
+            </a:r>
+            <a:r>
+              <a:rPr lang="en-US" altLang="zh-CN" dirty="0" err="1"/>
+              <a:t>src</a:t>
+            </a:r>
+            <a:r>
+              <a:rPr lang="en-US" altLang="zh-CN" dirty="0"/>
+              <a:t> </a:t>
+            </a:r>
+            <a:r>
+              <a:rPr lang="en-US" altLang="zh-CN" dirty="0" err="1"/>
+              <a:t>ip</a:t>
+            </a:r>
+            <a:r>
+              <a:rPr lang="zh-CN" altLang="en-US" dirty="0"/>
+              <a:t>）：</a:t>
+            </a:r>
+            <a:endParaRPr lang="en-US" altLang="zh-CN" dirty="0"/>
+          </a:p>
+          <a:p>
+            <a:r>
+              <a:rPr lang="en-US" altLang="zh-CN" dirty="0" err="1"/>
+              <a:t>Decap</a:t>
+            </a:r>
+            <a:r>
+              <a:rPr lang="en-US" altLang="zh-CN" dirty="0"/>
+              <a:t> mac header</a:t>
+            </a:r>
+            <a:r>
+              <a:rPr lang="zh-CN" altLang="en-US" dirty="0"/>
+              <a:t>；</a:t>
+            </a:r>
+            <a:endParaRPr lang="en-US" altLang="zh-CN" dirty="0"/>
+          </a:p>
+          <a:p>
+            <a:r>
+              <a:rPr lang="en-US" altLang="zh-CN" dirty="0" err="1"/>
+              <a:t>Encap</a:t>
+            </a:r>
+            <a:r>
+              <a:rPr lang="en-US" altLang="zh-CN" dirty="0"/>
+              <a:t> </a:t>
+            </a:r>
+            <a:r>
+              <a:rPr lang="en-US" altLang="zh-CN" dirty="0" err="1"/>
+              <a:t>outter</a:t>
+            </a:r>
+            <a:r>
+              <a:rPr lang="en-US" altLang="zh-CN" dirty="0"/>
+              <a:t> </a:t>
+            </a:r>
+            <a:r>
+              <a:rPr lang="en-US" altLang="zh-CN" dirty="0" err="1"/>
+              <a:t>ip</a:t>
+            </a:r>
+            <a:r>
+              <a:rPr lang="en-US" altLang="zh-CN" dirty="0"/>
+              <a:t> header</a:t>
+            </a:r>
+            <a:r>
+              <a:rPr lang="zh-CN" altLang="en-US" dirty="0"/>
+              <a:t>到下一个</a:t>
+            </a:r>
+            <a:r>
+              <a:rPr lang="en-US" altLang="zh-CN" dirty="0"/>
+              <a:t>VNF</a:t>
+            </a:r>
+            <a:r>
+              <a:rPr lang="zh-CN" altLang="en-US" dirty="0"/>
+              <a:t>所在</a:t>
+            </a:r>
+            <a:r>
+              <a:rPr lang="en-US" altLang="zh-CN" dirty="0"/>
+              <a:t>server</a:t>
+            </a:r>
+            <a:r>
+              <a:rPr lang="zh-CN" altLang="en-US" dirty="0"/>
+              <a:t>，</a:t>
+            </a:r>
+            <a:r>
+              <a:rPr lang="en-US" altLang="zh-CN" dirty="0" err="1"/>
+              <a:t>src</a:t>
+            </a:r>
+            <a:r>
+              <a:rPr lang="en-US" altLang="zh-CN" dirty="0"/>
+              <a:t> </a:t>
+            </a:r>
+            <a:r>
+              <a:rPr lang="en-US" altLang="zh-CN" dirty="0" err="1"/>
+              <a:t>ip</a:t>
+            </a:r>
+            <a:r>
+              <a:rPr lang="en-US" altLang="zh-CN" dirty="0"/>
+              <a:t>=Classifier</a:t>
+            </a:r>
+            <a:r>
+              <a:rPr lang="zh-CN" altLang="en-US" dirty="0"/>
+              <a:t>， </a:t>
+            </a:r>
+            <a:r>
+              <a:rPr lang="en-US" altLang="zh-CN" dirty="0" err="1"/>
+              <a:t>dst</a:t>
+            </a:r>
+            <a:r>
+              <a:rPr lang="en-US" altLang="zh-CN" dirty="0"/>
+              <a:t> </a:t>
+            </a:r>
+            <a:r>
+              <a:rPr lang="en-US" altLang="zh-CN" dirty="0" err="1"/>
+              <a:t>ip</a:t>
+            </a:r>
+            <a:r>
+              <a:rPr lang="en-US" altLang="zh-CN" dirty="0"/>
+              <a:t>=</a:t>
+            </a:r>
+            <a:r>
+              <a:rPr lang="en-US" altLang="zh-CN" dirty="0" err="1"/>
+              <a:t>nextServerSFCDomainIP</a:t>
+            </a:r>
+            <a:endParaRPr lang="en-US" altLang="zh-CN" dirty="0"/>
+          </a:p>
+          <a:p>
+            <a:r>
+              <a:rPr lang="en-US" altLang="zh-CN" dirty="0" err="1"/>
+              <a:t>Encap</a:t>
+            </a:r>
+            <a:r>
+              <a:rPr lang="en-US" altLang="zh-CN" dirty="0"/>
+              <a:t> mac header</a:t>
+            </a:r>
+            <a:r>
+              <a:rPr lang="zh-CN" altLang="en-US" dirty="0"/>
+              <a:t>（</a:t>
+            </a:r>
+            <a:r>
+              <a:rPr lang="en-US" altLang="zh-CN" dirty="0" err="1"/>
+              <a:t>src</a:t>
+            </a:r>
+            <a:r>
+              <a:rPr lang="en-US" altLang="zh-CN" dirty="0"/>
+              <a:t> mac=classifier mac</a:t>
+            </a:r>
+            <a:r>
+              <a:rPr lang="zh-CN" altLang="en-US" dirty="0"/>
+              <a:t>；</a:t>
+            </a:r>
+            <a:r>
+              <a:rPr lang="en-US" altLang="zh-CN" dirty="0" err="1"/>
+              <a:t>dst</a:t>
+            </a:r>
+            <a:r>
+              <a:rPr lang="en-US" altLang="zh-CN" dirty="0"/>
+              <a:t> mac=DCN Gateway mac</a:t>
+            </a:r>
+            <a:r>
+              <a:rPr lang="zh-CN" altLang="en-US" dirty="0"/>
+              <a:t>）</a:t>
+            </a:r>
+            <a:endParaRPr lang="en-US" altLang="zh-CN" dirty="0"/>
+          </a:p>
+          <a:p>
+            <a:r>
+              <a:rPr lang="zh-CN" altLang="en-US" dirty="0"/>
+              <a:t>至此</a:t>
+            </a:r>
+            <a:r>
+              <a:rPr lang="en-US" altLang="zh-CN" dirty="0"/>
+              <a:t>outbound traffic</a:t>
+            </a:r>
+            <a:r>
+              <a:rPr lang="zh-CN" altLang="en-US" dirty="0"/>
+              <a:t>进入反向</a:t>
+            </a:r>
+            <a:r>
+              <a:rPr lang="en-US" altLang="zh-CN" dirty="0"/>
+              <a:t>SFC domain</a:t>
+            </a:r>
+            <a:r>
+              <a:rPr lang="zh-CN" altLang="en-US" dirty="0"/>
+              <a:t>。</a:t>
+            </a:r>
+            <a:endParaRPr lang="en-US" altLang="zh-CN" dirty="0"/>
+          </a:p>
+          <a:p>
+            <a:endParaRPr lang="en-US" altLang="zh-CN" dirty="0"/>
+          </a:p>
+          <a:p>
+            <a:r>
+              <a:rPr lang="zh-CN" altLang="en-US" dirty="0"/>
+              <a:t>反向</a:t>
+            </a:r>
+            <a:r>
+              <a:rPr lang="en-US" altLang="zh-CN" dirty="0"/>
+              <a:t>SFC</a:t>
+            </a:r>
+            <a:r>
+              <a:rPr lang="zh-CN" altLang="en-US" dirty="0"/>
+              <a:t>：</a:t>
+            </a:r>
+            <a:r>
+              <a:rPr lang="en-US" altLang="zh-CN" dirty="0"/>
+              <a:t>LB-&gt;FW</a:t>
+            </a:r>
+          </a:p>
+          <a:p>
+            <a:r>
+              <a:rPr lang="zh-CN" altLang="en-US" dirty="0"/>
+              <a:t>最后一个</a:t>
+            </a:r>
+            <a:r>
+              <a:rPr lang="en-US" altLang="zh-CN" dirty="0"/>
+              <a:t>SFF</a:t>
+            </a:r>
+            <a:r>
+              <a:rPr lang="zh-CN" altLang="en-US" dirty="0"/>
+              <a:t>负责解封装，得到</a:t>
+            </a:r>
+            <a:r>
+              <a:rPr lang="en-US" altLang="zh-CN" dirty="0"/>
+              <a:t>inner </a:t>
+            </a:r>
+            <a:r>
+              <a:rPr lang="en-US" altLang="zh-CN" dirty="0" err="1"/>
+              <a:t>src</a:t>
+            </a:r>
+            <a:r>
+              <a:rPr lang="en-US" altLang="zh-CN" dirty="0"/>
+              <a:t> </a:t>
+            </a:r>
+            <a:r>
+              <a:rPr lang="en-US" altLang="zh-CN" dirty="0" err="1"/>
+              <a:t>ip</a:t>
+            </a:r>
+            <a:r>
+              <a:rPr lang="en-US" altLang="zh-CN" dirty="0"/>
+              <a:t>=website</a:t>
+            </a:r>
+            <a:r>
+              <a:rPr lang="zh-CN" altLang="en-US" dirty="0"/>
+              <a:t>（公网</a:t>
+            </a:r>
+            <a:r>
+              <a:rPr lang="en-US" altLang="zh-CN" dirty="0" err="1"/>
+              <a:t>ip</a:t>
+            </a:r>
+            <a:r>
+              <a:rPr lang="zh-CN" altLang="en-US" dirty="0"/>
+              <a:t>），</a:t>
+            </a:r>
+            <a:r>
+              <a:rPr lang="en-US" altLang="zh-CN" dirty="0"/>
+              <a:t>inner </a:t>
+            </a:r>
+            <a:r>
+              <a:rPr lang="en-US" altLang="zh-CN" dirty="0" err="1"/>
+              <a:t>dst</a:t>
+            </a:r>
+            <a:r>
+              <a:rPr lang="en-US" altLang="zh-CN" dirty="0"/>
+              <a:t> </a:t>
+            </a:r>
+            <a:r>
+              <a:rPr lang="en-US" altLang="zh-CN" dirty="0" err="1"/>
+              <a:t>ip</a:t>
+            </a:r>
+            <a:r>
+              <a:rPr lang="en-US" altLang="zh-CN" dirty="0"/>
+              <a:t>=web</a:t>
+            </a:r>
+            <a:r>
+              <a:rPr lang="zh-CN" altLang="en-US" dirty="0"/>
+              <a:t>用户的</a:t>
+            </a:r>
+            <a:r>
+              <a:rPr lang="en-US" altLang="zh-CN" dirty="0" err="1"/>
+              <a:t>ip</a:t>
+            </a:r>
+            <a:r>
+              <a:rPr lang="zh-CN" altLang="en-US" dirty="0"/>
+              <a:t>；</a:t>
+            </a:r>
+            <a:endParaRPr lang="en-US" altLang="zh-CN" dirty="0"/>
+          </a:p>
+          <a:p>
+            <a:r>
+              <a:rPr lang="zh-CN" altLang="en-US" dirty="0"/>
+              <a:t>因为是</a:t>
+            </a:r>
+            <a:r>
+              <a:rPr lang="en-US" altLang="zh-CN" dirty="0"/>
+              <a:t>public </a:t>
+            </a:r>
+            <a:r>
+              <a:rPr lang="en-US" altLang="zh-CN" dirty="0" err="1"/>
+              <a:t>ip</a:t>
+            </a:r>
+            <a:r>
+              <a:rPr lang="zh-CN" altLang="en-US" dirty="0"/>
+              <a:t>，所以需要路由到</a:t>
+            </a:r>
+            <a:r>
+              <a:rPr lang="en-US" altLang="zh-CN" dirty="0"/>
+              <a:t>DCN Gateway</a:t>
+            </a:r>
+            <a:r>
+              <a:rPr lang="zh-CN" altLang="en-US" dirty="0"/>
+              <a:t>：</a:t>
+            </a:r>
+            <a:r>
+              <a:rPr lang="en-US" altLang="zh-CN" dirty="0" err="1"/>
+              <a:t>src</a:t>
+            </a:r>
+            <a:r>
+              <a:rPr lang="en-US" altLang="zh-CN" dirty="0"/>
+              <a:t> mac</a:t>
+            </a:r>
+            <a:r>
+              <a:rPr lang="zh-CN" altLang="en-US" dirty="0"/>
+              <a:t>填写本机，</a:t>
+            </a:r>
+            <a:r>
+              <a:rPr lang="en-US" altLang="zh-CN" dirty="0" err="1"/>
+              <a:t>dst</a:t>
+            </a:r>
+            <a:r>
+              <a:rPr lang="en-US" altLang="zh-CN" dirty="0"/>
+              <a:t> mac </a:t>
+            </a:r>
+            <a:r>
+              <a:rPr lang="zh-CN" altLang="en-US" dirty="0"/>
+              <a:t>填写</a:t>
+            </a:r>
+            <a:r>
+              <a:rPr lang="en-US" altLang="zh-CN" dirty="0"/>
+              <a:t>Gateway</a:t>
+            </a:r>
+          </a:p>
+          <a:p>
+            <a:endParaRPr lang="en-US" altLang="zh-CN" dirty="0"/>
+          </a:p>
+        </p:txBody>
+      </p:sp>
+      <p:sp>
+        <p:nvSpPr>
+          <p:cNvPr id="4" name="灯片编号占位符 3"/>
+          <p:cNvSpPr>
+            <a:spLocks noGrp="1"/>
+          </p:cNvSpPr>
+          <p:nvPr>
+            <p:ph type="sldNum" sz="quarter" idx="5"/>
+          </p:nvPr>
+        </p:nvSpPr>
+        <p:spPr/>
+        <p:txBody>
+          <a:bodyPr/>
+          <a:lstStyle/>
+          <a:p>
+            <a:fld id="{2C092C30-C02F-48DE-947D-311697961749}" type="slidenum">
+              <a:rPr lang="zh-CN" altLang="en-US" smtClean="0"/>
+              <a:t>6</a:t>
+            </a:fld>
+            <a:endParaRPr lang="zh-CN" altLang="en-US"/>
+          </a:p>
+        </p:txBody>
+      </p:sp>
+    </p:spTree>
+    <p:extLst>
+      <p:ext uri="{BB962C8B-B14F-4D97-AF65-F5344CB8AC3E}">
+        <p14:creationId xmlns:p14="http://schemas.microsoft.com/office/powerpoint/2010/main" val="1322585244"/>
       </p:ext>
     </p:extLst>
   </p:cSld>
@@ -8737,6 +10911,1910 @@
     <p:extLst>
       <p:ext uri="{BB962C8B-B14F-4D97-AF65-F5344CB8AC3E}">
         <p14:creationId xmlns:p14="http://schemas.microsoft.com/office/powerpoint/2010/main" val="3126368743"/>
+      </p:ext>
+    </p:extLst>
+  </p:cSld>
+  <p:clrMapOvr>
+    <a:masterClrMapping/>
+  </p:clrMapOvr>
+</p:sld>
+</file>
+
+<file path=ppt/slides/slide6.xml><?xml version="1.0" encoding="utf-8"?>
+<p:sld xmlns:a="http://schemas.openxmlformats.org/drawingml/2006/main" xmlns:r="http://schemas.openxmlformats.org/officeDocument/2006/relationships" xmlns:p="http://schemas.openxmlformats.org/presentationml/2006/main">
+  <p:cSld>
+    <p:spTree>
+      <p:nvGrpSpPr>
+        <p:cNvPr id="1" name=""/>
+        <p:cNvGrpSpPr/>
+        <p:nvPr/>
+      </p:nvGrpSpPr>
+      <p:grpSpPr>
+        <a:xfrm>
+          <a:off x="0" y="0"/>
+          <a:ext cx="0" cy="0"/>
+          <a:chOff x="0" y="0"/>
+          <a:chExt cx="0" cy="0"/>
+        </a:xfrm>
+      </p:grpSpPr>
+      <p:sp>
+        <p:nvSpPr>
+          <p:cNvPr id="48" name="矩形: 圆角 47">
+            <a:extLst>
+              <a:ext uri="{FF2B5EF4-FFF2-40B4-BE49-F238E27FC236}">
+                <a16:creationId xmlns:a16="http://schemas.microsoft.com/office/drawing/2014/main" id="{E325E0DA-EBFF-438A-8539-D3223779BB78}"/>
+              </a:ext>
+            </a:extLst>
+          </p:cNvPr>
+          <p:cNvSpPr/>
+          <p:nvPr/>
+        </p:nvSpPr>
+        <p:spPr>
+          <a:xfrm>
+            <a:off x="8362226" y="2415219"/>
+            <a:ext cx="1890725" cy="1062627"/>
+          </a:xfrm>
+          <a:prstGeom prst="roundRect">
+            <a:avLst/>
+          </a:prstGeom>
+        </p:spPr>
+        <p:style>
+          <a:lnRef idx="1">
+            <a:schemeClr val="accent3"/>
+          </a:lnRef>
+          <a:fillRef idx="2">
+            <a:schemeClr val="accent3"/>
+          </a:fillRef>
+          <a:effectRef idx="1">
+            <a:schemeClr val="accent3"/>
+          </a:effectRef>
+          <a:fontRef idx="minor">
+            <a:schemeClr val="dk1"/>
+          </a:fontRef>
+        </p:style>
+        <p:txBody>
+          <a:bodyPr rtlCol="0" anchor="ctr"/>
+          <a:lstStyle/>
+          <a:p>
+            <a:pPr algn="ctr"/>
+            <a:endParaRPr lang="zh-CN" altLang="en-US" dirty="0"/>
+          </a:p>
+        </p:txBody>
+      </p:sp>
+      <p:sp>
+        <p:nvSpPr>
+          <p:cNvPr id="49" name="矩形: 圆角 48">
+            <a:extLst>
+              <a:ext uri="{FF2B5EF4-FFF2-40B4-BE49-F238E27FC236}">
+                <a16:creationId xmlns:a16="http://schemas.microsoft.com/office/drawing/2014/main" id="{3A19A6EA-B330-41AD-9F66-7DA5AB365E5E}"/>
+              </a:ext>
+            </a:extLst>
+          </p:cNvPr>
+          <p:cNvSpPr/>
+          <p:nvPr/>
+        </p:nvSpPr>
+        <p:spPr>
+          <a:xfrm>
+            <a:off x="1873683" y="2382410"/>
+            <a:ext cx="1890725" cy="1062627"/>
+          </a:xfrm>
+          <a:prstGeom prst="roundRect">
+            <a:avLst/>
+          </a:prstGeom>
+        </p:spPr>
+        <p:style>
+          <a:lnRef idx="1">
+            <a:schemeClr val="accent3"/>
+          </a:lnRef>
+          <a:fillRef idx="2">
+            <a:schemeClr val="accent3"/>
+          </a:fillRef>
+          <a:effectRef idx="1">
+            <a:schemeClr val="accent3"/>
+          </a:effectRef>
+          <a:fontRef idx="minor">
+            <a:schemeClr val="dk1"/>
+          </a:fontRef>
+        </p:style>
+        <p:txBody>
+          <a:bodyPr rtlCol="0" anchor="ctr"/>
+          <a:lstStyle/>
+          <a:p>
+            <a:pPr algn="ctr"/>
+            <a:endParaRPr lang="zh-CN" altLang="en-US" dirty="0"/>
+          </a:p>
+        </p:txBody>
+      </p:sp>
+      <p:sp>
+        <p:nvSpPr>
+          <p:cNvPr id="44" name="矩形: 圆角 43">
+            <a:extLst>
+              <a:ext uri="{FF2B5EF4-FFF2-40B4-BE49-F238E27FC236}">
+                <a16:creationId xmlns:a16="http://schemas.microsoft.com/office/drawing/2014/main" id="{8E29D6DA-7AF3-400C-BBEC-DCD27B3EDC0D}"/>
+              </a:ext>
+            </a:extLst>
+          </p:cNvPr>
+          <p:cNvSpPr/>
+          <p:nvPr/>
+        </p:nvSpPr>
+        <p:spPr>
+          <a:xfrm>
+            <a:off x="4659748" y="2652649"/>
+            <a:ext cx="3069227" cy="2107504"/>
+          </a:xfrm>
+          <a:prstGeom prst="roundRect">
+            <a:avLst/>
+          </a:prstGeom>
+        </p:spPr>
+        <p:style>
+          <a:lnRef idx="1">
+            <a:schemeClr val="accent3"/>
+          </a:lnRef>
+          <a:fillRef idx="2">
+            <a:schemeClr val="accent3"/>
+          </a:fillRef>
+          <a:effectRef idx="1">
+            <a:schemeClr val="accent3"/>
+          </a:effectRef>
+          <a:fontRef idx="minor">
+            <a:schemeClr val="dk1"/>
+          </a:fontRef>
+        </p:style>
+        <p:txBody>
+          <a:bodyPr rtlCol="0" anchor="ctr"/>
+          <a:lstStyle/>
+          <a:p>
+            <a:pPr algn="ctr"/>
+            <a:endParaRPr lang="zh-CN" altLang="en-US" dirty="0"/>
+          </a:p>
+        </p:txBody>
+      </p:sp>
+      <p:sp>
+        <p:nvSpPr>
+          <p:cNvPr id="2" name="标题 1">
+            <a:extLst>
+              <a:ext uri="{FF2B5EF4-FFF2-40B4-BE49-F238E27FC236}">
+                <a16:creationId xmlns:a16="http://schemas.microsoft.com/office/drawing/2014/main" id="{16FFD267-FAB5-4CC9-86C7-800FDF0B86AD}"/>
+              </a:ext>
+            </a:extLst>
+          </p:cNvPr>
+          <p:cNvSpPr>
+            <a:spLocks noGrp="1"/>
+          </p:cNvSpPr>
+          <p:nvPr>
+            <p:ph type="title"/>
+          </p:nvPr>
+        </p:nvSpPr>
+        <p:spPr/>
+        <p:txBody>
+          <a:bodyPr/>
+          <a:lstStyle/>
+          <a:p>
+            <a:r>
+              <a:rPr lang="en-US" altLang="zh-CN" dirty="0"/>
+              <a:t>Show</a:t>
+            </a:r>
+            <a:endParaRPr lang="zh-CN" altLang="en-US" dirty="0"/>
+          </a:p>
+        </p:txBody>
+      </p:sp>
+      <p:sp>
+        <p:nvSpPr>
+          <p:cNvPr id="5" name="椭圆 4">
+            <a:extLst>
+              <a:ext uri="{FF2B5EF4-FFF2-40B4-BE49-F238E27FC236}">
+                <a16:creationId xmlns:a16="http://schemas.microsoft.com/office/drawing/2014/main" id="{F46BA4A4-FDAA-4D4B-AA43-AC346A00C2A7}"/>
+              </a:ext>
+            </a:extLst>
+          </p:cNvPr>
+          <p:cNvSpPr/>
+          <p:nvPr/>
+        </p:nvSpPr>
+        <p:spPr>
+          <a:xfrm>
+            <a:off x="4740266" y="2732461"/>
+            <a:ext cx="834312" cy="818585"/>
+          </a:xfrm>
+          <a:prstGeom prst="ellipse">
+            <a:avLst/>
+          </a:prstGeom>
+          <a:ln w="38100"/>
+        </p:spPr>
+        <p:style>
+          <a:lnRef idx="2">
+            <a:schemeClr val="dk1"/>
+          </a:lnRef>
+          <a:fillRef idx="1">
+            <a:schemeClr val="lt1"/>
+          </a:fillRef>
+          <a:effectRef idx="0">
+            <a:schemeClr val="dk1"/>
+          </a:effectRef>
+          <a:fontRef idx="minor">
+            <a:schemeClr val="dk1"/>
+          </a:fontRef>
+        </p:style>
+        <p:txBody>
+          <a:bodyPr rtlCol="0" anchor="ctr"/>
+          <a:lstStyle/>
+          <a:p>
+            <a:pPr algn="ctr"/>
+            <a:r>
+              <a:rPr lang="en-US" altLang="zh-CN" dirty="0"/>
+              <a:t>P4</a:t>
+            </a:r>
+            <a:endParaRPr lang="zh-CN" altLang="en-US" dirty="0"/>
+          </a:p>
+        </p:txBody>
+      </p:sp>
+      <p:sp>
+        <p:nvSpPr>
+          <p:cNvPr id="7" name="椭圆 6">
+            <a:extLst>
+              <a:ext uri="{FF2B5EF4-FFF2-40B4-BE49-F238E27FC236}">
+                <a16:creationId xmlns:a16="http://schemas.microsoft.com/office/drawing/2014/main" id="{4E0E486C-6003-48F1-8811-A8238ECA0A6C}"/>
+              </a:ext>
+            </a:extLst>
+          </p:cNvPr>
+          <p:cNvSpPr/>
+          <p:nvPr/>
+        </p:nvSpPr>
+        <p:spPr>
+          <a:xfrm>
+            <a:off x="6729967" y="2732461"/>
+            <a:ext cx="834312" cy="818585"/>
+          </a:xfrm>
+          <a:prstGeom prst="ellipse">
+            <a:avLst/>
+          </a:prstGeom>
+          <a:ln w="38100"/>
+        </p:spPr>
+        <p:style>
+          <a:lnRef idx="2">
+            <a:schemeClr val="dk1"/>
+          </a:lnRef>
+          <a:fillRef idx="1">
+            <a:schemeClr val="lt1"/>
+          </a:fillRef>
+          <a:effectRef idx="0">
+            <a:schemeClr val="dk1"/>
+          </a:effectRef>
+          <a:fontRef idx="minor">
+            <a:schemeClr val="dk1"/>
+          </a:fontRef>
+        </p:style>
+        <p:txBody>
+          <a:bodyPr rtlCol="0" anchor="ctr"/>
+          <a:lstStyle/>
+          <a:p>
+            <a:pPr algn="ctr"/>
+            <a:r>
+              <a:rPr lang="en-US" altLang="zh-CN" dirty="0"/>
+              <a:t>P4</a:t>
+            </a:r>
+            <a:endParaRPr lang="zh-CN" altLang="en-US" dirty="0"/>
+          </a:p>
+        </p:txBody>
+      </p:sp>
+      <p:cxnSp>
+        <p:nvCxnSpPr>
+          <p:cNvPr id="18" name="直接连接符 17">
+            <a:extLst>
+              <a:ext uri="{FF2B5EF4-FFF2-40B4-BE49-F238E27FC236}">
+                <a16:creationId xmlns:a16="http://schemas.microsoft.com/office/drawing/2014/main" id="{20CCD7C3-89C0-498C-A526-9CB62D80AE34}"/>
+              </a:ext>
+            </a:extLst>
+          </p:cNvPr>
+          <p:cNvCxnSpPr>
+            <a:cxnSpLocks/>
+            <a:stCxn id="58" idx="2"/>
+            <a:endCxn id="5" idx="4"/>
+          </p:cNvCxnSpPr>
+          <p:nvPr/>
+        </p:nvCxnSpPr>
+        <p:spPr>
+          <a:xfrm flipH="1" flipV="1">
+            <a:off x="5157422" y="3551046"/>
+            <a:ext cx="623076" cy="799701"/>
+          </a:xfrm>
+          <a:prstGeom prst="line">
+            <a:avLst/>
+          </a:prstGeom>
+          <a:ln w="38100"/>
+        </p:spPr>
+        <p:style>
+          <a:lnRef idx="2">
+            <a:schemeClr val="dk1"/>
+          </a:lnRef>
+          <a:fillRef idx="1">
+            <a:schemeClr val="lt1"/>
+          </a:fillRef>
+          <a:effectRef idx="0">
+            <a:schemeClr val="dk1"/>
+          </a:effectRef>
+          <a:fontRef idx="minor">
+            <a:schemeClr val="dk1"/>
+          </a:fontRef>
+        </p:style>
+      </p:cxnSp>
+      <p:cxnSp>
+        <p:nvCxnSpPr>
+          <p:cNvPr id="21" name="直接连接符 20">
+            <a:extLst>
+              <a:ext uri="{FF2B5EF4-FFF2-40B4-BE49-F238E27FC236}">
+                <a16:creationId xmlns:a16="http://schemas.microsoft.com/office/drawing/2014/main" id="{D9F1A309-EAB1-48A0-B2C1-60510B6BFCBB}"/>
+              </a:ext>
+            </a:extLst>
+          </p:cNvPr>
+          <p:cNvCxnSpPr>
+            <a:cxnSpLocks/>
+            <a:stCxn id="7" idx="2"/>
+            <a:endCxn id="5" idx="6"/>
+          </p:cNvCxnSpPr>
+          <p:nvPr/>
+        </p:nvCxnSpPr>
+        <p:spPr>
+          <a:xfrm flipH="1">
+            <a:off x="5574578" y="3141754"/>
+            <a:ext cx="1155389" cy="0"/>
+          </a:xfrm>
+          <a:prstGeom prst="line">
+            <a:avLst/>
+          </a:prstGeom>
+          <a:ln w="38100"/>
+        </p:spPr>
+        <p:style>
+          <a:lnRef idx="2">
+            <a:schemeClr val="dk1"/>
+          </a:lnRef>
+          <a:fillRef idx="1">
+            <a:schemeClr val="lt1"/>
+          </a:fillRef>
+          <a:effectRef idx="0">
+            <a:schemeClr val="dk1"/>
+          </a:effectRef>
+          <a:fontRef idx="minor">
+            <a:schemeClr val="dk1"/>
+          </a:fontRef>
+        </p:style>
+      </p:cxnSp>
+      <p:sp>
+        <p:nvSpPr>
+          <p:cNvPr id="25" name="矩形 24">
+            <a:extLst>
+              <a:ext uri="{FF2B5EF4-FFF2-40B4-BE49-F238E27FC236}">
+                <a16:creationId xmlns:a16="http://schemas.microsoft.com/office/drawing/2014/main" id="{ED1327BF-09D2-4ED6-888D-F5F990F3C248}"/>
+              </a:ext>
+            </a:extLst>
+          </p:cNvPr>
+          <p:cNvSpPr/>
+          <p:nvPr/>
+        </p:nvSpPr>
+        <p:spPr>
+          <a:xfrm>
+            <a:off x="2974976" y="2442010"/>
+            <a:ext cx="764438" cy="455507"/>
+          </a:xfrm>
+          <a:prstGeom prst="rect">
+            <a:avLst/>
+          </a:prstGeom>
+          <a:ln w="38100"/>
+        </p:spPr>
+        <p:style>
+          <a:lnRef idx="2">
+            <a:schemeClr val="dk1"/>
+          </a:lnRef>
+          <a:fillRef idx="1">
+            <a:schemeClr val="lt1"/>
+          </a:fillRef>
+          <a:effectRef idx="0">
+            <a:schemeClr val="dk1"/>
+          </a:effectRef>
+          <a:fontRef idx="minor">
+            <a:schemeClr val="dk1"/>
+          </a:fontRef>
+        </p:style>
+        <p:txBody>
+          <a:bodyPr rtlCol="0" anchor="ctr"/>
+          <a:lstStyle/>
+          <a:p>
+            <a:pPr algn="ctr"/>
+            <a:r>
+              <a:rPr lang="en-US" altLang="zh-CN" dirty="0">
+                <a:solidFill>
+                  <a:schemeClr val="dk1"/>
+                </a:solidFill>
+              </a:rPr>
+              <a:t>BESS</a:t>
+            </a:r>
+            <a:endParaRPr lang="zh-CN" altLang="en-US" dirty="0">
+              <a:solidFill>
+                <a:schemeClr val="dk1"/>
+              </a:solidFill>
+            </a:endParaRPr>
+          </a:p>
+        </p:txBody>
+      </p:sp>
+      <p:sp>
+        <p:nvSpPr>
+          <p:cNvPr id="26" name="矩形 25">
+            <a:extLst>
+              <a:ext uri="{FF2B5EF4-FFF2-40B4-BE49-F238E27FC236}">
+                <a16:creationId xmlns:a16="http://schemas.microsoft.com/office/drawing/2014/main" id="{45B92116-640E-46FB-921D-F3C663FA6E00}"/>
+              </a:ext>
+            </a:extLst>
+          </p:cNvPr>
+          <p:cNvSpPr/>
+          <p:nvPr/>
+        </p:nvSpPr>
+        <p:spPr>
+          <a:xfrm>
+            <a:off x="8462731" y="2449920"/>
+            <a:ext cx="764438" cy="455507"/>
+          </a:xfrm>
+          <a:prstGeom prst="rect">
+            <a:avLst/>
+          </a:prstGeom>
+          <a:ln w="38100"/>
+        </p:spPr>
+        <p:style>
+          <a:lnRef idx="2">
+            <a:schemeClr val="dk1"/>
+          </a:lnRef>
+          <a:fillRef idx="1">
+            <a:schemeClr val="lt1"/>
+          </a:fillRef>
+          <a:effectRef idx="0">
+            <a:schemeClr val="dk1"/>
+          </a:effectRef>
+          <a:fontRef idx="minor">
+            <a:schemeClr val="dk1"/>
+          </a:fontRef>
+        </p:style>
+        <p:txBody>
+          <a:bodyPr rtlCol="0" anchor="ctr"/>
+          <a:lstStyle/>
+          <a:p>
+            <a:pPr algn="ctr"/>
+            <a:r>
+              <a:rPr lang="en-US" altLang="zh-CN" dirty="0">
+                <a:solidFill>
+                  <a:schemeClr val="dk1"/>
+                </a:solidFill>
+              </a:rPr>
+              <a:t>BESS</a:t>
+            </a:r>
+            <a:endParaRPr lang="zh-CN" altLang="en-US" dirty="0">
+              <a:solidFill>
+                <a:schemeClr val="dk1"/>
+              </a:solidFill>
+            </a:endParaRPr>
+          </a:p>
+        </p:txBody>
+      </p:sp>
+      <p:sp>
+        <p:nvSpPr>
+          <p:cNvPr id="27" name="矩形 26">
+            <a:extLst>
+              <a:ext uri="{FF2B5EF4-FFF2-40B4-BE49-F238E27FC236}">
+                <a16:creationId xmlns:a16="http://schemas.microsoft.com/office/drawing/2014/main" id="{E3142639-7F2F-4C44-814C-54D2781F5574}"/>
+              </a:ext>
+            </a:extLst>
+          </p:cNvPr>
+          <p:cNvSpPr/>
+          <p:nvPr/>
+        </p:nvSpPr>
+        <p:spPr>
+          <a:xfrm>
+            <a:off x="5692746" y="5421766"/>
+            <a:ext cx="993980" cy="453916"/>
+          </a:xfrm>
+          <a:prstGeom prst="rect">
+            <a:avLst/>
+          </a:prstGeom>
+          <a:ln w="38100"/>
+        </p:spPr>
+        <p:style>
+          <a:lnRef idx="2">
+            <a:schemeClr val="dk1"/>
+          </a:lnRef>
+          <a:fillRef idx="1">
+            <a:schemeClr val="lt1"/>
+          </a:fillRef>
+          <a:effectRef idx="0">
+            <a:schemeClr val="dk1"/>
+          </a:effectRef>
+          <a:fontRef idx="minor">
+            <a:schemeClr val="dk1"/>
+          </a:fontRef>
+        </p:style>
+        <p:txBody>
+          <a:bodyPr rtlCol="0" anchor="ctr"/>
+          <a:lstStyle/>
+          <a:p>
+            <a:pPr algn="ctr"/>
+            <a:r>
+              <a:rPr lang="en-US" altLang="zh-CN" dirty="0">
+                <a:solidFill>
+                  <a:schemeClr val="dk1"/>
+                </a:solidFill>
+              </a:rPr>
+              <a:t>Ingress</a:t>
+            </a:r>
+            <a:endParaRPr lang="zh-CN" altLang="en-US" dirty="0">
+              <a:solidFill>
+                <a:schemeClr val="dk1"/>
+              </a:solidFill>
+            </a:endParaRPr>
+          </a:p>
+        </p:txBody>
+      </p:sp>
+      <p:cxnSp>
+        <p:nvCxnSpPr>
+          <p:cNvPr id="32" name="直接连接符 31">
+            <a:extLst>
+              <a:ext uri="{FF2B5EF4-FFF2-40B4-BE49-F238E27FC236}">
+                <a16:creationId xmlns:a16="http://schemas.microsoft.com/office/drawing/2014/main" id="{B883CDDD-AB62-42D0-B084-83FC63C4AD97}"/>
+              </a:ext>
+            </a:extLst>
+          </p:cNvPr>
+          <p:cNvCxnSpPr>
+            <a:cxnSpLocks/>
+            <a:stCxn id="58" idx="4"/>
+            <a:endCxn id="27" idx="0"/>
+          </p:cNvCxnSpPr>
+          <p:nvPr/>
+        </p:nvCxnSpPr>
+        <p:spPr>
+          <a:xfrm flipH="1">
+            <a:off x="6189736" y="4760039"/>
+            <a:ext cx="7918" cy="661727"/>
+          </a:xfrm>
+          <a:prstGeom prst="line">
+            <a:avLst/>
+          </a:prstGeom>
+          <a:ln w="38100"/>
+        </p:spPr>
+        <p:style>
+          <a:lnRef idx="2">
+            <a:schemeClr val="dk1"/>
+          </a:lnRef>
+          <a:fillRef idx="1">
+            <a:schemeClr val="lt1"/>
+          </a:fillRef>
+          <a:effectRef idx="0">
+            <a:schemeClr val="dk1"/>
+          </a:effectRef>
+          <a:fontRef idx="minor">
+            <a:schemeClr val="dk1"/>
+          </a:fontRef>
+        </p:style>
+      </p:cxnSp>
+      <p:cxnSp>
+        <p:nvCxnSpPr>
+          <p:cNvPr id="50" name="直接连接符 49">
+            <a:extLst>
+              <a:ext uri="{FF2B5EF4-FFF2-40B4-BE49-F238E27FC236}">
+                <a16:creationId xmlns:a16="http://schemas.microsoft.com/office/drawing/2014/main" id="{AD08DB53-6523-4D64-B1A6-8C53589AC0FE}"/>
+              </a:ext>
+            </a:extLst>
+          </p:cNvPr>
+          <p:cNvCxnSpPr>
+            <a:cxnSpLocks/>
+            <a:stCxn id="5" idx="2"/>
+            <a:endCxn id="25" idx="3"/>
+          </p:cNvCxnSpPr>
+          <p:nvPr/>
+        </p:nvCxnSpPr>
+        <p:spPr>
+          <a:xfrm flipH="1" flipV="1">
+            <a:off x="3739414" y="2669764"/>
+            <a:ext cx="1000852" cy="471990"/>
+          </a:xfrm>
+          <a:prstGeom prst="line">
+            <a:avLst/>
+          </a:prstGeom>
+          <a:ln w="38100"/>
+        </p:spPr>
+        <p:style>
+          <a:lnRef idx="2">
+            <a:schemeClr val="dk1"/>
+          </a:lnRef>
+          <a:fillRef idx="1">
+            <a:schemeClr val="lt1"/>
+          </a:fillRef>
+          <a:effectRef idx="0">
+            <a:schemeClr val="dk1"/>
+          </a:effectRef>
+          <a:fontRef idx="minor">
+            <a:schemeClr val="dk1"/>
+          </a:fontRef>
+        </p:style>
+      </p:cxnSp>
+      <p:sp>
+        <p:nvSpPr>
+          <p:cNvPr id="74" name="矩形 73">
+            <a:extLst>
+              <a:ext uri="{FF2B5EF4-FFF2-40B4-BE49-F238E27FC236}">
+                <a16:creationId xmlns:a16="http://schemas.microsoft.com/office/drawing/2014/main" id="{55B4E74F-856E-4489-83CA-EB1FB1CBEBBD}"/>
+              </a:ext>
+            </a:extLst>
+          </p:cNvPr>
+          <p:cNvSpPr/>
+          <p:nvPr/>
+        </p:nvSpPr>
+        <p:spPr>
+          <a:xfrm>
+            <a:off x="2037382" y="2444146"/>
+            <a:ext cx="764438" cy="455507"/>
+          </a:xfrm>
+          <a:prstGeom prst="rect">
+            <a:avLst/>
+          </a:prstGeom>
+          <a:ln w="38100"/>
+        </p:spPr>
+        <p:style>
+          <a:lnRef idx="2">
+            <a:schemeClr val="dk1"/>
+          </a:lnRef>
+          <a:fillRef idx="1">
+            <a:schemeClr val="lt1"/>
+          </a:fillRef>
+          <a:effectRef idx="0">
+            <a:schemeClr val="dk1"/>
+          </a:effectRef>
+          <a:fontRef idx="minor">
+            <a:schemeClr val="dk1"/>
+          </a:fontRef>
+        </p:style>
+        <p:txBody>
+          <a:bodyPr rtlCol="0" anchor="ctr"/>
+          <a:lstStyle/>
+          <a:p>
+            <a:pPr algn="ctr"/>
+            <a:r>
+              <a:rPr lang="en-US" altLang="zh-CN" dirty="0">
+                <a:solidFill>
+                  <a:schemeClr val="dk1"/>
+                </a:solidFill>
+              </a:rPr>
+              <a:t>VNF1</a:t>
+            </a:r>
+            <a:endParaRPr lang="zh-CN" altLang="en-US" dirty="0">
+              <a:solidFill>
+                <a:schemeClr val="dk1"/>
+              </a:solidFill>
+            </a:endParaRPr>
+          </a:p>
+        </p:txBody>
+      </p:sp>
+      <p:sp>
+        <p:nvSpPr>
+          <p:cNvPr id="75" name="矩形 74">
+            <a:extLst>
+              <a:ext uri="{FF2B5EF4-FFF2-40B4-BE49-F238E27FC236}">
+                <a16:creationId xmlns:a16="http://schemas.microsoft.com/office/drawing/2014/main" id="{D72BA265-2392-4B0E-9BF0-56F7547C42BB}"/>
+              </a:ext>
+            </a:extLst>
+          </p:cNvPr>
+          <p:cNvSpPr/>
+          <p:nvPr/>
+        </p:nvSpPr>
+        <p:spPr>
+          <a:xfrm>
+            <a:off x="9400754" y="2452057"/>
+            <a:ext cx="764438" cy="455507"/>
+          </a:xfrm>
+          <a:prstGeom prst="rect">
+            <a:avLst/>
+          </a:prstGeom>
+          <a:ln w="38100"/>
+        </p:spPr>
+        <p:style>
+          <a:lnRef idx="2">
+            <a:schemeClr val="dk1"/>
+          </a:lnRef>
+          <a:fillRef idx="1">
+            <a:schemeClr val="lt1"/>
+          </a:fillRef>
+          <a:effectRef idx="0">
+            <a:schemeClr val="dk1"/>
+          </a:effectRef>
+          <a:fontRef idx="minor">
+            <a:schemeClr val="dk1"/>
+          </a:fontRef>
+        </p:style>
+        <p:txBody>
+          <a:bodyPr rtlCol="0" anchor="ctr"/>
+          <a:lstStyle/>
+          <a:p>
+            <a:pPr algn="ctr"/>
+            <a:r>
+              <a:rPr lang="en-US" altLang="zh-CN" dirty="0">
+                <a:solidFill>
+                  <a:schemeClr val="dk1"/>
+                </a:solidFill>
+              </a:rPr>
+              <a:t>VNF1</a:t>
+            </a:r>
+            <a:endParaRPr lang="zh-CN" altLang="en-US" dirty="0">
+              <a:solidFill>
+                <a:schemeClr val="dk1"/>
+              </a:solidFill>
+            </a:endParaRPr>
+          </a:p>
+        </p:txBody>
+      </p:sp>
+      <p:cxnSp>
+        <p:nvCxnSpPr>
+          <p:cNvPr id="76" name="直接连接符 75">
+            <a:extLst>
+              <a:ext uri="{FF2B5EF4-FFF2-40B4-BE49-F238E27FC236}">
+                <a16:creationId xmlns:a16="http://schemas.microsoft.com/office/drawing/2014/main" id="{7952ABC4-35FE-4291-8E09-1A6723DC69C8}"/>
+              </a:ext>
+            </a:extLst>
+          </p:cNvPr>
+          <p:cNvCxnSpPr>
+            <a:cxnSpLocks/>
+            <a:stCxn id="25" idx="1"/>
+            <a:endCxn id="74" idx="3"/>
+          </p:cNvCxnSpPr>
+          <p:nvPr/>
+        </p:nvCxnSpPr>
+        <p:spPr>
+          <a:xfrm flipH="1">
+            <a:off x="2801820" y="2669764"/>
+            <a:ext cx="173156" cy="2136"/>
+          </a:xfrm>
+          <a:prstGeom prst="line">
+            <a:avLst/>
+          </a:prstGeom>
+          <a:ln w="38100"/>
+        </p:spPr>
+        <p:style>
+          <a:lnRef idx="2">
+            <a:schemeClr val="dk1"/>
+          </a:lnRef>
+          <a:fillRef idx="1">
+            <a:schemeClr val="lt1"/>
+          </a:fillRef>
+          <a:effectRef idx="0">
+            <a:schemeClr val="dk1"/>
+          </a:effectRef>
+          <a:fontRef idx="minor">
+            <a:schemeClr val="dk1"/>
+          </a:fontRef>
+        </p:style>
+      </p:cxnSp>
+      <p:cxnSp>
+        <p:nvCxnSpPr>
+          <p:cNvPr id="79" name="直接连接符 78">
+            <a:extLst>
+              <a:ext uri="{FF2B5EF4-FFF2-40B4-BE49-F238E27FC236}">
+                <a16:creationId xmlns:a16="http://schemas.microsoft.com/office/drawing/2014/main" id="{88A7FF69-B49E-4529-96FE-914ACAAFCB72}"/>
+              </a:ext>
+            </a:extLst>
+          </p:cNvPr>
+          <p:cNvCxnSpPr>
+            <a:cxnSpLocks/>
+            <a:stCxn id="75" idx="1"/>
+            <a:endCxn id="26" idx="3"/>
+          </p:cNvCxnSpPr>
+          <p:nvPr/>
+        </p:nvCxnSpPr>
+        <p:spPr>
+          <a:xfrm flipH="1" flipV="1">
+            <a:off x="9227169" y="2677674"/>
+            <a:ext cx="173585" cy="2137"/>
+          </a:xfrm>
+          <a:prstGeom prst="line">
+            <a:avLst/>
+          </a:prstGeom>
+          <a:ln w="38100"/>
+        </p:spPr>
+        <p:style>
+          <a:lnRef idx="2">
+            <a:schemeClr val="dk1"/>
+          </a:lnRef>
+          <a:fillRef idx="1">
+            <a:schemeClr val="lt1"/>
+          </a:fillRef>
+          <a:effectRef idx="0">
+            <a:schemeClr val="dk1"/>
+          </a:effectRef>
+          <a:fontRef idx="minor">
+            <a:schemeClr val="dk1"/>
+          </a:fontRef>
+        </p:style>
+      </p:cxnSp>
+      <p:sp>
+        <p:nvSpPr>
+          <p:cNvPr id="51" name="文本框 50">
+            <a:extLst>
+              <a:ext uri="{FF2B5EF4-FFF2-40B4-BE49-F238E27FC236}">
+                <a16:creationId xmlns:a16="http://schemas.microsoft.com/office/drawing/2014/main" id="{AD568948-2CC1-47FC-A785-8790A1227A54}"/>
+              </a:ext>
+            </a:extLst>
+          </p:cNvPr>
+          <p:cNvSpPr txBox="1"/>
+          <p:nvPr/>
+        </p:nvSpPr>
+        <p:spPr>
+          <a:xfrm>
+            <a:off x="1796176" y="3064138"/>
+            <a:ext cx="1032655" cy="369332"/>
+          </a:xfrm>
+          <a:prstGeom prst="rect">
+            <a:avLst/>
+          </a:prstGeom>
+          <a:noFill/>
+        </p:spPr>
+        <p:txBody>
+          <a:bodyPr wrap="none" rtlCol="0">
+            <a:spAutoFit/>
+          </a:bodyPr>
+          <a:lstStyle/>
+          <a:p>
+            <a:r>
+              <a:rPr lang="en-US" altLang="zh-CN" b="1" dirty="0"/>
+              <a:t>Server 2</a:t>
+            </a:r>
+            <a:endParaRPr lang="zh-CN" altLang="en-US" b="1" dirty="0"/>
+          </a:p>
+        </p:txBody>
+      </p:sp>
+      <p:sp>
+        <p:nvSpPr>
+          <p:cNvPr id="52" name="文本框 51">
+            <a:extLst>
+              <a:ext uri="{FF2B5EF4-FFF2-40B4-BE49-F238E27FC236}">
+                <a16:creationId xmlns:a16="http://schemas.microsoft.com/office/drawing/2014/main" id="{1725C1DA-833B-4D36-8140-A1257ECDC7F2}"/>
+              </a:ext>
+            </a:extLst>
+          </p:cNvPr>
+          <p:cNvSpPr txBox="1"/>
+          <p:nvPr/>
+        </p:nvSpPr>
+        <p:spPr>
+          <a:xfrm>
+            <a:off x="9491610" y="3077098"/>
+            <a:ext cx="1035861" cy="369332"/>
+          </a:xfrm>
+          <a:prstGeom prst="rect">
+            <a:avLst/>
+          </a:prstGeom>
+          <a:noFill/>
+        </p:spPr>
+        <p:txBody>
+          <a:bodyPr wrap="none" rtlCol="0">
+            <a:spAutoFit/>
+          </a:bodyPr>
+          <a:lstStyle/>
+          <a:p>
+            <a:r>
+              <a:rPr lang="en-US" altLang="zh-CN" b="1" dirty="0"/>
+              <a:t>Server 3</a:t>
+            </a:r>
+            <a:endParaRPr lang="zh-CN" altLang="en-US" b="1" dirty="0"/>
+          </a:p>
+        </p:txBody>
+      </p:sp>
+      <p:sp>
+        <p:nvSpPr>
+          <p:cNvPr id="81" name="文本框 80">
+            <a:extLst>
+              <a:ext uri="{FF2B5EF4-FFF2-40B4-BE49-F238E27FC236}">
+                <a16:creationId xmlns:a16="http://schemas.microsoft.com/office/drawing/2014/main" id="{28EA2CBF-093A-4909-8C28-BD9A3C3909F1}"/>
+              </a:ext>
+            </a:extLst>
+          </p:cNvPr>
+          <p:cNvSpPr txBox="1"/>
+          <p:nvPr/>
+        </p:nvSpPr>
+        <p:spPr>
+          <a:xfrm>
+            <a:off x="843185" y="5403761"/>
+            <a:ext cx="4360489" cy="369332"/>
+          </a:xfrm>
+          <a:prstGeom prst="rect">
+            <a:avLst/>
+          </a:prstGeom>
+          <a:noFill/>
+        </p:spPr>
+        <p:txBody>
+          <a:bodyPr wrap="none" rtlCol="0">
+            <a:spAutoFit/>
+          </a:bodyPr>
+          <a:lstStyle/>
+          <a:p>
+            <a:r>
+              <a:rPr lang="en-US" altLang="zh-CN" b="1" dirty="0">
+                <a:effectLst>
+                  <a:outerShdw blurRad="38100" dist="38100" dir="2700000" algn="tl">
+                    <a:srgbClr val="000000">
+                      <a:alpha val="43137"/>
+                    </a:srgbClr>
+                  </a:outerShdw>
+                </a:effectLst>
+              </a:rPr>
+              <a:t>Inbound traffic = </a:t>
+            </a:r>
+            <a:r>
+              <a:rPr lang="en-US" altLang="zh-CN" dirty="0"/>
+              <a:t>from ingress to website</a:t>
+            </a:r>
+          </a:p>
+        </p:txBody>
+      </p:sp>
+      <p:sp>
+        <p:nvSpPr>
+          <p:cNvPr id="68" name="矩形 67">
+            <a:extLst>
+              <a:ext uri="{FF2B5EF4-FFF2-40B4-BE49-F238E27FC236}">
+                <a16:creationId xmlns:a16="http://schemas.microsoft.com/office/drawing/2014/main" id="{A9D723AE-F706-4D7D-BBAB-E5C514EEE369}"/>
+              </a:ext>
+            </a:extLst>
+          </p:cNvPr>
+          <p:cNvSpPr/>
+          <p:nvPr/>
+        </p:nvSpPr>
+        <p:spPr>
+          <a:xfrm>
+            <a:off x="4586684" y="1454239"/>
+            <a:ext cx="1109803" cy="572726"/>
+          </a:xfrm>
+          <a:prstGeom prst="rect">
+            <a:avLst/>
+          </a:prstGeom>
+          <a:ln w="38100"/>
+        </p:spPr>
+        <p:style>
+          <a:lnRef idx="2">
+            <a:schemeClr val="dk1"/>
+          </a:lnRef>
+          <a:fillRef idx="1">
+            <a:schemeClr val="lt1"/>
+          </a:fillRef>
+          <a:effectRef idx="0">
+            <a:schemeClr val="dk1"/>
+          </a:effectRef>
+          <a:fontRef idx="minor">
+            <a:schemeClr val="dk1"/>
+          </a:fontRef>
+        </p:style>
+        <p:txBody>
+          <a:bodyPr rtlCol="0" anchor="ctr"/>
+          <a:lstStyle/>
+          <a:p>
+            <a:pPr algn="ctr"/>
+            <a:r>
+              <a:rPr lang="en-US" altLang="zh-CN" dirty="0"/>
+              <a:t>Website</a:t>
+            </a:r>
+          </a:p>
+          <a:p>
+            <a:pPr algn="ctr"/>
+            <a:r>
+              <a:rPr lang="en-US" altLang="zh-CN" dirty="0"/>
+              <a:t>Server 1</a:t>
+            </a:r>
+            <a:endParaRPr lang="zh-CN" altLang="en-US" dirty="0">
+              <a:solidFill>
+                <a:schemeClr val="dk1"/>
+              </a:solidFill>
+            </a:endParaRPr>
+          </a:p>
+        </p:txBody>
+      </p:sp>
+      <p:cxnSp>
+        <p:nvCxnSpPr>
+          <p:cNvPr id="70" name="直接连接符 69">
+            <a:extLst>
+              <a:ext uri="{FF2B5EF4-FFF2-40B4-BE49-F238E27FC236}">
+                <a16:creationId xmlns:a16="http://schemas.microsoft.com/office/drawing/2014/main" id="{A06FF2B9-AD85-4911-9880-4ED322D661A5}"/>
+              </a:ext>
+            </a:extLst>
+          </p:cNvPr>
+          <p:cNvCxnSpPr>
+            <a:cxnSpLocks/>
+            <a:stCxn id="5" idx="0"/>
+            <a:endCxn id="68" idx="2"/>
+          </p:cNvCxnSpPr>
+          <p:nvPr/>
+        </p:nvCxnSpPr>
+        <p:spPr>
+          <a:xfrm flipH="1" flipV="1">
+            <a:off x="5141586" y="2026965"/>
+            <a:ext cx="15836" cy="705496"/>
+          </a:xfrm>
+          <a:prstGeom prst="line">
+            <a:avLst/>
+          </a:prstGeom>
+          <a:ln w="38100"/>
+        </p:spPr>
+        <p:style>
+          <a:lnRef idx="2">
+            <a:schemeClr val="dk1"/>
+          </a:lnRef>
+          <a:fillRef idx="1">
+            <a:schemeClr val="lt1"/>
+          </a:fillRef>
+          <a:effectRef idx="0">
+            <a:schemeClr val="dk1"/>
+          </a:effectRef>
+          <a:fontRef idx="minor">
+            <a:schemeClr val="dk1"/>
+          </a:fontRef>
+        </p:style>
+      </p:cxnSp>
+      <p:sp>
+        <p:nvSpPr>
+          <p:cNvPr id="58" name="椭圆 57">
+            <a:extLst>
+              <a:ext uri="{FF2B5EF4-FFF2-40B4-BE49-F238E27FC236}">
+                <a16:creationId xmlns:a16="http://schemas.microsoft.com/office/drawing/2014/main" id="{4EF980F0-2B65-4A13-9CB4-9BE5E940FCFB}"/>
+              </a:ext>
+            </a:extLst>
+          </p:cNvPr>
+          <p:cNvSpPr/>
+          <p:nvPr/>
+        </p:nvSpPr>
+        <p:spPr>
+          <a:xfrm>
+            <a:off x="5780498" y="3941454"/>
+            <a:ext cx="834312" cy="818585"/>
+          </a:xfrm>
+          <a:prstGeom prst="ellipse">
+            <a:avLst/>
+          </a:prstGeom>
+          <a:ln w="38100"/>
+        </p:spPr>
+        <p:style>
+          <a:lnRef idx="2">
+            <a:schemeClr val="dk1"/>
+          </a:lnRef>
+          <a:fillRef idx="1">
+            <a:schemeClr val="lt1"/>
+          </a:fillRef>
+          <a:effectRef idx="0">
+            <a:schemeClr val="dk1"/>
+          </a:effectRef>
+          <a:fontRef idx="minor">
+            <a:schemeClr val="dk1"/>
+          </a:fontRef>
+        </p:style>
+        <p:txBody>
+          <a:bodyPr rtlCol="0" anchor="ctr"/>
+          <a:lstStyle/>
+          <a:p>
+            <a:pPr algn="ctr"/>
+            <a:r>
+              <a:rPr lang="en-US" altLang="zh-CN" dirty="0"/>
+              <a:t>P4</a:t>
+            </a:r>
+            <a:endParaRPr lang="zh-CN" altLang="en-US" dirty="0"/>
+          </a:p>
+        </p:txBody>
+      </p:sp>
+      <p:cxnSp>
+        <p:nvCxnSpPr>
+          <p:cNvPr id="60" name="直接连接符 59">
+            <a:extLst>
+              <a:ext uri="{FF2B5EF4-FFF2-40B4-BE49-F238E27FC236}">
+                <a16:creationId xmlns:a16="http://schemas.microsoft.com/office/drawing/2014/main" id="{07D16CBB-2386-4C62-AF91-FFF13C4CF2C8}"/>
+              </a:ext>
+            </a:extLst>
+          </p:cNvPr>
+          <p:cNvCxnSpPr>
+            <a:cxnSpLocks/>
+            <a:stCxn id="7" idx="4"/>
+            <a:endCxn id="58" idx="6"/>
+          </p:cNvCxnSpPr>
+          <p:nvPr/>
+        </p:nvCxnSpPr>
+        <p:spPr>
+          <a:xfrm flipH="1">
+            <a:off x="6614810" y="3551046"/>
+            <a:ext cx="532313" cy="799701"/>
+          </a:xfrm>
+          <a:prstGeom prst="line">
+            <a:avLst/>
+          </a:prstGeom>
+          <a:ln w="38100"/>
+        </p:spPr>
+        <p:style>
+          <a:lnRef idx="2">
+            <a:schemeClr val="dk1"/>
+          </a:lnRef>
+          <a:fillRef idx="1">
+            <a:schemeClr val="lt1"/>
+          </a:fillRef>
+          <a:effectRef idx="0">
+            <a:schemeClr val="dk1"/>
+          </a:effectRef>
+          <a:fontRef idx="minor">
+            <a:schemeClr val="dk1"/>
+          </a:fontRef>
+        </p:style>
+      </p:cxnSp>
+      <p:sp>
+        <p:nvSpPr>
+          <p:cNvPr id="73" name="爆炸形: 8 pt  72">
+            <a:extLst>
+              <a:ext uri="{FF2B5EF4-FFF2-40B4-BE49-F238E27FC236}">
+                <a16:creationId xmlns:a16="http://schemas.microsoft.com/office/drawing/2014/main" id="{939F9979-DA86-44B1-9958-5D63BCAAD896}"/>
+              </a:ext>
+            </a:extLst>
+          </p:cNvPr>
+          <p:cNvSpPr/>
+          <p:nvPr/>
+        </p:nvSpPr>
+        <p:spPr>
+          <a:xfrm>
+            <a:off x="6834012" y="3157784"/>
+            <a:ext cx="659876" cy="622169"/>
+          </a:xfrm>
+          <a:prstGeom prst="irregularSeal1">
+            <a:avLst/>
+          </a:prstGeom>
+          <a:solidFill>
+            <a:srgbClr val="FFC000"/>
+          </a:solidFill>
+        </p:spPr>
+        <p:style>
+          <a:lnRef idx="2">
+            <a:schemeClr val="accent1">
+              <a:shade val="50000"/>
+            </a:schemeClr>
+          </a:lnRef>
+          <a:fillRef idx="1">
+            <a:schemeClr val="accent1"/>
+          </a:fillRef>
+          <a:effectRef idx="0">
+            <a:schemeClr val="accent1"/>
+          </a:effectRef>
+          <a:fontRef idx="minor">
+            <a:schemeClr val="lt1"/>
+          </a:fontRef>
+        </p:style>
+        <p:txBody>
+          <a:bodyPr rtlCol="0" anchor="ctr"/>
+          <a:lstStyle/>
+          <a:p>
+            <a:pPr algn="ctr"/>
+            <a:endParaRPr lang="zh-CN" altLang="en-US"/>
+          </a:p>
+        </p:txBody>
+      </p:sp>
+      <p:sp>
+        <p:nvSpPr>
+          <p:cNvPr id="82" name="文本框 81">
+            <a:extLst>
+              <a:ext uri="{FF2B5EF4-FFF2-40B4-BE49-F238E27FC236}">
+                <a16:creationId xmlns:a16="http://schemas.microsoft.com/office/drawing/2014/main" id="{0086ED26-0CAF-4B09-8AF7-7C154F2D9678}"/>
+              </a:ext>
+            </a:extLst>
+          </p:cNvPr>
+          <p:cNvSpPr txBox="1"/>
+          <p:nvPr/>
+        </p:nvSpPr>
+        <p:spPr>
+          <a:xfrm>
+            <a:off x="5320474" y="4830630"/>
+            <a:ext cx="1632178" cy="369332"/>
+          </a:xfrm>
+          <a:prstGeom prst="rect">
+            <a:avLst/>
+          </a:prstGeom>
+          <a:noFill/>
+        </p:spPr>
+        <p:txBody>
+          <a:bodyPr wrap="none" rtlCol="0">
+            <a:spAutoFit/>
+          </a:bodyPr>
+          <a:lstStyle/>
+          <a:p>
+            <a:r>
+              <a:rPr lang="en-US" altLang="zh-CN" b="1" dirty="0">
+                <a:effectLst>
+                  <a:outerShdw blurRad="38100" dist="38100" dir="2700000" algn="tl">
+                    <a:srgbClr val="000000">
+                      <a:alpha val="43137"/>
+                    </a:srgbClr>
+                  </a:outerShdw>
+                </a:effectLst>
+              </a:rPr>
+              <a:t>DCN Gateway</a:t>
+            </a:r>
+            <a:endParaRPr lang="zh-CN" altLang="en-US" b="1" dirty="0">
+              <a:effectLst>
+                <a:outerShdw blurRad="38100" dist="38100" dir="2700000" algn="tl">
+                  <a:srgbClr val="000000">
+                    <a:alpha val="43137"/>
+                  </a:srgbClr>
+                </a:outerShdw>
+              </a:effectLst>
+            </a:endParaRPr>
+          </a:p>
+        </p:txBody>
+      </p:sp>
+      <p:cxnSp>
+        <p:nvCxnSpPr>
+          <p:cNvPr id="154" name="直接连接符 153">
+            <a:extLst>
+              <a:ext uri="{FF2B5EF4-FFF2-40B4-BE49-F238E27FC236}">
+                <a16:creationId xmlns:a16="http://schemas.microsoft.com/office/drawing/2014/main" id="{EB09FD00-4119-4321-8CE4-025E8E5B3021}"/>
+              </a:ext>
+            </a:extLst>
+          </p:cNvPr>
+          <p:cNvCxnSpPr>
+            <a:cxnSpLocks/>
+            <a:stCxn id="5" idx="2"/>
+            <a:endCxn id="167" idx="3"/>
+          </p:cNvCxnSpPr>
+          <p:nvPr/>
+        </p:nvCxnSpPr>
+        <p:spPr>
+          <a:xfrm flipH="1">
+            <a:off x="3756019" y="3141754"/>
+            <a:ext cx="984247" cy="75530"/>
+          </a:xfrm>
+          <a:prstGeom prst="line">
+            <a:avLst/>
+          </a:prstGeom>
+          <a:ln w="38100"/>
+        </p:spPr>
+        <p:style>
+          <a:lnRef idx="2">
+            <a:schemeClr val="dk1"/>
+          </a:lnRef>
+          <a:fillRef idx="1">
+            <a:schemeClr val="lt1"/>
+          </a:fillRef>
+          <a:effectRef idx="0">
+            <a:schemeClr val="dk1"/>
+          </a:effectRef>
+          <a:fontRef idx="minor">
+            <a:schemeClr val="dk1"/>
+          </a:fontRef>
+        </p:style>
+      </p:cxnSp>
+      <p:sp>
+        <p:nvSpPr>
+          <p:cNvPr id="167" name="矩形 166">
+            <a:extLst>
+              <a:ext uri="{FF2B5EF4-FFF2-40B4-BE49-F238E27FC236}">
+                <a16:creationId xmlns:a16="http://schemas.microsoft.com/office/drawing/2014/main" id="{0D3BD67B-3B9E-45B7-8322-AC576AFD746E}"/>
+              </a:ext>
+            </a:extLst>
+          </p:cNvPr>
+          <p:cNvSpPr/>
+          <p:nvPr/>
+        </p:nvSpPr>
+        <p:spPr>
+          <a:xfrm>
+            <a:off x="2934642" y="2989530"/>
+            <a:ext cx="821377" cy="455507"/>
+          </a:xfrm>
+          <a:prstGeom prst="rect">
+            <a:avLst/>
+          </a:prstGeom>
+          <a:ln w="38100"/>
+        </p:spPr>
+        <p:style>
+          <a:lnRef idx="2">
+            <a:schemeClr val="dk1"/>
+          </a:lnRef>
+          <a:fillRef idx="1">
+            <a:schemeClr val="lt1"/>
+          </a:fillRef>
+          <a:effectRef idx="0">
+            <a:schemeClr val="dk1"/>
+          </a:effectRef>
+          <a:fontRef idx="minor">
+            <a:schemeClr val="dk1"/>
+          </a:fontRef>
+        </p:style>
+        <p:txBody>
+          <a:bodyPr rtlCol="0" anchor="ctr"/>
+          <a:lstStyle/>
+          <a:p>
+            <a:pPr algn="ctr"/>
+            <a:r>
+              <a:rPr lang="en-US" altLang="zh-CN" dirty="0">
+                <a:solidFill>
+                  <a:schemeClr val="dk1"/>
+                </a:solidFill>
+              </a:rPr>
+              <a:t>Kernel</a:t>
+            </a:r>
+            <a:endParaRPr lang="zh-CN" altLang="en-US" dirty="0">
+              <a:solidFill>
+                <a:schemeClr val="dk1"/>
+              </a:solidFill>
+            </a:endParaRPr>
+          </a:p>
+        </p:txBody>
+      </p:sp>
+      <p:sp>
+        <p:nvSpPr>
+          <p:cNvPr id="169" name="矩形 168">
+            <a:extLst>
+              <a:ext uri="{FF2B5EF4-FFF2-40B4-BE49-F238E27FC236}">
+                <a16:creationId xmlns:a16="http://schemas.microsoft.com/office/drawing/2014/main" id="{A4239ED1-B7ED-47AE-A4C3-28FEA8C6F336}"/>
+              </a:ext>
+            </a:extLst>
+          </p:cNvPr>
+          <p:cNvSpPr/>
+          <p:nvPr/>
+        </p:nvSpPr>
+        <p:spPr>
+          <a:xfrm>
+            <a:off x="8462731" y="2995282"/>
+            <a:ext cx="821377" cy="455507"/>
+          </a:xfrm>
+          <a:prstGeom prst="rect">
+            <a:avLst/>
+          </a:prstGeom>
+          <a:ln w="38100"/>
+        </p:spPr>
+        <p:style>
+          <a:lnRef idx="2">
+            <a:schemeClr val="dk1"/>
+          </a:lnRef>
+          <a:fillRef idx="1">
+            <a:schemeClr val="lt1"/>
+          </a:fillRef>
+          <a:effectRef idx="0">
+            <a:schemeClr val="dk1"/>
+          </a:effectRef>
+          <a:fontRef idx="minor">
+            <a:schemeClr val="dk1"/>
+          </a:fontRef>
+        </p:style>
+        <p:txBody>
+          <a:bodyPr rtlCol="0" anchor="ctr"/>
+          <a:lstStyle/>
+          <a:p>
+            <a:pPr algn="ctr"/>
+            <a:r>
+              <a:rPr lang="en-US" altLang="zh-CN" dirty="0">
+                <a:solidFill>
+                  <a:schemeClr val="dk1"/>
+                </a:solidFill>
+              </a:rPr>
+              <a:t>Kernel</a:t>
+            </a:r>
+            <a:endParaRPr lang="zh-CN" altLang="en-US" dirty="0">
+              <a:solidFill>
+                <a:schemeClr val="dk1"/>
+              </a:solidFill>
+            </a:endParaRPr>
+          </a:p>
+        </p:txBody>
+      </p:sp>
+      <p:cxnSp>
+        <p:nvCxnSpPr>
+          <p:cNvPr id="172" name="直接连接符 171">
+            <a:extLst>
+              <a:ext uri="{FF2B5EF4-FFF2-40B4-BE49-F238E27FC236}">
+                <a16:creationId xmlns:a16="http://schemas.microsoft.com/office/drawing/2014/main" id="{958B7BBD-68EA-490E-B5AC-1C496A51A466}"/>
+              </a:ext>
+            </a:extLst>
+          </p:cNvPr>
+          <p:cNvCxnSpPr>
+            <a:cxnSpLocks/>
+            <a:stCxn id="26" idx="1"/>
+            <a:endCxn id="7" idx="6"/>
+          </p:cNvCxnSpPr>
+          <p:nvPr/>
+        </p:nvCxnSpPr>
+        <p:spPr>
+          <a:xfrm flipH="1">
+            <a:off x="7564279" y="2677674"/>
+            <a:ext cx="898452" cy="464080"/>
+          </a:xfrm>
+          <a:prstGeom prst="line">
+            <a:avLst/>
+          </a:prstGeom>
+          <a:ln w="38100"/>
+        </p:spPr>
+        <p:style>
+          <a:lnRef idx="2">
+            <a:schemeClr val="dk1"/>
+          </a:lnRef>
+          <a:fillRef idx="1">
+            <a:schemeClr val="lt1"/>
+          </a:fillRef>
+          <a:effectRef idx="0">
+            <a:schemeClr val="dk1"/>
+          </a:effectRef>
+          <a:fontRef idx="minor">
+            <a:schemeClr val="dk1"/>
+          </a:fontRef>
+        </p:style>
+      </p:cxnSp>
+      <p:cxnSp>
+        <p:nvCxnSpPr>
+          <p:cNvPr id="175" name="直接连接符 174">
+            <a:extLst>
+              <a:ext uri="{FF2B5EF4-FFF2-40B4-BE49-F238E27FC236}">
+                <a16:creationId xmlns:a16="http://schemas.microsoft.com/office/drawing/2014/main" id="{10588AFB-54C5-4CED-B43F-31912960F893}"/>
+              </a:ext>
+            </a:extLst>
+          </p:cNvPr>
+          <p:cNvCxnSpPr>
+            <a:cxnSpLocks/>
+            <a:stCxn id="169" idx="1"/>
+            <a:endCxn id="7" idx="6"/>
+          </p:cNvCxnSpPr>
+          <p:nvPr/>
+        </p:nvCxnSpPr>
+        <p:spPr>
+          <a:xfrm flipH="1" flipV="1">
+            <a:off x="7564279" y="3141754"/>
+            <a:ext cx="898452" cy="81282"/>
+          </a:xfrm>
+          <a:prstGeom prst="line">
+            <a:avLst/>
+          </a:prstGeom>
+          <a:ln w="38100"/>
+        </p:spPr>
+        <p:style>
+          <a:lnRef idx="2">
+            <a:schemeClr val="dk1"/>
+          </a:lnRef>
+          <a:fillRef idx="1">
+            <a:schemeClr val="lt1"/>
+          </a:fillRef>
+          <a:effectRef idx="0">
+            <a:schemeClr val="dk1"/>
+          </a:effectRef>
+          <a:fontRef idx="minor">
+            <a:schemeClr val="dk1"/>
+          </a:fontRef>
+        </p:style>
+      </p:cxnSp>
+      <p:grpSp>
+        <p:nvGrpSpPr>
+          <p:cNvPr id="4" name="组合 3">
+            <a:extLst>
+              <a:ext uri="{FF2B5EF4-FFF2-40B4-BE49-F238E27FC236}">
+                <a16:creationId xmlns:a16="http://schemas.microsoft.com/office/drawing/2014/main" id="{051D2A1B-0FFA-4258-9673-500956A25DB9}"/>
+              </a:ext>
+            </a:extLst>
+          </p:cNvPr>
+          <p:cNvGrpSpPr/>
+          <p:nvPr/>
+        </p:nvGrpSpPr>
+        <p:grpSpPr>
+          <a:xfrm>
+            <a:off x="7272978" y="814066"/>
+            <a:ext cx="2081717" cy="633884"/>
+            <a:chOff x="9569231" y="6032204"/>
+            <a:chExt cx="2081717" cy="633884"/>
+          </a:xfrm>
+        </p:grpSpPr>
+        <p:sp>
+          <p:nvSpPr>
+            <p:cNvPr id="118" name="矩形: 圆角 117">
+              <a:extLst>
+                <a:ext uri="{FF2B5EF4-FFF2-40B4-BE49-F238E27FC236}">
+                  <a16:creationId xmlns:a16="http://schemas.microsoft.com/office/drawing/2014/main" id="{2721806F-28BF-40E5-AEA7-4C2277077CF3}"/>
+                </a:ext>
+              </a:extLst>
+            </p:cNvPr>
+            <p:cNvSpPr/>
+            <p:nvPr/>
+          </p:nvSpPr>
+          <p:spPr>
+            <a:xfrm>
+              <a:off x="9569231" y="6032204"/>
+              <a:ext cx="2081717" cy="633884"/>
+            </a:xfrm>
+            <a:prstGeom prst="roundRect">
+              <a:avLst/>
+            </a:prstGeom>
+          </p:spPr>
+          <p:style>
+            <a:lnRef idx="1">
+              <a:schemeClr val="accent3"/>
+            </a:lnRef>
+            <a:fillRef idx="2">
+              <a:schemeClr val="accent3"/>
+            </a:fillRef>
+            <a:effectRef idx="1">
+              <a:schemeClr val="accent3"/>
+            </a:effectRef>
+            <a:fontRef idx="minor">
+              <a:schemeClr val="dk1"/>
+            </a:fontRef>
+          </p:style>
+          <p:txBody>
+            <a:bodyPr rtlCol="0" anchor="ctr"/>
+            <a:lstStyle/>
+            <a:p>
+              <a:pPr algn="ctr"/>
+              <a:endParaRPr lang="zh-CN" altLang="en-US" dirty="0"/>
+            </a:p>
+          </p:txBody>
+        </p:sp>
+        <p:sp>
+          <p:nvSpPr>
+            <p:cNvPr id="123" name="文本框 122">
+              <a:extLst>
+                <a:ext uri="{FF2B5EF4-FFF2-40B4-BE49-F238E27FC236}">
+                  <a16:creationId xmlns:a16="http://schemas.microsoft.com/office/drawing/2014/main" id="{5CA18FD1-C371-40CC-86C5-C9D31691ED9B}"/>
+                </a:ext>
+              </a:extLst>
+            </p:cNvPr>
+            <p:cNvSpPr txBox="1"/>
+            <p:nvPr/>
+          </p:nvSpPr>
+          <p:spPr>
+            <a:xfrm>
+              <a:off x="10957260" y="6296756"/>
+              <a:ext cx="675185" cy="369332"/>
+            </a:xfrm>
+            <a:prstGeom prst="rect">
+              <a:avLst/>
+            </a:prstGeom>
+            <a:noFill/>
+          </p:spPr>
+          <p:txBody>
+            <a:bodyPr wrap="none" rtlCol="0">
+              <a:spAutoFit/>
+            </a:bodyPr>
+            <a:lstStyle/>
+            <a:p>
+              <a:r>
+                <a:rPr lang="en-US" altLang="zh-CN" b="1" dirty="0"/>
+                <a:t>Host</a:t>
+              </a:r>
+              <a:endParaRPr lang="zh-CN" altLang="en-US" b="1" dirty="0"/>
+            </a:p>
+          </p:txBody>
+        </p:sp>
+        <p:sp>
+          <p:nvSpPr>
+            <p:cNvPr id="183" name="矩形 182">
+              <a:extLst>
+                <a:ext uri="{FF2B5EF4-FFF2-40B4-BE49-F238E27FC236}">
+                  <a16:creationId xmlns:a16="http://schemas.microsoft.com/office/drawing/2014/main" id="{3200D977-FC08-41E2-93A1-C71D90B8945B}"/>
+                </a:ext>
+              </a:extLst>
+            </p:cNvPr>
+            <p:cNvSpPr/>
+            <p:nvPr/>
+          </p:nvSpPr>
+          <p:spPr>
+            <a:xfrm>
+              <a:off x="9623819" y="6150970"/>
+              <a:ext cx="821377" cy="455507"/>
+            </a:xfrm>
+            <a:prstGeom prst="rect">
+              <a:avLst/>
+            </a:prstGeom>
+            <a:ln w="38100"/>
+          </p:spPr>
+          <p:style>
+            <a:lnRef idx="2">
+              <a:schemeClr val="dk1"/>
+            </a:lnRef>
+            <a:fillRef idx="1">
+              <a:schemeClr val="lt1"/>
+            </a:fillRef>
+            <a:effectRef idx="0">
+              <a:schemeClr val="dk1"/>
+            </a:effectRef>
+            <a:fontRef idx="minor">
+              <a:schemeClr val="dk1"/>
+            </a:fontRef>
+          </p:style>
+          <p:txBody>
+            <a:bodyPr rtlCol="0" anchor="ctr"/>
+            <a:lstStyle/>
+            <a:p>
+              <a:pPr algn="ctr"/>
+              <a:r>
+                <a:rPr lang="en-US" altLang="zh-CN" dirty="0">
+                  <a:solidFill>
+                    <a:schemeClr val="dk1"/>
+                  </a:solidFill>
+                </a:rPr>
+                <a:t>SAM</a:t>
+              </a:r>
+              <a:endParaRPr lang="zh-CN" altLang="en-US" dirty="0">
+                <a:solidFill>
+                  <a:schemeClr val="dk1"/>
+                </a:solidFill>
+              </a:endParaRPr>
+            </a:p>
+          </p:txBody>
+        </p:sp>
+      </p:grpSp>
+      <p:cxnSp>
+        <p:nvCxnSpPr>
+          <p:cNvPr id="84" name="直接连接符 83">
+            <a:extLst>
+              <a:ext uri="{FF2B5EF4-FFF2-40B4-BE49-F238E27FC236}">
+                <a16:creationId xmlns:a16="http://schemas.microsoft.com/office/drawing/2014/main" id="{16562D5F-42E2-45A5-8E27-F9C92B51CC01}"/>
+              </a:ext>
+            </a:extLst>
+          </p:cNvPr>
+          <p:cNvCxnSpPr>
+            <a:cxnSpLocks/>
+            <a:stCxn id="92" idx="2"/>
+            <a:endCxn id="7" idx="0"/>
+          </p:cNvCxnSpPr>
+          <p:nvPr/>
+        </p:nvCxnSpPr>
+        <p:spPr>
+          <a:xfrm>
+            <a:off x="6423778" y="1322533"/>
+            <a:ext cx="723345" cy="1409928"/>
+          </a:xfrm>
+          <a:prstGeom prst="line">
+            <a:avLst/>
+          </a:prstGeom>
+          <a:ln w="12700">
+            <a:prstDash val="sysDash"/>
+          </a:ln>
+        </p:spPr>
+        <p:style>
+          <a:lnRef idx="2">
+            <a:schemeClr val="dk1"/>
+          </a:lnRef>
+          <a:fillRef idx="1">
+            <a:schemeClr val="lt1"/>
+          </a:fillRef>
+          <a:effectRef idx="0">
+            <a:schemeClr val="dk1"/>
+          </a:effectRef>
+          <a:fontRef idx="minor">
+            <a:schemeClr val="dk1"/>
+          </a:fontRef>
+        </p:style>
+      </p:cxnSp>
+      <p:cxnSp>
+        <p:nvCxnSpPr>
+          <p:cNvPr id="85" name="直接连接符 84">
+            <a:extLst>
+              <a:ext uri="{FF2B5EF4-FFF2-40B4-BE49-F238E27FC236}">
+                <a16:creationId xmlns:a16="http://schemas.microsoft.com/office/drawing/2014/main" id="{E7C69419-175F-497E-B979-86353FB1A505}"/>
+              </a:ext>
+            </a:extLst>
+          </p:cNvPr>
+          <p:cNvCxnSpPr>
+            <a:cxnSpLocks/>
+            <a:stCxn id="92" idx="2"/>
+            <a:endCxn id="58" idx="0"/>
+          </p:cNvCxnSpPr>
+          <p:nvPr/>
+        </p:nvCxnSpPr>
+        <p:spPr>
+          <a:xfrm flipH="1">
+            <a:off x="6197654" y="1322533"/>
+            <a:ext cx="226124" cy="2618921"/>
+          </a:xfrm>
+          <a:prstGeom prst="line">
+            <a:avLst/>
+          </a:prstGeom>
+          <a:ln w="12700">
+            <a:prstDash val="sysDash"/>
+          </a:ln>
+        </p:spPr>
+        <p:style>
+          <a:lnRef idx="2">
+            <a:schemeClr val="dk1"/>
+          </a:lnRef>
+          <a:fillRef idx="1">
+            <a:schemeClr val="lt1"/>
+          </a:fillRef>
+          <a:effectRef idx="0">
+            <a:schemeClr val="dk1"/>
+          </a:effectRef>
+          <a:fontRef idx="minor">
+            <a:schemeClr val="dk1"/>
+          </a:fontRef>
+        </p:style>
+      </p:cxnSp>
+      <p:cxnSp>
+        <p:nvCxnSpPr>
+          <p:cNvPr id="86" name="直接连接符 85">
+            <a:extLst>
+              <a:ext uri="{FF2B5EF4-FFF2-40B4-BE49-F238E27FC236}">
+                <a16:creationId xmlns:a16="http://schemas.microsoft.com/office/drawing/2014/main" id="{AF0C5777-2B8A-4135-A7BD-A238071AB07D}"/>
+              </a:ext>
+            </a:extLst>
+          </p:cNvPr>
+          <p:cNvCxnSpPr>
+            <a:cxnSpLocks/>
+            <a:stCxn id="92" idx="2"/>
+            <a:endCxn id="5" idx="7"/>
+          </p:cNvCxnSpPr>
+          <p:nvPr/>
+        </p:nvCxnSpPr>
+        <p:spPr>
+          <a:xfrm flipH="1">
+            <a:off x="5452396" y="1322533"/>
+            <a:ext cx="971382" cy="1529807"/>
+          </a:xfrm>
+          <a:prstGeom prst="line">
+            <a:avLst/>
+          </a:prstGeom>
+          <a:ln w="12700">
+            <a:prstDash val="sysDash"/>
+          </a:ln>
+        </p:spPr>
+        <p:style>
+          <a:lnRef idx="2">
+            <a:schemeClr val="dk1"/>
+          </a:lnRef>
+          <a:fillRef idx="1">
+            <a:schemeClr val="lt1"/>
+          </a:fillRef>
+          <a:effectRef idx="0">
+            <a:schemeClr val="dk1"/>
+          </a:effectRef>
+          <a:fontRef idx="minor">
+            <a:schemeClr val="dk1"/>
+          </a:fontRef>
+        </p:style>
+      </p:cxnSp>
+      <p:sp>
+        <p:nvSpPr>
+          <p:cNvPr id="92" name="文本框 91">
+            <a:extLst>
+              <a:ext uri="{FF2B5EF4-FFF2-40B4-BE49-F238E27FC236}">
+                <a16:creationId xmlns:a16="http://schemas.microsoft.com/office/drawing/2014/main" id="{FC9A054E-5899-4BE5-848E-1C72DF299908}"/>
+              </a:ext>
+            </a:extLst>
+          </p:cNvPr>
+          <p:cNvSpPr txBox="1"/>
+          <p:nvPr/>
+        </p:nvSpPr>
+        <p:spPr>
+          <a:xfrm>
+            <a:off x="5894904" y="953201"/>
+            <a:ext cx="1057748" cy="369332"/>
+          </a:xfrm>
+          <a:prstGeom prst="rect">
+            <a:avLst/>
+          </a:prstGeom>
+        </p:spPr>
+        <p:style>
+          <a:lnRef idx="2">
+            <a:schemeClr val="accent2">
+              <a:shade val="50000"/>
+            </a:schemeClr>
+          </a:lnRef>
+          <a:fillRef idx="1">
+            <a:schemeClr val="accent2"/>
+          </a:fillRef>
+          <a:effectRef idx="0">
+            <a:schemeClr val="accent2"/>
+          </a:effectRef>
+          <a:fontRef idx="minor">
+            <a:schemeClr val="lt1"/>
+          </a:fontRef>
+        </p:style>
+        <p:txBody>
+          <a:bodyPr wrap="square" rtlCol="0">
+            <a:spAutoFit/>
+          </a:bodyPr>
+          <a:lstStyle/>
+          <a:p>
+            <a:r>
+              <a:rPr lang="en-US" altLang="zh-CN" b="1" dirty="0"/>
+              <a:t>switch</a:t>
+            </a:r>
+            <a:endParaRPr lang="zh-CN" altLang="en-US" b="1" dirty="0"/>
+          </a:p>
+        </p:txBody>
+      </p:sp>
+      <p:cxnSp>
+        <p:nvCxnSpPr>
+          <p:cNvPr id="102" name="直接连接符 101">
+            <a:extLst>
+              <a:ext uri="{FF2B5EF4-FFF2-40B4-BE49-F238E27FC236}">
+                <a16:creationId xmlns:a16="http://schemas.microsoft.com/office/drawing/2014/main" id="{7E0E08E4-6849-4662-9E6D-662775DA1DC5}"/>
+              </a:ext>
+            </a:extLst>
+          </p:cNvPr>
+          <p:cNvCxnSpPr>
+            <a:cxnSpLocks/>
+            <a:stCxn id="118" idx="1"/>
+            <a:endCxn id="92" idx="3"/>
+          </p:cNvCxnSpPr>
+          <p:nvPr/>
+        </p:nvCxnSpPr>
+        <p:spPr>
+          <a:xfrm flipH="1">
+            <a:off x="6952652" y="1131008"/>
+            <a:ext cx="320326" cy="6859"/>
+          </a:xfrm>
+          <a:prstGeom prst="line">
+            <a:avLst/>
+          </a:prstGeom>
+          <a:ln w="38100"/>
+        </p:spPr>
+        <p:style>
+          <a:lnRef idx="2">
+            <a:schemeClr val="dk1"/>
+          </a:lnRef>
+          <a:fillRef idx="1">
+            <a:schemeClr val="lt1"/>
+          </a:fillRef>
+          <a:effectRef idx="0">
+            <a:schemeClr val="dk1"/>
+          </a:effectRef>
+          <a:fontRef idx="minor">
+            <a:schemeClr val="dk1"/>
+          </a:fontRef>
+        </p:style>
+      </p:cxnSp>
+      <p:sp>
+        <p:nvSpPr>
+          <p:cNvPr id="98" name="矩形 97">
+            <a:extLst>
+              <a:ext uri="{FF2B5EF4-FFF2-40B4-BE49-F238E27FC236}">
+                <a16:creationId xmlns:a16="http://schemas.microsoft.com/office/drawing/2014/main" id="{81909ED2-6B79-498A-8BCB-C30DD2FCEAD7}"/>
+              </a:ext>
+            </a:extLst>
+          </p:cNvPr>
+          <p:cNvSpPr/>
+          <p:nvPr/>
+        </p:nvSpPr>
+        <p:spPr>
+          <a:xfrm>
+            <a:off x="4428172" y="2500079"/>
+            <a:ext cx="764438" cy="455507"/>
+          </a:xfrm>
+          <a:prstGeom prst="rect">
+            <a:avLst/>
+          </a:prstGeom>
+          <a:ln w="38100"/>
+        </p:spPr>
+        <p:style>
+          <a:lnRef idx="2">
+            <a:schemeClr val="dk1"/>
+          </a:lnRef>
+          <a:fillRef idx="1">
+            <a:schemeClr val="lt1"/>
+          </a:fillRef>
+          <a:effectRef idx="0">
+            <a:schemeClr val="dk1"/>
+          </a:effectRef>
+          <a:fontRef idx="minor">
+            <a:schemeClr val="dk1"/>
+          </a:fontRef>
+        </p:style>
+        <p:txBody>
+          <a:bodyPr rtlCol="0" anchor="ctr"/>
+          <a:lstStyle/>
+          <a:p>
+            <a:pPr algn="ctr"/>
+            <a:r>
+              <a:rPr lang="en-US" altLang="zh-CN" dirty="0">
+                <a:solidFill>
+                  <a:schemeClr val="dk1"/>
+                </a:solidFill>
+              </a:rPr>
+              <a:t>NF1</a:t>
+            </a:r>
+            <a:endParaRPr lang="zh-CN" altLang="en-US" dirty="0">
+              <a:solidFill>
+                <a:schemeClr val="dk1"/>
+              </a:solidFill>
+            </a:endParaRPr>
+          </a:p>
+        </p:txBody>
+      </p:sp>
+    </p:spTree>
+    <p:extLst>
+      <p:ext uri="{BB962C8B-B14F-4D97-AF65-F5344CB8AC3E}">
+        <p14:creationId xmlns:p14="http://schemas.microsoft.com/office/powerpoint/2010/main" val="753456139"/>
       </p:ext>
     </p:extLst>
   </p:cSld>

--- a/doc/SoftwareDesign/Architecture-P4.pptx
+++ b/doc/SoftwareDesign/Architecture-P4.pptx
@@ -202,7 +202,7 @@
           <a:p>
             <a:fld id="{B81778B8-8763-4D18-BF72-76154464FFE0}" type="datetimeFigureOut">
               <a:rPr lang="zh-CN" altLang="en-US" smtClean="0"/>
-              <a:t>2020/8/3</a:t>
+              <a:t>2020/8/21</a:t>
             </a:fld>
             <a:endParaRPr lang="zh-CN" altLang="en-US"/>
           </a:p>
@@ -2957,7 +2957,7 @@
           <a:p>
             <a:fld id="{6BBD34C2-3600-48BE-9702-B8B5DAB8968A}" type="datetimeFigureOut">
               <a:rPr lang="zh-CN" altLang="en-US" smtClean="0"/>
-              <a:t>2020/8/3</a:t>
+              <a:t>2020/8/21</a:t>
             </a:fld>
             <a:endParaRPr lang="zh-CN" altLang="en-US"/>
           </a:p>
@@ -3155,7 +3155,7 @@
           <a:p>
             <a:fld id="{6BBD34C2-3600-48BE-9702-B8B5DAB8968A}" type="datetimeFigureOut">
               <a:rPr lang="zh-CN" altLang="en-US" smtClean="0"/>
-              <a:t>2020/8/3</a:t>
+              <a:t>2020/8/21</a:t>
             </a:fld>
             <a:endParaRPr lang="zh-CN" altLang="en-US"/>
           </a:p>
@@ -3363,7 +3363,7 @@
           <a:p>
             <a:fld id="{6BBD34C2-3600-48BE-9702-B8B5DAB8968A}" type="datetimeFigureOut">
               <a:rPr lang="zh-CN" altLang="en-US" smtClean="0"/>
-              <a:t>2020/8/3</a:t>
+              <a:t>2020/8/21</a:t>
             </a:fld>
             <a:endParaRPr lang="zh-CN" altLang="en-US"/>
           </a:p>
@@ -3561,7 +3561,7 @@
           <a:p>
             <a:fld id="{6BBD34C2-3600-48BE-9702-B8B5DAB8968A}" type="datetimeFigureOut">
               <a:rPr lang="zh-CN" altLang="en-US" smtClean="0"/>
-              <a:t>2020/8/3</a:t>
+              <a:t>2020/8/21</a:t>
             </a:fld>
             <a:endParaRPr lang="zh-CN" altLang="en-US"/>
           </a:p>
@@ -3836,7 +3836,7 @@
           <a:p>
             <a:fld id="{6BBD34C2-3600-48BE-9702-B8B5DAB8968A}" type="datetimeFigureOut">
               <a:rPr lang="zh-CN" altLang="en-US" smtClean="0"/>
-              <a:t>2020/8/3</a:t>
+              <a:t>2020/8/21</a:t>
             </a:fld>
             <a:endParaRPr lang="zh-CN" altLang="en-US"/>
           </a:p>
@@ -4101,7 +4101,7 @@
           <a:p>
             <a:fld id="{6BBD34C2-3600-48BE-9702-B8B5DAB8968A}" type="datetimeFigureOut">
               <a:rPr lang="zh-CN" altLang="en-US" smtClean="0"/>
-              <a:t>2020/8/3</a:t>
+              <a:t>2020/8/21</a:t>
             </a:fld>
             <a:endParaRPr lang="zh-CN" altLang="en-US"/>
           </a:p>
@@ -4513,7 +4513,7 @@
           <a:p>
             <a:fld id="{6BBD34C2-3600-48BE-9702-B8B5DAB8968A}" type="datetimeFigureOut">
               <a:rPr lang="zh-CN" altLang="en-US" smtClean="0"/>
-              <a:t>2020/8/3</a:t>
+              <a:t>2020/8/21</a:t>
             </a:fld>
             <a:endParaRPr lang="zh-CN" altLang="en-US"/>
           </a:p>
@@ -4654,7 +4654,7 @@
           <a:p>
             <a:fld id="{6BBD34C2-3600-48BE-9702-B8B5DAB8968A}" type="datetimeFigureOut">
               <a:rPr lang="zh-CN" altLang="en-US" smtClean="0"/>
-              <a:t>2020/8/3</a:t>
+              <a:t>2020/8/21</a:t>
             </a:fld>
             <a:endParaRPr lang="zh-CN" altLang="en-US"/>
           </a:p>
@@ -4767,7 +4767,7 @@
           <a:p>
             <a:fld id="{6BBD34C2-3600-48BE-9702-B8B5DAB8968A}" type="datetimeFigureOut">
               <a:rPr lang="zh-CN" altLang="en-US" smtClean="0"/>
-              <a:t>2020/8/3</a:t>
+              <a:t>2020/8/21</a:t>
             </a:fld>
             <a:endParaRPr lang="zh-CN" altLang="en-US"/>
           </a:p>
@@ -5078,7 +5078,7 @@
           <a:p>
             <a:fld id="{6BBD34C2-3600-48BE-9702-B8B5DAB8968A}" type="datetimeFigureOut">
               <a:rPr lang="zh-CN" altLang="en-US" smtClean="0"/>
-              <a:t>2020/8/3</a:t>
+              <a:t>2020/8/21</a:t>
             </a:fld>
             <a:endParaRPr lang="zh-CN" altLang="en-US"/>
           </a:p>
@@ -5366,7 +5366,7 @@
           <a:p>
             <a:fld id="{6BBD34C2-3600-48BE-9702-B8B5DAB8968A}" type="datetimeFigureOut">
               <a:rPr lang="zh-CN" altLang="en-US" smtClean="0"/>
-              <a:t>2020/8/3</a:t>
+              <a:t>2020/8/21</a:t>
             </a:fld>
             <a:endParaRPr lang="zh-CN" altLang="en-US"/>
           </a:p>
@@ -5607,7 +5607,7 @@
           <a:p>
             <a:fld id="{6BBD34C2-3600-48BE-9702-B8B5DAB8968A}" type="datetimeFigureOut">
               <a:rPr lang="zh-CN" altLang="en-US" smtClean="0"/>
-              <a:t>2020/8/3</a:t>
+              <a:t>2020/8/21</a:t>
             </a:fld>
             <a:endParaRPr lang="zh-CN" altLang="en-US"/>
           </a:p>
@@ -6893,56 +6893,6 @@
       </p:cxnSp>
       <p:sp>
         <p:nvSpPr>
-          <p:cNvPr id="61" name="矩形: 圆角 60">
-            <a:extLst>
-              <a:ext uri="{FF2B5EF4-FFF2-40B4-BE49-F238E27FC236}">
-                <a16:creationId xmlns:a16="http://schemas.microsoft.com/office/drawing/2014/main" id="{A7B3F63E-C11E-4F1C-BDEC-D1C642EC4D3B}"/>
-              </a:ext>
-            </a:extLst>
-          </p:cNvPr>
-          <p:cNvSpPr/>
-          <p:nvPr/>
-        </p:nvSpPr>
-        <p:spPr>
-          <a:xfrm>
-            <a:off x="5591138" y="2959578"/>
-            <a:ext cx="1702765" cy="639960"/>
-          </a:xfrm>
-          <a:prstGeom prst="roundRect">
-            <a:avLst/>
-          </a:prstGeom>
-        </p:spPr>
-        <p:style>
-          <a:lnRef idx="2">
-            <a:schemeClr val="accent4">
-              <a:shade val="50000"/>
-            </a:schemeClr>
-          </a:lnRef>
-          <a:fillRef idx="1">
-            <a:schemeClr val="accent4"/>
-          </a:fillRef>
-          <a:effectRef idx="0">
-            <a:schemeClr val="accent4"/>
-          </a:effectRef>
-          <a:fontRef idx="minor">
-            <a:schemeClr val="lt1"/>
-          </a:fontRef>
-        </p:style>
-        <p:txBody>
-          <a:bodyPr rtlCol="0" anchor="ctr"/>
-          <a:lstStyle/>
-          <a:p>
-            <a:pPr algn="ctr"/>
-            <a:r>
-              <a:rPr lang="en-US" altLang="zh-CN" dirty="0"/>
-              <a:t>RabbitMQ</a:t>
-            </a:r>
-            <a:endParaRPr lang="zh-CN" altLang="en-US" dirty="0"/>
-          </a:p>
-        </p:txBody>
-      </p:sp>
-      <p:sp>
-        <p:nvSpPr>
           <p:cNvPr id="72" name="圆柱体 71">
             <a:extLst>
               <a:ext uri="{FF2B5EF4-FFF2-40B4-BE49-F238E27FC236}">
@@ -7080,55 +7030,6 @@
           </a:p>
         </p:txBody>
       </p:sp>
-      <p:cxnSp>
-        <p:nvCxnSpPr>
-          <p:cNvPr id="88" name="直接箭头连接符 87">
-            <a:extLst>
-              <a:ext uri="{FF2B5EF4-FFF2-40B4-BE49-F238E27FC236}">
-                <a16:creationId xmlns:a16="http://schemas.microsoft.com/office/drawing/2014/main" id="{2FA23CB9-52F9-4820-84D7-2A04B4C13603}"/>
-              </a:ext>
-            </a:extLst>
-          </p:cNvPr>
-          <p:cNvCxnSpPr>
-            <a:cxnSpLocks/>
-            <a:stCxn id="60" idx="0"/>
-            <a:endCxn id="61" idx="2"/>
-          </p:cNvCxnSpPr>
-          <p:nvPr/>
-        </p:nvCxnSpPr>
-        <p:spPr>
-          <a:xfrm flipV="1">
-            <a:off x="4663051" y="3599538"/>
-            <a:ext cx="1779470" cy="149491"/>
-          </a:xfrm>
-          <a:prstGeom prst="straightConnector1">
-            <a:avLst/>
-          </a:prstGeom>
-          <a:ln w="9525" cap="flat" cmpd="sng" algn="ctr">
-            <a:solidFill>
-              <a:schemeClr val="accent1"/>
-            </a:solidFill>
-            <a:prstDash val="dash"/>
-            <a:round/>
-            <a:headEnd type="none" w="med" len="med"/>
-            <a:tailEnd type="none" w="med" len="med"/>
-          </a:ln>
-        </p:spPr>
-        <p:style>
-          <a:lnRef idx="0">
-            <a:scrgbClr r="0" g="0" b="0"/>
-          </a:lnRef>
-          <a:fillRef idx="0">
-            <a:scrgbClr r="0" g="0" b="0"/>
-          </a:fillRef>
-          <a:effectRef idx="0">
-            <a:scrgbClr r="0" g="0" b="0"/>
-          </a:effectRef>
-          <a:fontRef idx="minor">
-            <a:schemeClr val="tx1"/>
-          </a:fontRef>
-        </p:style>
-      </p:cxnSp>
       <p:cxnSp>
         <p:nvCxnSpPr>
           <p:cNvPr id="142" name="直接箭头连接符 141">
@@ -7272,14 +7173,14 @@
           <p:cNvCxnSpPr>
             <a:cxnSpLocks/>
             <a:stCxn id="203" idx="1"/>
-            <a:endCxn id="61" idx="3"/>
+            <a:endCxn id="57" idx="3"/>
           </p:cNvCxnSpPr>
           <p:nvPr/>
         </p:nvCxnSpPr>
         <p:spPr>
-          <a:xfrm flipH="1">
-            <a:off x="7293903" y="3273061"/>
-            <a:ext cx="1910316" cy="6497"/>
+          <a:xfrm flipH="1" flipV="1">
+            <a:off x="7102844" y="3256978"/>
+            <a:ext cx="2101375" cy="16083"/>
           </a:xfrm>
           <a:prstGeom prst="straightConnector1">
             <a:avLst/>
@@ -7421,14 +7322,14 @@
           <p:cNvCxnSpPr>
             <a:cxnSpLocks/>
             <a:stCxn id="3" idx="2"/>
-            <a:endCxn id="61" idx="0"/>
+            <a:endCxn id="57" idx="0"/>
           </p:cNvCxnSpPr>
           <p:nvPr/>
         </p:nvCxnSpPr>
         <p:spPr>
           <a:xfrm>
             <a:off x="5214888" y="2369631"/>
-            <a:ext cx="1227633" cy="589947"/>
+            <a:ext cx="1248439" cy="681877"/>
           </a:xfrm>
           <a:prstGeom prst="straightConnector1">
             <a:avLst/>
@@ -7873,58 +7774,6 @@
       </p:cxnSp>
       <p:sp>
         <p:nvSpPr>
-          <p:cNvPr id="60" name="矩形 59">
-            <a:extLst>
-              <a:ext uri="{FF2B5EF4-FFF2-40B4-BE49-F238E27FC236}">
-                <a16:creationId xmlns:a16="http://schemas.microsoft.com/office/drawing/2014/main" id="{21BCA351-AAE7-411F-A5CB-4C41156B857E}"/>
-              </a:ext>
-            </a:extLst>
-          </p:cNvPr>
-          <p:cNvSpPr/>
-          <p:nvPr/>
-        </p:nvSpPr>
-        <p:spPr>
-          <a:xfrm>
-            <a:off x="4023534" y="3749029"/>
-            <a:ext cx="1279034" cy="410940"/>
-          </a:xfrm>
-          <a:prstGeom prst="rect">
-            <a:avLst/>
-          </a:prstGeom>
-          <a:solidFill>
-            <a:schemeClr val="bg1"/>
-          </a:solidFill>
-          <a:ln w="57150"/>
-        </p:spPr>
-        <p:style>
-          <a:lnRef idx="2">
-            <a:schemeClr val="accent6"/>
-          </a:lnRef>
-          <a:fillRef idx="1">
-            <a:schemeClr val="lt1"/>
-          </a:fillRef>
-          <a:effectRef idx="0">
-            <a:schemeClr val="accent6"/>
-          </a:effectRef>
-          <a:fontRef idx="minor">
-            <a:schemeClr val="dk1"/>
-          </a:fontRef>
-        </p:style>
-        <p:txBody>
-          <a:bodyPr rtlCol="0" anchor="ctr"/>
-          <a:lstStyle/>
-          <a:p>
-            <a:pPr algn="ctr"/>
-            <a:r>
-              <a:rPr lang="en-US" altLang="zh-CN" b="1" dirty="0"/>
-              <a:t>Mediator</a:t>
-            </a:r>
-            <a:endParaRPr lang="zh-CN" altLang="en-US" b="1" dirty="0"/>
-          </a:p>
-        </p:txBody>
-      </p:sp>
-      <p:sp>
-        <p:nvSpPr>
           <p:cNvPr id="66" name="矩形 65">
             <a:extLst>
               <a:ext uri="{FF2B5EF4-FFF2-40B4-BE49-F238E27FC236}">
@@ -7994,7 +7843,7 @@
         </p:nvGrpSpPr>
         <p:grpSpPr>
           <a:xfrm>
-            <a:off x="2288487" y="2804061"/>
+            <a:off x="2241706" y="2771773"/>
             <a:ext cx="1220125" cy="970409"/>
             <a:chOff x="2080443" y="1105032"/>
             <a:chExt cx="1220125" cy="2969363"/>
@@ -8126,15 +7975,15 @@
           </p:cNvPr>
           <p:cNvCxnSpPr>
             <a:cxnSpLocks/>
-            <a:stCxn id="61" idx="0"/>
+            <a:stCxn id="57" idx="0"/>
             <a:endCxn id="84" idx="2"/>
           </p:cNvCxnSpPr>
           <p:nvPr/>
         </p:nvCxnSpPr>
         <p:spPr>
           <a:xfrm flipV="1">
-            <a:off x="6442521" y="2374136"/>
-            <a:ext cx="1077068" cy="585442"/>
+            <a:off x="6463327" y="2374136"/>
+            <a:ext cx="1056262" cy="677372"/>
           </a:xfrm>
           <a:prstGeom prst="straightConnector1">
             <a:avLst/>
@@ -8176,14 +8025,14 @@
           <p:cNvCxnSpPr>
             <a:cxnSpLocks/>
             <a:stCxn id="157" idx="3"/>
-            <a:endCxn id="61" idx="1"/>
+            <a:endCxn id="57" idx="1"/>
           </p:cNvCxnSpPr>
           <p:nvPr/>
         </p:nvCxnSpPr>
         <p:spPr>
-          <a:xfrm flipV="1">
-            <a:off x="3508612" y="3279558"/>
-            <a:ext cx="2082526" cy="9708"/>
+          <a:xfrm>
+            <a:off x="3461831" y="3256978"/>
+            <a:ext cx="2361979" cy="0"/>
           </a:xfrm>
           <a:prstGeom prst="straightConnector1">
             <a:avLst/>
@@ -8281,15 +8130,15 @@
           </p:cNvPr>
           <p:cNvCxnSpPr>
             <a:cxnSpLocks/>
-            <a:stCxn id="61" idx="2"/>
+            <a:stCxn id="57" idx="2"/>
             <a:endCxn id="118" idx="0"/>
           </p:cNvCxnSpPr>
           <p:nvPr/>
         </p:nvCxnSpPr>
         <p:spPr>
           <a:xfrm flipH="1">
-            <a:off x="5037739" y="3599538"/>
-            <a:ext cx="1404782" cy="888676"/>
+            <a:off x="5037739" y="3462448"/>
+            <a:ext cx="1425588" cy="1025766"/>
           </a:xfrm>
           <a:prstGeom prst="straightConnector1">
             <a:avLst/>
@@ -8324,15 +8173,15 @@
           </p:cNvPr>
           <p:cNvCxnSpPr>
             <a:cxnSpLocks/>
-            <a:stCxn id="61" idx="2"/>
+            <a:stCxn id="57" idx="2"/>
             <a:endCxn id="29" idx="0"/>
           </p:cNvCxnSpPr>
           <p:nvPr/>
         </p:nvCxnSpPr>
         <p:spPr>
           <a:xfrm>
-            <a:off x="6442521" y="3599538"/>
-            <a:ext cx="3219529" cy="890477"/>
+            <a:off x="6463327" y="3462448"/>
+            <a:ext cx="3198723" cy="1027567"/>
           </a:xfrm>
           <a:prstGeom prst="straightConnector1">
             <a:avLst/>
@@ -8367,15 +8216,15 @@
           </p:cNvPr>
           <p:cNvCxnSpPr>
             <a:cxnSpLocks/>
-            <a:stCxn id="61" idx="2"/>
+            <a:stCxn id="57" idx="2"/>
             <a:endCxn id="52" idx="0"/>
           </p:cNvCxnSpPr>
           <p:nvPr/>
         </p:nvCxnSpPr>
         <p:spPr>
           <a:xfrm>
-            <a:off x="6442521" y="3599538"/>
-            <a:ext cx="4708648" cy="888676"/>
+            <a:off x="6463327" y="3462448"/>
+            <a:ext cx="4687842" cy="1025766"/>
           </a:xfrm>
           <a:prstGeom prst="straightConnector1">
             <a:avLst/>
@@ -8410,15 +8259,15 @@
           </p:cNvPr>
           <p:cNvCxnSpPr>
             <a:cxnSpLocks/>
-            <a:stCxn id="61" idx="2"/>
+            <a:stCxn id="57" idx="2"/>
             <a:endCxn id="66" idx="0"/>
           </p:cNvCxnSpPr>
           <p:nvPr/>
         </p:nvCxnSpPr>
         <p:spPr>
           <a:xfrm>
-            <a:off x="6442521" y="3599538"/>
-            <a:ext cx="1643621" cy="895807"/>
+            <a:off x="6463327" y="3462448"/>
+            <a:ext cx="1622815" cy="1032897"/>
           </a:xfrm>
           <a:prstGeom prst="straightConnector1">
             <a:avLst/>
@@ -8554,15 +8403,15 @@
           </p:cNvPr>
           <p:cNvCxnSpPr>
             <a:cxnSpLocks/>
-            <a:stCxn id="61" idx="2"/>
+            <a:stCxn id="57" idx="2"/>
             <a:endCxn id="55" idx="0"/>
           </p:cNvCxnSpPr>
           <p:nvPr/>
         </p:nvCxnSpPr>
         <p:spPr>
           <a:xfrm>
-            <a:off x="6442521" y="3599538"/>
-            <a:ext cx="1048745" cy="2086895"/>
+            <a:off x="6463327" y="3462448"/>
+            <a:ext cx="1027939" cy="2223985"/>
           </a:xfrm>
           <a:prstGeom prst="straightConnector1">
             <a:avLst/>
@@ -8646,6 +8495,58 @@
                 <a:schemeClr val="dk1"/>
               </a:solidFill>
             </a:endParaRPr>
+          </a:p>
+        </p:txBody>
+      </p:sp>
+      <p:sp>
+        <p:nvSpPr>
+          <p:cNvPr id="57" name="矩形 56">
+            <a:extLst>
+              <a:ext uri="{FF2B5EF4-FFF2-40B4-BE49-F238E27FC236}">
+                <a16:creationId xmlns:a16="http://schemas.microsoft.com/office/drawing/2014/main" id="{617B32AC-8893-4EC9-B60F-1B8EC3985607}"/>
+              </a:ext>
+            </a:extLst>
+          </p:cNvPr>
+          <p:cNvSpPr/>
+          <p:nvPr/>
+        </p:nvSpPr>
+        <p:spPr>
+          <a:xfrm>
+            <a:off x="5823810" y="3051508"/>
+            <a:ext cx="1279034" cy="410940"/>
+          </a:xfrm>
+          <a:prstGeom prst="rect">
+            <a:avLst/>
+          </a:prstGeom>
+          <a:solidFill>
+            <a:schemeClr val="bg1"/>
+          </a:solidFill>
+          <a:ln w="57150"/>
+        </p:spPr>
+        <p:style>
+          <a:lnRef idx="2">
+            <a:schemeClr val="accent6"/>
+          </a:lnRef>
+          <a:fillRef idx="1">
+            <a:schemeClr val="lt1"/>
+          </a:fillRef>
+          <a:effectRef idx="0">
+            <a:schemeClr val="accent6"/>
+          </a:effectRef>
+          <a:fontRef idx="minor">
+            <a:schemeClr val="dk1"/>
+          </a:fontRef>
+        </p:style>
+        <p:txBody>
+          <a:bodyPr rtlCol="0" anchor="ctr"/>
+          <a:lstStyle/>
+          <a:p>
+            <a:pPr algn="ctr"/>
+            <a:r>
+              <a:rPr lang="en-US" altLang="zh-CN" b="1" dirty="0"/>
+              <a:t>Mediator</a:t>
+            </a:r>
+            <a:endParaRPr lang="zh-CN" altLang="en-US" b="1" dirty="0"/>
           </a:p>
         </p:txBody>
       </p:sp>
@@ -9435,7 +9336,7 @@
         <p:spPr>
           <a:xfrm>
             <a:off x="615716" y="6200487"/>
-            <a:ext cx="8424101" cy="584775"/>
+            <a:ext cx="5961888" cy="584775"/>
           </a:xfrm>
           <a:prstGeom prst="rect">
             <a:avLst/>
@@ -9458,7 +9359,7 @@
             </a:r>
             <a:r>
               <a:rPr lang="zh-CN" altLang="en-US" sz="3200" dirty="0"/>
-              <a:t>上，工作量较大</a:t>
+              <a:t>上</a:t>
             </a:r>
           </a:p>
         </p:txBody>

--- a/doc/SoftwareDesign/Architecture-P4.pptx
+++ b/doc/SoftwareDesign/Architecture-P4.pptx
@@ -202,7 +202,7 @@
           <a:p>
             <a:fld id="{B81778B8-8763-4D18-BF72-76154464FFE0}" type="datetimeFigureOut">
               <a:rPr lang="zh-CN" altLang="en-US" smtClean="0"/>
-              <a:t>2020/8/21</a:t>
+              <a:t>2020/9/1</a:t>
             </a:fld>
             <a:endParaRPr lang="zh-CN" altLang="en-US"/>
           </a:p>
@@ -2957,7 +2957,7 @@
           <a:p>
             <a:fld id="{6BBD34C2-3600-48BE-9702-B8B5DAB8968A}" type="datetimeFigureOut">
               <a:rPr lang="zh-CN" altLang="en-US" smtClean="0"/>
-              <a:t>2020/8/21</a:t>
+              <a:t>2020/9/1</a:t>
             </a:fld>
             <a:endParaRPr lang="zh-CN" altLang="en-US"/>
           </a:p>
@@ -3155,7 +3155,7 @@
           <a:p>
             <a:fld id="{6BBD34C2-3600-48BE-9702-B8B5DAB8968A}" type="datetimeFigureOut">
               <a:rPr lang="zh-CN" altLang="en-US" smtClean="0"/>
-              <a:t>2020/8/21</a:t>
+              <a:t>2020/9/1</a:t>
             </a:fld>
             <a:endParaRPr lang="zh-CN" altLang="en-US"/>
           </a:p>
@@ -3363,7 +3363,7 @@
           <a:p>
             <a:fld id="{6BBD34C2-3600-48BE-9702-B8B5DAB8968A}" type="datetimeFigureOut">
               <a:rPr lang="zh-CN" altLang="en-US" smtClean="0"/>
-              <a:t>2020/8/21</a:t>
+              <a:t>2020/9/1</a:t>
             </a:fld>
             <a:endParaRPr lang="zh-CN" altLang="en-US"/>
           </a:p>
@@ -3561,7 +3561,7 @@
           <a:p>
             <a:fld id="{6BBD34C2-3600-48BE-9702-B8B5DAB8968A}" type="datetimeFigureOut">
               <a:rPr lang="zh-CN" altLang="en-US" smtClean="0"/>
-              <a:t>2020/8/21</a:t>
+              <a:t>2020/9/1</a:t>
             </a:fld>
             <a:endParaRPr lang="zh-CN" altLang="en-US"/>
           </a:p>
@@ -3836,7 +3836,7 @@
           <a:p>
             <a:fld id="{6BBD34C2-3600-48BE-9702-B8B5DAB8968A}" type="datetimeFigureOut">
               <a:rPr lang="zh-CN" altLang="en-US" smtClean="0"/>
-              <a:t>2020/8/21</a:t>
+              <a:t>2020/9/1</a:t>
             </a:fld>
             <a:endParaRPr lang="zh-CN" altLang="en-US"/>
           </a:p>
@@ -4101,7 +4101,7 @@
           <a:p>
             <a:fld id="{6BBD34C2-3600-48BE-9702-B8B5DAB8968A}" type="datetimeFigureOut">
               <a:rPr lang="zh-CN" altLang="en-US" smtClean="0"/>
-              <a:t>2020/8/21</a:t>
+              <a:t>2020/9/1</a:t>
             </a:fld>
             <a:endParaRPr lang="zh-CN" altLang="en-US"/>
           </a:p>
@@ -4513,7 +4513,7 @@
           <a:p>
             <a:fld id="{6BBD34C2-3600-48BE-9702-B8B5DAB8968A}" type="datetimeFigureOut">
               <a:rPr lang="zh-CN" altLang="en-US" smtClean="0"/>
-              <a:t>2020/8/21</a:t>
+              <a:t>2020/9/1</a:t>
             </a:fld>
             <a:endParaRPr lang="zh-CN" altLang="en-US"/>
           </a:p>
@@ -4654,7 +4654,7 @@
           <a:p>
             <a:fld id="{6BBD34C2-3600-48BE-9702-B8B5DAB8968A}" type="datetimeFigureOut">
               <a:rPr lang="zh-CN" altLang="en-US" smtClean="0"/>
-              <a:t>2020/8/21</a:t>
+              <a:t>2020/9/1</a:t>
             </a:fld>
             <a:endParaRPr lang="zh-CN" altLang="en-US"/>
           </a:p>
@@ -4767,7 +4767,7 @@
           <a:p>
             <a:fld id="{6BBD34C2-3600-48BE-9702-B8B5DAB8968A}" type="datetimeFigureOut">
               <a:rPr lang="zh-CN" altLang="en-US" smtClean="0"/>
-              <a:t>2020/8/21</a:t>
+              <a:t>2020/9/1</a:t>
             </a:fld>
             <a:endParaRPr lang="zh-CN" altLang="en-US"/>
           </a:p>
@@ -5078,7 +5078,7 @@
           <a:p>
             <a:fld id="{6BBD34C2-3600-48BE-9702-B8B5DAB8968A}" type="datetimeFigureOut">
               <a:rPr lang="zh-CN" altLang="en-US" smtClean="0"/>
-              <a:t>2020/8/21</a:t>
+              <a:t>2020/9/1</a:t>
             </a:fld>
             <a:endParaRPr lang="zh-CN" altLang="en-US"/>
           </a:p>
@@ -5366,7 +5366,7 @@
           <a:p>
             <a:fld id="{6BBD34C2-3600-48BE-9702-B8B5DAB8968A}" type="datetimeFigureOut">
               <a:rPr lang="zh-CN" altLang="en-US" smtClean="0"/>
-              <a:t>2020/8/21</a:t>
+              <a:t>2020/9/1</a:t>
             </a:fld>
             <a:endParaRPr lang="zh-CN" altLang="en-US"/>
           </a:p>
@@ -5607,7 +5607,7 @@
           <a:p>
             <a:fld id="{6BBD34C2-3600-48BE-9702-B8B5DAB8968A}" type="datetimeFigureOut">
               <a:rPr lang="zh-CN" altLang="en-US" smtClean="0"/>
-              <a:t>2020/8/21</a:t>
+              <a:t>2020/9/1</a:t>
             </a:fld>
             <a:endParaRPr lang="zh-CN" altLang="en-US"/>
           </a:p>
@@ -6835,7 +6835,7 @@
             <a:pPr algn="ctr"/>
             <a:r>
               <a:rPr lang="en-US" altLang="zh-CN" dirty="0"/>
-              <a:t>BESS </a:t>
+              <a:t>SFF </a:t>
             </a:r>
           </a:p>
           <a:p>
@@ -7297,7 +7297,7 @@
             <a:pPr algn="ctr"/>
             <a:r>
               <a:rPr lang="en-US" altLang="zh-CN" dirty="0"/>
-              <a:t>Docker</a:t>
+              <a:t>VNF</a:t>
             </a:r>
           </a:p>
           <a:p>

--- a/doc/SoftwareDesign/Architecture-P4.pptx
+++ b/doc/SoftwareDesign/Architecture-P4.pptx
@@ -5,15 +5,16 @@
     <p:sldMasterId id="2147483648" r:id="rId1"/>
   </p:sldMasterIdLst>
   <p:notesMasterIdLst>
-    <p:notesMasterId r:id="rId8"/>
+    <p:notesMasterId r:id="rId9"/>
   </p:notesMasterIdLst>
   <p:sldIdLst>
     <p:sldId id="256" r:id="rId2"/>
-    <p:sldId id="304" r:id="rId3"/>
-    <p:sldId id="306" r:id="rId4"/>
-    <p:sldId id="308" r:id="rId5"/>
-    <p:sldId id="307" r:id="rId6"/>
-    <p:sldId id="301" r:id="rId7"/>
+    <p:sldId id="310" r:id="rId3"/>
+    <p:sldId id="309" r:id="rId4"/>
+    <p:sldId id="306" r:id="rId5"/>
+    <p:sldId id="308" r:id="rId6"/>
+    <p:sldId id="307" r:id="rId7"/>
+    <p:sldId id="301" r:id="rId8"/>
   </p:sldIdLst>
   <p:sldSz cx="12192000" cy="6858000"/>
   <p:notesSz cx="6858000" cy="9144000"/>
@@ -202,7 +203,7 @@
           <a:p>
             <a:fld id="{B81778B8-8763-4D18-BF72-76154464FFE0}" type="datetimeFigureOut">
               <a:rPr lang="zh-CN" altLang="en-US" smtClean="0"/>
-              <a:t>2020/9/1</a:t>
+              <a:t>2020/9/14</a:t>
             </a:fld>
             <a:endParaRPr lang="zh-CN" altLang="en-US"/>
           </a:p>
@@ -543,7 +544,7 @@
     </p:spTree>
     <p:extLst>
       <p:ext uri="{BB962C8B-B14F-4D97-AF65-F5344CB8AC3E}">
-        <p14:creationId xmlns:p14="http://schemas.microsoft.com/office/powerpoint/2010/main" val="372151932"/>
+        <p14:creationId xmlns:p14="http://schemas.microsoft.com/office/powerpoint/2010/main" val="1386212806"/>
       </p:ext>
     </p:extLst>
   </p:cSld>
@@ -627,7 +628,7 @@
     </p:spTree>
     <p:extLst>
       <p:ext uri="{BB962C8B-B14F-4D97-AF65-F5344CB8AC3E}">
-        <p14:creationId xmlns:p14="http://schemas.microsoft.com/office/powerpoint/2010/main" val="825882882"/>
+        <p14:creationId xmlns:p14="http://schemas.microsoft.com/office/powerpoint/2010/main" val="2998303157"/>
       </p:ext>
     </p:extLst>
   </p:cSld>
@@ -681,6 +682,90 @@
           <a:bodyPr/>
           <a:lstStyle/>
           <a:p>
+            <a:endParaRPr lang="zh-CN" altLang="en-US" dirty="0"/>
+          </a:p>
+        </p:txBody>
+      </p:sp>
+      <p:sp>
+        <p:nvSpPr>
+          <p:cNvPr id="4" name="灯片编号占位符 3"/>
+          <p:cNvSpPr>
+            <a:spLocks noGrp="1"/>
+          </p:cNvSpPr>
+          <p:nvPr>
+            <p:ph type="sldNum" sz="quarter" idx="5"/>
+          </p:nvPr>
+        </p:nvSpPr>
+        <p:spPr/>
+        <p:txBody>
+          <a:bodyPr/>
+          <a:lstStyle/>
+          <a:p>
+            <a:fld id="{2C092C30-C02F-48DE-947D-311697961749}" type="slidenum">
+              <a:rPr lang="zh-CN" altLang="en-US" smtClean="0"/>
+              <a:t>4</a:t>
+            </a:fld>
+            <a:endParaRPr lang="zh-CN" altLang="en-US"/>
+          </a:p>
+        </p:txBody>
+      </p:sp>
+    </p:spTree>
+    <p:extLst>
+      <p:ext uri="{BB962C8B-B14F-4D97-AF65-F5344CB8AC3E}">
+        <p14:creationId xmlns:p14="http://schemas.microsoft.com/office/powerpoint/2010/main" val="825882882"/>
+      </p:ext>
+    </p:extLst>
+  </p:cSld>
+  <p:clrMapOvr>
+    <a:masterClrMapping/>
+  </p:clrMapOvr>
+</p:notes>
+</file>
+
+<file path=ppt/notesSlides/notesSlide4.xml><?xml version="1.0" encoding="utf-8"?>
+<p:notes xmlns:a="http://schemas.openxmlformats.org/drawingml/2006/main" xmlns:r="http://schemas.openxmlformats.org/officeDocument/2006/relationships" xmlns:p="http://schemas.openxmlformats.org/presentationml/2006/main">
+  <p:cSld>
+    <p:spTree>
+      <p:nvGrpSpPr>
+        <p:cNvPr id="1" name=""/>
+        <p:cNvGrpSpPr/>
+        <p:nvPr/>
+      </p:nvGrpSpPr>
+      <p:grpSpPr>
+        <a:xfrm>
+          <a:off x="0" y="0"/>
+          <a:ext cx="0" cy="0"/>
+          <a:chOff x="0" y="0"/>
+          <a:chExt cx="0" cy="0"/>
+        </a:xfrm>
+      </p:grpSpPr>
+      <p:sp>
+        <p:nvSpPr>
+          <p:cNvPr id="2" name="幻灯片图像占位符 1"/>
+          <p:cNvSpPr>
+            <a:spLocks noGrp="1" noRot="1" noChangeAspect="1"/>
+          </p:cNvSpPr>
+          <p:nvPr>
+            <p:ph type="sldImg"/>
+          </p:nvPr>
+        </p:nvSpPr>
+        <p:spPr/>
+      </p:sp>
+      <p:sp>
+        <p:nvSpPr>
+          <p:cNvPr id="3" name="备注占位符 2"/>
+          <p:cNvSpPr>
+            <a:spLocks noGrp="1"/>
+          </p:cNvSpPr>
+          <p:nvPr>
+            <p:ph type="body" idx="1"/>
+          </p:nvPr>
+        </p:nvSpPr>
+        <p:spPr/>
+        <p:txBody>
+          <a:bodyPr/>
+          <a:lstStyle/>
+          <a:p>
             <a:r>
               <a:rPr lang="en-US" altLang="zh-CN" dirty="0" err="1"/>
               <a:t>VNFaaS</a:t>
@@ -2791,7 +2876,7 @@
           <a:p>
             <a:fld id="{2C092C30-C02F-48DE-947D-311697961749}" type="slidenum">
               <a:rPr lang="zh-CN" altLang="en-US" smtClean="0"/>
-              <a:t>6</a:t>
+              <a:t>7</a:t>
             </a:fld>
             <a:endParaRPr lang="zh-CN" altLang="en-US"/>
           </a:p>
@@ -2957,7 +3042,7 @@
           <a:p>
             <a:fld id="{6BBD34C2-3600-48BE-9702-B8B5DAB8968A}" type="datetimeFigureOut">
               <a:rPr lang="zh-CN" altLang="en-US" smtClean="0"/>
-              <a:t>2020/9/1</a:t>
+              <a:t>2020/9/14</a:t>
             </a:fld>
             <a:endParaRPr lang="zh-CN" altLang="en-US"/>
           </a:p>
@@ -3155,7 +3240,7 @@
           <a:p>
             <a:fld id="{6BBD34C2-3600-48BE-9702-B8B5DAB8968A}" type="datetimeFigureOut">
               <a:rPr lang="zh-CN" altLang="en-US" smtClean="0"/>
-              <a:t>2020/9/1</a:t>
+              <a:t>2020/9/14</a:t>
             </a:fld>
             <a:endParaRPr lang="zh-CN" altLang="en-US"/>
           </a:p>
@@ -3363,7 +3448,7 @@
           <a:p>
             <a:fld id="{6BBD34C2-3600-48BE-9702-B8B5DAB8968A}" type="datetimeFigureOut">
               <a:rPr lang="zh-CN" altLang="en-US" smtClean="0"/>
-              <a:t>2020/9/1</a:t>
+              <a:t>2020/9/14</a:t>
             </a:fld>
             <a:endParaRPr lang="zh-CN" altLang="en-US"/>
           </a:p>
@@ -3561,7 +3646,7 @@
           <a:p>
             <a:fld id="{6BBD34C2-3600-48BE-9702-B8B5DAB8968A}" type="datetimeFigureOut">
               <a:rPr lang="zh-CN" altLang="en-US" smtClean="0"/>
-              <a:t>2020/9/1</a:t>
+              <a:t>2020/9/14</a:t>
             </a:fld>
             <a:endParaRPr lang="zh-CN" altLang="en-US"/>
           </a:p>
@@ -3836,7 +3921,7 @@
           <a:p>
             <a:fld id="{6BBD34C2-3600-48BE-9702-B8B5DAB8968A}" type="datetimeFigureOut">
               <a:rPr lang="zh-CN" altLang="en-US" smtClean="0"/>
-              <a:t>2020/9/1</a:t>
+              <a:t>2020/9/14</a:t>
             </a:fld>
             <a:endParaRPr lang="zh-CN" altLang="en-US"/>
           </a:p>
@@ -4101,7 +4186,7 @@
           <a:p>
             <a:fld id="{6BBD34C2-3600-48BE-9702-B8B5DAB8968A}" type="datetimeFigureOut">
               <a:rPr lang="zh-CN" altLang="en-US" smtClean="0"/>
-              <a:t>2020/9/1</a:t>
+              <a:t>2020/9/14</a:t>
             </a:fld>
             <a:endParaRPr lang="zh-CN" altLang="en-US"/>
           </a:p>
@@ -4513,7 +4598,7 @@
           <a:p>
             <a:fld id="{6BBD34C2-3600-48BE-9702-B8B5DAB8968A}" type="datetimeFigureOut">
               <a:rPr lang="zh-CN" altLang="en-US" smtClean="0"/>
-              <a:t>2020/9/1</a:t>
+              <a:t>2020/9/14</a:t>
             </a:fld>
             <a:endParaRPr lang="zh-CN" altLang="en-US"/>
           </a:p>
@@ -4654,7 +4739,7 @@
           <a:p>
             <a:fld id="{6BBD34C2-3600-48BE-9702-B8B5DAB8968A}" type="datetimeFigureOut">
               <a:rPr lang="zh-CN" altLang="en-US" smtClean="0"/>
-              <a:t>2020/9/1</a:t>
+              <a:t>2020/9/14</a:t>
             </a:fld>
             <a:endParaRPr lang="zh-CN" altLang="en-US"/>
           </a:p>
@@ -4767,7 +4852,7 @@
           <a:p>
             <a:fld id="{6BBD34C2-3600-48BE-9702-B8B5DAB8968A}" type="datetimeFigureOut">
               <a:rPr lang="zh-CN" altLang="en-US" smtClean="0"/>
-              <a:t>2020/9/1</a:t>
+              <a:t>2020/9/14</a:t>
             </a:fld>
             <a:endParaRPr lang="zh-CN" altLang="en-US"/>
           </a:p>
@@ -5078,7 +5163,7 @@
           <a:p>
             <a:fld id="{6BBD34C2-3600-48BE-9702-B8B5DAB8968A}" type="datetimeFigureOut">
               <a:rPr lang="zh-CN" altLang="en-US" smtClean="0"/>
-              <a:t>2020/9/1</a:t>
+              <a:t>2020/9/14</a:t>
             </a:fld>
             <a:endParaRPr lang="zh-CN" altLang="en-US"/>
           </a:p>
@@ -5366,7 +5451,7 @@
           <a:p>
             <a:fld id="{6BBD34C2-3600-48BE-9702-B8B5DAB8968A}" type="datetimeFigureOut">
               <a:rPr lang="zh-CN" altLang="en-US" smtClean="0"/>
-              <a:t>2020/9/1</a:t>
+              <a:t>2020/9/14</a:t>
             </a:fld>
             <a:endParaRPr lang="zh-CN" altLang="en-US"/>
           </a:p>
@@ -5607,7 +5692,7 @@
           <a:p>
             <a:fld id="{6BBD34C2-3600-48BE-9702-B8B5DAB8968A}" type="datetimeFigureOut">
               <a:rPr lang="zh-CN" altLang="en-US" smtClean="0"/>
-              <a:t>2020/9/1</a:t>
+              <a:t>2020/9/14</a:t>
             </a:fld>
             <a:endParaRPr lang="zh-CN" altLang="en-US"/>
           </a:p>
@@ -6130,10 +6215,44 @@
       </p:grpSpPr>
       <p:sp>
         <p:nvSpPr>
-          <p:cNvPr id="104" name="矩形: 圆角 103">
-            <a:extLst>
-              <a:ext uri="{FF2B5EF4-FFF2-40B4-BE49-F238E27FC236}">
-                <a16:creationId xmlns:a16="http://schemas.microsoft.com/office/drawing/2014/main" id="{EFE12B39-825C-4F8F-9ECD-47C94D1F8E55}"/>
+          <p:cNvPr id="2" name="标题 1">
+            <a:extLst>
+              <a:ext uri="{FF2B5EF4-FFF2-40B4-BE49-F238E27FC236}">
+                <a16:creationId xmlns:a16="http://schemas.microsoft.com/office/drawing/2014/main" id="{16FFD267-FAB5-4CC9-86C7-800FDF0B86AD}"/>
+              </a:ext>
+            </a:extLst>
+          </p:cNvPr>
+          <p:cNvSpPr>
+            <a:spLocks noGrp="1"/>
+          </p:cNvSpPr>
+          <p:nvPr>
+            <p:ph type="title"/>
+          </p:nvPr>
+        </p:nvSpPr>
+        <p:spPr>
+          <a:xfrm>
+            <a:off x="828126" y="95333"/>
+            <a:ext cx="10515600" cy="1325563"/>
+          </a:xfrm>
+        </p:spPr>
+        <p:txBody>
+          <a:bodyPr/>
+          <a:lstStyle/>
+          <a:p>
+            <a:r>
+              <a:rPr lang="en-US" altLang="zh-CN" dirty="0"/>
+              <a:t>SAM Architecture</a:t>
+            </a:r>
+            <a:endParaRPr lang="zh-CN" altLang="en-US" dirty="0"/>
+          </a:p>
+        </p:txBody>
+      </p:sp>
+      <p:sp>
+        <p:nvSpPr>
+          <p:cNvPr id="83" name="矩形 82">
+            <a:extLst>
+              <a:ext uri="{FF2B5EF4-FFF2-40B4-BE49-F238E27FC236}">
+                <a16:creationId xmlns:a16="http://schemas.microsoft.com/office/drawing/2014/main" id="{1FAAF00A-3816-436D-950F-FD8C8856A429}"/>
               </a:ext>
             </a:extLst>
           </p:cNvPr>
@@ -6142,8 +6261,2688 @@
         </p:nvSpPr>
         <p:spPr>
           <a:xfrm>
-            <a:off x="4730919" y="6180001"/>
-            <a:ext cx="1604574" cy="580920"/>
+            <a:off x="202517" y="3769737"/>
+            <a:ext cx="11812674" cy="402227"/>
+          </a:xfrm>
+          <a:prstGeom prst="rect">
+            <a:avLst/>
+          </a:prstGeom>
+          <a:solidFill>
+            <a:schemeClr val="bg1"/>
+          </a:solidFill>
+          <a:ln w="57150"/>
+        </p:spPr>
+        <p:style>
+          <a:lnRef idx="2">
+            <a:schemeClr val="accent6"/>
+          </a:lnRef>
+          <a:fillRef idx="1">
+            <a:schemeClr val="lt1"/>
+          </a:fillRef>
+          <a:effectRef idx="0">
+            <a:schemeClr val="accent6"/>
+          </a:effectRef>
+          <a:fontRef idx="minor">
+            <a:schemeClr val="dk1"/>
+          </a:fontRef>
+        </p:style>
+        <p:txBody>
+          <a:bodyPr rtlCol="0" anchor="ctr"/>
+          <a:lstStyle/>
+          <a:p>
+            <a:pPr algn="ctr"/>
+            <a:r>
+              <a:rPr lang="en-US" altLang="zh-CN" b="1" dirty="0"/>
+              <a:t>Mediator</a:t>
+            </a:r>
+            <a:endParaRPr lang="zh-CN" altLang="en-US" b="1" dirty="0"/>
+          </a:p>
+        </p:txBody>
+      </p:sp>
+      <p:cxnSp>
+        <p:nvCxnSpPr>
+          <p:cNvPr id="106" name="直接箭头连接符 105">
+            <a:extLst>
+              <a:ext uri="{FF2B5EF4-FFF2-40B4-BE49-F238E27FC236}">
+                <a16:creationId xmlns:a16="http://schemas.microsoft.com/office/drawing/2014/main" id="{C5142B84-E1CA-4CFA-85B4-B1C23F39C1FF}"/>
+              </a:ext>
+            </a:extLst>
+          </p:cNvPr>
+          <p:cNvCxnSpPr>
+            <a:cxnSpLocks/>
+            <a:stCxn id="69" idx="0"/>
+            <a:endCxn id="83" idx="2"/>
+          </p:cNvCxnSpPr>
+          <p:nvPr/>
+        </p:nvCxnSpPr>
+        <p:spPr>
+          <a:xfrm flipV="1">
+            <a:off x="1038982" y="4171964"/>
+            <a:ext cx="5069872" cy="458692"/>
+          </a:xfrm>
+          <a:prstGeom prst="straightConnector1">
+            <a:avLst/>
+          </a:prstGeom>
+          <a:ln w="38100" cap="flat" cmpd="sng" algn="ctr">
+            <a:solidFill>
+              <a:srgbClr val="FFC000"/>
+            </a:solidFill>
+            <a:prstDash val="dash"/>
+            <a:round/>
+            <a:headEnd type="none" w="med" len="med"/>
+            <a:tailEnd type="none" w="med" len="med"/>
+          </a:ln>
+        </p:spPr>
+        <p:style>
+          <a:lnRef idx="0">
+            <a:scrgbClr r="0" g="0" b="0"/>
+          </a:lnRef>
+          <a:fillRef idx="0">
+            <a:scrgbClr r="0" g="0" b="0"/>
+          </a:fillRef>
+          <a:effectRef idx="0">
+            <a:scrgbClr r="0" g="0" b="0"/>
+          </a:effectRef>
+          <a:fontRef idx="minor">
+            <a:schemeClr val="tx1"/>
+          </a:fontRef>
+        </p:style>
+      </p:cxnSp>
+      <p:cxnSp>
+        <p:nvCxnSpPr>
+          <p:cNvPr id="109" name="直接箭头连接符 108">
+            <a:extLst>
+              <a:ext uri="{FF2B5EF4-FFF2-40B4-BE49-F238E27FC236}">
+                <a16:creationId xmlns:a16="http://schemas.microsoft.com/office/drawing/2014/main" id="{E8EAE9A5-71B0-4F08-A472-28F102D84E2A}"/>
+              </a:ext>
+            </a:extLst>
+          </p:cNvPr>
+          <p:cNvCxnSpPr>
+            <a:cxnSpLocks/>
+            <a:stCxn id="60" idx="0"/>
+            <a:endCxn id="83" idx="2"/>
+          </p:cNvCxnSpPr>
+          <p:nvPr/>
+        </p:nvCxnSpPr>
+        <p:spPr>
+          <a:xfrm flipV="1">
+            <a:off x="4980100" y="4171964"/>
+            <a:ext cx="1128754" cy="378743"/>
+          </a:xfrm>
+          <a:prstGeom prst="straightConnector1">
+            <a:avLst/>
+          </a:prstGeom>
+          <a:ln w="38100" cap="flat" cmpd="sng" algn="ctr">
+            <a:solidFill>
+              <a:srgbClr val="FFC000"/>
+            </a:solidFill>
+            <a:prstDash val="dash"/>
+            <a:round/>
+            <a:headEnd type="none" w="med" len="med"/>
+            <a:tailEnd type="none" w="med" len="med"/>
+          </a:ln>
+        </p:spPr>
+        <p:style>
+          <a:lnRef idx="0">
+            <a:scrgbClr r="0" g="0" b="0"/>
+          </a:lnRef>
+          <a:fillRef idx="0">
+            <a:scrgbClr r="0" g="0" b="0"/>
+          </a:fillRef>
+          <a:effectRef idx="0">
+            <a:scrgbClr r="0" g="0" b="0"/>
+          </a:effectRef>
+          <a:fontRef idx="minor">
+            <a:schemeClr val="tx1"/>
+          </a:fontRef>
+        </p:style>
+      </p:cxnSp>
+      <p:cxnSp>
+        <p:nvCxnSpPr>
+          <p:cNvPr id="122" name="直接箭头连接符 121">
+            <a:extLst>
+              <a:ext uri="{FF2B5EF4-FFF2-40B4-BE49-F238E27FC236}">
+                <a16:creationId xmlns:a16="http://schemas.microsoft.com/office/drawing/2014/main" id="{E132C89C-7D07-4D1A-905C-DCF1C7944D3B}"/>
+              </a:ext>
+            </a:extLst>
+          </p:cNvPr>
+          <p:cNvCxnSpPr>
+            <a:cxnSpLocks/>
+            <a:stCxn id="119" idx="0"/>
+            <a:endCxn id="83" idx="2"/>
+          </p:cNvCxnSpPr>
+          <p:nvPr/>
+        </p:nvCxnSpPr>
+        <p:spPr>
+          <a:xfrm flipH="1" flipV="1">
+            <a:off x="6108854" y="4171964"/>
+            <a:ext cx="2648013" cy="1495818"/>
+          </a:xfrm>
+          <a:prstGeom prst="straightConnector1">
+            <a:avLst/>
+          </a:prstGeom>
+          <a:ln w="38100" cap="flat" cmpd="sng" algn="ctr">
+            <a:solidFill>
+              <a:srgbClr val="FFC000"/>
+            </a:solidFill>
+            <a:prstDash val="dash"/>
+            <a:round/>
+            <a:headEnd type="none" w="med" len="med"/>
+            <a:tailEnd type="none" w="med" len="med"/>
+          </a:ln>
+        </p:spPr>
+        <p:style>
+          <a:lnRef idx="0">
+            <a:scrgbClr r="0" g="0" b="0"/>
+          </a:lnRef>
+          <a:fillRef idx="0">
+            <a:scrgbClr r="0" g="0" b="0"/>
+          </a:fillRef>
+          <a:effectRef idx="0">
+            <a:scrgbClr r="0" g="0" b="0"/>
+          </a:effectRef>
+          <a:fontRef idx="minor">
+            <a:schemeClr val="tx1"/>
+          </a:fontRef>
+        </p:style>
+      </p:cxnSp>
+      <p:cxnSp>
+        <p:nvCxnSpPr>
+          <p:cNvPr id="123" name="直接箭头连接符 122">
+            <a:extLst>
+              <a:ext uri="{FF2B5EF4-FFF2-40B4-BE49-F238E27FC236}">
+                <a16:creationId xmlns:a16="http://schemas.microsoft.com/office/drawing/2014/main" id="{68E02FA8-62FC-4CBE-A0F0-DFA1D3AC7610}"/>
+              </a:ext>
+            </a:extLst>
+          </p:cNvPr>
+          <p:cNvCxnSpPr>
+            <a:cxnSpLocks/>
+            <a:stCxn id="113" idx="0"/>
+            <a:endCxn id="83" idx="2"/>
+          </p:cNvCxnSpPr>
+          <p:nvPr/>
+        </p:nvCxnSpPr>
+        <p:spPr>
+          <a:xfrm flipV="1">
+            <a:off x="4815749" y="4171964"/>
+            <a:ext cx="1293105" cy="1575767"/>
+          </a:xfrm>
+          <a:prstGeom prst="straightConnector1">
+            <a:avLst/>
+          </a:prstGeom>
+          <a:ln w="38100" cap="flat" cmpd="sng" algn="ctr">
+            <a:solidFill>
+              <a:srgbClr val="FFC000"/>
+            </a:solidFill>
+            <a:prstDash val="dash"/>
+            <a:round/>
+            <a:headEnd type="none" w="med" len="med"/>
+            <a:tailEnd type="none" w="med" len="med"/>
+          </a:ln>
+        </p:spPr>
+        <p:style>
+          <a:lnRef idx="0">
+            <a:scrgbClr r="0" g="0" b="0"/>
+          </a:lnRef>
+          <a:fillRef idx="0">
+            <a:scrgbClr r="0" g="0" b="0"/>
+          </a:fillRef>
+          <a:effectRef idx="0">
+            <a:scrgbClr r="0" g="0" b="0"/>
+          </a:effectRef>
+          <a:fontRef idx="minor">
+            <a:schemeClr val="tx1"/>
+          </a:fontRef>
+        </p:style>
+      </p:cxnSp>
+      <p:grpSp>
+        <p:nvGrpSpPr>
+          <p:cNvPr id="32" name="组合 31">
+            <a:extLst>
+              <a:ext uri="{FF2B5EF4-FFF2-40B4-BE49-F238E27FC236}">
+                <a16:creationId xmlns:a16="http://schemas.microsoft.com/office/drawing/2014/main" id="{198B3A23-4E5C-49E8-8791-838A388417DC}"/>
+              </a:ext>
+            </a:extLst>
+          </p:cNvPr>
+          <p:cNvGrpSpPr/>
+          <p:nvPr/>
+        </p:nvGrpSpPr>
+        <p:grpSpPr>
+          <a:xfrm>
+            <a:off x="202517" y="4396643"/>
+            <a:ext cx="7963270" cy="1011922"/>
+            <a:chOff x="202517" y="4396643"/>
+            <a:chExt cx="7963270" cy="1011922"/>
+          </a:xfrm>
+        </p:grpSpPr>
+        <p:grpSp>
+          <p:nvGrpSpPr>
+            <p:cNvPr id="18" name="组合 17">
+              <a:extLst>
+                <a:ext uri="{FF2B5EF4-FFF2-40B4-BE49-F238E27FC236}">
+                  <a16:creationId xmlns:a16="http://schemas.microsoft.com/office/drawing/2014/main" id="{F2BB0526-6A8E-4633-A024-60E7181C54B8}"/>
+                </a:ext>
+              </a:extLst>
+            </p:cNvPr>
+            <p:cNvGrpSpPr/>
+            <p:nvPr/>
+          </p:nvGrpSpPr>
+          <p:grpSpPr>
+            <a:xfrm>
+              <a:off x="202517" y="4396643"/>
+              <a:ext cx="7963270" cy="934676"/>
+              <a:chOff x="1154097" y="4524566"/>
+              <a:chExt cx="7963270" cy="934676"/>
+            </a:xfrm>
+          </p:grpSpPr>
+          <p:grpSp>
+            <p:nvGrpSpPr>
+              <p:cNvPr id="13" name="组合 12">
+                <a:extLst>
+                  <a:ext uri="{FF2B5EF4-FFF2-40B4-BE49-F238E27FC236}">
+                    <a16:creationId xmlns:a16="http://schemas.microsoft.com/office/drawing/2014/main" id="{331855F4-E14F-4DB6-9391-91098E241008}"/>
+                  </a:ext>
+                </a:extLst>
+              </p:cNvPr>
+              <p:cNvGrpSpPr/>
+              <p:nvPr/>
+            </p:nvGrpSpPr>
+            <p:grpSpPr>
+              <a:xfrm>
+                <a:off x="2950861" y="4678630"/>
+                <a:ext cx="5961638" cy="673192"/>
+                <a:chOff x="6085926" y="4341438"/>
+                <a:chExt cx="5961638" cy="673192"/>
+              </a:xfrm>
+            </p:grpSpPr>
+            <p:sp>
+              <p:nvSpPr>
+                <p:cNvPr id="29" name="矩形 28">
+                  <a:extLst>
+                    <a:ext uri="{FF2B5EF4-FFF2-40B4-BE49-F238E27FC236}">
+                      <a16:creationId xmlns:a16="http://schemas.microsoft.com/office/drawing/2014/main" id="{225A2D5D-9290-4FA7-8325-130726CB092B}"/>
+                    </a:ext>
+                  </a:extLst>
+                </p:cNvPr>
+                <p:cNvSpPr/>
+                <p:nvPr/>
+              </p:nvSpPr>
+              <p:spPr>
+                <a:xfrm>
+                  <a:off x="7703655" y="4438478"/>
+                  <a:ext cx="1306604" cy="471686"/>
+                </a:xfrm>
+                <a:prstGeom prst="rect">
+                  <a:avLst/>
+                </a:prstGeom>
+              </p:spPr>
+              <p:style>
+                <a:lnRef idx="2">
+                  <a:schemeClr val="accent6">
+                    <a:shade val="50000"/>
+                  </a:schemeClr>
+                </a:lnRef>
+                <a:fillRef idx="1">
+                  <a:schemeClr val="accent6"/>
+                </a:fillRef>
+                <a:effectRef idx="0">
+                  <a:schemeClr val="accent6"/>
+                </a:effectRef>
+                <a:fontRef idx="minor">
+                  <a:schemeClr val="lt1"/>
+                </a:fontRef>
+              </p:style>
+              <p:txBody>
+                <a:bodyPr rtlCol="0" anchor="ctr"/>
+                <a:lstStyle/>
+                <a:p>
+                  <a:pPr algn="ctr"/>
+                  <a:r>
+                    <a:rPr lang="en-US" altLang="zh-CN" dirty="0"/>
+                    <a:t>SFF</a:t>
+                  </a:r>
+                </a:p>
+                <a:p>
+                  <a:pPr algn="ctr"/>
+                  <a:r>
+                    <a:rPr lang="en-US" altLang="zh-CN" dirty="0"/>
+                    <a:t>Controller</a:t>
+                  </a:r>
+                  <a:endParaRPr lang="zh-CN" altLang="en-US" dirty="0"/>
+                </a:p>
+              </p:txBody>
+            </p:sp>
+            <p:sp>
+              <p:nvSpPr>
+                <p:cNvPr id="52" name="矩形 51">
+                  <a:extLst>
+                    <a:ext uri="{FF2B5EF4-FFF2-40B4-BE49-F238E27FC236}">
+                      <a16:creationId xmlns:a16="http://schemas.microsoft.com/office/drawing/2014/main" id="{0167D1BA-F934-4768-BF78-7629030295B4}"/>
+                    </a:ext>
+                  </a:extLst>
+                </p:cNvPr>
+                <p:cNvSpPr/>
+                <p:nvPr/>
+              </p:nvSpPr>
+              <p:spPr>
+                <a:xfrm>
+                  <a:off x="9206559" y="4436677"/>
+                  <a:ext cx="1279033" cy="471686"/>
+                </a:xfrm>
+                <a:prstGeom prst="rect">
+                  <a:avLst/>
+                </a:prstGeom>
+              </p:spPr>
+              <p:style>
+                <a:lnRef idx="2">
+                  <a:schemeClr val="accent6">
+                    <a:shade val="50000"/>
+                  </a:schemeClr>
+                </a:lnRef>
+                <a:fillRef idx="1">
+                  <a:schemeClr val="accent6"/>
+                </a:fillRef>
+                <a:effectRef idx="0">
+                  <a:schemeClr val="accent6"/>
+                </a:effectRef>
+                <a:fontRef idx="minor">
+                  <a:schemeClr val="lt1"/>
+                </a:fontRef>
+              </p:style>
+              <p:txBody>
+                <a:bodyPr rtlCol="0" anchor="ctr"/>
+                <a:lstStyle/>
+                <a:p>
+                  <a:pPr algn="ctr"/>
+                  <a:r>
+                    <a:rPr lang="en-US" altLang="zh-CN" dirty="0"/>
+                    <a:t>VNF</a:t>
+                  </a:r>
+                </a:p>
+                <a:p>
+                  <a:pPr algn="ctr"/>
+                  <a:r>
+                    <a:rPr lang="en-US" altLang="zh-CN" dirty="0"/>
+                    <a:t>Controller</a:t>
+                  </a:r>
+                  <a:endParaRPr lang="zh-CN" altLang="en-US" dirty="0"/>
+                </a:p>
+              </p:txBody>
+            </p:sp>
+            <p:sp>
+              <p:nvSpPr>
+                <p:cNvPr id="60" name="矩形 59">
+                  <a:extLst>
+                    <a:ext uri="{FF2B5EF4-FFF2-40B4-BE49-F238E27FC236}">
+                      <a16:creationId xmlns:a16="http://schemas.microsoft.com/office/drawing/2014/main" id="{21BCA351-AAE7-411F-A5CB-4C41156B857E}"/>
+                    </a:ext>
+                  </a:extLst>
+                </p:cNvPr>
+                <p:cNvSpPr/>
+                <p:nvPr/>
+              </p:nvSpPr>
+              <p:spPr>
+                <a:xfrm>
+                  <a:off x="6085926" y="4341438"/>
+                  <a:ext cx="5961638" cy="673192"/>
+                </a:xfrm>
+                <a:prstGeom prst="rect">
+                  <a:avLst/>
+                </a:prstGeom>
+                <a:noFill/>
+                <a:ln w="57150"/>
+              </p:spPr>
+              <p:style>
+                <a:lnRef idx="2">
+                  <a:schemeClr val="accent6"/>
+                </a:lnRef>
+                <a:fillRef idx="1">
+                  <a:schemeClr val="lt1"/>
+                </a:fillRef>
+                <a:effectRef idx="0">
+                  <a:schemeClr val="accent6"/>
+                </a:effectRef>
+                <a:fontRef idx="minor">
+                  <a:schemeClr val="dk1"/>
+                </a:fontRef>
+              </p:style>
+              <p:txBody>
+                <a:bodyPr rtlCol="0" anchor="ctr"/>
+                <a:lstStyle/>
+                <a:p>
+                  <a:pPr algn="r"/>
+                  <a:endParaRPr lang="zh-CN" altLang="en-US" dirty="0"/>
+                </a:p>
+              </p:txBody>
+            </p:sp>
+            <p:sp>
+              <p:nvSpPr>
+                <p:cNvPr id="66" name="矩形 65">
+                  <a:extLst>
+                    <a:ext uri="{FF2B5EF4-FFF2-40B4-BE49-F238E27FC236}">
+                      <a16:creationId xmlns:a16="http://schemas.microsoft.com/office/drawing/2014/main" id="{B9BE4EE8-2590-434A-AC63-B2D7B2E8C915}"/>
+                    </a:ext>
+                  </a:extLst>
+                </p:cNvPr>
+                <p:cNvSpPr/>
+                <p:nvPr/>
+              </p:nvSpPr>
+              <p:spPr>
+                <a:xfrm>
+                  <a:off x="10685726" y="4428285"/>
+                  <a:ext cx="1279033" cy="471686"/>
+                </a:xfrm>
+                <a:prstGeom prst="rect">
+                  <a:avLst/>
+                </a:prstGeom>
+              </p:spPr>
+              <p:style>
+                <a:lnRef idx="2">
+                  <a:schemeClr val="accent6">
+                    <a:shade val="50000"/>
+                  </a:schemeClr>
+                </a:lnRef>
+                <a:fillRef idx="1">
+                  <a:schemeClr val="accent6"/>
+                </a:fillRef>
+                <a:effectRef idx="0">
+                  <a:schemeClr val="accent6"/>
+                </a:effectRef>
+                <a:fontRef idx="minor">
+                  <a:schemeClr val="lt1"/>
+                </a:fontRef>
+              </p:style>
+              <p:txBody>
+                <a:bodyPr rtlCol="0" anchor="ctr"/>
+                <a:lstStyle/>
+                <a:p>
+                  <a:pPr algn="ctr"/>
+                  <a:r>
+                    <a:rPr lang="en-US" altLang="zh-CN" dirty="0"/>
+                    <a:t>Server </a:t>
+                  </a:r>
+                </a:p>
+                <a:p>
+                  <a:pPr algn="ctr"/>
+                  <a:r>
+                    <a:rPr lang="en-US" altLang="zh-CN" dirty="0"/>
+                    <a:t>Manager</a:t>
+                  </a:r>
+                  <a:endParaRPr lang="zh-CN" altLang="en-US" dirty="0"/>
+                </a:p>
+              </p:txBody>
+            </p:sp>
+            <p:sp>
+              <p:nvSpPr>
+                <p:cNvPr id="68" name="矩形 67">
+                  <a:extLst>
+                    <a:ext uri="{FF2B5EF4-FFF2-40B4-BE49-F238E27FC236}">
+                      <a16:creationId xmlns:a16="http://schemas.microsoft.com/office/drawing/2014/main" id="{309DB223-AFB6-477C-B539-A733F4157003}"/>
+                    </a:ext>
+                  </a:extLst>
+                </p:cNvPr>
+                <p:cNvSpPr/>
+                <p:nvPr/>
+              </p:nvSpPr>
+              <p:spPr>
+                <a:xfrm>
+                  <a:off x="6258169" y="4432378"/>
+                  <a:ext cx="1279033" cy="471686"/>
+                </a:xfrm>
+                <a:prstGeom prst="rect">
+                  <a:avLst/>
+                </a:prstGeom>
+              </p:spPr>
+              <p:style>
+                <a:lnRef idx="2">
+                  <a:schemeClr val="accent6">
+                    <a:shade val="50000"/>
+                  </a:schemeClr>
+                </a:lnRef>
+                <a:fillRef idx="1">
+                  <a:schemeClr val="accent6"/>
+                </a:fillRef>
+                <a:effectRef idx="0">
+                  <a:schemeClr val="accent6"/>
+                </a:effectRef>
+                <a:fontRef idx="minor">
+                  <a:schemeClr val="lt1"/>
+                </a:fontRef>
+              </p:style>
+              <p:txBody>
+                <a:bodyPr rtlCol="0" anchor="ctr"/>
+                <a:lstStyle/>
+                <a:p>
+                  <a:pPr algn="ctr"/>
+                  <a:r>
+                    <a:rPr lang="en-US" altLang="zh-CN" dirty="0"/>
+                    <a:t>Classifier</a:t>
+                  </a:r>
+                </a:p>
+                <a:p>
+                  <a:pPr algn="ctr"/>
+                  <a:r>
+                    <a:rPr lang="en-US" altLang="zh-CN" dirty="0"/>
+                    <a:t>Controller</a:t>
+                  </a:r>
+                  <a:endParaRPr lang="zh-CN" altLang="en-US" dirty="0"/>
+                </a:p>
+              </p:txBody>
+            </p:sp>
+          </p:grpSp>
+          <p:sp>
+            <p:nvSpPr>
+              <p:cNvPr id="69" name="矩形 68">
+                <a:extLst>
+                  <a:ext uri="{FF2B5EF4-FFF2-40B4-BE49-F238E27FC236}">
+                    <a16:creationId xmlns:a16="http://schemas.microsoft.com/office/drawing/2014/main" id="{DD37CC3F-175E-4B74-995E-B0A051C6E000}"/>
+                  </a:ext>
+                </a:extLst>
+              </p:cNvPr>
+              <p:cNvSpPr/>
+              <p:nvPr/>
+            </p:nvSpPr>
+            <p:spPr>
+              <a:xfrm>
+                <a:off x="1341550" y="4758579"/>
+                <a:ext cx="1298023" cy="471686"/>
+              </a:xfrm>
+              <a:prstGeom prst="rect">
+                <a:avLst/>
+              </a:prstGeom>
+            </p:spPr>
+            <p:style>
+              <a:lnRef idx="2">
+                <a:schemeClr val="accent6">
+                  <a:shade val="50000"/>
+                </a:schemeClr>
+              </a:lnRef>
+              <a:fillRef idx="1">
+                <a:schemeClr val="accent6"/>
+              </a:fillRef>
+              <a:effectRef idx="0">
+                <a:schemeClr val="accent6"/>
+              </a:effectRef>
+              <a:fontRef idx="minor">
+                <a:schemeClr val="lt1"/>
+              </a:fontRef>
+            </p:style>
+            <p:txBody>
+              <a:bodyPr rtlCol="0" anchor="ctr"/>
+              <a:lstStyle/>
+              <a:p>
+                <a:pPr algn="ctr"/>
+                <a:r>
+                  <a:rPr lang="en-US" altLang="zh-CN" dirty="0"/>
+                  <a:t>P4 Controller</a:t>
+                </a:r>
+                <a:endParaRPr lang="zh-CN" altLang="en-US" dirty="0"/>
+              </a:p>
+            </p:txBody>
+          </p:sp>
+          <p:sp>
+            <p:nvSpPr>
+              <p:cNvPr id="17" name="矩形 16">
+                <a:extLst>
+                  <a:ext uri="{FF2B5EF4-FFF2-40B4-BE49-F238E27FC236}">
+                    <a16:creationId xmlns:a16="http://schemas.microsoft.com/office/drawing/2014/main" id="{A4DB3671-BDD1-46C4-A48B-12672E8747DE}"/>
+                  </a:ext>
+                </a:extLst>
+              </p:cNvPr>
+              <p:cNvSpPr/>
+              <p:nvPr/>
+            </p:nvSpPr>
+            <p:spPr>
+              <a:xfrm>
+                <a:off x="1154097" y="4524566"/>
+                <a:ext cx="7963270" cy="934676"/>
+              </a:xfrm>
+              <a:prstGeom prst="rect">
+                <a:avLst/>
+              </a:prstGeom>
+              <a:noFill/>
+              <a:ln w="28575"/>
+            </p:spPr>
+            <p:style>
+              <a:lnRef idx="2">
+                <a:schemeClr val="accent4"/>
+              </a:lnRef>
+              <a:fillRef idx="1">
+                <a:schemeClr val="lt1"/>
+              </a:fillRef>
+              <a:effectRef idx="0">
+                <a:schemeClr val="accent4"/>
+              </a:effectRef>
+              <a:fontRef idx="minor">
+                <a:schemeClr val="dk1"/>
+              </a:fontRef>
+            </p:style>
+            <p:txBody>
+              <a:bodyPr rtlCol="0" anchor="ctr"/>
+              <a:lstStyle/>
+              <a:p>
+                <a:pPr algn="ctr"/>
+                <a:endParaRPr lang="zh-CN" altLang="en-US"/>
+              </a:p>
+            </p:txBody>
+          </p:sp>
+        </p:grpSp>
+        <p:sp>
+          <p:nvSpPr>
+            <p:cNvPr id="25" name="文本框 24">
+              <a:extLst>
+                <a:ext uri="{FF2B5EF4-FFF2-40B4-BE49-F238E27FC236}">
+                  <a16:creationId xmlns:a16="http://schemas.microsoft.com/office/drawing/2014/main" id="{07C5E1B8-038D-4566-B4BE-85615DE1822A}"/>
+                </a:ext>
+              </a:extLst>
+            </p:cNvPr>
+            <p:cNvSpPr txBox="1"/>
+            <p:nvPr/>
+          </p:nvSpPr>
+          <p:spPr>
+            <a:xfrm>
+              <a:off x="507272" y="5039233"/>
+              <a:ext cx="909223" cy="369332"/>
+            </a:xfrm>
+            <a:prstGeom prst="rect">
+              <a:avLst/>
+            </a:prstGeom>
+            <a:noFill/>
+          </p:spPr>
+          <p:txBody>
+            <a:bodyPr wrap="none" rtlCol="0">
+              <a:spAutoFit/>
+            </a:bodyPr>
+            <a:lstStyle/>
+            <a:p>
+              <a:r>
+                <a:rPr lang="en-US" altLang="zh-CN" b="1" dirty="0"/>
+                <a:t>Zone 1</a:t>
+              </a:r>
+              <a:endParaRPr lang="zh-CN" altLang="en-US" b="1" dirty="0"/>
+            </a:p>
+          </p:txBody>
+        </p:sp>
+      </p:grpSp>
+      <p:grpSp>
+        <p:nvGrpSpPr>
+          <p:cNvPr id="34" name="组合 33">
+            <a:extLst>
+              <a:ext uri="{FF2B5EF4-FFF2-40B4-BE49-F238E27FC236}">
+                <a16:creationId xmlns:a16="http://schemas.microsoft.com/office/drawing/2014/main" id="{81EAA146-E594-47A6-975B-A7CDAD1BDD37}"/>
+              </a:ext>
+            </a:extLst>
+          </p:cNvPr>
+          <p:cNvGrpSpPr/>
+          <p:nvPr/>
+        </p:nvGrpSpPr>
+        <p:grpSpPr>
+          <a:xfrm>
+            <a:off x="3979284" y="5513718"/>
+            <a:ext cx="7963270" cy="1009293"/>
+            <a:chOff x="3979284" y="5513718"/>
+            <a:chExt cx="7963270" cy="1009293"/>
+          </a:xfrm>
+        </p:grpSpPr>
+        <p:grpSp>
+          <p:nvGrpSpPr>
+            <p:cNvPr id="111" name="组合 110">
+              <a:extLst>
+                <a:ext uri="{FF2B5EF4-FFF2-40B4-BE49-F238E27FC236}">
+                  <a16:creationId xmlns:a16="http://schemas.microsoft.com/office/drawing/2014/main" id="{F4401360-85F7-4665-AB5C-52D974558D0B}"/>
+                </a:ext>
+              </a:extLst>
+            </p:cNvPr>
+            <p:cNvGrpSpPr/>
+            <p:nvPr/>
+          </p:nvGrpSpPr>
+          <p:grpSpPr>
+            <a:xfrm>
+              <a:off x="3979284" y="5513718"/>
+              <a:ext cx="7963270" cy="934676"/>
+              <a:chOff x="1154097" y="4524566"/>
+              <a:chExt cx="7963270" cy="934676"/>
+            </a:xfrm>
+          </p:grpSpPr>
+          <p:grpSp>
+            <p:nvGrpSpPr>
+              <p:cNvPr id="112" name="组合 111">
+                <a:extLst>
+                  <a:ext uri="{FF2B5EF4-FFF2-40B4-BE49-F238E27FC236}">
+                    <a16:creationId xmlns:a16="http://schemas.microsoft.com/office/drawing/2014/main" id="{46AF8381-470A-41C9-A69B-FECD7F56A54D}"/>
+                  </a:ext>
+                </a:extLst>
+              </p:cNvPr>
+              <p:cNvGrpSpPr/>
+              <p:nvPr/>
+            </p:nvGrpSpPr>
+            <p:grpSpPr>
+              <a:xfrm>
+                <a:off x="2950861" y="4678630"/>
+                <a:ext cx="5961638" cy="673192"/>
+                <a:chOff x="6085926" y="4341438"/>
+                <a:chExt cx="5961638" cy="673192"/>
+              </a:xfrm>
+            </p:grpSpPr>
+            <p:sp>
+              <p:nvSpPr>
+                <p:cNvPr id="116" name="矩形 115">
+                  <a:extLst>
+                    <a:ext uri="{FF2B5EF4-FFF2-40B4-BE49-F238E27FC236}">
+                      <a16:creationId xmlns:a16="http://schemas.microsoft.com/office/drawing/2014/main" id="{AEBCA444-FF39-4E05-A568-0F22EAC7CAE9}"/>
+                    </a:ext>
+                  </a:extLst>
+                </p:cNvPr>
+                <p:cNvSpPr/>
+                <p:nvPr/>
+              </p:nvSpPr>
+              <p:spPr>
+                <a:xfrm>
+                  <a:off x="7703655" y="4438478"/>
+                  <a:ext cx="1306604" cy="471686"/>
+                </a:xfrm>
+                <a:prstGeom prst="rect">
+                  <a:avLst/>
+                </a:prstGeom>
+              </p:spPr>
+              <p:style>
+                <a:lnRef idx="2">
+                  <a:schemeClr val="accent6">
+                    <a:shade val="50000"/>
+                  </a:schemeClr>
+                </a:lnRef>
+                <a:fillRef idx="1">
+                  <a:schemeClr val="accent6"/>
+                </a:fillRef>
+                <a:effectRef idx="0">
+                  <a:schemeClr val="accent6"/>
+                </a:effectRef>
+                <a:fontRef idx="minor">
+                  <a:schemeClr val="lt1"/>
+                </a:fontRef>
+              </p:style>
+              <p:txBody>
+                <a:bodyPr rtlCol="0" anchor="ctr"/>
+                <a:lstStyle/>
+                <a:p>
+                  <a:pPr algn="ctr"/>
+                  <a:r>
+                    <a:rPr lang="en-US" altLang="zh-CN" dirty="0"/>
+                    <a:t>SFF</a:t>
+                  </a:r>
+                </a:p>
+                <a:p>
+                  <a:pPr algn="ctr"/>
+                  <a:r>
+                    <a:rPr lang="en-US" altLang="zh-CN" dirty="0"/>
+                    <a:t>Controller</a:t>
+                  </a:r>
+                  <a:endParaRPr lang="zh-CN" altLang="en-US" dirty="0"/>
+                </a:p>
+              </p:txBody>
+            </p:sp>
+            <p:sp>
+              <p:nvSpPr>
+                <p:cNvPr id="117" name="矩形 116">
+                  <a:extLst>
+                    <a:ext uri="{FF2B5EF4-FFF2-40B4-BE49-F238E27FC236}">
+                      <a16:creationId xmlns:a16="http://schemas.microsoft.com/office/drawing/2014/main" id="{8D4BD195-6C7D-4AFE-8796-FAB6D4420EDB}"/>
+                    </a:ext>
+                  </a:extLst>
+                </p:cNvPr>
+                <p:cNvSpPr/>
+                <p:nvPr/>
+              </p:nvSpPr>
+              <p:spPr>
+                <a:xfrm>
+                  <a:off x="9206559" y="4436677"/>
+                  <a:ext cx="1279033" cy="471686"/>
+                </a:xfrm>
+                <a:prstGeom prst="rect">
+                  <a:avLst/>
+                </a:prstGeom>
+              </p:spPr>
+              <p:style>
+                <a:lnRef idx="2">
+                  <a:schemeClr val="accent6">
+                    <a:shade val="50000"/>
+                  </a:schemeClr>
+                </a:lnRef>
+                <a:fillRef idx="1">
+                  <a:schemeClr val="accent6"/>
+                </a:fillRef>
+                <a:effectRef idx="0">
+                  <a:schemeClr val="accent6"/>
+                </a:effectRef>
+                <a:fontRef idx="minor">
+                  <a:schemeClr val="lt1"/>
+                </a:fontRef>
+              </p:style>
+              <p:txBody>
+                <a:bodyPr rtlCol="0" anchor="ctr"/>
+                <a:lstStyle/>
+                <a:p>
+                  <a:pPr algn="ctr"/>
+                  <a:r>
+                    <a:rPr lang="en-US" altLang="zh-CN" dirty="0"/>
+                    <a:t>VNF</a:t>
+                  </a:r>
+                </a:p>
+                <a:p>
+                  <a:pPr algn="ctr"/>
+                  <a:r>
+                    <a:rPr lang="en-US" altLang="zh-CN" dirty="0"/>
+                    <a:t>Controller</a:t>
+                  </a:r>
+                  <a:endParaRPr lang="zh-CN" altLang="en-US" dirty="0"/>
+                </a:p>
+              </p:txBody>
+            </p:sp>
+            <p:sp>
+              <p:nvSpPr>
+                <p:cNvPr id="119" name="矩形 118">
+                  <a:extLst>
+                    <a:ext uri="{FF2B5EF4-FFF2-40B4-BE49-F238E27FC236}">
+                      <a16:creationId xmlns:a16="http://schemas.microsoft.com/office/drawing/2014/main" id="{25886148-A5AD-47D8-88F9-60A2C9E2E02D}"/>
+                    </a:ext>
+                  </a:extLst>
+                </p:cNvPr>
+                <p:cNvSpPr/>
+                <p:nvPr/>
+              </p:nvSpPr>
+              <p:spPr>
+                <a:xfrm>
+                  <a:off x="6085926" y="4341438"/>
+                  <a:ext cx="5961638" cy="673192"/>
+                </a:xfrm>
+                <a:prstGeom prst="rect">
+                  <a:avLst/>
+                </a:prstGeom>
+                <a:noFill/>
+                <a:ln w="57150"/>
+              </p:spPr>
+              <p:style>
+                <a:lnRef idx="2">
+                  <a:schemeClr val="accent6"/>
+                </a:lnRef>
+                <a:fillRef idx="1">
+                  <a:schemeClr val="lt1"/>
+                </a:fillRef>
+                <a:effectRef idx="0">
+                  <a:schemeClr val="accent6"/>
+                </a:effectRef>
+                <a:fontRef idx="minor">
+                  <a:schemeClr val="dk1"/>
+                </a:fontRef>
+              </p:style>
+              <p:txBody>
+                <a:bodyPr rtlCol="0" anchor="ctr"/>
+                <a:lstStyle/>
+                <a:p>
+                  <a:pPr algn="r"/>
+                  <a:endParaRPr lang="zh-CN" altLang="en-US" dirty="0"/>
+                </a:p>
+              </p:txBody>
+            </p:sp>
+            <p:sp>
+              <p:nvSpPr>
+                <p:cNvPr id="120" name="矩形 119">
+                  <a:extLst>
+                    <a:ext uri="{FF2B5EF4-FFF2-40B4-BE49-F238E27FC236}">
+                      <a16:creationId xmlns:a16="http://schemas.microsoft.com/office/drawing/2014/main" id="{A9EC7169-14FC-414F-8FE1-1BA09BBF4FD7}"/>
+                    </a:ext>
+                  </a:extLst>
+                </p:cNvPr>
+                <p:cNvSpPr/>
+                <p:nvPr/>
+              </p:nvSpPr>
+              <p:spPr>
+                <a:xfrm>
+                  <a:off x="10685726" y="4428285"/>
+                  <a:ext cx="1279033" cy="471686"/>
+                </a:xfrm>
+                <a:prstGeom prst="rect">
+                  <a:avLst/>
+                </a:prstGeom>
+              </p:spPr>
+              <p:style>
+                <a:lnRef idx="2">
+                  <a:schemeClr val="accent6">
+                    <a:shade val="50000"/>
+                  </a:schemeClr>
+                </a:lnRef>
+                <a:fillRef idx="1">
+                  <a:schemeClr val="accent6"/>
+                </a:fillRef>
+                <a:effectRef idx="0">
+                  <a:schemeClr val="accent6"/>
+                </a:effectRef>
+                <a:fontRef idx="minor">
+                  <a:schemeClr val="lt1"/>
+                </a:fontRef>
+              </p:style>
+              <p:txBody>
+                <a:bodyPr rtlCol="0" anchor="ctr"/>
+                <a:lstStyle/>
+                <a:p>
+                  <a:pPr algn="ctr"/>
+                  <a:r>
+                    <a:rPr lang="en-US" altLang="zh-CN" dirty="0"/>
+                    <a:t>Server </a:t>
+                  </a:r>
+                </a:p>
+                <a:p>
+                  <a:pPr algn="ctr"/>
+                  <a:r>
+                    <a:rPr lang="en-US" altLang="zh-CN" dirty="0"/>
+                    <a:t>Manager</a:t>
+                  </a:r>
+                  <a:endParaRPr lang="zh-CN" altLang="en-US" dirty="0"/>
+                </a:p>
+              </p:txBody>
+            </p:sp>
+            <p:sp>
+              <p:nvSpPr>
+                <p:cNvPr id="121" name="矩形 120">
+                  <a:extLst>
+                    <a:ext uri="{FF2B5EF4-FFF2-40B4-BE49-F238E27FC236}">
+                      <a16:creationId xmlns:a16="http://schemas.microsoft.com/office/drawing/2014/main" id="{4105F97D-FBA6-4153-B9E5-FDE6EB9A7DB3}"/>
+                    </a:ext>
+                  </a:extLst>
+                </p:cNvPr>
+                <p:cNvSpPr/>
+                <p:nvPr/>
+              </p:nvSpPr>
+              <p:spPr>
+                <a:xfrm>
+                  <a:off x="6258169" y="4432378"/>
+                  <a:ext cx="1279033" cy="471686"/>
+                </a:xfrm>
+                <a:prstGeom prst="rect">
+                  <a:avLst/>
+                </a:prstGeom>
+              </p:spPr>
+              <p:style>
+                <a:lnRef idx="2">
+                  <a:schemeClr val="accent6">
+                    <a:shade val="50000"/>
+                  </a:schemeClr>
+                </a:lnRef>
+                <a:fillRef idx="1">
+                  <a:schemeClr val="accent6"/>
+                </a:fillRef>
+                <a:effectRef idx="0">
+                  <a:schemeClr val="accent6"/>
+                </a:effectRef>
+                <a:fontRef idx="minor">
+                  <a:schemeClr val="lt1"/>
+                </a:fontRef>
+              </p:style>
+              <p:txBody>
+                <a:bodyPr rtlCol="0" anchor="ctr"/>
+                <a:lstStyle/>
+                <a:p>
+                  <a:pPr algn="ctr"/>
+                  <a:r>
+                    <a:rPr lang="en-US" altLang="zh-CN" dirty="0"/>
+                    <a:t>Classifier</a:t>
+                  </a:r>
+                </a:p>
+                <a:p>
+                  <a:pPr algn="ctr"/>
+                  <a:r>
+                    <a:rPr lang="en-US" altLang="zh-CN" dirty="0"/>
+                    <a:t>Controller</a:t>
+                  </a:r>
+                  <a:endParaRPr lang="zh-CN" altLang="en-US" dirty="0"/>
+                </a:p>
+              </p:txBody>
+            </p:sp>
+          </p:grpSp>
+          <p:sp>
+            <p:nvSpPr>
+              <p:cNvPr id="113" name="矩形 112">
+                <a:extLst>
+                  <a:ext uri="{FF2B5EF4-FFF2-40B4-BE49-F238E27FC236}">
+                    <a16:creationId xmlns:a16="http://schemas.microsoft.com/office/drawing/2014/main" id="{7C8A3DB7-91B8-4953-BDFD-CD82C9B09C0E}"/>
+                  </a:ext>
+                </a:extLst>
+              </p:cNvPr>
+              <p:cNvSpPr/>
+              <p:nvPr/>
+            </p:nvSpPr>
+            <p:spPr>
+              <a:xfrm>
+                <a:off x="1341550" y="4758579"/>
+                <a:ext cx="1298023" cy="471686"/>
+              </a:xfrm>
+              <a:prstGeom prst="rect">
+                <a:avLst/>
+              </a:prstGeom>
+            </p:spPr>
+            <p:style>
+              <a:lnRef idx="2">
+                <a:schemeClr val="accent6">
+                  <a:shade val="50000"/>
+                </a:schemeClr>
+              </a:lnRef>
+              <a:fillRef idx="1">
+                <a:schemeClr val="accent6"/>
+              </a:fillRef>
+              <a:effectRef idx="0">
+                <a:schemeClr val="accent6"/>
+              </a:effectRef>
+              <a:fontRef idx="minor">
+                <a:schemeClr val="lt1"/>
+              </a:fontRef>
+            </p:style>
+            <p:txBody>
+              <a:bodyPr rtlCol="0" anchor="ctr"/>
+              <a:lstStyle/>
+              <a:p>
+                <a:pPr algn="ctr"/>
+                <a:r>
+                  <a:rPr lang="en-US" altLang="zh-CN" dirty="0"/>
+                  <a:t>P4 Controller</a:t>
+                </a:r>
+                <a:endParaRPr lang="zh-CN" altLang="en-US" dirty="0"/>
+              </a:p>
+            </p:txBody>
+          </p:sp>
+          <p:sp>
+            <p:nvSpPr>
+              <p:cNvPr id="114" name="矩形 113">
+                <a:extLst>
+                  <a:ext uri="{FF2B5EF4-FFF2-40B4-BE49-F238E27FC236}">
+                    <a16:creationId xmlns:a16="http://schemas.microsoft.com/office/drawing/2014/main" id="{9312AAAF-0618-4752-ABF5-440A670C26BE}"/>
+                  </a:ext>
+                </a:extLst>
+              </p:cNvPr>
+              <p:cNvSpPr/>
+              <p:nvPr/>
+            </p:nvSpPr>
+            <p:spPr>
+              <a:xfrm>
+                <a:off x="1154097" y="4524566"/>
+                <a:ext cx="7963270" cy="934676"/>
+              </a:xfrm>
+              <a:prstGeom prst="rect">
+                <a:avLst/>
+              </a:prstGeom>
+              <a:noFill/>
+              <a:ln w="28575"/>
+            </p:spPr>
+            <p:style>
+              <a:lnRef idx="2">
+                <a:schemeClr val="accent4"/>
+              </a:lnRef>
+              <a:fillRef idx="1">
+                <a:schemeClr val="lt1"/>
+              </a:fillRef>
+              <a:effectRef idx="0">
+                <a:schemeClr val="accent4"/>
+              </a:effectRef>
+              <a:fontRef idx="minor">
+                <a:schemeClr val="dk1"/>
+              </a:fontRef>
+            </p:style>
+            <p:txBody>
+              <a:bodyPr rtlCol="0" anchor="ctr"/>
+              <a:lstStyle/>
+              <a:p>
+                <a:pPr algn="ctr"/>
+                <a:endParaRPr lang="zh-CN" altLang="en-US"/>
+              </a:p>
+            </p:txBody>
+          </p:sp>
+        </p:grpSp>
+        <p:sp>
+          <p:nvSpPr>
+            <p:cNvPr id="124" name="文本框 123">
+              <a:extLst>
+                <a:ext uri="{FF2B5EF4-FFF2-40B4-BE49-F238E27FC236}">
+                  <a16:creationId xmlns:a16="http://schemas.microsoft.com/office/drawing/2014/main" id="{6374950D-6D2D-47B1-954B-8978F1FBEF20}"/>
+                </a:ext>
+              </a:extLst>
+            </p:cNvPr>
+            <p:cNvSpPr txBox="1"/>
+            <p:nvPr/>
+          </p:nvSpPr>
+          <p:spPr>
+            <a:xfrm>
+              <a:off x="4279907" y="6153679"/>
+              <a:ext cx="909223" cy="369332"/>
+            </a:xfrm>
+            <a:prstGeom prst="rect">
+              <a:avLst/>
+            </a:prstGeom>
+            <a:noFill/>
+          </p:spPr>
+          <p:txBody>
+            <a:bodyPr wrap="none" rtlCol="0">
+              <a:spAutoFit/>
+            </a:bodyPr>
+            <a:lstStyle/>
+            <a:p>
+              <a:r>
+                <a:rPr lang="en-US" altLang="zh-CN" b="1" dirty="0"/>
+                <a:t>Zone 2</a:t>
+              </a:r>
+              <a:endParaRPr lang="zh-CN" altLang="en-US" b="1" dirty="0"/>
+            </a:p>
+          </p:txBody>
+        </p:sp>
+      </p:grpSp>
+      <p:sp>
+        <p:nvSpPr>
+          <p:cNvPr id="4" name="文本框 3">
+            <a:extLst>
+              <a:ext uri="{FF2B5EF4-FFF2-40B4-BE49-F238E27FC236}">
+                <a16:creationId xmlns:a16="http://schemas.microsoft.com/office/drawing/2014/main" id="{FBF713BD-228D-4452-A609-3362721FF4B9}"/>
+              </a:ext>
+            </a:extLst>
+          </p:cNvPr>
+          <p:cNvSpPr txBox="1"/>
+          <p:nvPr/>
+        </p:nvSpPr>
+        <p:spPr>
+          <a:xfrm>
+            <a:off x="8432944" y="4722426"/>
+            <a:ext cx="3042821" cy="369332"/>
+          </a:xfrm>
+          <a:prstGeom prst="rect">
+            <a:avLst/>
+          </a:prstGeom>
+          <a:noFill/>
+        </p:spPr>
+        <p:txBody>
+          <a:bodyPr wrap="none" rtlCol="0">
+            <a:spAutoFit/>
+          </a:bodyPr>
+          <a:lstStyle/>
+          <a:p>
+            <a:r>
+              <a:rPr lang="zh-CN" altLang="en-US" dirty="0"/>
+              <a:t>不同</a:t>
+            </a:r>
+            <a:r>
+              <a:rPr lang="en-US" altLang="zh-CN" dirty="0"/>
+              <a:t>zone</a:t>
+            </a:r>
+            <a:r>
+              <a:rPr lang="zh-CN" altLang="en-US" dirty="0"/>
+              <a:t>的</a:t>
+            </a:r>
+            <a:r>
+              <a:rPr lang="en-US" altLang="zh-CN" dirty="0" err="1"/>
+              <a:t>queueName</a:t>
+            </a:r>
+            <a:r>
+              <a:rPr lang="zh-CN" altLang="en-US" dirty="0"/>
+              <a:t>不同</a:t>
+            </a:r>
+          </a:p>
+        </p:txBody>
+      </p:sp>
+      <p:sp>
+        <p:nvSpPr>
+          <p:cNvPr id="127" name="文本框 126">
+            <a:extLst>
+              <a:ext uri="{FF2B5EF4-FFF2-40B4-BE49-F238E27FC236}">
+                <a16:creationId xmlns:a16="http://schemas.microsoft.com/office/drawing/2014/main" id="{2FEC6B10-8CA1-4855-93B3-A99BCA236002}"/>
+              </a:ext>
+            </a:extLst>
+          </p:cNvPr>
+          <p:cNvSpPr txBox="1"/>
+          <p:nvPr/>
+        </p:nvSpPr>
+        <p:spPr>
+          <a:xfrm>
+            <a:off x="9273957" y="588376"/>
+            <a:ext cx="2803170" cy="1190138"/>
+          </a:xfrm>
+          <a:prstGeom prst="rect">
+            <a:avLst/>
+          </a:prstGeom>
+        </p:spPr>
+        <p:style>
+          <a:lnRef idx="2">
+            <a:schemeClr val="accent1"/>
+          </a:lnRef>
+          <a:fillRef idx="1">
+            <a:schemeClr val="lt1"/>
+          </a:fillRef>
+          <a:effectRef idx="0">
+            <a:schemeClr val="accent1"/>
+          </a:effectRef>
+          <a:fontRef idx="minor">
+            <a:schemeClr val="dk1"/>
+          </a:fontRef>
+        </p:style>
+        <p:txBody>
+          <a:bodyPr rtlCol="0" anchor="ctr"/>
+          <a:lstStyle>
+            <a:defPPr>
+              <a:defRPr lang="zh-CN"/>
+            </a:defPPr>
+            <a:lvl1pPr marL="285750" indent="-285750">
+              <a:buFont typeface="Arial" panose="020B0604020202020204" pitchFamily="34" charset="0"/>
+              <a:buChar char="•"/>
+              <a:defRPr sz="1400">
+                <a:solidFill>
+                  <a:schemeClr val="dk1"/>
+                </a:solidFill>
+              </a:defRPr>
+            </a:lvl1pPr>
+            <a:lvl2pPr>
+              <a:defRPr>
+                <a:solidFill>
+                  <a:schemeClr val="dk1"/>
+                </a:solidFill>
+              </a:defRPr>
+            </a:lvl2pPr>
+            <a:lvl3pPr>
+              <a:defRPr>
+                <a:solidFill>
+                  <a:schemeClr val="dk1"/>
+                </a:solidFill>
+              </a:defRPr>
+            </a:lvl3pPr>
+            <a:lvl4pPr>
+              <a:defRPr>
+                <a:solidFill>
+                  <a:schemeClr val="dk1"/>
+                </a:solidFill>
+              </a:defRPr>
+            </a:lvl4pPr>
+            <a:lvl5pPr>
+              <a:defRPr>
+                <a:solidFill>
+                  <a:schemeClr val="dk1"/>
+                </a:solidFill>
+              </a:defRPr>
+            </a:lvl5pPr>
+            <a:lvl6pPr>
+              <a:defRPr>
+                <a:solidFill>
+                  <a:schemeClr val="dk1"/>
+                </a:solidFill>
+              </a:defRPr>
+            </a:lvl6pPr>
+            <a:lvl7pPr>
+              <a:defRPr>
+                <a:solidFill>
+                  <a:schemeClr val="dk1"/>
+                </a:solidFill>
+              </a:defRPr>
+            </a:lvl7pPr>
+            <a:lvl8pPr>
+              <a:defRPr>
+                <a:solidFill>
+                  <a:schemeClr val="dk1"/>
+                </a:solidFill>
+              </a:defRPr>
+            </a:lvl8pPr>
+            <a:lvl9pPr>
+              <a:defRPr>
+                <a:solidFill>
+                  <a:schemeClr val="dk1"/>
+                </a:solidFill>
+              </a:defRPr>
+            </a:lvl9pPr>
+          </a:lstStyle>
+          <a:p>
+            <a:r>
+              <a:rPr lang="en-US" altLang="zh-CN" dirty="0"/>
+              <a:t>Network info</a:t>
+            </a:r>
+          </a:p>
+          <a:p>
+            <a:pPr marL="742950" lvl="1" indent="-285750">
+              <a:buFont typeface="Arial" panose="020B0604020202020204" pitchFamily="34" charset="0"/>
+              <a:buChar char="•"/>
+            </a:pPr>
+            <a:r>
+              <a:rPr lang="en-US" altLang="zh-CN" sz="1400" dirty="0"/>
+              <a:t>Switches</a:t>
+            </a:r>
+          </a:p>
+          <a:p>
+            <a:pPr marL="742950" lvl="1" indent="-285750">
+              <a:buFont typeface="Arial" panose="020B0604020202020204" pitchFamily="34" charset="0"/>
+              <a:buChar char="•"/>
+            </a:pPr>
+            <a:r>
+              <a:rPr lang="en-US" altLang="zh-CN" sz="1400" dirty="0"/>
+              <a:t>Links</a:t>
+            </a:r>
+          </a:p>
+          <a:p>
+            <a:pPr marL="742950" lvl="1" indent="-285750">
+              <a:buFont typeface="Arial" panose="020B0604020202020204" pitchFamily="34" charset="0"/>
+              <a:buChar char="•"/>
+            </a:pPr>
+            <a:r>
+              <a:rPr lang="en-US" altLang="zh-CN" sz="1400" dirty="0"/>
+              <a:t>Servers</a:t>
+            </a:r>
+          </a:p>
+          <a:p>
+            <a:pPr marL="742950" lvl="1" indent="-285750">
+              <a:buFont typeface="Arial" panose="020B0604020202020204" pitchFamily="34" charset="0"/>
+              <a:buChar char="•"/>
+            </a:pPr>
+            <a:r>
+              <a:rPr lang="en-US" altLang="zh-CN" sz="1400" dirty="0"/>
+              <a:t>Hosts</a:t>
+            </a:r>
+          </a:p>
+        </p:txBody>
+      </p:sp>
+      <p:sp>
+        <p:nvSpPr>
+          <p:cNvPr id="128" name="矩形 127">
+            <a:extLst>
+              <a:ext uri="{FF2B5EF4-FFF2-40B4-BE49-F238E27FC236}">
+                <a16:creationId xmlns:a16="http://schemas.microsoft.com/office/drawing/2014/main" id="{1FCE7B30-5143-4641-9826-62A1F71F077F}"/>
+              </a:ext>
+            </a:extLst>
+          </p:cNvPr>
+          <p:cNvSpPr/>
+          <p:nvPr/>
+        </p:nvSpPr>
+        <p:spPr>
+          <a:xfrm>
+            <a:off x="6023282" y="2001325"/>
+            <a:ext cx="1633586" cy="833736"/>
+          </a:xfrm>
+          <a:prstGeom prst="rect">
+            <a:avLst/>
+          </a:prstGeom>
+        </p:spPr>
+        <p:style>
+          <a:lnRef idx="2">
+            <a:schemeClr val="accent1">
+              <a:shade val="50000"/>
+            </a:schemeClr>
+          </a:lnRef>
+          <a:fillRef idx="1">
+            <a:schemeClr val="accent1"/>
+          </a:fillRef>
+          <a:effectRef idx="0">
+            <a:schemeClr val="accent1"/>
+          </a:effectRef>
+          <a:fontRef idx="minor">
+            <a:schemeClr val="lt1"/>
+          </a:fontRef>
+        </p:style>
+        <p:txBody>
+          <a:bodyPr rtlCol="0" anchor="ctr"/>
+          <a:lstStyle/>
+          <a:p>
+            <a:pPr algn="ctr"/>
+            <a:r>
+              <a:rPr lang="en-US" altLang="zh-CN" dirty="0"/>
+              <a:t>Orchestration</a:t>
+            </a:r>
+            <a:endParaRPr lang="zh-CN" altLang="en-US" dirty="0"/>
+          </a:p>
+        </p:txBody>
+      </p:sp>
+      <p:sp>
+        <p:nvSpPr>
+          <p:cNvPr id="129" name="圆柱体 128">
+            <a:extLst>
+              <a:ext uri="{FF2B5EF4-FFF2-40B4-BE49-F238E27FC236}">
+                <a16:creationId xmlns:a16="http://schemas.microsoft.com/office/drawing/2014/main" id="{A2FB7CD0-5085-4D6F-85F9-38FBC02561B0}"/>
+              </a:ext>
+            </a:extLst>
+          </p:cNvPr>
+          <p:cNvSpPr/>
+          <p:nvPr/>
+        </p:nvSpPr>
+        <p:spPr>
+          <a:xfrm>
+            <a:off x="5931680" y="933586"/>
+            <a:ext cx="1805812" cy="719423"/>
+          </a:xfrm>
+          <a:prstGeom prst="can">
+            <a:avLst/>
+          </a:prstGeom>
+        </p:spPr>
+        <p:style>
+          <a:lnRef idx="2">
+            <a:schemeClr val="accent1">
+              <a:shade val="50000"/>
+            </a:schemeClr>
+          </a:lnRef>
+          <a:fillRef idx="1">
+            <a:schemeClr val="accent1"/>
+          </a:fillRef>
+          <a:effectRef idx="0">
+            <a:schemeClr val="accent1"/>
+          </a:effectRef>
+          <a:fontRef idx="minor">
+            <a:schemeClr val="lt1"/>
+          </a:fontRef>
+        </p:style>
+        <p:txBody>
+          <a:bodyPr rtlCol="0" anchor="ctr"/>
+          <a:lstStyle/>
+          <a:p>
+            <a:pPr algn="ctr"/>
+            <a:r>
+              <a:rPr lang="en-US" altLang="zh-CN" dirty="0"/>
+              <a:t>Database</a:t>
+            </a:r>
+          </a:p>
+        </p:txBody>
+      </p:sp>
+      <p:cxnSp>
+        <p:nvCxnSpPr>
+          <p:cNvPr id="130" name="直接箭头连接符 129">
+            <a:extLst>
+              <a:ext uri="{FF2B5EF4-FFF2-40B4-BE49-F238E27FC236}">
+                <a16:creationId xmlns:a16="http://schemas.microsoft.com/office/drawing/2014/main" id="{720FF18F-9C13-451C-BAC5-0EAD81FAFFE6}"/>
+              </a:ext>
+            </a:extLst>
+          </p:cNvPr>
+          <p:cNvCxnSpPr>
+            <a:cxnSpLocks/>
+            <a:stCxn id="129" idx="3"/>
+            <a:endCxn id="128" idx="0"/>
+          </p:cNvCxnSpPr>
+          <p:nvPr/>
+        </p:nvCxnSpPr>
+        <p:spPr>
+          <a:xfrm>
+            <a:off x="6834586" y="1653009"/>
+            <a:ext cx="5489" cy="348316"/>
+          </a:xfrm>
+          <a:prstGeom prst="straightConnector1">
+            <a:avLst/>
+          </a:prstGeom>
+          <a:ln w="28575">
+            <a:tailEnd type="triangle"/>
+          </a:ln>
+        </p:spPr>
+        <p:style>
+          <a:lnRef idx="2">
+            <a:schemeClr val="accent6"/>
+          </a:lnRef>
+          <a:fillRef idx="0">
+            <a:schemeClr val="accent6"/>
+          </a:fillRef>
+          <a:effectRef idx="1">
+            <a:schemeClr val="accent6"/>
+          </a:effectRef>
+          <a:fontRef idx="minor">
+            <a:schemeClr val="tx1"/>
+          </a:fontRef>
+        </p:style>
+      </p:cxnSp>
+      <p:sp>
+        <p:nvSpPr>
+          <p:cNvPr id="132" name="矩形 131">
+            <a:extLst>
+              <a:ext uri="{FF2B5EF4-FFF2-40B4-BE49-F238E27FC236}">
+                <a16:creationId xmlns:a16="http://schemas.microsoft.com/office/drawing/2014/main" id="{026F66B6-A934-4A33-AFAB-3BC270019F80}"/>
+              </a:ext>
+            </a:extLst>
+          </p:cNvPr>
+          <p:cNvSpPr/>
+          <p:nvPr/>
+        </p:nvSpPr>
+        <p:spPr>
+          <a:xfrm>
+            <a:off x="294855" y="1541292"/>
+            <a:ext cx="771224" cy="1741080"/>
+          </a:xfrm>
+          <a:prstGeom prst="rect">
+            <a:avLst/>
+          </a:prstGeom>
+        </p:spPr>
+        <p:style>
+          <a:lnRef idx="2">
+            <a:schemeClr val="accent3">
+              <a:shade val="50000"/>
+            </a:schemeClr>
+          </a:lnRef>
+          <a:fillRef idx="1">
+            <a:schemeClr val="accent3"/>
+          </a:fillRef>
+          <a:effectRef idx="0">
+            <a:schemeClr val="accent3"/>
+          </a:effectRef>
+          <a:fontRef idx="minor">
+            <a:schemeClr val="lt1"/>
+          </a:fontRef>
+        </p:style>
+        <p:txBody>
+          <a:bodyPr rtlCol="0" anchor="ctr"/>
+          <a:lstStyle/>
+          <a:p>
+            <a:pPr algn="ctr"/>
+            <a:r>
+              <a:rPr lang="en-US" altLang="zh-CN" sz="1400" dirty="0"/>
+              <a:t>Web</a:t>
+            </a:r>
+          </a:p>
+          <a:p>
+            <a:pPr algn="ctr"/>
+            <a:r>
+              <a:rPr lang="en-US" altLang="zh-CN" sz="1400" dirty="0"/>
+              <a:t>Front</a:t>
+            </a:r>
+          </a:p>
+          <a:p>
+            <a:pPr algn="ctr"/>
+            <a:r>
+              <a:rPr lang="en-US" altLang="zh-CN" sz="1400" dirty="0"/>
+              <a:t>End</a:t>
+            </a:r>
+            <a:endParaRPr lang="zh-CN" altLang="en-US" sz="1400" dirty="0"/>
+          </a:p>
+        </p:txBody>
+      </p:sp>
+      <p:sp>
+        <p:nvSpPr>
+          <p:cNvPr id="133" name="矩形 132">
+            <a:extLst>
+              <a:ext uri="{FF2B5EF4-FFF2-40B4-BE49-F238E27FC236}">
+                <a16:creationId xmlns:a16="http://schemas.microsoft.com/office/drawing/2014/main" id="{86C17C4F-A5D8-426D-B92D-DFB25733143A}"/>
+              </a:ext>
+            </a:extLst>
+          </p:cNvPr>
+          <p:cNvSpPr/>
+          <p:nvPr/>
+        </p:nvSpPr>
+        <p:spPr>
+          <a:xfrm>
+            <a:off x="1982240" y="1541291"/>
+            <a:ext cx="1642789" cy="592210"/>
+          </a:xfrm>
+          <a:prstGeom prst="rect">
+            <a:avLst/>
+          </a:prstGeom>
+        </p:spPr>
+        <p:style>
+          <a:lnRef idx="2">
+            <a:schemeClr val="accent3">
+              <a:shade val="50000"/>
+            </a:schemeClr>
+          </a:lnRef>
+          <a:fillRef idx="1">
+            <a:schemeClr val="accent3"/>
+          </a:fillRef>
+          <a:effectRef idx="0">
+            <a:schemeClr val="accent3"/>
+          </a:effectRef>
+          <a:fontRef idx="minor">
+            <a:schemeClr val="lt1"/>
+          </a:fontRef>
+        </p:style>
+        <p:txBody>
+          <a:bodyPr rtlCol="0" anchor="ctr"/>
+          <a:lstStyle/>
+          <a:p>
+            <a:pPr algn="ctr"/>
+            <a:r>
+              <a:rPr lang="en-US" altLang="zh-CN" sz="1400" dirty="0"/>
+              <a:t>create SFC request </a:t>
+            </a:r>
+            <a:endParaRPr lang="zh-CN" altLang="en-US" sz="1400" dirty="0"/>
+          </a:p>
+        </p:txBody>
+      </p:sp>
+      <p:sp>
+        <p:nvSpPr>
+          <p:cNvPr id="134" name="矩形 133">
+            <a:extLst>
+              <a:ext uri="{FF2B5EF4-FFF2-40B4-BE49-F238E27FC236}">
+                <a16:creationId xmlns:a16="http://schemas.microsoft.com/office/drawing/2014/main" id="{4A67718F-2A82-404D-A918-DECA843D554B}"/>
+              </a:ext>
+            </a:extLst>
+          </p:cNvPr>
+          <p:cNvSpPr/>
+          <p:nvPr/>
+        </p:nvSpPr>
+        <p:spPr>
+          <a:xfrm>
+            <a:off x="1986767" y="2141566"/>
+            <a:ext cx="1633587" cy="524819"/>
+          </a:xfrm>
+          <a:prstGeom prst="rect">
+            <a:avLst/>
+          </a:prstGeom>
+        </p:spPr>
+        <p:style>
+          <a:lnRef idx="2">
+            <a:schemeClr val="accent3">
+              <a:shade val="50000"/>
+            </a:schemeClr>
+          </a:lnRef>
+          <a:fillRef idx="1">
+            <a:schemeClr val="accent3"/>
+          </a:fillRef>
+          <a:effectRef idx="0">
+            <a:schemeClr val="accent3"/>
+          </a:effectRef>
+          <a:fontRef idx="minor">
+            <a:schemeClr val="lt1"/>
+          </a:fontRef>
+        </p:style>
+        <p:txBody>
+          <a:bodyPr rtlCol="0" anchor="ctr"/>
+          <a:lstStyle/>
+          <a:p>
+            <a:pPr algn="ctr"/>
+            <a:r>
+              <a:rPr lang="en-US" altLang="zh-CN" sz="1400" dirty="0"/>
+              <a:t>get SFC request </a:t>
+            </a:r>
+            <a:endParaRPr lang="zh-CN" altLang="en-US" sz="1400" dirty="0"/>
+          </a:p>
+        </p:txBody>
+      </p:sp>
+      <p:sp>
+        <p:nvSpPr>
+          <p:cNvPr id="135" name="矩形 134">
+            <a:extLst>
+              <a:ext uri="{FF2B5EF4-FFF2-40B4-BE49-F238E27FC236}">
+                <a16:creationId xmlns:a16="http://schemas.microsoft.com/office/drawing/2014/main" id="{CEA7101D-A6E9-4AB0-BE61-53F994D0E705}"/>
+              </a:ext>
+            </a:extLst>
+          </p:cNvPr>
+          <p:cNvSpPr/>
+          <p:nvPr/>
+        </p:nvSpPr>
+        <p:spPr>
+          <a:xfrm>
+            <a:off x="1991660" y="2674450"/>
+            <a:ext cx="1633586" cy="607921"/>
+          </a:xfrm>
+          <a:prstGeom prst="rect">
+            <a:avLst/>
+          </a:prstGeom>
+        </p:spPr>
+        <p:style>
+          <a:lnRef idx="2">
+            <a:schemeClr val="accent3">
+              <a:shade val="50000"/>
+            </a:schemeClr>
+          </a:lnRef>
+          <a:fillRef idx="1">
+            <a:schemeClr val="accent3"/>
+          </a:fillRef>
+          <a:effectRef idx="0">
+            <a:schemeClr val="accent3"/>
+          </a:effectRef>
+          <a:fontRef idx="minor">
+            <a:schemeClr val="lt1"/>
+          </a:fontRef>
+        </p:style>
+        <p:txBody>
+          <a:bodyPr rtlCol="0" anchor="ctr"/>
+          <a:lstStyle/>
+          <a:p>
+            <a:pPr algn="ctr"/>
+            <a:r>
+              <a:rPr lang="en-US" altLang="zh-CN" sz="1400" dirty="0"/>
+              <a:t>delete SFC request </a:t>
+            </a:r>
+            <a:endParaRPr lang="zh-CN" altLang="en-US" sz="1400" dirty="0"/>
+          </a:p>
+        </p:txBody>
+      </p:sp>
+      <p:sp>
+        <p:nvSpPr>
+          <p:cNvPr id="136" name="矩形 135">
+            <a:extLst>
+              <a:ext uri="{FF2B5EF4-FFF2-40B4-BE49-F238E27FC236}">
+                <a16:creationId xmlns:a16="http://schemas.microsoft.com/office/drawing/2014/main" id="{75B4CC28-EBD4-4646-9915-8E83E01D7DC9}"/>
+              </a:ext>
+            </a:extLst>
+          </p:cNvPr>
+          <p:cNvSpPr/>
+          <p:nvPr/>
+        </p:nvSpPr>
+        <p:spPr>
+          <a:xfrm>
+            <a:off x="1388364" y="1541292"/>
+            <a:ext cx="602608" cy="1741080"/>
+          </a:xfrm>
+          <a:prstGeom prst="rect">
+            <a:avLst/>
+          </a:prstGeom>
+        </p:spPr>
+        <p:style>
+          <a:lnRef idx="2">
+            <a:schemeClr val="accent3">
+              <a:shade val="50000"/>
+            </a:schemeClr>
+          </a:lnRef>
+          <a:fillRef idx="1">
+            <a:schemeClr val="accent3"/>
+          </a:fillRef>
+          <a:effectRef idx="0">
+            <a:schemeClr val="accent3"/>
+          </a:effectRef>
+          <a:fontRef idx="minor">
+            <a:schemeClr val="lt1"/>
+          </a:fontRef>
+        </p:style>
+        <p:txBody>
+          <a:bodyPr rtlCol="0" anchor="ctr"/>
+          <a:lstStyle/>
+          <a:p>
+            <a:pPr algn="ctr"/>
+            <a:r>
+              <a:rPr lang="en-US" altLang="zh-CN" sz="1400" dirty="0" err="1"/>
+              <a:t>Cmd</a:t>
+            </a:r>
+            <a:endParaRPr lang="zh-CN" altLang="en-US" sz="1400" dirty="0"/>
+          </a:p>
+        </p:txBody>
+      </p:sp>
+      <p:cxnSp>
+        <p:nvCxnSpPr>
+          <p:cNvPr id="138" name="直接箭头连接符 137">
+            <a:extLst>
+              <a:ext uri="{FF2B5EF4-FFF2-40B4-BE49-F238E27FC236}">
+                <a16:creationId xmlns:a16="http://schemas.microsoft.com/office/drawing/2014/main" id="{FA9E6563-F527-411F-800B-C382985FC12D}"/>
+              </a:ext>
+            </a:extLst>
+          </p:cNvPr>
+          <p:cNvCxnSpPr>
+            <a:cxnSpLocks/>
+            <a:stCxn id="132" idx="3"/>
+            <a:endCxn id="136" idx="1"/>
+          </p:cNvCxnSpPr>
+          <p:nvPr/>
+        </p:nvCxnSpPr>
+        <p:spPr>
+          <a:xfrm>
+            <a:off x="1066079" y="2411832"/>
+            <a:ext cx="322285" cy="0"/>
+          </a:xfrm>
+          <a:prstGeom prst="straightConnector1">
+            <a:avLst/>
+          </a:prstGeom>
+          <a:ln>
+            <a:tailEnd type="triangle"/>
+          </a:ln>
+        </p:spPr>
+        <p:style>
+          <a:lnRef idx="1">
+            <a:schemeClr val="accent1"/>
+          </a:lnRef>
+          <a:fillRef idx="0">
+            <a:schemeClr val="accent1"/>
+          </a:fillRef>
+          <a:effectRef idx="0">
+            <a:schemeClr val="accent1"/>
+          </a:effectRef>
+          <a:fontRef idx="minor">
+            <a:schemeClr val="tx1"/>
+          </a:fontRef>
+        </p:style>
+      </p:cxnSp>
+      <p:sp>
+        <p:nvSpPr>
+          <p:cNvPr id="139" name="矩形 138">
+            <a:extLst>
+              <a:ext uri="{FF2B5EF4-FFF2-40B4-BE49-F238E27FC236}">
+                <a16:creationId xmlns:a16="http://schemas.microsoft.com/office/drawing/2014/main" id="{71796163-4E76-4936-BD2D-F000BAEBC584}"/>
+              </a:ext>
+            </a:extLst>
+          </p:cNvPr>
+          <p:cNvSpPr/>
+          <p:nvPr/>
+        </p:nvSpPr>
+        <p:spPr>
+          <a:xfrm>
+            <a:off x="8342024" y="2026055"/>
+            <a:ext cx="1240543" cy="809006"/>
+          </a:xfrm>
+          <a:prstGeom prst="rect">
+            <a:avLst/>
+          </a:prstGeom>
+        </p:spPr>
+        <p:style>
+          <a:lnRef idx="2">
+            <a:schemeClr val="accent1">
+              <a:shade val="50000"/>
+            </a:schemeClr>
+          </a:lnRef>
+          <a:fillRef idx="1">
+            <a:schemeClr val="accent1"/>
+          </a:fillRef>
+          <a:effectRef idx="0">
+            <a:schemeClr val="accent1"/>
+          </a:effectRef>
+          <a:fontRef idx="minor">
+            <a:schemeClr val="lt1"/>
+          </a:fontRef>
+        </p:style>
+        <p:txBody>
+          <a:bodyPr rtlCol="0" anchor="ctr"/>
+          <a:lstStyle/>
+          <a:p>
+            <a:pPr algn="ctr"/>
+            <a:r>
+              <a:rPr lang="en-US" altLang="zh-CN" dirty="0"/>
+              <a:t>Adaptive</a:t>
+            </a:r>
+            <a:endParaRPr lang="zh-CN" altLang="en-US" dirty="0"/>
+          </a:p>
+        </p:txBody>
+      </p:sp>
+      <p:sp>
+        <p:nvSpPr>
+          <p:cNvPr id="140" name="矩形 139">
+            <a:extLst>
+              <a:ext uri="{FF2B5EF4-FFF2-40B4-BE49-F238E27FC236}">
+                <a16:creationId xmlns:a16="http://schemas.microsoft.com/office/drawing/2014/main" id="{8B41CDAD-998B-423B-87E0-CC56D6DEF4CA}"/>
+              </a:ext>
+            </a:extLst>
+          </p:cNvPr>
+          <p:cNvSpPr/>
+          <p:nvPr/>
+        </p:nvSpPr>
+        <p:spPr>
+          <a:xfrm>
+            <a:off x="3629432" y="1543447"/>
+            <a:ext cx="1147818" cy="1738923"/>
+          </a:xfrm>
+          <a:prstGeom prst="rect">
+            <a:avLst/>
+          </a:prstGeom>
+        </p:spPr>
+        <p:style>
+          <a:lnRef idx="2">
+            <a:schemeClr val="accent1">
+              <a:shade val="50000"/>
+            </a:schemeClr>
+          </a:lnRef>
+          <a:fillRef idx="1">
+            <a:schemeClr val="accent1"/>
+          </a:fillRef>
+          <a:effectRef idx="0">
+            <a:schemeClr val="accent1"/>
+          </a:effectRef>
+          <a:fontRef idx="minor">
+            <a:schemeClr val="lt1"/>
+          </a:fontRef>
+        </p:style>
+        <p:txBody>
+          <a:bodyPr rtlCol="0" anchor="ctr"/>
+          <a:lstStyle/>
+          <a:p>
+            <a:pPr algn="ctr"/>
+            <a:r>
+              <a:rPr lang="en-US" altLang="zh-CN" dirty="0"/>
+              <a:t>Request</a:t>
+            </a:r>
+          </a:p>
+          <a:p>
+            <a:pPr algn="ctr"/>
+            <a:r>
+              <a:rPr lang="en-US" altLang="zh-CN" dirty="0"/>
+              <a:t>Processor</a:t>
+            </a:r>
+            <a:endParaRPr lang="zh-CN" altLang="en-US" dirty="0"/>
+          </a:p>
+        </p:txBody>
+      </p:sp>
+      <p:cxnSp>
+        <p:nvCxnSpPr>
+          <p:cNvPr id="141" name="直接箭头连接符 140">
+            <a:extLst>
+              <a:ext uri="{FF2B5EF4-FFF2-40B4-BE49-F238E27FC236}">
+                <a16:creationId xmlns:a16="http://schemas.microsoft.com/office/drawing/2014/main" id="{773A53DF-50E5-4AD7-8D88-E79EC9B65F07}"/>
+              </a:ext>
+            </a:extLst>
+          </p:cNvPr>
+          <p:cNvCxnSpPr>
+            <a:cxnSpLocks/>
+            <a:stCxn id="140" idx="3"/>
+            <a:endCxn id="129" idx="3"/>
+          </p:cNvCxnSpPr>
+          <p:nvPr/>
+        </p:nvCxnSpPr>
+        <p:spPr>
+          <a:xfrm flipV="1">
+            <a:off x="4777250" y="1653009"/>
+            <a:ext cx="2057336" cy="759900"/>
+          </a:xfrm>
+          <a:prstGeom prst="straightConnector1">
+            <a:avLst/>
+          </a:prstGeom>
+          <a:ln w="28575">
+            <a:tailEnd type="triangle"/>
+          </a:ln>
+        </p:spPr>
+        <p:style>
+          <a:lnRef idx="2">
+            <a:schemeClr val="accent6"/>
+          </a:lnRef>
+          <a:fillRef idx="0">
+            <a:schemeClr val="accent6"/>
+          </a:fillRef>
+          <a:effectRef idx="1">
+            <a:schemeClr val="accent6"/>
+          </a:effectRef>
+          <a:fontRef idx="minor">
+            <a:schemeClr val="tx1"/>
+          </a:fontRef>
+        </p:style>
+      </p:cxnSp>
+      <p:cxnSp>
+        <p:nvCxnSpPr>
+          <p:cNvPr id="142" name="直接箭头连接符 141">
+            <a:extLst>
+              <a:ext uri="{FF2B5EF4-FFF2-40B4-BE49-F238E27FC236}">
+                <a16:creationId xmlns:a16="http://schemas.microsoft.com/office/drawing/2014/main" id="{09A95B6D-FD5A-405B-B8A6-C09546D2C75C}"/>
+              </a:ext>
+            </a:extLst>
+          </p:cNvPr>
+          <p:cNvCxnSpPr>
+            <a:cxnSpLocks/>
+            <a:stCxn id="129" idx="3"/>
+            <a:endCxn id="139" idx="0"/>
+          </p:cNvCxnSpPr>
+          <p:nvPr/>
+        </p:nvCxnSpPr>
+        <p:spPr>
+          <a:xfrm>
+            <a:off x="6834586" y="1653009"/>
+            <a:ext cx="2127710" cy="373046"/>
+          </a:xfrm>
+          <a:prstGeom prst="straightConnector1">
+            <a:avLst/>
+          </a:prstGeom>
+          <a:ln w="28575">
+            <a:tailEnd type="triangle"/>
+          </a:ln>
+        </p:spPr>
+        <p:style>
+          <a:lnRef idx="2">
+            <a:schemeClr val="accent6"/>
+          </a:lnRef>
+          <a:fillRef idx="0">
+            <a:schemeClr val="accent6"/>
+          </a:fillRef>
+          <a:effectRef idx="1">
+            <a:schemeClr val="accent6"/>
+          </a:effectRef>
+          <a:fontRef idx="minor">
+            <a:schemeClr val="tx1"/>
+          </a:fontRef>
+        </p:style>
+      </p:cxnSp>
+      <p:cxnSp>
+        <p:nvCxnSpPr>
+          <p:cNvPr id="143" name="直接箭头连接符 142">
+            <a:extLst>
+              <a:ext uri="{FF2B5EF4-FFF2-40B4-BE49-F238E27FC236}">
+                <a16:creationId xmlns:a16="http://schemas.microsoft.com/office/drawing/2014/main" id="{52ED35B8-BB3F-4E85-A202-960BADF4A145}"/>
+              </a:ext>
+            </a:extLst>
+          </p:cNvPr>
+          <p:cNvCxnSpPr>
+            <a:cxnSpLocks/>
+            <a:stCxn id="128" idx="3"/>
+            <a:endCxn id="139" idx="1"/>
+          </p:cNvCxnSpPr>
+          <p:nvPr/>
+        </p:nvCxnSpPr>
+        <p:spPr>
+          <a:xfrm>
+            <a:off x="7656868" y="2418193"/>
+            <a:ext cx="685156" cy="12365"/>
+          </a:xfrm>
+          <a:prstGeom prst="straightConnector1">
+            <a:avLst/>
+          </a:prstGeom>
+          <a:ln w="38100" cap="flat" cmpd="sng" algn="ctr">
+            <a:solidFill>
+              <a:srgbClr val="FFC000"/>
+            </a:solidFill>
+            <a:prstDash val="dash"/>
+            <a:round/>
+            <a:headEnd type="none" w="med" len="med"/>
+            <a:tailEnd type="none" w="med" len="med"/>
+          </a:ln>
+        </p:spPr>
+        <p:style>
+          <a:lnRef idx="0">
+            <a:scrgbClr r="0" g="0" b="0"/>
+          </a:lnRef>
+          <a:fillRef idx="0">
+            <a:scrgbClr r="0" g="0" b="0"/>
+          </a:fillRef>
+          <a:effectRef idx="0">
+            <a:scrgbClr r="0" g="0" b="0"/>
+          </a:effectRef>
+          <a:fontRef idx="minor">
+            <a:schemeClr val="tx1"/>
+          </a:fontRef>
+        </p:style>
+      </p:cxnSp>
+      <p:cxnSp>
+        <p:nvCxnSpPr>
+          <p:cNvPr id="144" name="直接箭头连接符 143">
+            <a:extLst>
+              <a:ext uri="{FF2B5EF4-FFF2-40B4-BE49-F238E27FC236}">
+                <a16:creationId xmlns:a16="http://schemas.microsoft.com/office/drawing/2014/main" id="{2394FA7A-AF39-46E8-B866-C1D7052F993C}"/>
+              </a:ext>
+            </a:extLst>
+          </p:cNvPr>
+          <p:cNvCxnSpPr>
+            <a:cxnSpLocks/>
+            <a:stCxn id="128" idx="1"/>
+            <a:endCxn id="140" idx="3"/>
+          </p:cNvCxnSpPr>
+          <p:nvPr/>
+        </p:nvCxnSpPr>
+        <p:spPr>
+          <a:xfrm flipH="1" flipV="1">
+            <a:off x="4777250" y="2412909"/>
+            <a:ext cx="1246032" cy="5284"/>
+          </a:xfrm>
+          <a:prstGeom prst="straightConnector1">
+            <a:avLst/>
+          </a:prstGeom>
+          <a:ln w="38100" cap="flat" cmpd="sng" algn="ctr">
+            <a:solidFill>
+              <a:srgbClr val="FFC000"/>
+            </a:solidFill>
+            <a:prstDash val="dash"/>
+            <a:round/>
+            <a:headEnd type="none" w="med" len="med"/>
+            <a:tailEnd type="none" w="med" len="med"/>
+          </a:ln>
+        </p:spPr>
+        <p:style>
+          <a:lnRef idx="0">
+            <a:scrgbClr r="0" g="0" b="0"/>
+          </a:lnRef>
+          <a:fillRef idx="0">
+            <a:scrgbClr r="0" g="0" b="0"/>
+          </a:fillRef>
+          <a:effectRef idx="0">
+            <a:scrgbClr r="0" g="0" b="0"/>
+          </a:effectRef>
+          <a:fontRef idx="minor">
+            <a:schemeClr val="tx1"/>
+          </a:fontRef>
+        </p:style>
+      </p:cxnSp>
+      <p:cxnSp>
+        <p:nvCxnSpPr>
+          <p:cNvPr id="147" name="直接箭头连接符 146">
+            <a:extLst>
+              <a:ext uri="{FF2B5EF4-FFF2-40B4-BE49-F238E27FC236}">
+                <a16:creationId xmlns:a16="http://schemas.microsoft.com/office/drawing/2014/main" id="{1CF77096-CB93-44C6-8FF7-A95F3D97E0CA}"/>
+              </a:ext>
+            </a:extLst>
+          </p:cNvPr>
+          <p:cNvCxnSpPr>
+            <a:cxnSpLocks/>
+            <a:stCxn id="129" idx="3"/>
+            <a:endCxn id="54" idx="0"/>
+          </p:cNvCxnSpPr>
+          <p:nvPr/>
+        </p:nvCxnSpPr>
+        <p:spPr>
+          <a:xfrm>
+            <a:off x="6834586" y="1653009"/>
+            <a:ext cx="4408511" cy="368594"/>
+          </a:xfrm>
+          <a:prstGeom prst="straightConnector1">
+            <a:avLst/>
+          </a:prstGeom>
+          <a:ln w="28575">
+            <a:tailEnd type="triangle"/>
+          </a:ln>
+        </p:spPr>
+        <p:style>
+          <a:lnRef idx="2">
+            <a:schemeClr val="accent6"/>
+          </a:lnRef>
+          <a:fillRef idx="0">
+            <a:schemeClr val="accent6"/>
+          </a:fillRef>
+          <a:effectRef idx="1">
+            <a:schemeClr val="accent6"/>
+          </a:effectRef>
+          <a:fontRef idx="minor">
+            <a:schemeClr val="tx1"/>
+          </a:fontRef>
+        </p:style>
+      </p:cxnSp>
+      <p:sp>
+        <p:nvSpPr>
+          <p:cNvPr id="148" name="矩形: 圆角 147">
+            <a:extLst>
+              <a:ext uri="{FF2B5EF4-FFF2-40B4-BE49-F238E27FC236}">
+                <a16:creationId xmlns:a16="http://schemas.microsoft.com/office/drawing/2014/main" id="{34F66F97-25AA-4E64-A595-34621CE887EC}"/>
+              </a:ext>
+            </a:extLst>
+          </p:cNvPr>
+          <p:cNvSpPr/>
+          <p:nvPr/>
+        </p:nvSpPr>
+        <p:spPr>
+          <a:xfrm>
+            <a:off x="5805918" y="136284"/>
+            <a:ext cx="2319455" cy="737082"/>
+          </a:xfrm>
+          <a:prstGeom prst="roundRect">
+            <a:avLst/>
+          </a:prstGeom>
+        </p:spPr>
+        <p:style>
+          <a:lnRef idx="2">
+            <a:schemeClr val="accent1"/>
+          </a:lnRef>
+          <a:fillRef idx="1">
+            <a:schemeClr val="lt1"/>
+          </a:fillRef>
+          <a:effectRef idx="0">
+            <a:schemeClr val="accent1"/>
+          </a:effectRef>
+          <a:fontRef idx="minor">
+            <a:schemeClr val="dk1"/>
+          </a:fontRef>
+        </p:style>
+        <p:txBody>
+          <a:bodyPr rtlCol="0" anchor="ctr"/>
+          <a:lstStyle/>
+          <a:p>
+            <a:pPr marL="285750" indent="-285750">
+              <a:buFont typeface="Arial" panose="020B0604020202020204" pitchFamily="34" charset="0"/>
+              <a:buChar char="•"/>
+            </a:pPr>
+            <a:r>
+              <a:rPr lang="en-US" altLang="zh-CN" sz="1400" dirty="0"/>
+              <a:t>SFC Request Table</a:t>
+            </a:r>
+          </a:p>
+          <a:p>
+            <a:pPr marL="285750" indent="-285750">
+              <a:buFont typeface="Arial" panose="020B0604020202020204" pitchFamily="34" charset="0"/>
+              <a:buChar char="•"/>
+            </a:pPr>
+            <a:r>
+              <a:rPr lang="en-US" altLang="zh-CN" sz="1400" dirty="0"/>
+              <a:t>SFCI Table</a:t>
+            </a:r>
+          </a:p>
+          <a:p>
+            <a:pPr marL="285750" indent="-285750">
+              <a:buFont typeface="Arial" panose="020B0604020202020204" pitchFamily="34" charset="0"/>
+              <a:buChar char="•"/>
+            </a:pPr>
+            <a:r>
+              <a:rPr lang="en-US" altLang="zh-CN" sz="1400" dirty="0"/>
+              <a:t>Zone Table</a:t>
+            </a:r>
+          </a:p>
+        </p:txBody>
+      </p:sp>
+      <p:cxnSp>
+        <p:nvCxnSpPr>
+          <p:cNvPr id="149" name="直接箭头连接符 148">
+            <a:extLst>
+              <a:ext uri="{FF2B5EF4-FFF2-40B4-BE49-F238E27FC236}">
+                <a16:creationId xmlns:a16="http://schemas.microsoft.com/office/drawing/2014/main" id="{7679EF0A-8DDB-4FD6-8E2B-A95D45FA0C07}"/>
+              </a:ext>
+            </a:extLst>
+          </p:cNvPr>
+          <p:cNvCxnSpPr>
+            <a:cxnSpLocks/>
+            <a:stCxn id="83" idx="0"/>
+            <a:endCxn id="128" idx="2"/>
+          </p:cNvCxnSpPr>
+          <p:nvPr/>
+        </p:nvCxnSpPr>
+        <p:spPr>
+          <a:xfrm flipV="1">
+            <a:off x="6108854" y="2835061"/>
+            <a:ext cx="731221" cy="934676"/>
+          </a:xfrm>
+          <a:prstGeom prst="straightConnector1">
+            <a:avLst/>
+          </a:prstGeom>
+          <a:ln w="38100" cap="flat" cmpd="sng" algn="ctr">
+            <a:solidFill>
+              <a:srgbClr val="FFC000"/>
+            </a:solidFill>
+            <a:prstDash val="dash"/>
+            <a:round/>
+            <a:headEnd type="none" w="med" len="med"/>
+            <a:tailEnd type="none" w="med" len="med"/>
+          </a:ln>
+        </p:spPr>
+        <p:style>
+          <a:lnRef idx="0">
+            <a:scrgbClr r="0" g="0" b="0"/>
+          </a:lnRef>
+          <a:fillRef idx="0">
+            <a:scrgbClr r="0" g="0" b="0"/>
+          </a:fillRef>
+          <a:effectRef idx="0">
+            <a:scrgbClr r="0" g="0" b="0"/>
+          </a:effectRef>
+          <a:fontRef idx="minor">
+            <a:schemeClr val="tx1"/>
+          </a:fontRef>
+        </p:style>
+      </p:cxnSp>
+      <p:cxnSp>
+        <p:nvCxnSpPr>
+          <p:cNvPr id="152" name="直接箭头连接符 151">
+            <a:extLst>
+              <a:ext uri="{FF2B5EF4-FFF2-40B4-BE49-F238E27FC236}">
+                <a16:creationId xmlns:a16="http://schemas.microsoft.com/office/drawing/2014/main" id="{3763F01C-7D3F-4091-98C1-1AD796602EAF}"/>
+              </a:ext>
+            </a:extLst>
+          </p:cNvPr>
+          <p:cNvCxnSpPr>
+            <a:cxnSpLocks/>
+            <a:stCxn id="83" idx="0"/>
+            <a:endCxn id="54" idx="2"/>
+          </p:cNvCxnSpPr>
+          <p:nvPr/>
+        </p:nvCxnSpPr>
+        <p:spPr>
+          <a:xfrm flipV="1">
+            <a:off x="6108854" y="2830609"/>
+            <a:ext cx="5134243" cy="939128"/>
+          </a:xfrm>
+          <a:prstGeom prst="straightConnector1">
+            <a:avLst/>
+          </a:prstGeom>
+          <a:ln w="38100" cap="flat" cmpd="sng" algn="ctr">
+            <a:solidFill>
+              <a:srgbClr val="FFC000"/>
+            </a:solidFill>
+            <a:prstDash val="dash"/>
+            <a:round/>
+            <a:headEnd type="none" w="med" len="med"/>
+            <a:tailEnd type="none" w="med" len="med"/>
+          </a:ln>
+        </p:spPr>
+        <p:style>
+          <a:lnRef idx="0">
+            <a:scrgbClr r="0" g="0" b="0"/>
+          </a:lnRef>
+          <a:fillRef idx="0">
+            <a:scrgbClr r="0" g="0" b="0"/>
+          </a:fillRef>
+          <a:effectRef idx="0">
+            <a:scrgbClr r="0" g="0" b="0"/>
+          </a:effectRef>
+          <a:fontRef idx="minor">
+            <a:schemeClr val="tx1"/>
+          </a:fontRef>
+        </p:style>
+      </p:cxnSp>
+      <p:sp>
+        <p:nvSpPr>
+          <p:cNvPr id="54" name="矩形 53">
+            <a:extLst>
+              <a:ext uri="{FF2B5EF4-FFF2-40B4-BE49-F238E27FC236}">
+                <a16:creationId xmlns:a16="http://schemas.microsoft.com/office/drawing/2014/main" id="{BE61C337-220E-42EF-A760-ED891CA46E5C}"/>
+              </a:ext>
+            </a:extLst>
+          </p:cNvPr>
+          <p:cNvSpPr/>
+          <p:nvPr/>
+        </p:nvSpPr>
+        <p:spPr>
+          <a:xfrm>
+            <a:off x="10440217" y="2021603"/>
+            <a:ext cx="1605759" cy="809006"/>
+          </a:xfrm>
+          <a:prstGeom prst="rect">
+            <a:avLst/>
+          </a:prstGeom>
+        </p:spPr>
+        <p:style>
+          <a:lnRef idx="1">
+            <a:schemeClr val="accent1"/>
+          </a:lnRef>
+          <a:fillRef idx="2">
+            <a:schemeClr val="accent1"/>
+          </a:fillRef>
+          <a:effectRef idx="1">
+            <a:schemeClr val="accent1"/>
+          </a:effectRef>
+          <a:fontRef idx="minor">
+            <a:schemeClr val="dk1"/>
+          </a:fontRef>
+        </p:style>
+        <p:txBody>
+          <a:bodyPr rtlCol="0" anchor="ctr"/>
+          <a:lstStyle/>
+          <a:p>
+            <a:pPr algn="ctr"/>
+            <a:r>
+              <a:rPr lang="en-US" altLang="zh-CN" dirty="0"/>
+              <a:t>Measurement</a:t>
+            </a:r>
+          </a:p>
+        </p:txBody>
+      </p:sp>
+      <p:cxnSp>
+        <p:nvCxnSpPr>
+          <p:cNvPr id="58" name="直接箭头连接符 57">
+            <a:extLst>
+              <a:ext uri="{FF2B5EF4-FFF2-40B4-BE49-F238E27FC236}">
+                <a16:creationId xmlns:a16="http://schemas.microsoft.com/office/drawing/2014/main" id="{A8A1CE62-AD11-4348-9036-741D0E8488B4}"/>
+              </a:ext>
+            </a:extLst>
+          </p:cNvPr>
+          <p:cNvCxnSpPr>
+            <a:cxnSpLocks/>
+            <a:stCxn id="139" idx="3"/>
+            <a:endCxn id="54" idx="1"/>
+          </p:cNvCxnSpPr>
+          <p:nvPr/>
+        </p:nvCxnSpPr>
+        <p:spPr>
+          <a:xfrm flipV="1">
+            <a:off x="9582567" y="2426106"/>
+            <a:ext cx="857650" cy="4452"/>
+          </a:xfrm>
+          <a:prstGeom prst="straightConnector1">
+            <a:avLst/>
+          </a:prstGeom>
+          <a:ln w="38100" cap="flat" cmpd="sng" algn="ctr">
+            <a:solidFill>
+              <a:srgbClr val="FFC000"/>
+            </a:solidFill>
+            <a:prstDash val="dash"/>
+            <a:round/>
+            <a:headEnd type="none" w="med" len="med"/>
+            <a:tailEnd type="none" w="med" len="med"/>
+          </a:ln>
+        </p:spPr>
+        <p:style>
+          <a:lnRef idx="0">
+            <a:scrgbClr r="0" g="0" b="0"/>
+          </a:lnRef>
+          <a:fillRef idx="0">
+            <a:scrgbClr r="0" g="0" b="0"/>
+          </a:fillRef>
+          <a:effectRef idx="0">
+            <a:scrgbClr r="0" g="0" b="0"/>
+          </a:effectRef>
+          <a:fontRef idx="minor">
+            <a:schemeClr val="tx1"/>
+          </a:fontRef>
+        </p:style>
+      </p:cxnSp>
+      <p:sp>
+        <p:nvSpPr>
+          <p:cNvPr id="64" name="弧形 63">
+            <a:extLst>
+              <a:ext uri="{FF2B5EF4-FFF2-40B4-BE49-F238E27FC236}">
+                <a16:creationId xmlns:a16="http://schemas.microsoft.com/office/drawing/2014/main" id="{48F03D98-8BBB-4EA8-9EFC-B3835D7C3E2E}"/>
+              </a:ext>
+            </a:extLst>
+          </p:cNvPr>
+          <p:cNvSpPr/>
+          <p:nvPr/>
+        </p:nvSpPr>
+        <p:spPr>
+          <a:xfrm>
+            <a:off x="6834585" y="1680578"/>
+            <a:ext cx="4408510" cy="672832"/>
+          </a:xfrm>
+          <a:prstGeom prst="arc">
+            <a:avLst>
+              <a:gd name="adj1" fmla="val 10871121"/>
+              <a:gd name="adj2" fmla="val 0"/>
+            </a:avLst>
+          </a:prstGeom>
+          <a:ln w="38100" cap="flat" cmpd="sng" algn="ctr">
+            <a:solidFill>
+              <a:srgbClr val="FFC000"/>
+            </a:solidFill>
+            <a:prstDash val="dash"/>
+            <a:round/>
+            <a:headEnd type="none" w="med" len="med"/>
+            <a:tailEnd type="none" w="med" len="med"/>
+          </a:ln>
+        </p:spPr>
+        <p:style>
+          <a:lnRef idx="0">
+            <a:scrgbClr r="0" g="0" b="0"/>
+          </a:lnRef>
+          <a:fillRef idx="0">
+            <a:scrgbClr r="0" g="0" b="0"/>
+          </a:fillRef>
+          <a:effectRef idx="0">
+            <a:scrgbClr r="0" g="0" b="0"/>
+          </a:effectRef>
+          <a:fontRef idx="minor">
+            <a:schemeClr val="tx1"/>
+          </a:fontRef>
+        </p:style>
+        <p:txBody>
+          <a:bodyPr rtlCol="0" anchor="ctr"/>
+          <a:lstStyle/>
+          <a:p>
+            <a:pPr algn="ctr"/>
+            <a:endParaRPr lang="zh-CN" altLang="en-US"/>
+          </a:p>
+        </p:txBody>
+      </p:sp>
+    </p:spTree>
+    <p:extLst>
+      <p:ext uri="{BB962C8B-B14F-4D97-AF65-F5344CB8AC3E}">
+        <p14:creationId xmlns:p14="http://schemas.microsoft.com/office/powerpoint/2010/main" val="2849545697"/>
+      </p:ext>
+    </p:extLst>
+  </p:cSld>
+  <p:clrMapOvr>
+    <a:masterClrMapping/>
+  </p:clrMapOvr>
+</p:sld>
+</file>
+
+<file path=ppt/slides/slide3.xml><?xml version="1.0" encoding="utf-8"?>
+<p:sld xmlns:a="http://schemas.openxmlformats.org/drawingml/2006/main" xmlns:r="http://schemas.openxmlformats.org/officeDocument/2006/relationships" xmlns:p="http://schemas.openxmlformats.org/presentationml/2006/main">
+  <p:cSld>
+    <p:spTree>
+      <p:nvGrpSpPr>
+        <p:cNvPr id="1" name=""/>
+        <p:cNvGrpSpPr/>
+        <p:nvPr/>
+      </p:nvGrpSpPr>
+      <p:grpSpPr>
+        <a:xfrm>
+          <a:off x="0" y="0"/>
+          <a:ext cx="0" cy="0"/>
+          <a:chOff x="0" y="0"/>
+          <a:chExt cx="0" cy="0"/>
+        </a:xfrm>
+      </p:grpSpPr>
+      <p:sp>
+        <p:nvSpPr>
+          <p:cNvPr id="70" name="文本框 69">
+            <a:extLst>
+              <a:ext uri="{FF2B5EF4-FFF2-40B4-BE49-F238E27FC236}">
+                <a16:creationId xmlns:a16="http://schemas.microsoft.com/office/drawing/2014/main" id="{696C3A7B-AA2B-4EE2-892C-D0F03840A9C9}"/>
+              </a:ext>
+            </a:extLst>
+          </p:cNvPr>
+          <p:cNvSpPr txBox="1"/>
+          <p:nvPr/>
+        </p:nvSpPr>
+        <p:spPr>
+          <a:xfrm>
+            <a:off x="9273957" y="588376"/>
+            <a:ext cx="2803170" cy="1190138"/>
+          </a:xfrm>
+          <a:prstGeom prst="rect">
+            <a:avLst/>
+          </a:prstGeom>
+        </p:spPr>
+        <p:style>
+          <a:lnRef idx="2">
+            <a:schemeClr val="accent1"/>
+          </a:lnRef>
+          <a:fillRef idx="1">
+            <a:schemeClr val="lt1"/>
+          </a:fillRef>
+          <a:effectRef idx="0">
+            <a:schemeClr val="accent1"/>
+          </a:effectRef>
+          <a:fontRef idx="minor">
+            <a:schemeClr val="dk1"/>
+          </a:fontRef>
+        </p:style>
+        <p:txBody>
+          <a:bodyPr rtlCol="0" anchor="ctr"/>
+          <a:lstStyle>
+            <a:defPPr>
+              <a:defRPr lang="zh-CN"/>
+            </a:defPPr>
+            <a:lvl1pPr marL="285750" indent="-285750">
+              <a:buFont typeface="Arial" panose="020B0604020202020204" pitchFamily="34" charset="0"/>
+              <a:buChar char="•"/>
+              <a:defRPr sz="1400">
+                <a:solidFill>
+                  <a:schemeClr val="dk1"/>
+                </a:solidFill>
+              </a:defRPr>
+            </a:lvl1pPr>
+            <a:lvl2pPr>
+              <a:defRPr>
+                <a:solidFill>
+                  <a:schemeClr val="dk1"/>
+                </a:solidFill>
+              </a:defRPr>
+            </a:lvl2pPr>
+            <a:lvl3pPr>
+              <a:defRPr>
+                <a:solidFill>
+                  <a:schemeClr val="dk1"/>
+                </a:solidFill>
+              </a:defRPr>
+            </a:lvl3pPr>
+            <a:lvl4pPr>
+              <a:defRPr>
+                <a:solidFill>
+                  <a:schemeClr val="dk1"/>
+                </a:solidFill>
+              </a:defRPr>
+            </a:lvl4pPr>
+            <a:lvl5pPr>
+              <a:defRPr>
+                <a:solidFill>
+                  <a:schemeClr val="dk1"/>
+                </a:solidFill>
+              </a:defRPr>
+            </a:lvl5pPr>
+            <a:lvl6pPr>
+              <a:defRPr>
+                <a:solidFill>
+                  <a:schemeClr val="dk1"/>
+                </a:solidFill>
+              </a:defRPr>
+            </a:lvl6pPr>
+            <a:lvl7pPr>
+              <a:defRPr>
+                <a:solidFill>
+                  <a:schemeClr val="dk1"/>
+                </a:solidFill>
+              </a:defRPr>
+            </a:lvl7pPr>
+            <a:lvl8pPr>
+              <a:defRPr>
+                <a:solidFill>
+                  <a:schemeClr val="dk1"/>
+                </a:solidFill>
+              </a:defRPr>
+            </a:lvl8pPr>
+            <a:lvl9pPr>
+              <a:defRPr>
+                <a:solidFill>
+                  <a:schemeClr val="dk1"/>
+                </a:solidFill>
+              </a:defRPr>
+            </a:lvl9pPr>
+          </a:lstStyle>
+          <a:p>
+            <a:r>
+              <a:rPr lang="en-US" altLang="zh-CN" dirty="0"/>
+              <a:t>Network info</a:t>
+            </a:r>
+          </a:p>
+          <a:p>
+            <a:pPr marL="742950" lvl="1" indent="-285750">
+              <a:buFont typeface="Arial" panose="020B0604020202020204" pitchFamily="34" charset="0"/>
+              <a:buChar char="•"/>
+            </a:pPr>
+            <a:r>
+              <a:rPr lang="en-US" altLang="zh-CN" sz="1400" dirty="0"/>
+              <a:t>Switches</a:t>
+            </a:r>
+          </a:p>
+          <a:p>
+            <a:pPr marL="742950" lvl="1" indent="-285750">
+              <a:buFont typeface="Arial" panose="020B0604020202020204" pitchFamily="34" charset="0"/>
+              <a:buChar char="•"/>
+            </a:pPr>
+            <a:r>
+              <a:rPr lang="en-US" altLang="zh-CN" sz="1400" dirty="0"/>
+              <a:t>Links</a:t>
+            </a:r>
+          </a:p>
+          <a:p>
+            <a:pPr marL="742950" lvl="1" indent="-285750">
+              <a:buFont typeface="Arial" panose="020B0604020202020204" pitchFamily="34" charset="0"/>
+              <a:buChar char="•"/>
+            </a:pPr>
+            <a:r>
+              <a:rPr lang="en-US" altLang="zh-CN" sz="1400" dirty="0"/>
+              <a:t>Servers</a:t>
+            </a:r>
+          </a:p>
+          <a:p>
+            <a:pPr marL="742950" lvl="1" indent="-285750">
+              <a:buFont typeface="Arial" panose="020B0604020202020204" pitchFamily="34" charset="0"/>
+              <a:buChar char="•"/>
+            </a:pPr>
+            <a:r>
+              <a:rPr lang="en-US" altLang="zh-CN" sz="1400" dirty="0"/>
+              <a:t>Hosts</a:t>
+            </a:r>
+          </a:p>
+        </p:txBody>
+      </p:sp>
+      <p:sp>
+        <p:nvSpPr>
+          <p:cNvPr id="104" name="矩形: 圆角 103">
+            <a:extLst>
+              <a:ext uri="{FF2B5EF4-FFF2-40B4-BE49-F238E27FC236}">
+                <a16:creationId xmlns:a16="http://schemas.microsoft.com/office/drawing/2014/main" id="{EFE12B39-825C-4F8F-9ECD-47C94D1F8E55}"/>
+              </a:ext>
+            </a:extLst>
+          </p:cNvPr>
+          <p:cNvSpPr/>
+          <p:nvPr/>
+        </p:nvSpPr>
+        <p:spPr>
+          <a:xfrm>
+            <a:off x="5461696" y="6172229"/>
+            <a:ext cx="1190587" cy="615839"/>
           </a:xfrm>
           <a:prstGeom prst="roundRect">
             <a:avLst/>
@@ -6174,10 +8973,10 @@
       </p:sp>
       <p:sp>
         <p:nvSpPr>
-          <p:cNvPr id="90" name="矩形: 圆角 89">
-            <a:extLst>
-              <a:ext uri="{FF2B5EF4-FFF2-40B4-BE49-F238E27FC236}">
-                <a16:creationId xmlns:a16="http://schemas.microsoft.com/office/drawing/2014/main" id="{BCD184C4-0A00-4F92-B8C3-189ECB2506EA}"/>
+          <p:cNvPr id="96" name="矩形: 圆角 95">
+            <a:extLst>
+              <a:ext uri="{FF2B5EF4-FFF2-40B4-BE49-F238E27FC236}">
+                <a16:creationId xmlns:a16="http://schemas.microsoft.com/office/drawing/2014/main" id="{0BD9E8F9-5167-4A39-BFED-F18B9065396F}"/>
               </a:ext>
             </a:extLst>
           </p:cNvPr>
@@ -6186,8 +8985,8 @@
         </p:nvSpPr>
         <p:spPr>
           <a:xfrm>
-            <a:off x="6812595" y="6135611"/>
-            <a:ext cx="2131357" cy="625310"/>
+            <a:off x="3599859" y="6060856"/>
+            <a:ext cx="1416637" cy="727212"/>
           </a:xfrm>
           <a:prstGeom prst="roundRect">
             <a:avLst/>
@@ -6218,10 +9017,10 @@
       </p:sp>
       <p:sp>
         <p:nvSpPr>
-          <p:cNvPr id="55" name="矩形 54">
-            <a:extLst>
-              <a:ext uri="{FF2B5EF4-FFF2-40B4-BE49-F238E27FC236}">
-                <a16:creationId xmlns:a16="http://schemas.microsoft.com/office/drawing/2014/main" id="{C76FE96B-BEE1-40A6-9AE1-B42DE8085D04}"/>
+          <p:cNvPr id="90" name="矩形: 圆角 89">
+            <a:extLst>
+              <a:ext uri="{FF2B5EF4-FFF2-40B4-BE49-F238E27FC236}">
+                <a16:creationId xmlns:a16="http://schemas.microsoft.com/office/drawing/2014/main" id="{BCD184C4-0A00-4F92-B8C3-189ECB2506EA}"/>
               </a:ext>
             </a:extLst>
           </p:cNvPr>
@@ -6230,7 +9029,51 @@
         </p:nvSpPr>
         <p:spPr>
           <a:xfrm>
-            <a:off x="6757132" y="5686433"/>
+            <a:off x="7129386" y="6083946"/>
+            <a:ext cx="2131357" cy="727212"/>
+          </a:xfrm>
+          <a:prstGeom prst="roundRect">
+            <a:avLst/>
+          </a:prstGeom>
+        </p:spPr>
+        <p:style>
+          <a:lnRef idx="1">
+            <a:schemeClr val="accent3"/>
+          </a:lnRef>
+          <a:fillRef idx="2">
+            <a:schemeClr val="accent3"/>
+          </a:fillRef>
+          <a:effectRef idx="1">
+            <a:schemeClr val="accent3"/>
+          </a:effectRef>
+          <a:fontRef idx="minor">
+            <a:schemeClr val="dk1"/>
+          </a:fontRef>
+        </p:style>
+        <p:txBody>
+          <a:bodyPr rtlCol="0" anchor="ctr"/>
+          <a:lstStyle/>
+          <a:p>
+            <a:pPr algn="ctr"/>
+            <a:endParaRPr lang="zh-CN" altLang="en-US" dirty="0"/>
+          </a:p>
+        </p:txBody>
+      </p:sp>
+      <p:sp>
+        <p:nvSpPr>
+          <p:cNvPr id="55" name="矩形 54">
+            <a:extLst>
+              <a:ext uri="{FF2B5EF4-FFF2-40B4-BE49-F238E27FC236}">
+                <a16:creationId xmlns:a16="http://schemas.microsoft.com/office/drawing/2014/main" id="{C76FE96B-BEE1-40A6-9AE1-B42DE8085D04}"/>
+              </a:ext>
+            </a:extLst>
+          </p:cNvPr>
+          <p:cNvSpPr/>
+          <p:nvPr/>
+        </p:nvSpPr>
+        <p:spPr>
+          <a:xfrm>
+            <a:off x="9238482" y="6195057"/>
             <a:ext cx="1468268" cy="431827"/>
           </a:xfrm>
           <a:prstGeom prst="rect">
@@ -6314,8 +9157,8 @@
         </p:nvSpPr>
         <p:spPr>
           <a:xfrm>
-            <a:off x="6448248" y="109803"/>
-            <a:ext cx="2992471" cy="1493258"/>
+            <a:off x="5805918" y="136284"/>
+            <a:ext cx="2319455" cy="737082"/>
           </a:xfrm>
           <a:prstGeom prst="roundRect">
             <a:avLst/>
@@ -6345,7 +9188,7 @@
             </a:pPr>
             <a:r>
               <a:rPr lang="en-US" altLang="zh-CN" sz="1400" dirty="0"/>
-              <a:t>SFC info</a:t>
+              <a:t>SFC Request Table</a:t>
             </a:r>
           </a:p>
           <a:p>
@@ -6355,45 +9198,17 @@
             </a:pPr>
             <a:r>
               <a:rPr lang="en-US" altLang="zh-CN" sz="1400" dirty="0"/>
-              <a:t>Network info (Real-time info)</a:t>
-            </a:r>
-          </a:p>
-          <a:p>
-            <a:pPr marL="800100" lvl="1" indent="-342900">
-              <a:buAutoNum type="arabicParenBoth"/>
+              <a:t>SFCI Table</a:t>
+            </a:r>
+          </a:p>
+          <a:p>
+            <a:pPr marL="285750" indent="-285750">
+              <a:buFont typeface="Arial" panose="020B0604020202020204" pitchFamily="34" charset="0"/>
+              <a:buChar char="•"/>
             </a:pPr>
             <a:r>
               <a:rPr lang="en-US" altLang="zh-CN" sz="1400" dirty="0"/>
-              <a:t>Switch info</a:t>
-            </a:r>
-          </a:p>
-          <a:p>
-            <a:pPr marL="800100" lvl="1" indent="-342900">
-              <a:buAutoNum type="arabicParenBoth"/>
-            </a:pPr>
-            <a:r>
-              <a:rPr lang="en-US" altLang="zh-CN" sz="1400" dirty="0"/>
-              <a:t>Server info</a:t>
-            </a:r>
-          </a:p>
-          <a:p>
-            <a:pPr marL="1257300" lvl="2" indent="-342900">
-              <a:buFont typeface="+mj-lt"/>
-              <a:buAutoNum type="alphaLcPeriod"/>
-            </a:pPr>
-            <a:r>
-              <a:rPr lang="en-US" altLang="zh-CN" sz="1400" dirty="0"/>
-              <a:t>NF info</a:t>
-            </a:r>
-          </a:p>
-          <a:p>
-            <a:pPr marL="1257300" lvl="2" indent="-342900">
-              <a:buFont typeface="+mj-lt"/>
-              <a:buAutoNum type="alphaLcPeriod"/>
-            </a:pPr>
-            <a:r>
-              <a:rPr lang="en-US" altLang="zh-CN" sz="1400" dirty="0"/>
-              <a:t>SFF info</a:t>
+              <a:t>Zone Table</a:t>
             </a:r>
           </a:p>
         </p:txBody>
@@ -6412,8 +9227,8 @@
         </p:nvSpPr>
         <p:spPr>
           <a:xfrm>
-            <a:off x="5426362" y="5433323"/>
-            <a:ext cx="627671" cy="615839"/>
+            <a:off x="5630840" y="5256943"/>
+            <a:ext cx="834312" cy="818585"/>
           </a:xfrm>
           <a:prstGeom prst="ellipse">
             <a:avLst/>
@@ -6461,8 +9276,8 @@
         </p:nvSpPr>
         <p:spPr>
           <a:xfrm>
-            <a:off x="6962553" y="6223677"/>
-            <a:ext cx="764438" cy="441326"/>
+            <a:off x="7279344" y="6195057"/>
+            <a:ext cx="764438" cy="526659"/>
           </a:xfrm>
           <a:prstGeom prst="rect">
             <a:avLst/>
@@ -6518,8 +9333,8 @@
         </p:nvSpPr>
         <p:spPr>
           <a:xfrm>
-            <a:off x="4823694" y="6269222"/>
-            <a:ext cx="1324667" cy="395780"/>
+            <a:off x="5630840" y="6240602"/>
+            <a:ext cx="834312" cy="526659"/>
           </a:xfrm>
           <a:prstGeom prst="rect">
             <a:avLst/>
@@ -6551,7 +9366,7 @@
                   <a:schemeClr val="dk1"/>
                 </a:solidFill>
               </a:rPr>
-              <a:t>Destination</a:t>
+              <a:t>Egress</a:t>
             </a:r>
             <a:endParaRPr lang="zh-CN" altLang="en-US" dirty="0">
               <a:solidFill>
@@ -6579,8 +9394,8 @@
         </p:nvCxnSpPr>
         <p:spPr>
           <a:xfrm>
-            <a:off x="5740198" y="6049162"/>
-            <a:ext cx="1604574" cy="174515"/>
+            <a:off x="6047996" y="6075528"/>
+            <a:ext cx="1613567" cy="119529"/>
           </a:xfrm>
           <a:prstGeom prst="line">
             <a:avLst/>
@@ -6616,8 +9431,8 @@
         </p:nvSpPr>
         <p:spPr>
           <a:xfrm>
-            <a:off x="8048202" y="6223677"/>
-            <a:ext cx="764438" cy="441326"/>
+            <a:off x="8364993" y="6195057"/>
+            <a:ext cx="764438" cy="526659"/>
           </a:xfrm>
           <a:prstGeom prst="rect">
             <a:avLst/>
@@ -6677,8 +9492,106 @@
         </p:nvCxnSpPr>
         <p:spPr>
           <a:xfrm flipH="1">
-            <a:off x="7726991" y="6444340"/>
+            <a:off x="8043782" y="6458387"/>
             <a:ext cx="321211" cy="0"/>
+          </a:xfrm>
+          <a:prstGeom prst="line">
+            <a:avLst/>
+          </a:prstGeom>
+          <a:ln w="38100"/>
+        </p:spPr>
+        <p:style>
+          <a:lnRef idx="2">
+            <a:schemeClr val="dk1"/>
+          </a:lnRef>
+          <a:fillRef idx="1">
+            <a:schemeClr val="lt1"/>
+          </a:fillRef>
+          <a:effectRef idx="0">
+            <a:schemeClr val="dk1"/>
+          </a:effectRef>
+          <a:fontRef idx="minor">
+            <a:schemeClr val="dk1"/>
+          </a:fontRef>
+        </p:style>
+      </p:cxnSp>
+      <p:sp>
+        <p:nvSpPr>
+          <p:cNvPr id="30" name="矩形 29">
+            <a:extLst>
+              <a:ext uri="{FF2B5EF4-FFF2-40B4-BE49-F238E27FC236}">
+                <a16:creationId xmlns:a16="http://schemas.microsoft.com/office/drawing/2014/main" id="{C16E31D4-C861-4F0B-9165-196030B6AADC}"/>
+              </a:ext>
+            </a:extLst>
+          </p:cNvPr>
+          <p:cNvSpPr/>
+          <p:nvPr/>
+        </p:nvSpPr>
+        <p:spPr>
+          <a:xfrm>
+            <a:off x="3793831" y="6216224"/>
+            <a:ext cx="1140931" cy="524819"/>
+          </a:xfrm>
+          <a:prstGeom prst="rect">
+            <a:avLst/>
+          </a:prstGeom>
+          <a:ln w="38100"/>
+        </p:spPr>
+        <p:style>
+          <a:lnRef idx="2">
+            <a:schemeClr val="dk1"/>
+          </a:lnRef>
+          <a:fillRef idx="1">
+            <a:schemeClr val="lt1"/>
+          </a:fillRef>
+          <a:effectRef idx="0">
+            <a:schemeClr val="dk1"/>
+          </a:effectRef>
+          <a:fontRef idx="minor">
+            <a:schemeClr val="dk1"/>
+          </a:fontRef>
+        </p:style>
+        <p:txBody>
+          <a:bodyPr rtlCol="0" anchor="ctr"/>
+          <a:lstStyle/>
+          <a:p>
+            <a:pPr algn="ctr"/>
+            <a:r>
+              <a:rPr lang="en-US" altLang="zh-CN" dirty="0">
+                <a:solidFill>
+                  <a:schemeClr val="dk1"/>
+                </a:solidFill>
+              </a:rPr>
+              <a:t>Classifier</a:t>
+            </a:r>
+            <a:endParaRPr lang="zh-CN" altLang="en-US" dirty="0">
+              <a:solidFill>
+                <a:schemeClr val="dk1"/>
+              </a:solidFill>
+            </a:endParaRPr>
+          </a:p>
+        </p:txBody>
+      </p:sp>
+      <p:cxnSp>
+        <p:nvCxnSpPr>
+          <p:cNvPr id="31" name="直接连接符 30">
+            <a:extLst>
+              <a:ext uri="{FF2B5EF4-FFF2-40B4-BE49-F238E27FC236}">
+                <a16:creationId xmlns:a16="http://schemas.microsoft.com/office/drawing/2014/main" id="{815CE4DD-1593-4881-A2A5-9E8733490F8D}"/>
+              </a:ext>
+            </a:extLst>
+          </p:cNvPr>
+          <p:cNvCxnSpPr>
+            <a:cxnSpLocks/>
+            <a:stCxn id="5" idx="4"/>
+            <a:endCxn id="30" idx="0"/>
+          </p:cNvCxnSpPr>
+          <p:nvPr/>
+        </p:nvCxnSpPr>
+        <p:spPr>
+          <a:xfrm flipH="1">
+            <a:off x="4364297" y="6075528"/>
+            <a:ext cx="1683699" cy="140696"/>
           </a:xfrm>
           <a:prstGeom prst="line">
             <a:avLst/>
@@ -6717,9 +9630,9 @@
           <p:nvPr/>
         </p:nvCxnSpPr>
         <p:spPr>
-          <a:xfrm flipH="1">
-            <a:off x="5486028" y="6049162"/>
-            <a:ext cx="254170" cy="220060"/>
+          <a:xfrm>
+            <a:off x="6047996" y="6075528"/>
+            <a:ext cx="0" cy="165074"/>
           </a:xfrm>
           <a:prstGeom prst="line">
             <a:avLst/>
@@ -6755,8 +9668,8 @@
         </p:nvSpPr>
         <p:spPr>
           <a:xfrm>
-            <a:off x="4247766" y="1888900"/>
-            <a:ext cx="1934243" cy="480731"/>
+            <a:off x="6017793" y="2001325"/>
+            <a:ext cx="1633586" cy="833736"/>
           </a:xfrm>
           <a:prstGeom prst="rect">
             <a:avLst/>
@@ -6791,63 +9704,6 @@
           </a:p>
         </p:txBody>
       </p:sp>
-      <p:sp>
-        <p:nvSpPr>
-          <p:cNvPr id="29" name="矩形 28">
-            <a:extLst>
-              <a:ext uri="{FF2B5EF4-FFF2-40B4-BE49-F238E27FC236}">
-                <a16:creationId xmlns:a16="http://schemas.microsoft.com/office/drawing/2014/main" id="{225A2D5D-9290-4FA7-8325-130726CB092B}"/>
-              </a:ext>
-            </a:extLst>
-          </p:cNvPr>
-          <p:cNvSpPr/>
-          <p:nvPr/>
-        </p:nvSpPr>
-        <p:spPr>
-          <a:xfrm>
-            <a:off x="9008748" y="4490015"/>
-            <a:ext cx="1306604" cy="471686"/>
-          </a:xfrm>
-          <a:prstGeom prst="rect">
-            <a:avLst/>
-          </a:prstGeom>
-        </p:spPr>
-        <p:style>
-          <a:lnRef idx="2">
-            <a:schemeClr val="accent6">
-              <a:shade val="50000"/>
-            </a:schemeClr>
-          </a:lnRef>
-          <a:fillRef idx="1">
-            <a:schemeClr val="accent6"/>
-          </a:fillRef>
-          <a:effectRef idx="0">
-            <a:schemeClr val="accent6"/>
-          </a:effectRef>
-          <a:fontRef idx="minor">
-            <a:schemeClr val="lt1"/>
-          </a:fontRef>
-        </p:style>
-        <p:txBody>
-          <a:bodyPr rtlCol="0" anchor="ctr"/>
-          <a:lstStyle/>
-          <a:p>
-            <a:pPr algn="ctr"/>
-            <a:r>
-              <a:rPr lang="en-US" altLang="zh-CN" dirty="0"/>
-              <a:t>SFF </a:t>
-            </a:r>
-          </a:p>
-          <a:p>
-            <a:pPr algn="ctr"/>
-            <a:r>
-              <a:rPr lang="en-US" altLang="zh-CN" dirty="0"/>
-              <a:t>Controller</a:t>
-            </a:r>
-            <a:endParaRPr lang="zh-CN" altLang="en-US" dirty="0"/>
-          </a:p>
-        </p:txBody>
-      </p:sp>
       <p:cxnSp>
         <p:nvCxnSpPr>
           <p:cNvPr id="11" name="直接箭头连接符 10">
@@ -6866,8 +9722,51 @@
         </p:nvCxnSpPr>
         <p:spPr>
           <a:xfrm flipH="1">
-            <a:off x="7344772" y="4961701"/>
-            <a:ext cx="2317278" cy="1261976"/>
+            <a:off x="7661563" y="5079781"/>
+            <a:ext cx="650020" cy="1115276"/>
+          </a:xfrm>
+          <a:prstGeom prst="straightConnector1">
+            <a:avLst/>
+          </a:prstGeom>
+          <a:ln>
+            <a:tailEnd type="triangle"/>
+          </a:ln>
+        </p:spPr>
+        <p:style>
+          <a:lnRef idx="1">
+            <a:schemeClr val="accent1"/>
+          </a:lnRef>
+          <a:fillRef idx="0">
+            <a:schemeClr val="accent1"/>
+          </a:fillRef>
+          <a:effectRef idx="0">
+            <a:schemeClr val="accent1"/>
+          </a:effectRef>
+          <a:fontRef idx="minor">
+            <a:schemeClr val="tx1"/>
+          </a:fontRef>
+        </p:style>
+      </p:cxnSp>
+      <p:cxnSp>
+        <p:nvCxnSpPr>
+          <p:cNvPr id="35" name="直接箭头连接符 34">
+            <a:extLst>
+              <a:ext uri="{FF2B5EF4-FFF2-40B4-BE49-F238E27FC236}">
+                <a16:creationId xmlns:a16="http://schemas.microsoft.com/office/drawing/2014/main" id="{46E0559C-93C0-447E-9B77-BC0459CDFAB5}"/>
+              </a:ext>
+            </a:extLst>
+          </p:cNvPr>
+          <p:cNvCxnSpPr>
+            <a:cxnSpLocks/>
+            <a:stCxn id="68" idx="2"/>
+            <a:endCxn id="30" idx="0"/>
+          </p:cNvCxnSpPr>
+          <p:nvPr/>
+        </p:nvCxnSpPr>
+        <p:spPr>
+          <a:xfrm flipH="1">
+            <a:off x="4364297" y="5073681"/>
+            <a:ext cx="2488015" cy="1142543"/>
           </a:xfrm>
           <a:prstGeom prst="straightConnector1">
             <a:avLst/>
@@ -6905,8 +9804,8 @@
         </p:nvSpPr>
         <p:spPr>
           <a:xfrm>
-            <a:off x="5135016" y="891510"/>
-            <a:ext cx="1805812" cy="589947"/>
+            <a:off x="5931680" y="933586"/>
+            <a:ext cx="1805812" cy="719423"/>
           </a:xfrm>
           <a:prstGeom prst="can">
             <a:avLst/>
@@ -6957,9 +9856,406 @@
           <p:nvPr/>
         </p:nvCxnSpPr>
         <p:spPr>
+          <a:xfrm>
+            <a:off x="6834586" y="1653009"/>
+            <a:ext cx="0" cy="348316"/>
+          </a:xfrm>
+          <a:prstGeom prst="straightConnector1">
+            <a:avLst/>
+          </a:prstGeom>
+          <a:ln w="28575">
+            <a:tailEnd type="triangle"/>
+          </a:ln>
+        </p:spPr>
+        <p:style>
+          <a:lnRef idx="2">
+            <a:schemeClr val="accent6"/>
+          </a:lnRef>
+          <a:fillRef idx="0">
+            <a:schemeClr val="accent6"/>
+          </a:fillRef>
+          <a:effectRef idx="1">
+            <a:schemeClr val="accent6"/>
+          </a:effectRef>
+          <a:fontRef idx="minor">
+            <a:schemeClr val="tx1"/>
+          </a:fontRef>
+        </p:style>
+      </p:cxnSp>
+      <p:sp>
+        <p:nvSpPr>
+          <p:cNvPr id="84" name="矩形 83">
+            <a:extLst>
+              <a:ext uri="{FF2B5EF4-FFF2-40B4-BE49-F238E27FC236}">
+                <a16:creationId xmlns:a16="http://schemas.microsoft.com/office/drawing/2014/main" id="{5E345BC5-2B5D-45F1-933E-E9DF59F406A4}"/>
+              </a:ext>
+            </a:extLst>
+          </p:cNvPr>
+          <p:cNvSpPr/>
+          <p:nvPr/>
+        </p:nvSpPr>
+        <p:spPr>
+          <a:xfrm>
+            <a:off x="10440217" y="2021603"/>
+            <a:ext cx="1605759" cy="809006"/>
+          </a:xfrm>
+          <a:prstGeom prst="rect">
+            <a:avLst/>
+          </a:prstGeom>
+        </p:spPr>
+        <p:style>
+          <a:lnRef idx="1">
+            <a:schemeClr val="accent1"/>
+          </a:lnRef>
+          <a:fillRef idx="2">
+            <a:schemeClr val="accent1"/>
+          </a:fillRef>
+          <a:effectRef idx="1">
+            <a:schemeClr val="accent1"/>
+          </a:effectRef>
+          <a:fontRef idx="minor">
+            <a:schemeClr val="dk1"/>
+          </a:fontRef>
+        </p:style>
+        <p:txBody>
+          <a:bodyPr rtlCol="0" anchor="ctr"/>
+          <a:lstStyle/>
+          <a:p>
+            <a:pPr algn="ctr"/>
+            <a:r>
+              <a:rPr lang="en-US" altLang="zh-CN" dirty="0"/>
+              <a:t>Measurement</a:t>
+            </a:r>
+          </a:p>
+        </p:txBody>
+      </p:sp>
+      <p:sp>
+        <p:nvSpPr>
+          <p:cNvPr id="151" name="矩形 150">
+            <a:extLst>
+              <a:ext uri="{FF2B5EF4-FFF2-40B4-BE49-F238E27FC236}">
+                <a16:creationId xmlns:a16="http://schemas.microsoft.com/office/drawing/2014/main" id="{2021B616-BA54-4FF9-BB88-AF472BE1FCA8}"/>
+              </a:ext>
+            </a:extLst>
+          </p:cNvPr>
+          <p:cNvSpPr/>
+          <p:nvPr/>
+        </p:nvSpPr>
+        <p:spPr>
+          <a:xfrm>
+            <a:off x="294855" y="1541292"/>
+            <a:ext cx="771224" cy="1741080"/>
+          </a:xfrm>
+          <a:prstGeom prst="rect">
+            <a:avLst/>
+          </a:prstGeom>
+        </p:spPr>
+        <p:style>
+          <a:lnRef idx="2">
+            <a:schemeClr val="accent3">
+              <a:shade val="50000"/>
+            </a:schemeClr>
+          </a:lnRef>
+          <a:fillRef idx="1">
+            <a:schemeClr val="accent3"/>
+          </a:fillRef>
+          <a:effectRef idx="0">
+            <a:schemeClr val="accent3"/>
+          </a:effectRef>
+          <a:fontRef idx="minor">
+            <a:schemeClr val="lt1"/>
+          </a:fontRef>
+        </p:style>
+        <p:txBody>
+          <a:bodyPr rtlCol="0" anchor="ctr"/>
+          <a:lstStyle/>
+          <a:p>
+            <a:pPr algn="ctr"/>
+            <a:r>
+              <a:rPr lang="en-US" altLang="zh-CN" sz="1400" dirty="0"/>
+              <a:t>Web</a:t>
+            </a:r>
+          </a:p>
+          <a:p>
+            <a:pPr algn="ctr"/>
+            <a:r>
+              <a:rPr lang="en-US" altLang="zh-CN" sz="1400" dirty="0"/>
+              <a:t>Front</a:t>
+            </a:r>
+          </a:p>
+          <a:p>
+            <a:pPr algn="ctr"/>
+            <a:r>
+              <a:rPr lang="en-US" altLang="zh-CN" sz="1400" dirty="0"/>
+              <a:t>End</a:t>
+            </a:r>
+            <a:endParaRPr lang="zh-CN" altLang="en-US" sz="1400" dirty="0"/>
+          </a:p>
+        </p:txBody>
+      </p:sp>
+      <p:sp>
+        <p:nvSpPr>
+          <p:cNvPr id="153" name="矩形 152">
+            <a:extLst>
+              <a:ext uri="{FF2B5EF4-FFF2-40B4-BE49-F238E27FC236}">
+                <a16:creationId xmlns:a16="http://schemas.microsoft.com/office/drawing/2014/main" id="{11A28C1D-881F-4E3E-9569-15DF62FB7949}"/>
+              </a:ext>
+            </a:extLst>
+          </p:cNvPr>
+          <p:cNvSpPr/>
+          <p:nvPr/>
+        </p:nvSpPr>
+        <p:spPr>
+          <a:xfrm>
+            <a:off x="1982240" y="1541291"/>
+            <a:ext cx="1642789" cy="592210"/>
+          </a:xfrm>
+          <a:prstGeom prst="rect">
+            <a:avLst/>
+          </a:prstGeom>
+        </p:spPr>
+        <p:style>
+          <a:lnRef idx="2">
+            <a:schemeClr val="accent3">
+              <a:shade val="50000"/>
+            </a:schemeClr>
+          </a:lnRef>
+          <a:fillRef idx="1">
+            <a:schemeClr val="accent3"/>
+          </a:fillRef>
+          <a:effectRef idx="0">
+            <a:schemeClr val="accent3"/>
+          </a:effectRef>
+          <a:fontRef idx="minor">
+            <a:schemeClr val="lt1"/>
+          </a:fontRef>
+        </p:style>
+        <p:txBody>
+          <a:bodyPr rtlCol="0" anchor="ctr"/>
+          <a:lstStyle/>
+          <a:p>
+            <a:pPr algn="ctr"/>
+            <a:r>
+              <a:rPr lang="en-US" altLang="zh-CN" sz="1400" dirty="0"/>
+              <a:t>create SFC request </a:t>
+            </a:r>
+            <a:endParaRPr lang="zh-CN" altLang="en-US" sz="1400" dirty="0"/>
+          </a:p>
+        </p:txBody>
+      </p:sp>
+      <p:sp>
+        <p:nvSpPr>
+          <p:cNvPr id="154" name="矩形 153">
+            <a:extLst>
+              <a:ext uri="{FF2B5EF4-FFF2-40B4-BE49-F238E27FC236}">
+                <a16:creationId xmlns:a16="http://schemas.microsoft.com/office/drawing/2014/main" id="{95A101C6-C6ED-4222-A062-D16DDCB60E12}"/>
+              </a:ext>
+            </a:extLst>
+          </p:cNvPr>
+          <p:cNvSpPr/>
+          <p:nvPr/>
+        </p:nvSpPr>
+        <p:spPr>
+          <a:xfrm>
+            <a:off x="1986767" y="2141566"/>
+            <a:ext cx="1633587" cy="524819"/>
+          </a:xfrm>
+          <a:prstGeom prst="rect">
+            <a:avLst/>
+          </a:prstGeom>
+        </p:spPr>
+        <p:style>
+          <a:lnRef idx="2">
+            <a:schemeClr val="accent3">
+              <a:shade val="50000"/>
+            </a:schemeClr>
+          </a:lnRef>
+          <a:fillRef idx="1">
+            <a:schemeClr val="accent3"/>
+          </a:fillRef>
+          <a:effectRef idx="0">
+            <a:schemeClr val="accent3"/>
+          </a:effectRef>
+          <a:fontRef idx="minor">
+            <a:schemeClr val="lt1"/>
+          </a:fontRef>
+        </p:style>
+        <p:txBody>
+          <a:bodyPr rtlCol="0" anchor="ctr"/>
+          <a:lstStyle/>
+          <a:p>
+            <a:pPr algn="ctr"/>
+            <a:r>
+              <a:rPr lang="en-US" altLang="zh-CN" sz="1400" dirty="0"/>
+              <a:t>get SFC request </a:t>
+            </a:r>
+            <a:endParaRPr lang="zh-CN" altLang="en-US" sz="1400" dirty="0"/>
+          </a:p>
+        </p:txBody>
+      </p:sp>
+      <p:sp>
+        <p:nvSpPr>
+          <p:cNvPr id="155" name="矩形 154">
+            <a:extLst>
+              <a:ext uri="{FF2B5EF4-FFF2-40B4-BE49-F238E27FC236}">
+                <a16:creationId xmlns:a16="http://schemas.microsoft.com/office/drawing/2014/main" id="{E2A42485-64CB-424B-A4CC-72F370AC7AD3}"/>
+              </a:ext>
+            </a:extLst>
+          </p:cNvPr>
+          <p:cNvSpPr/>
+          <p:nvPr/>
+        </p:nvSpPr>
+        <p:spPr>
+          <a:xfrm>
+            <a:off x="1991660" y="2674450"/>
+            <a:ext cx="1633586" cy="607921"/>
+          </a:xfrm>
+          <a:prstGeom prst="rect">
+            <a:avLst/>
+          </a:prstGeom>
+        </p:spPr>
+        <p:style>
+          <a:lnRef idx="2">
+            <a:schemeClr val="accent3">
+              <a:shade val="50000"/>
+            </a:schemeClr>
+          </a:lnRef>
+          <a:fillRef idx="1">
+            <a:schemeClr val="accent3"/>
+          </a:fillRef>
+          <a:effectRef idx="0">
+            <a:schemeClr val="accent3"/>
+          </a:effectRef>
+          <a:fontRef idx="minor">
+            <a:schemeClr val="lt1"/>
+          </a:fontRef>
+        </p:style>
+        <p:txBody>
+          <a:bodyPr rtlCol="0" anchor="ctr"/>
+          <a:lstStyle/>
+          <a:p>
+            <a:pPr algn="ctr"/>
+            <a:r>
+              <a:rPr lang="en-US" altLang="zh-CN" sz="1400" dirty="0"/>
+              <a:t>delete SFC request </a:t>
+            </a:r>
+            <a:endParaRPr lang="zh-CN" altLang="en-US" sz="1400" dirty="0"/>
+          </a:p>
+        </p:txBody>
+      </p:sp>
+      <p:sp>
+        <p:nvSpPr>
+          <p:cNvPr id="157" name="矩形 156">
+            <a:extLst>
+              <a:ext uri="{FF2B5EF4-FFF2-40B4-BE49-F238E27FC236}">
+                <a16:creationId xmlns:a16="http://schemas.microsoft.com/office/drawing/2014/main" id="{128C99C3-2946-4536-BDE3-4579ADA131B4}"/>
+              </a:ext>
+            </a:extLst>
+          </p:cNvPr>
+          <p:cNvSpPr/>
+          <p:nvPr/>
+        </p:nvSpPr>
+        <p:spPr>
+          <a:xfrm>
+            <a:off x="1388364" y="1541292"/>
+            <a:ext cx="602608" cy="1741080"/>
+          </a:xfrm>
+          <a:prstGeom prst="rect">
+            <a:avLst/>
+          </a:prstGeom>
+        </p:spPr>
+        <p:style>
+          <a:lnRef idx="2">
+            <a:schemeClr val="accent3">
+              <a:shade val="50000"/>
+            </a:schemeClr>
+          </a:lnRef>
+          <a:fillRef idx="1">
+            <a:schemeClr val="accent3"/>
+          </a:fillRef>
+          <a:effectRef idx="0">
+            <a:schemeClr val="accent3"/>
+          </a:effectRef>
+          <a:fontRef idx="minor">
+            <a:schemeClr val="lt1"/>
+          </a:fontRef>
+        </p:style>
+        <p:txBody>
+          <a:bodyPr rtlCol="0" anchor="ctr"/>
+          <a:lstStyle/>
+          <a:p>
+            <a:pPr algn="ctr"/>
+            <a:r>
+              <a:rPr lang="en-US" altLang="zh-CN" sz="1400" dirty="0" err="1"/>
+              <a:t>Cmd</a:t>
+            </a:r>
+            <a:endParaRPr lang="zh-CN" altLang="en-US" sz="1400" dirty="0"/>
+          </a:p>
+        </p:txBody>
+      </p:sp>
+      <p:cxnSp>
+        <p:nvCxnSpPr>
+          <p:cNvPr id="178" name="直接箭头连接符 177">
+            <a:extLst>
+              <a:ext uri="{FF2B5EF4-FFF2-40B4-BE49-F238E27FC236}">
+                <a16:creationId xmlns:a16="http://schemas.microsoft.com/office/drawing/2014/main" id="{5FD3C077-CF02-44A9-AE47-D1A0ED745980}"/>
+              </a:ext>
+            </a:extLst>
+          </p:cNvPr>
+          <p:cNvCxnSpPr>
+            <a:cxnSpLocks/>
+            <a:stCxn id="151" idx="3"/>
+            <a:endCxn id="157" idx="1"/>
+          </p:cNvCxnSpPr>
+          <p:nvPr/>
+        </p:nvCxnSpPr>
+        <p:spPr>
+          <a:xfrm>
+            <a:off x="1066079" y="2411832"/>
+            <a:ext cx="322285" cy="0"/>
+          </a:xfrm>
+          <a:prstGeom prst="straightConnector1">
+            <a:avLst/>
+          </a:prstGeom>
+          <a:ln>
+            <a:tailEnd type="triangle"/>
+          </a:ln>
+        </p:spPr>
+        <p:style>
+          <a:lnRef idx="1">
+            <a:schemeClr val="accent1"/>
+          </a:lnRef>
+          <a:fillRef idx="0">
+            <a:schemeClr val="accent1"/>
+          </a:fillRef>
+          <a:effectRef idx="0">
+            <a:schemeClr val="accent1"/>
+          </a:effectRef>
+          <a:fontRef idx="minor">
+            <a:schemeClr val="tx1"/>
+          </a:fontRef>
+        </p:style>
+      </p:cxnSp>
+      <p:cxnSp>
+        <p:nvCxnSpPr>
+          <p:cNvPr id="56" name="直接箭头连接符 55">
+            <a:extLst>
+              <a:ext uri="{FF2B5EF4-FFF2-40B4-BE49-F238E27FC236}">
+                <a16:creationId xmlns:a16="http://schemas.microsoft.com/office/drawing/2014/main" id="{BF3EFA3D-AFA5-4FCB-B497-0CBAD1A3593F}"/>
+              </a:ext>
+            </a:extLst>
+          </p:cNvPr>
+          <p:cNvCxnSpPr>
+            <a:cxnSpLocks/>
+            <a:stCxn id="52" idx="2"/>
+            <a:endCxn id="75" idx="0"/>
+          </p:cNvCxnSpPr>
+          <p:nvPr/>
+        </p:nvCxnSpPr>
+        <p:spPr>
           <a:xfrm flipH="1">
-            <a:off x="5214888" y="1481457"/>
-            <a:ext cx="823034" cy="407443"/>
+            <a:off x="8747212" y="5077980"/>
+            <a:ext cx="1053490" cy="1117077"/>
           </a:xfrm>
           <a:prstGeom prst="straightConnector1">
             <a:avLst/>
@@ -6985,10 +10281,10 @@
       </p:cxnSp>
       <p:sp>
         <p:nvSpPr>
-          <p:cNvPr id="84" name="矩形 83">
-            <a:extLst>
-              <a:ext uri="{FF2B5EF4-FFF2-40B4-BE49-F238E27FC236}">
-                <a16:creationId xmlns:a16="http://schemas.microsoft.com/office/drawing/2014/main" id="{5E345BC5-2B5D-45F1-933E-E9DF59F406A4}"/>
+          <p:cNvPr id="150" name="矩形 149">
+            <a:extLst>
+              <a:ext uri="{FF2B5EF4-FFF2-40B4-BE49-F238E27FC236}">
+                <a16:creationId xmlns:a16="http://schemas.microsoft.com/office/drawing/2014/main" id="{5DC60042-06B1-493F-83B3-241D6B6BF4D2}"/>
               </a:ext>
             </a:extLst>
           </p:cNvPr>
@@ -6997,278 +10293,8 @@
         </p:nvSpPr>
         <p:spPr>
           <a:xfrm>
-            <a:off x="6679638" y="1871265"/>
-            <a:ext cx="1679902" cy="502871"/>
-          </a:xfrm>
-          <a:prstGeom prst="rect">
-            <a:avLst/>
-          </a:prstGeom>
-        </p:spPr>
-        <p:style>
-          <a:lnRef idx="1">
-            <a:schemeClr val="accent1"/>
-          </a:lnRef>
-          <a:fillRef idx="2">
-            <a:schemeClr val="accent1"/>
-          </a:fillRef>
-          <a:effectRef idx="1">
-            <a:schemeClr val="accent1"/>
-          </a:effectRef>
-          <a:fontRef idx="minor">
-            <a:schemeClr val="dk1"/>
-          </a:fontRef>
-        </p:style>
-        <p:txBody>
-          <a:bodyPr rtlCol="0" anchor="ctr"/>
-          <a:lstStyle/>
-          <a:p>
-            <a:pPr algn="ctr"/>
-            <a:r>
-              <a:rPr lang="en-US" altLang="zh-CN" dirty="0"/>
-              <a:t>Measurement</a:t>
-            </a:r>
-          </a:p>
-        </p:txBody>
-      </p:sp>
-      <p:cxnSp>
-        <p:nvCxnSpPr>
-          <p:cNvPr id="142" name="直接箭头连接符 141">
-            <a:extLst>
-              <a:ext uri="{FF2B5EF4-FFF2-40B4-BE49-F238E27FC236}">
-                <a16:creationId xmlns:a16="http://schemas.microsoft.com/office/drawing/2014/main" id="{F110A6C6-0087-4753-8C1E-FC39D0CE661F}"/>
-              </a:ext>
-            </a:extLst>
-          </p:cNvPr>
-          <p:cNvCxnSpPr>
-            <a:cxnSpLocks/>
-            <a:stCxn id="84" idx="0"/>
-            <a:endCxn id="72" idx="3"/>
-          </p:cNvCxnSpPr>
-          <p:nvPr/>
-        </p:nvCxnSpPr>
-        <p:spPr>
-          <a:xfrm flipH="1" flipV="1">
-            <a:off x="6037922" y="1481457"/>
-            <a:ext cx="1481667" cy="389808"/>
-          </a:xfrm>
-          <a:prstGeom prst="straightConnector1">
-            <a:avLst/>
-          </a:prstGeom>
-          <a:ln>
-            <a:prstDash val="dash"/>
-            <a:tailEnd type="triangle"/>
-          </a:ln>
-        </p:spPr>
-        <p:style>
-          <a:lnRef idx="1">
-            <a:schemeClr val="accent1"/>
-          </a:lnRef>
-          <a:fillRef idx="0">
-            <a:schemeClr val="accent1"/>
-          </a:fillRef>
-          <a:effectRef idx="0">
-            <a:schemeClr val="accent1"/>
-          </a:effectRef>
-          <a:fontRef idx="minor">
-            <a:schemeClr val="tx1"/>
-          </a:fontRef>
-        </p:style>
-      </p:cxnSp>
-      <p:cxnSp>
-        <p:nvCxnSpPr>
-          <p:cNvPr id="194" name="直接箭头连接符 193">
-            <a:extLst>
-              <a:ext uri="{FF2B5EF4-FFF2-40B4-BE49-F238E27FC236}">
-                <a16:creationId xmlns:a16="http://schemas.microsoft.com/office/drawing/2014/main" id="{E0FA9DA2-96AF-4F65-908A-1BAB033C3AD5}"/>
-              </a:ext>
-            </a:extLst>
-          </p:cNvPr>
-          <p:cNvCxnSpPr>
-            <a:cxnSpLocks/>
-            <a:stCxn id="84" idx="3"/>
-            <a:endCxn id="150" idx="1"/>
-          </p:cNvCxnSpPr>
-          <p:nvPr/>
-        </p:nvCxnSpPr>
-        <p:spPr>
-          <a:xfrm flipV="1">
-            <a:off x="8359540" y="2116739"/>
-            <a:ext cx="814454" cy="5962"/>
-          </a:xfrm>
-          <a:prstGeom prst="straightConnector1">
-            <a:avLst/>
-          </a:prstGeom>
-          <a:ln>
-            <a:tailEnd type="triangle"/>
-          </a:ln>
-        </p:spPr>
-        <p:style>
-          <a:lnRef idx="1">
-            <a:schemeClr val="accent1"/>
-          </a:lnRef>
-          <a:fillRef idx="0">
-            <a:schemeClr val="accent1"/>
-          </a:fillRef>
-          <a:effectRef idx="0">
-            <a:schemeClr val="accent1"/>
-          </a:effectRef>
-          <a:fontRef idx="minor">
-            <a:schemeClr val="tx1"/>
-          </a:fontRef>
-        </p:style>
-      </p:cxnSp>
-      <p:sp>
-        <p:nvSpPr>
-          <p:cNvPr id="202" name="文本框 201">
-            <a:extLst>
-              <a:ext uri="{FF2B5EF4-FFF2-40B4-BE49-F238E27FC236}">
-                <a16:creationId xmlns:a16="http://schemas.microsoft.com/office/drawing/2014/main" id="{80BE80F1-8403-482A-B8E0-9AA716949272}"/>
-              </a:ext>
-            </a:extLst>
-          </p:cNvPr>
-          <p:cNvSpPr txBox="1"/>
-          <p:nvPr/>
-        </p:nvSpPr>
-        <p:spPr>
-          <a:xfrm>
-            <a:off x="8408312" y="1812910"/>
-            <a:ext cx="692818" cy="369332"/>
-          </a:xfrm>
-          <a:prstGeom prst="rect">
-            <a:avLst/>
-          </a:prstGeom>
-          <a:noFill/>
-        </p:spPr>
-        <p:txBody>
-          <a:bodyPr wrap="none" rtlCol="0">
-            <a:spAutoFit/>
-          </a:bodyPr>
-          <a:lstStyle/>
-          <a:p>
-            <a:r>
-              <a:rPr lang="en-US" altLang="zh-CN" b="1" dirty="0">
-                <a:solidFill>
-                  <a:srgbClr val="FF0000"/>
-                </a:solidFill>
-              </a:rPr>
-              <a:t>Alert</a:t>
-            </a:r>
-            <a:endParaRPr lang="zh-CN" altLang="en-US" b="1" dirty="0">
-              <a:solidFill>
-                <a:srgbClr val="FF0000"/>
-              </a:solidFill>
-            </a:endParaRPr>
-          </a:p>
-        </p:txBody>
-      </p:sp>
-      <p:cxnSp>
-        <p:nvCxnSpPr>
-          <p:cNvPr id="214" name="直接箭头连接符 213">
-            <a:extLst>
-              <a:ext uri="{FF2B5EF4-FFF2-40B4-BE49-F238E27FC236}">
-                <a16:creationId xmlns:a16="http://schemas.microsoft.com/office/drawing/2014/main" id="{FCCBA6F2-116E-44E3-90EE-8817DA9DFAF3}"/>
-              </a:ext>
-            </a:extLst>
-          </p:cNvPr>
-          <p:cNvCxnSpPr>
-            <a:cxnSpLocks/>
-            <a:stCxn id="203" idx="1"/>
-            <a:endCxn id="57" idx="3"/>
-          </p:cNvCxnSpPr>
-          <p:nvPr/>
-        </p:nvCxnSpPr>
-        <p:spPr>
-          <a:xfrm flipH="1" flipV="1">
-            <a:off x="7102844" y="3256978"/>
-            <a:ext cx="2101375" cy="16083"/>
-          </a:xfrm>
-          <a:prstGeom prst="straightConnector1">
-            <a:avLst/>
-          </a:prstGeom>
-          <a:ln w="9525" cap="flat" cmpd="sng" algn="ctr">
-            <a:solidFill>
-              <a:schemeClr val="accent1"/>
-            </a:solidFill>
-            <a:prstDash val="dash"/>
-            <a:round/>
-            <a:headEnd type="none" w="med" len="med"/>
-            <a:tailEnd type="none" w="med" len="med"/>
-          </a:ln>
-        </p:spPr>
-        <p:style>
-          <a:lnRef idx="0">
-            <a:scrgbClr r="0" g="0" b="0"/>
-          </a:lnRef>
-          <a:fillRef idx="0">
-            <a:scrgbClr r="0" g="0" b="0"/>
-          </a:fillRef>
-          <a:effectRef idx="0">
-            <a:scrgbClr r="0" g="0" b="0"/>
-          </a:effectRef>
-          <a:fontRef idx="minor">
-            <a:schemeClr val="tx1"/>
-          </a:fontRef>
-        </p:style>
-      </p:cxnSp>
-      <p:cxnSp>
-        <p:nvCxnSpPr>
-          <p:cNvPr id="221" name="直接箭头连接符 220">
-            <a:extLst>
-              <a:ext uri="{FF2B5EF4-FFF2-40B4-BE49-F238E27FC236}">
-                <a16:creationId xmlns:a16="http://schemas.microsoft.com/office/drawing/2014/main" id="{240D4660-E7D2-47F7-93F0-BD11B514E6DB}"/>
-              </a:ext>
-            </a:extLst>
-          </p:cNvPr>
-          <p:cNvCxnSpPr>
-            <a:cxnSpLocks/>
-            <a:stCxn id="72" idx="3"/>
-            <a:endCxn id="150" idx="0"/>
-          </p:cNvCxnSpPr>
-          <p:nvPr/>
-        </p:nvCxnSpPr>
-        <p:spPr>
-          <a:xfrm>
-            <a:off x="6037922" y="1481457"/>
-            <a:ext cx="4291651" cy="432908"/>
-          </a:xfrm>
-          <a:prstGeom prst="straightConnector1">
-            <a:avLst/>
-          </a:prstGeom>
-          <a:ln>
-            <a:tailEnd type="triangle"/>
-          </a:ln>
-        </p:spPr>
-        <p:style>
-          <a:lnRef idx="1">
-            <a:schemeClr val="accent1"/>
-          </a:lnRef>
-          <a:fillRef idx="0">
-            <a:schemeClr val="accent1"/>
-          </a:fillRef>
-          <a:effectRef idx="0">
-            <a:schemeClr val="accent1"/>
-          </a:effectRef>
-          <a:fontRef idx="minor">
-            <a:schemeClr val="tx1"/>
-          </a:fontRef>
-        </p:style>
-      </p:cxnSp>
-      <p:sp>
-        <p:nvSpPr>
-          <p:cNvPr id="52" name="矩形 51">
-            <a:extLst>
-              <a:ext uri="{FF2B5EF4-FFF2-40B4-BE49-F238E27FC236}">
-                <a16:creationId xmlns:a16="http://schemas.microsoft.com/office/drawing/2014/main" id="{0167D1BA-F934-4768-BF78-7629030295B4}"/>
-              </a:ext>
-            </a:extLst>
-          </p:cNvPr>
-          <p:cNvSpPr/>
-          <p:nvPr/>
-        </p:nvSpPr>
-        <p:spPr>
-          <a:xfrm>
-            <a:off x="10511652" y="4488214"/>
-            <a:ext cx="1279033" cy="471686"/>
+            <a:off x="8342024" y="2026055"/>
+            <a:ext cx="1240543" cy="809006"/>
           </a:xfrm>
           <a:prstGeom prst="rect">
             <a:avLst/>
@@ -7276,15 +10302,15 @@
         </p:spPr>
         <p:style>
           <a:lnRef idx="2">
-            <a:schemeClr val="accent6">
+            <a:schemeClr val="accent1">
               <a:shade val="50000"/>
             </a:schemeClr>
           </a:lnRef>
           <a:fillRef idx="1">
-            <a:schemeClr val="accent6"/>
+            <a:schemeClr val="accent1"/>
           </a:fillRef>
           <a:effectRef idx="0">
-            <a:schemeClr val="accent6"/>
+            <a:schemeClr val="accent1"/>
           </a:effectRef>
           <a:fontRef idx="minor">
             <a:schemeClr val="lt1"/>
@@ -7297,14 +10323,7 @@
             <a:pPr algn="ctr"/>
             <a:r>
               <a:rPr lang="en-US" altLang="zh-CN" dirty="0"/>
-              <a:t>VNF</a:t>
-            </a:r>
-          </a:p>
-          <a:p>
-            <a:pPr algn="ctr"/>
-            <a:r>
-              <a:rPr lang="en-US" altLang="zh-CN" dirty="0"/>
-              <a:t>Controller</a:t>
+              <a:t>Adaptive</a:t>
             </a:r>
             <a:endParaRPr lang="zh-CN" altLang="en-US" dirty="0"/>
           </a:p>
@@ -7312,833 +10331,24 @@
       </p:sp>
       <p:cxnSp>
         <p:nvCxnSpPr>
-          <p:cNvPr id="54" name="直接箭头连接符 53">
-            <a:extLst>
-              <a:ext uri="{FF2B5EF4-FFF2-40B4-BE49-F238E27FC236}">
-                <a16:creationId xmlns:a16="http://schemas.microsoft.com/office/drawing/2014/main" id="{F6330F35-9148-41E5-B147-0ED9F5D133FD}"/>
+          <p:cNvPr id="115" name="直接箭头连接符 114">
+            <a:extLst>
+              <a:ext uri="{FF2B5EF4-FFF2-40B4-BE49-F238E27FC236}">
+                <a16:creationId xmlns:a16="http://schemas.microsoft.com/office/drawing/2014/main" id="{D1A526CB-E9A2-456E-8CCC-52469FA63317}"/>
               </a:ext>
             </a:extLst>
           </p:cNvPr>
           <p:cNvCxnSpPr>
             <a:cxnSpLocks/>
-            <a:stCxn id="3" idx="2"/>
-            <a:endCxn id="57" idx="0"/>
-          </p:cNvCxnSpPr>
-          <p:nvPr/>
-        </p:nvCxnSpPr>
-        <p:spPr>
-          <a:xfrm>
-            <a:off x="5214888" y="2369631"/>
-            <a:ext cx="1248439" cy="681877"/>
-          </a:xfrm>
-          <a:prstGeom prst="straightConnector1">
-            <a:avLst/>
-          </a:prstGeom>
-          <a:ln w="9525" cap="flat" cmpd="sng" algn="ctr">
-            <a:solidFill>
-              <a:schemeClr val="accent1"/>
-            </a:solidFill>
-            <a:prstDash val="dash"/>
-            <a:round/>
-            <a:headEnd type="none" w="med" len="med"/>
-            <a:tailEnd type="none" w="med" len="med"/>
-          </a:ln>
-        </p:spPr>
-        <p:style>
-          <a:lnRef idx="0">
-            <a:scrgbClr r="0" g="0" b="0"/>
-          </a:lnRef>
-          <a:fillRef idx="0">
-            <a:scrgbClr r="0" g="0" b="0"/>
-          </a:fillRef>
-          <a:effectRef idx="0">
-            <a:scrgbClr r="0" g="0" b="0"/>
-          </a:effectRef>
-          <a:fontRef idx="minor">
-            <a:schemeClr val="tx1"/>
-          </a:fontRef>
-        </p:style>
-      </p:cxnSp>
-      <p:cxnSp>
-        <p:nvCxnSpPr>
-          <p:cNvPr id="56" name="直接箭头连接符 55">
-            <a:extLst>
-              <a:ext uri="{FF2B5EF4-FFF2-40B4-BE49-F238E27FC236}">
-                <a16:creationId xmlns:a16="http://schemas.microsoft.com/office/drawing/2014/main" id="{BF3EFA3D-AFA5-4FCB-B497-0CBAD1A3593F}"/>
-              </a:ext>
-            </a:extLst>
-          </p:cNvPr>
-          <p:cNvCxnSpPr>
-            <a:cxnSpLocks/>
-            <a:stCxn id="52" idx="2"/>
-            <a:endCxn id="75" idx="0"/>
-          </p:cNvCxnSpPr>
-          <p:nvPr/>
-        </p:nvCxnSpPr>
-        <p:spPr>
-          <a:xfrm flipH="1">
-            <a:off x="8430421" y="4959900"/>
-            <a:ext cx="2720748" cy="1263777"/>
-          </a:xfrm>
-          <a:prstGeom prst="straightConnector1">
-            <a:avLst/>
-          </a:prstGeom>
-          <a:ln>
-            <a:tailEnd type="triangle"/>
-          </a:ln>
-        </p:spPr>
-        <p:style>
-          <a:lnRef idx="1">
-            <a:schemeClr val="accent1"/>
-          </a:lnRef>
-          <a:fillRef idx="0">
-            <a:schemeClr val="accent1"/>
-          </a:fillRef>
-          <a:effectRef idx="0">
-            <a:schemeClr val="accent1"/>
-          </a:effectRef>
-          <a:fontRef idx="minor">
-            <a:schemeClr val="tx1"/>
-          </a:fontRef>
-        </p:style>
-      </p:cxnSp>
-      <p:grpSp>
-        <p:nvGrpSpPr>
-          <p:cNvPr id="15" name="组合 14">
-            <a:extLst>
-              <a:ext uri="{FF2B5EF4-FFF2-40B4-BE49-F238E27FC236}">
-                <a16:creationId xmlns:a16="http://schemas.microsoft.com/office/drawing/2014/main" id="{BF799A43-B328-4C04-9E0B-3C8640006DF8}"/>
-              </a:ext>
-            </a:extLst>
-          </p:cNvPr>
-          <p:cNvGrpSpPr/>
-          <p:nvPr/>
-        </p:nvGrpSpPr>
-        <p:grpSpPr>
-          <a:xfrm>
-            <a:off x="9168927" y="1914365"/>
-            <a:ext cx="2323732" cy="1914862"/>
-            <a:chOff x="9410533" y="2079987"/>
-            <a:chExt cx="2360046" cy="2205653"/>
-          </a:xfrm>
-        </p:grpSpPr>
-        <p:grpSp>
-          <p:nvGrpSpPr>
-            <p:cNvPr id="204" name="组合 203">
-              <a:extLst>
-                <a:ext uri="{FF2B5EF4-FFF2-40B4-BE49-F238E27FC236}">
-                  <a16:creationId xmlns:a16="http://schemas.microsoft.com/office/drawing/2014/main" id="{6B26FB1E-2718-4A4E-B19B-6D8ECFEDE1B1}"/>
-                </a:ext>
-              </a:extLst>
-            </p:cNvPr>
-            <p:cNvGrpSpPr/>
-            <p:nvPr/>
-          </p:nvGrpSpPr>
-          <p:grpSpPr>
-            <a:xfrm>
-              <a:off x="9410533" y="2079987"/>
-              <a:ext cx="2360046" cy="2205653"/>
-              <a:chOff x="9371836" y="3339045"/>
-              <a:chExt cx="2360046" cy="2205653"/>
-            </a:xfrm>
-          </p:grpSpPr>
-          <p:grpSp>
-            <p:nvGrpSpPr>
-              <p:cNvPr id="201" name="组合 200">
-                <a:extLst>
-                  <a:ext uri="{FF2B5EF4-FFF2-40B4-BE49-F238E27FC236}">
-                    <a16:creationId xmlns:a16="http://schemas.microsoft.com/office/drawing/2014/main" id="{5D754EBF-BCC8-43F8-AF91-F8268A2B6E5D}"/>
-                  </a:ext>
-                </a:extLst>
-              </p:cNvPr>
-              <p:cNvGrpSpPr/>
-              <p:nvPr/>
-            </p:nvGrpSpPr>
-            <p:grpSpPr>
-              <a:xfrm>
-                <a:off x="9371836" y="3339045"/>
-                <a:ext cx="2360046" cy="932424"/>
-                <a:chOff x="9210967" y="3339045"/>
-                <a:chExt cx="2360046" cy="932424"/>
-              </a:xfrm>
-            </p:grpSpPr>
-            <p:sp>
-              <p:nvSpPr>
-                <p:cNvPr id="150" name="矩形 149">
-                  <a:extLst>
-                    <a:ext uri="{FF2B5EF4-FFF2-40B4-BE49-F238E27FC236}">
-                      <a16:creationId xmlns:a16="http://schemas.microsoft.com/office/drawing/2014/main" id="{5DC60042-06B1-493F-83B3-241D6B6BF4D2}"/>
-                    </a:ext>
-                  </a:extLst>
-                </p:cNvPr>
-                <p:cNvSpPr/>
-                <p:nvPr/>
-              </p:nvSpPr>
-              <p:spPr>
-                <a:xfrm>
-                  <a:off x="9216113" y="3339045"/>
-                  <a:ext cx="2347274" cy="466212"/>
-                </a:xfrm>
-                <a:prstGeom prst="rect">
-                  <a:avLst/>
-                </a:prstGeom>
-              </p:spPr>
-              <p:style>
-                <a:lnRef idx="2">
-                  <a:schemeClr val="accent1">
-                    <a:shade val="50000"/>
-                  </a:schemeClr>
-                </a:lnRef>
-                <a:fillRef idx="1">
-                  <a:schemeClr val="accent1"/>
-                </a:fillRef>
-                <a:effectRef idx="0">
-                  <a:schemeClr val="accent1"/>
-                </a:effectRef>
-                <a:fontRef idx="minor">
-                  <a:schemeClr val="lt1"/>
-                </a:fontRef>
-              </p:style>
-              <p:txBody>
-                <a:bodyPr rtlCol="0" anchor="ctr"/>
-                <a:lstStyle/>
-                <a:p>
-                  <a:pPr algn="ctr"/>
-                  <a:r>
-                    <a:rPr lang="en-US" altLang="zh-CN" dirty="0"/>
-                    <a:t>Adaptive</a:t>
-                  </a:r>
-                  <a:endParaRPr lang="zh-CN" altLang="en-US" dirty="0"/>
-                </a:p>
-              </p:txBody>
-            </p:sp>
-            <p:sp>
-              <p:nvSpPr>
-                <p:cNvPr id="197" name="矩形 196">
-                  <a:extLst>
-                    <a:ext uri="{FF2B5EF4-FFF2-40B4-BE49-F238E27FC236}">
-                      <a16:creationId xmlns:a16="http://schemas.microsoft.com/office/drawing/2014/main" id="{170B9B40-3037-4EDD-BDAC-1316D1111942}"/>
-                    </a:ext>
-                  </a:extLst>
-                </p:cNvPr>
-                <p:cNvSpPr/>
-                <p:nvPr/>
-              </p:nvSpPr>
-              <p:spPr>
-                <a:xfrm>
-                  <a:off x="9210967" y="3805257"/>
-                  <a:ext cx="1252291" cy="466212"/>
-                </a:xfrm>
-                <a:prstGeom prst="rect">
-                  <a:avLst/>
-                </a:prstGeom>
-              </p:spPr>
-              <p:style>
-                <a:lnRef idx="2">
-                  <a:schemeClr val="accent2">
-                    <a:shade val="50000"/>
-                  </a:schemeClr>
-                </a:lnRef>
-                <a:fillRef idx="1">
-                  <a:schemeClr val="accent2"/>
-                </a:fillRef>
-                <a:effectRef idx="0">
-                  <a:schemeClr val="accent2"/>
-                </a:effectRef>
-                <a:fontRef idx="minor">
-                  <a:schemeClr val="lt1"/>
-                </a:fontRef>
-              </p:style>
-              <p:txBody>
-                <a:bodyPr rtlCol="0" anchor="ctr"/>
-                <a:lstStyle/>
-                <a:p>
-                  <a:pPr algn="ctr"/>
-                  <a:r>
-                    <a:rPr lang="en-US" altLang="zh-CN" dirty="0"/>
-                    <a:t>Failure</a:t>
-                  </a:r>
-                  <a:endParaRPr lang="zh-CN" altLang="en-US" dirty="0"/>
-                </a:p>
-              </p:txBody>
-            </p:sp>
-            <p:sp>
-              <p:nvSpPr>
-                <p:cNvPr id="198" name="矩形 197">
-                  <a:extLst>
-                    <a:ext uri="{FF2B5EF4-FFF2-40B4-BE49-F238E27FC236}">
-                      <a16:creationId xmlns:a16="http://schemas.microsoft.com/office/drawing/2014/main" id="{86B1FB7D-4A4A-460C-8789-1A4BECCC5101}"/>
-                    </a:ext>
-                  </a:extLst>
-                </p:cNvPr>
-                <p:cNvSpPr/>
-                <p:nvPr/>
-              </p:nvSpPr>
-              <p:spPr>
-                <a:xfrm>
-                  <a:off x="10389750" y="3805257"/>
-                  <a:ext cx="1181263" cy="466212"/>
-                </a:xfrm>
-                <a:prstGeom prst="rect">
-                  <a:avLst/>
-                </a:prstGeom>
-              </p:spPr>
-              <p:style>
-                <a:lnRef idx="2">
-                  <a:schemeClr val="accent4">
-                    <a:shade val="50000"/>
-                  </a:schemeClr>
-                </a:lnRef>
-                <a:fillRef idx="1">
-                  <a:schemeClr val="accent4"/>
-                </a:fillRef>
-                <a:effectRef idx="0">
-                  <a:schemeClr val="accent4"/>
-                </a:effectRef>
-                <a:fontRef idx="minor">
-                  <a:schemeClr val="lt1"/>
-                </a:fontRef>
-              </p:style>
-              <p:txBody>
-                <a:bodyPr rtlCol="0" anchor="ctr"/>
-                <a:lstStyle/>
-                <a:p>
-                  <a:pPr algn="ctr"/>
-                  <a:r>
-                    <a:rPr lang="en-US" altLang="zh-CN" dirty="0"/>
-                    <a:t>Burst</a:t>
-                  </a:r>
-                  <a:endParaRPr lang="zh-CN" altLang="en-US" dirty="0"/>
-                </a:p>
-              </p:txBody>
-            </p:sp>
-          </p:grpSp>
-          <p:sp>
-            <p:nvSpPr>
-              <p:cNvPr id="203" name="矩形: 圆角 202">
-                <a:extLst>
-                  <a:ext uri="{FF2B5EF4-FFF2-40B4-BE49-F238E27FC236}">
-                    <a16:creationId xmlns:a16="http://schemas.microsoft.com/office/drawing/2014/main" id="{52CD7AF0-02E1-40D8-BBD8-D84557B833AD}"/>
-                  </a:ext>
-                </a:extLst>
-              </p:cNvPr>
-              <p:cNvSpPr/>
-              <p:nvPr/>
-            </p:nvSpPr>
-            <p:spPr>
-              <a:xfrm>
-                <a:off x="9407680" y="4263446"/>
-                <a:ext cx="1216447" cy="1281252"/>
-              </a:xfrm>
-              <a:prstGeom prst="roundRect">
-                <a:avLst/>
-              </a:prstGeom>
-            </p:spPr>
-            <p:style>
-              <a:lnRef idx="2">
-                <a:schemeClr val="accent1">
-                  <a:shade val="50000"/>
-                </a:schemeClr>
-              </a:lnRef>
-              <a:fillRef idx="1">
-                <a:schemeClr val="accent1"/>
-              </a:fillRef>
-              <a:effectRef idx="0">
-                <a:schemeClr val="accent1"/>
-              </a:effectRef>
-              <a:fontRef idx="minor">
-                <a:schemeClr val="lt1"/>
-              </a:fontRef>
-            </p:style>
-            <p:txBody>
-              <a:bodyPr rtlCol="0" anchor="ctr"/>
-              <a:lstStyle/>
-              <a:p>
-                <a:pPr algn="ctr"/>
-                <a:r>
-                  <a:rPr lang="en-US" altLang="zh-CN" dirty="0"/>
-                  <a:t>Delete&amp;</a:t>
-                </a:r>
-              </a:p>
-              <a:p>
-                <a:pPr algn="ctr"/>
-                <a:r>
-                  <a:rPr lang="en-US" altLang="zh-CN" dirty="0"/>
-                  <a:t>Remapping </a:t>
-                </a:r>
-              </a:p>
-              <a:p>
-                <a:pPr algn="ctr"/>
-                <a:r>
-                  <a:rPr lang="en-US" altLang="zh-CN" dirty="0"/>
-                  <a:t>Decision</a:t>
-                </a:r>
-                <a:endParaRPr lang="zh-CN" altLang="en-US" dirty="0"/>
-              </a:p>
-            </p:txBody>
-          </p:sp>
-        </p:grpSp>
-        <p:sp>
-          <p:nvSpPr>
-            <p:cNvPr id="64" name="矩形: 圆角 63">
-              <a:extLst>
-                <a:ext uri="{FF2B5EF4-FFF2-40B4-BE49-F238E27FC236}">
-                  <a16:creationId xmlns:a16="http://schemas.microsoft.com/office/drawing/2014/main" id="{AC295C6F-BF3E-4E72-BD83-5ECD6E921571}"/>
-                </a:ext>
-              </a:extLst>
-            </p:cNvPr>
-            <p:cNvSpPr/>
-            <p:nvPr/>
-          </p:nvSpPr>
-          <p:spPr>
-            <a:xfrm>
-              <a:off x="10589317" y="3004388"/>
-              <a:ext cx="1172377" cy="1281252"/>
-            </a:xfrm>
-            <a:prstGeom prst="roundRect">
-              <a:avLst/>
-            </a:prstGeom>
-          </p:spPr>
-          <p:style>
-            <a:lnRef idx="2">
-              <a:schemeClr val="accent1">
-                <a:shade val="50000"/>
-              </a:schemeClr>
-            </a:lnRef>
-            <a:fillRef idx="1">
-              <a:schemeClr val="accent1"/>
-            </a:fillRef>
-            <a:effectRef idx="0">
-              <a:schemeClr val="accent1"/>
-            </a:effectRef>
-            <a:fontRef idx="minor">
-              <a:schemeClr val="lt1"/>
-            </a:fontRef>
-          </p:style>
-          <p:txBody>
-            <a:bodyPr rtlCol="0" anchor="ctr"/>
-            <a:lstStyle/>
-            <a:p>
-              <a:pPr algn="ctr"/>
-              <a:r>
-                <a:rPr lang="en-US" altLang="zh-CN" dirty="0"/>
-                <a:t>Add Replicate SFC Decision</a:t>
-              </a:r>
-              <a:endParaRPr lang="zh-CN" altLang="en-US" dirty="0"/>
-            </a:p>
-          </p:txBody>
-        </p:sp>
-      </p:grpSp>
-      <p:cxnSp>
-        <p:nvCxnSpPr>
-          <p:cNvPr id="115" name="直接箭头连接符 114">
-            <a:extLst>
-              <a:ext uri="{FF2B5EF4-FFF2-40B4-BE49-F238E27FC236}">
-                <a16:creationId xmlns:a16="http://schemas.microsoft.com/office/drawing/2014/main" id="{D1A526CB-E9A2-456E-8CCC-52469FA63317}"/>
-              </a:ext>
-            </a:extLst>
-          </p:cNvPr>
-          <p:cNvCxnSpPr>
-            <a:cxnSpLocks/>
-            <a:stCxn id="118" idx="2"/>
+            <a:stCxn id="85" idx="3"/>
             <a:endCxn id="5" idx="1"/>
           </p:cNvCxnSpPr>
           <p:nvPr/>
         </p:nvCxnSpPr>
         <p:spPr>
           <a:xfrm>
-            <a:off x="5037739" y="4959900"/>
-            <a:ext cx="480543" cy="563611"/>
-          </a:xfrm>
-          <a:prstGeom prst="straightConnector1">
-            <a:avLst/>
-          </a:prstGeom>
-          <a:ln>
-            <a:tailEnd type="triangle"/>
-          </a:ln>
-        </p:spPr>
-        <p:style>
-          <a:lnRef idx="1">
-            <a:schemeClr val="accent1"/>
-          </a:lnRef>
-          <a:fillRef idx="0">
-            <a:schemeClr val="accent1"/>
-          </a:fillRef>
-          <a:effectRef idx="0">
-            <a:schemeClr val="accent1"/>
-          </a:effectRef>
-          <a:fontRef idx="minor">
-            <a:schemeClr val="tx1"/>
-          </a:fontRef>
-        </p:style>
-      </p:cxnSp>
-      <p:sp>
-        <p:nvSpPr>
-          <p:cNvPr id="66" name="矩形 65">
-            <a:extLst>
-              <a:ext uri="{FF2B5EF4-FFF2-40B4-BE49-F238E27FC236}">
-                <a16:creationId xmlns:a16="http://schemas.microsoft.com/office/drawing/2014/main" id="{B9BE4EE8-2590-434A-AC63-B2D7B2E8C915}"/>
-              </a:ext>
-            </a:extLst>
-          </p:cNvPr>
-          <p:cNvSpPr/>
-          <p:nvPr/>
-        </p:nvSpPr>
-        <p:spPr>
-          <a:xfrm>
-            <a:off x="7446625" y="4495345"/>
-            <a:ext cx="1279033" cy="471686"/>
-          </a:xfrm>
-          <a:prstGeom prst="rect">
-            <a:avLst/>
-          </a:prstGeom>
-        </p:spPr>
-        <p:style>
-          <a:lnRef idx="2">
-            <a:schemeClr val="accent6">
-              <a:shade val="50000"/>
-            </a:schemeClr>
-          </a:lnRef>
-          <a:fillRef idx="1">
-            <a:schemeClr val="accent6"/>
-          </a:fillRef>
-          <a:effectRef idx="0">
-            <a:schemeClr val="accent6"/>
-          </a:effectRef>
-          <a:fontRef idx="minor">
-            <a:schemeClr val="lt1"/>
-          </a:fontRef>
-        </p:style>
-        <p:txBody>
-          <a:bodyPr rtlCol="0" anchor="ctr"/>
-          <a:lstStyle/>
-          <a:p>
-            <a:pPr algn="ctr"/>
-            <a:r>
-              <a:rPr lang="en-US" altLang="zh-CN" dirty="0"/>
-              <a:t>Server </a:t>
-            </a:r>
-          </a:p>
-          <a:p>
-            <a:pPr algn="ctr"/>
-            <a:r>
-              <a:rPr lang="en-US" altLang="zh-CN" dirty="0"/>
-              <a:t>Manager</a:t>
-            </a:r>
-            <a:endParaRPr lang="zh-CN" altLang="en-US" dirty="0"/>
-          </a:p>
-        </p:txBody>
-      </p:sp>
-      <p:grpSp>
-        <p:nvGrpSpPr>
-          <p:cNvPr id="99" name="组合 98">
-            <a:extLst>
-              <a:ext uri="{FF2B5EF4-FFF2-40B4-BE49-F238E27FC236}">
-                <a16:creationId xmlns:a16="http://schemas.microsoft.com/office/drawing/2014/main" id="{97D6E201-62B4-4EE6-959D-2FB375BE9D12}"/>
-              </a:ext>
-            </a:extLst>
-          </p:cNvPr>
-          <p:cNvGrpSpPr/>
-          <p:nvPr/>
-        </p:nvGrpSpPr>
-        <p:grpSpPr>
-          <a:xfrm>
-            <a:off x="2241706" y="2771773"/>
-            <a:ext cx="1220125" cy="970409"/>
-            <a:chOff x="2080443" y="1105032"/>
-            <a:chExt cx="1220125" cy="2969363"/>
-          </a:xfrm>
-        </p:grpSpPr>
-        <p:sp>
-          <p:nvSpPr>
-            <p:cNvPr id="151" name="矩形 150">
-              <a:extLst>
-                <a:ext uri="{FF2B5EF4-FFF2-40B4-BE49-F238E27FC236}">
-                  <a16:creationId xmlns:a16="http://schemas.microsoft.com/office/drawing/2014/main" id="{2021B616-BA54-4FF9-BB88-AF472BE1FCA8}"/>
-                </a:ext>
-              </a:extLst>
-            </p:cNvPr>
-            <p:cNvSpPr/>
-            <p:nvPr/>
-          </p:nvSpPr>
-          <p:spPr>
-            <a:xfrm>
-              <a:off x="2080443" y="1105032"/>
-              <a:ext cx="662587" cy="2969363"/>
-            </a:xfrm>
-            <a:prstGeom prst="rect">
-              <a:avLst/>
-            </a:prstGeom>
-          </p:spPr>
-          <p:style>
-            <a:lnRef idx="2">
-              <a:schemeClr val="accent3">
-                <a:shade val="50000"/>
-              </a:schemeClr>
-            </a:lnRef>
-            <a:fillRef idx="1">
-              <a:schemeClr val="accent3"/>
-            </a:fillRef>
-            <a:effectRef idx="0">
-              <a:schemeClr val="accent3"/>
-            </a:effectRef>
-            <a:fontRef idx="minor">
-              <a:schemeClr val="lt1"/>
-            </a:fontRef>
-          </p:style>
-          <p:txBody>
-            <a:bodyPr rtlCol="0" anchor="ctr"/>
-            <a:lstStyle/>
-            <a:p>
-              <a:pPr algn="ctr"/>
-              <a:r>
-                <a:rPr lang="en-US" altLang="zh-CN" sz="1400" dirty="0"/>
-                <a:t>Web</a:t>
-              </a:r>
-            </a:p>
-            <a:p>
-              <a:pPr algn="ctr"/>
-              <a:r>
-                <a:rPr lang="en-US" altLang="zh-CN" sz="1400" dirty="0"/>
-                <a:t>Front</a:t>
-              </a:r>
-            </a:p>
-            <a:p>
-              <a:pPr algn="ctr"/>
-              <a:r>
-                <a:rPr lang="en-US" altLang="zh-CN" sz="1400" dirty="0"/>
-                <a:t>End</a:t>
-              </a:r>
-              <a:endParaRPr lang="zh-CN" altLang="en-US" sz="1400" dirty="0"/>
-            </a:p>
-          </p:txBody>
-        </p:sp>
-        <p:sp>
-          <p:nvSpPr>
-            <p:cNvPr id="157" name="矩形 156">
-              <a:extLst>
-                <a:ext uri="{FF2B5EF4-FFF2-40B4-BE49-F238E27FC236}">
-                  <a16:creationId xmlns:a16="http://schemas.microsoft.com/office/drawing/2014/main" id="{128C99C3-2946-4536-BDE3-4579ADA131B4}"/>
-                </a:ext>
-              </a:extLst>
-            </p:cNvPr>
-            <p:cNvSpPr/>
-            <p:nvPr/>
-          </p:nvSpPr>
-          <p:spPr>
-            <a:xfrm>
-              <a:off x="2697960" y="1105032"/>
-              <a:ext cx="602608" cy="2969363"/>
-            </a:xfrm>
-            <a:prstGeom prst="rect">
-              <a:avLst/>
-            </a:prstGeom>
-          </p:spPr>
-          <p:style>
-            <a:lnRef idx="2">
-              <a:schemeClr val="accent3">
-                <a:shade val="50000"/>
-              </a:schemeClr>
-            </a:lnRef>
-            <a:fillRef idx="1">
-              <a:schemeClr val="accent3"/>
-            </a:fillRef>
-            <a:effectRef idx="0">
-              <a:schemeClr val="accent3"/>
-            </a:effectRef>
-            <a:fontRef idx="minor">
-              <a:schemeClr val="lt1"/>
-            </a:fontRef>
-          </p:style>
-          <p:txBody>
-            <a:bodyPr rtlCol="0" anchor="ctr"/>
-            <a:lstStyle/>
-            <a:p>
-              <a:pPr algn="ctr"/>
-              <a:r>
-                <a:rPr lang="en-US" altLang="zh-CN" sz="1400" dirty="0" err="1"/>
-                <a:t>Cmd</a:t>
-              </a:r>
-              <a:endParaRPr lang="zh-CN" altLang="en-US" sz="1400" dirty="0"/>
-            </a:p>
-          </p:txBody>
-        </p:sp>
-      </p:grpSp>
-      <p:cxnSp>
-        <p:nvCxnSpPr>
-          <p:cNvPr id="76" name="直接箭头连接符 75">
-            <a:extLst>
-              <a:ext uri="{FF2B5EF4-FFF2-40B4-BE49-F238E27FC236}">
-                <a16:creationId xmlns:a16="http://schemas.microsoft.com/office/drawing/2014/main" id="{F006674E-715A-435A-B1E2-194CCBD64144}"/>
-              </a:ext>
-            </a:extLst>
-          </p:cNvPr>
-          <p:cNvCxnSpPr>
-            <a:cxnSpLocks/>
-            <a:stCxn id="57" idx="0"/>
-            <a:endCxn id="84" idx="2"/>
-          </p:cNvCxnSpPr>
-          <p:nvPr/>
-        </p:nvCxnSpPr>
-        <p:spPr>
-          <a:xfrm flipV="1">
-            <a:off x="6463327" y="2374136"/>
-            <a:ext cx="1056262" cy="677372"/>
-          </a:xfrm>
-          <a:prstGeom prst="straightConnector1">
-            <a:avLst/>
-          </a:prstGeom>
-          <a:ln w="9525" cap="flat" cmpd="sng" algn="ctr">
-            <a:solidFill>
-              <a:schemeClr val="accent1"/>
-            </a:solidFill>
-            <a:prstDash val="dash"/>
-            <a:round/>
-            <a:headEnd type="none" w="med" len="med"/>
-            <a:tailEnd type="none" w="med" len="med"/>
-          </a:ln>
-        </p:spPr>
-        <p:style>
-          <a:lnRef idx="0">
-            <a:scrgbClr r="0" g="0" b="0"/>
-          </a:lnRef>
-          <a:fillRef idx="0">
-            <a:scrgbClr r="0" g="0" b="0"/>
-          </a:fillRef>
-          <a:effectRef idx="0">
-            <a:scrgbClr r="0" g="0" b="0"/>
-          </a:effectRef>
-          <a:fontRef idx="minor">
-            <a:schemeClr val="tx1"/>
-          </a:fontRef>
-        </p:style>
-      </p:cxnSp>
-      <p:cxnSp>
-        <p:nvCxnSpPr>
-          <p:cNvPr id="81" name="直接箭头连接符 80">
-            <a:extLst>
-              <a:ext uri="{FF2B5EF4-FFF2-40B4-BE49-F238E27FC236}">
-                <a16:creationId xmlns:a16="http://schemas.microsoft.com/office/drawing/2014/main" id="{CBF10436-5952-4B09-A9C5-7E18B923E82C}"/>
-              </a:ext>
-            </a:extLst>
-          </p:cNvPr>
-          <p:cNvCxnSpPr>
-            <a:cxnSpLocks/>
-            <a:stCxn id="157" idx="3"/>
-            <a:endCxn id="57" idx="1"/>
-          </p:cNvCxnSpPr>
-          <p:nvPr/>
-        </p:nvCxnSpPr>
-        <p:spPr>
-          <a:xfrm>
-            <a:off x="3461831" y="3256978"/>
-            <a:ext cx="2361979" cy="0"/>
-          </a:xfrm>
-          <a:prstGeom prst="straightConnector1">
-            <a:avLst/>
-          </a:prstGeom>
-          <a:ln w="9525" cap="flat" cmpd="sng" algn="ctr">
-            <a:solidFill>
-              <a:schemeClr val="accent1"/>
-            </a:solidFill>
-            <a:prstDash val="dash"/>
-            <a:round/>
-            <a:headEnd type="none" w="med" len="med"/>
-            <a:tailEnd type="none" w="med" len="med"/>
-          </a:ln>
-        </p:spPr>
-        <p:style>
-          <a:lnRef idx="0">
-            <a:scrgbClr r="0" g="0" b="0"/>
-          </a:lnRef>
-          <a:fillRef idx="0">
-            <a:scrgbClr r="0" g="0" b="0"/>
-          </a:fillRef>
-          <a:effectRef idx="0">
-            <a:scrgbClr r="0" g="0" b="0"/>
-          </a:effectRef>
-          <a:fontRef idx="minor">
-            <a:schemeClr val="tx1"/>
-          </a:fontRef>
-        </p:style>
-      </p:cxnSp>
-      <p:sp>
-        <p:nvSpPr>
-          <p:cNvPr id="118" name="矩形 117">
-            <a:extLst>
-              <a:ext uri="{FF2B5EF4-FFF2-40B4-BE49-F238E27FC236}">
-                <a16:creationId xmlns:a16="http://schemas.microsoft.com/office/drawing/2014/main" id="{EB9E9774-1DB6-4361-BAF8-A3121AE192FD}"/>
-              </a:ext>
-            </a:extLst>
-          </p:cNvPr>
-          <p:cNvSpPr/>
-          <p:nvPr/>
-        </p:nvSpPr>
-        <p:spPr>
-          <a:xfrm>
-            <a:off x="4398222" y="4488214"/>
-            <a:ext cx="1279033" cy="471686"/>
-          </a:xfrm>
-          <a:prstGeom prst="rect">
-            <a:avLst/>
-          </a:prstGeom>
-        </p:spPr>
-        <p:style>
-          <a:lnRef idx="2">
-            <a:schemeClr val="accent6">
-              <a:shade val="50000"/>
-            </a:schemeClr>
-          </a:lnRef>
-          <a:fillRef idx="1">
-            <a:schemeClr val="accent6"/>
-          </a:fillRef>
-          <a:effectRef idx="0">
-            <a:schemeClr val="accent6"/>
-          </a:effectRef>
-          <a:fontRef idx="minor">
-            <a:schemeClr val="lt1"/>
-          </a:fontRef>
-        </p:style>
-        <p:txBody>
-          <a:bodyPr rtlCol="0" anchor="ctr"/>
-          <a:lstStyle/>
-          <a:p>
-            <a:pPr algn="ctr"/>
-            <a:r>
-              <a:rPr lang="en-US" altLang="zh-CN" dirty="0"/>
-              <a:t>P4</a:t>
-            </a:r>
-          </a:p>
-          <a:p>
-            <a:pPr algn="ctr"/>
-            <a:r>
-              <a:rPr lang="en-US" altLang="zh-CN" dirty="0"/>
-              <a:t>Controller</a:t>
-            </a:r>
-            <a:endParaRPr lang="zh-CN" altLang="en-US" dirty="0"/>
-          </a:p>
-        </p:txBody>
-      </p:sp>
-      <p:cxnSp>
-        <p:nvCxnSpPr>
-          <p:cNvPr id="125" name="直接箭头连接符 124">
-            <a:extLst>
-              <a:ext uri="{FF2B5EF4-FFF2-40B4-BE49-F238E27FC236}">
-                <a16:creationId xmlns:a16="http://schemas.microsoft.com/office/drawing/2014/main" id="{5C574C78-DCBB-4235-9859-32FA9B216988}"/>
-              </a:ext>
-            </a:extLst>
-          </p:cNvPr>
-          <p:cNvCxnSpPr>
-            <a:cxnSpLocks/>
-            <a:stCxn id="57" idx="2"/>
-            <a:endCxn id="118" idx="0"/>
-          </p:cNvCxnSpPr>
-          <p:nvPr/>
-        </p:nvCxnSpPr>
-        <p:spPr>
-          <a:xfrm flipH="1">
-            <a:off x="5037739" y="3462448"/>
-            <a:ext cx="1425588" cy="1025766"/>
+            <a:off x="5045768" y="5089152"/>
+            <a:ext cx="707254" cy="287670"/>
           </a:xfrm>
           <a:prstGeom prst="straightConnector1">
             <a:avLst/>
@@ -8164,261 +10374,31 @@
       </p:cxnSp>
       <p:cxnSp>
         <p:nvCxnSpPr>
-          <p:cNvPr id="131" name="直接箭头连接符 130">
-            <a:extLst>
-              <a:ext uri="{FF2B5EF4-FFF2-40B4-BE49-F238E27FC236}">
-                <a16:creationId xmlns:a16="http://schemas.microsoft.com/office/drawing/2014/main" id="{4EAD5A80-9E81-4476-AB9F-4C63A0451695}"/>
+          <p:cNvPr id="59" name="直接箭头连接符 58">
+            <a:extLst>
+              <a:ext uri="{FF2B5EF4-FFF2-40B4-BE49-F238E27FC236}">
+                <a16:creationId xmlns:a16="http://schemas.microsoft.com/office/drawing/2014/main" id="{46D68FD0-912F-4888-AF10-93BD162E4201}"/>
               </a:ext>
             </a:extLst>
           </p:cNvPr>
           <p:cNvCxnSpPr>
             <a:cxnSpLocks/>
-            <a:stCxn id="57" idx="2"/>
-            <a:endCxn id="29" idx="0"/>
+            <a:stCxn id="55" idx="0"/>
+            <a:endCxn id="66" idx="2"/>
           </p:cNvCxnSpPr>
           <p:nvPr/>
         </p:nvCxnSpPr>
         <p:spPr>
-          <a:xfrm>
-            <a:off x="6463327" y="3462448"/>
-            <a:ext cx="3198723" cy="1027567"/>
+          <a:xfrm flipV="1">
+            <a:off x="9972616" y="5069588"/>
+            <a:ext cx="1307253" cy="1125469"/>
           </a:xfrm>
           <a:prstGeom prst="straightConnector1">
             <a:avLst/>
           </a:prstGeom>
-          <a:ln>
-            <a:tailEnd type="triangle"/>
-          </a:ln>
-        </p:spPr>
-        <p:style>
-          <a:lnRef idx="1">
-            <a:schemeClr val="accent1"/>
-          </a:lnRef>
-          <a:fillRef idx="0">
-            <a:schemeClr val="accent1"/>
-          </a:fillRef>
-          <a:effectRef idx="0">
-            <a:schemeClr val="accent1"/>
-          </a:effectRef>
-          <a:fontRef idx="minor">
-            <a:schemeClr val="tx1"/>
-          </a:fontRef>
-        </p:style>
-      </p:cxnSp>
-      <p:cxnSp>
-        <p:nvCxnSpPr>
-          <p:cNvPr id="134" name="直接箭头连接符 133">
-            <a:extLst>
-              <a:ext uri="{FF2B5EF4-FFF2-40B4-BE49-F238E27FC236}">
-                <a16:creationId xmlns:a16="http://schemas.microsoft.com/office/drawing/2014/main" id="{646F9D09-8EB5-4F83-B6CC-DD9AA646A98F}"/>
-              </a:ext>
-            </a:extLst>
-          </p:cNvPr>
-          <p:cNvCxnSpPr>
-            <a:cxnSpLocks/>
-            <a:stCxn id="57" idx="2"/>
-            <a:endCxn id="52" idx="0"/>
-          </p:cNvCxnSpPr>
-          <p:nvPr/>
-        </p:nvCxnSpPr>
-        <p:spPr>
-          <a:xfrm>
-            <a:off x="6463327" y="3462448"/>
-            <a:ext cx="4687842" cy="1025766"/>
-          </a:xfrm>
-          <a:prstGeom prst="straightConnector1">
-            <a:avLst/>
-          </a:prstGeom>
-          <a:ln>
-            <a:tailEnd type="triangle"/>
-          </a:ln>
-        </p:spPr>
-        <p:style>
-          <a:lnRef idx="1">
-            <a:schemeClr val="accent1"/>
-          </a:lnRef>
-          <a:fillRef idx="0">
-            <a:schemeClr val="accent1"/>
-          </a:fillRef>
-          <a:effectRef idx="0">
-            <a:schemeClr val="accent1"/>
-          </a:effectRef>
-          <a:fontRef idx="minor">
-            <a:schemeClr val="tx1"/>
-          </a:fontRef>
-        </p:style>
-      </p:cxnSp>
-      <p:cxnSp>
-        <p:nvCxnSpPr>
-          <p:cNvPr id="137" name="直接箭头连接符 136">
-            <a:extLst>
-              <a:ext uri="{FF2B5EF4-FFF2-40B4-BE49-F238E27FC236}">
-                <a16:creationId xmlns:a16="http://schemas.microsoft.com/office/drawing/2014/main" id="{30D15445-1899-44A1-AF40-275EF2F73771}"/>
-              </a:ext>
-            </a:extLst>
-          </p:cNvPr>
-          <p:cNvCxnSpPr>
-            <a:cxnSpLocks/>
-            <a:stCxn id="57" idx="2"/>
-            <a:endCxn id="66" idx="0"/>
-          </p:cNvCxnSpPr>
-          <p:nvPr/>
-        </p:nvCxnSpPr>
-        <p:spPr>
-          <a:xfrm>
-            <a:off x="6463327" y="3462448"/>
-            <a:ext cx="1622815" cy="1032897"/>
-          </a:xfrm>
-          <a:prstGeom prst="straightConnector1">
-            <a:avLst/>
-          </a:prstGeom>
-          <a:ln>
-            <a:tailEnd type="triangle"/>
-          </a:ln>
-        </p:spPr>
-        <p:style>
-          <a:lnRef idx="1">
-            <a:schemeClr val="accent1"/>
-          </a:lnRef>
-          <a:fillRef idx="0">
-            <a:schemeClr val="accent1"/>
-          </a:fillRef>
-          <a:effectRef idx="0">
-            <a:schemeClr val="accent1"/>
-          </a:effectRef>
-          <a:fontRef idx="minor">
-            <a:schemeClr val="tx1"/>
-          </a:fontRef>
-        </p:style>
-      </p:cxnSp>
-      <p:sp>
-        <p:nvSpPr>
-          <p:cNvPr id="7" name="文本框 6">
-            <a:extLst>
-              <a:ext uri="{FF2B5EF4-FFF2-40B4-BE49-F238E27FC236}">
-                <a16:creationId xmlns:a16="http://schemas.microsoft.com/office/drawing/2014/main" id="{F774FDB0-46AD-4989-AFFF-86715D3B895B}"/>
-              </a:ext>
-            </a:extLst>
-          </p:cNvPr>
-          <p:cNvSpPr txBox="1"/>
-          <p:nvPr/>
-        </p:nvSpPr>
-        <p:spPr>
-          <a:xfrm>
-            <a:off x="244270" y="5753755"/>
-            <a:ext cx="4724370" cy="923330"/>
-          </a:xfrm>
-          <a:prstGeom prst="rect">
-            <a:avLst/>
-          </a:prstGeom>
-          <a:noFill/>
-        </p:spPr>
-        <p:txBody>
-          <a:bodyPr wrap="none" rtlCol="0">
-            <a:spAutoFit/>
-          </a:bodyPr>
-          <a:lstStyle/>
-          <a:p>
-            <a:r>
-              <a:rPr lang="en-US" altLang="zh-CN" dirty="0">
-                <a:solidFill>
-                  <a:srgbClr val="FF0000"/>
-                </a:solidFill>
-              </a:rPr>
-              <a:t>Pure P4 Network</a:t>
-            </a:r>
-          </a:p>
-          <a:p>
-            <a:r>
-              <a:rPr lang="en-US" altLang="zh-CN" dirty="0">
-                <a:solidFill>
-                  <a:srgbClr val="FF0000"/>
-                </a:solidFill>
-              </a:rPr>
-              <a:t>PS1</a:t>
-            </a:r>
-            <a:r>
-              <a:rPr lang="zh-CN" altLang="en-US" dirty="0">
-                <a:solidFill>
-                  <a:srgbClr val="FF0000"/>
-                </a:solidFill>
-              </a:rPr>
-              <a:t>：模块变少是因为工作量转移到</a:t>
-            </a:r>
-            <a:r>
-              <a:rPr lang="en-US" altLang="zh-CN" dirty="0">
-                <a:solidFill>
-                  <a:srgbClr val="FF0000"/>
-                </a:solidFill>
-              </a:rPr>
-              <a:t>P4</a:t>
-            </a:r>
-            <a:r>
-              <a:rPr lang="zh-CN" altLang="en-US" dirty="0">
-                <a:solidFill>
-                  <a:srgbClr val="FF0000"/>
-                </a:solidFill>
-              </a:rPr>
-              <a:t>这边了</a:t>
-            </a:r>
-            <a:endParaRPr lang="en-US" altLang="zh-CN" dirty="0">
-              <a:solidFill>
-                <a:srgbClr val="FF0000"/>
-              </a:solidFill>
-            </a:endParaRPr>
-          </a:p>
-          <a:p>
-            <a:r>
-              <a:rPr lang="en-US" altLang="zh-CN" dirty="0">
-                <a:solidFill>
-                  <a:srgbClr val="FF0000"/>
-                </a:solidFill>
-              </a:rPr>
-              <a:t>PS2</a:t>
-            </a:r>
-            <a:r>
-              <a:rPr lang="zh-CN" altLang="en-US" dirty="0">
-                <a:solidFill>
-                  <a:srgbClr val="FF0000"/>
-                </a:solidFill>
-              </a:rPr>
-              <a:t>：每个模块里面的东西很多</a:t>
-            </a:r>
-            <a:endParaRPr lang="en-US" altLang="zh-CN" dirty="0">
-              <a:solidFill>
-                <a:srgbClr val="FF0000"/>
-              </a:solidFill>
-            </a:endParaRPr>
-          </a:p>
-        </p:txBody>
-      </p:sp>
-      <p:cxnSp>
-        <p:nvCxnSpPr>
-          <p:cNvPr id="62" name="直接箭头连接符 61">
-            <a:extLst>
-              <a:ext uri="{FF2B5EF4-FFF2-40B4-BE49-F238E27FC236}">
-                <a16:creationId xmlns:a16="http://schemas.microsoft.com/office/drawing/2014/main" id="{482C163E-FA19-4598-9DFE-2BCF78C67491}"/>
-              </a:ext>
-            </a:extLst>
-          </p:cNvPr>
-          <p:cNvCxnSpPr>
-            <a:cxnSpLocks/>
-            <a:stCxn id="57" idx="2"/>
-            <a:endCxn id="55" idx="0"/>
-          </p:cNvCxnSpPr>
-          <p:nvPr/>
-        </p:nvCxnSpPr>
-        <p:spPr>
-          <a:xfrm>
-            <a:off x="6463327" y="3462448"/>
-            <a:ext cx="1027939" cy="2223985"/>
-          </a:xfrm>
-          <a:prstGeom prst="straightConnector1">
-            <a:avLst/>
-          </a:prstGeom>
-          <a:ln w="9525" cap="flat" cmpd="sng" algn="ctr">
+          <a:ln w="38100" cap="flat" cmpd="sng" algn="ctr">
             <a:solidFill>
-              <a:schemeClr val="accent1"/>
+              <a:srgbClr val="FFC000"/>
             </a:solidFill>
             <a:prstDash val="dash"/>
             <a:round/>
@@ -8441,12 +10421,307 @@
           </a:fontRef>
         </p:style>
       </p:cxnSp>
+      <p:grpSp>
+        <p:nvGrpSpPr>
+          <p:cNvPr id="13" name="组合 12">
+            <a:extLst>
+              <a:ext uri="{FF2B5EF4-FFF2-40B4-BE49-F238E27FC236}">
+                <a16:creationId xmlns:a16="http://schemas.microsoft.com/office/drawing/2014/main" id="{331855F4-E14F-4DB6-9391-91098E241008}"/>
+              </a:ext>
+            </a:extLst>
+          </p:cNvPr>
+          <p:cNvGrpSpPr/>
+          <p:nvPr/>
+        </p:nvGrpSpPr>
+        <p:grpSpPr>
+          <a:xfrm>
+            <a:off x="6040552" y="4511055"/>
+            <a:ext cx="5961638" cy="673192"/>
+            <a:chOff x="6085926" y="4341438"/>
+            <a:chExt cx="5961638" cy="673192"/>
+          </a:xfrm>
+        </p:grpSpPr>
+        <p:sp>
+          <p:nvSpPr>
+            <p:cNvPr id="29" name="矩形 28">
+              <a:extLst>
+                <a:ext uri="{FF2B5EF4-FFF2-40B4-BE49-F238E27FC236}">
+                  <a16:creationId xmlns:a16="http://schemas.microsoft.com/office/drawing/2014/main" id="{225A2D5D-9290-4FA7-8325-130726CB092B}"/>
+                </a:ext>
+              </a:extLst>
+            </p:cNvPr>
+            <p:cNvSpPr/>
+            <p:nvPr/>
+          </p:nvSpPr>
+          <p:spPr>
+            <a:xfrm>
+              <a:off x="7703655" y="4438478"/>
+              <a:ext cx="1306604" cy="471686"/>
+            </a:xfrm>
+            <a:prstGeom prst="rect">
+              <a:avLst/>
+            </a:prstGeom>
+          </p:spPr>
+          <p:style>
+            <a:lnRef idx="2">
+              <a:schemeClr val="accent6">
+                <a:shade val="50000"/>
+              </a:schemeClr>
+            </a:lnRef>
+            <a:fillRef idx="1">
+              <a:schemeClr val="accent6"/>
+            </a:fillRef>
+            <a:effectRef idx="0">
+              <a:schemeClr val="accent6"/>
+            </a:effectRef>
+            <a:fontRef idx="minor">
+              <a:schemeClr val="lt1"/>
+            </a:fontRef>
+          </p:style>
+          <p:txBody>
+            <a:bodyPr rtlCol="0" anchor="ctr"/>
+            <a:lstStyle/>
+            <a:p>
+              <a:pPr algn="ctr"/>
+              <a:r>
+                <a:rPr lang="en-US" altLang="zh-CN" dirty="0"/>
+                <a:t>SFF</a:t>
+              </a:r>
+            </a:p>
+            <a:p>
+              <a:pPr algn="ctr"/>
+              <a:r>
+                <a:rPr lang="en-US" altLang="zh-CN" dirty="0"/>
+                <a:t>Controller</a:t>
+              </a:r>
+              <a:endParaRPr lang="zh-CN" altLang="en-US" dirty="0"/>
+            </a:p>
+          </p:txBody>
+        </p:sp>
+        <p:sp>
+          <p:nvSpPr>
+            <p:cNvPr id="52" name="矩形 51">
+              <a:extLst>
+                <a:ext uri="{FF2B5EF4-FFF2-40B4-BE49-F238E27FC236}">
+                  <a16:creationId xmlns:a16="http://schemas.microsoft.com/office/drawing/2014/main" id="{0167D1BA-F934-4768-BF78-7629030295B4}"/>
+                </a:ext>
+              </a:extLst>
+            </p:cNvPr>
+            <p:cNvSpPr/>
+            <p:nvPr/>
+          </p:nvSpPr>
+          <p:spPr>
+            <a:xfrm>
+              <a:off x="9206559" y="4436677"/>
+              <a:ext cx="1279033" cy="471686"/>
+            </a:xfrm>
+            <a:prstGeom prst="rect">
+              <a:avLst/>
+            </a:prstGeom>
+          </p:spPr>
+          <p:style>
+            <a:lnRef idx="2">
+              <a:schemeClr val="accent6">
+                <a:shade val="50000"/>
+              </a:schemeClr>
+            </a:lnRef>
+            <a:fillRef idx="1">
+              <a:schemeClr val="accent6"/>
+            </a:fillRef>
+            <a:effectRef idx="0">
+              <a:schemeClr val="accent6"/>
+            </a:effectRef>
+            <a:fontRef idx="minor">
+              <a:schemeClr val="lt1"/>
+            </a:fontRef>
+          </p:style>
+          <p:txBody>
+            <a:bodyPr rtlCol="0" anchor="ctr"/>
+            <a:lstStyle/>
+            <a:p>
+              <a:pPr algn="ctr"/>
+              <a:r>
+                <a:rPr lang="en-US" altLang="zh-CN" dirty="0"/>
+                <a:t>VNF</a:t>
+              </a:r>
+            </a:p>
+            <a:p>
+              <a:pPr algn="ctr"/>
+              <a:r>
+                <a:rPr lang="en-US" altLang="zh-CN" dirty="0"/>
+                <a:t>Controller</a:t>
+              </a:r>
+              <a:endParaRPr lang="zh-CN" altLang="en-US" dirty="0"/>
+            </a:p>
+          </p:txBody>
+        </p:sp>
+        <p:sp>
+          <p:nvSpPr>
+            <p:cNvPr id="60" name="矩形 59">
+              <a:extLst>
+                <a:ext uri="{FF2B5EF4-FFF2-40B4-BE49-F238E27FC236}">
+                  <a16:creationId xmlns:a16="http://schemas.microsoft.com/office/drawing/2014/main" id="{21BCA351-AAE7-411F-A5CB-4C41156B857E}"/>
+                </a:ext>
+              </a:extLst>
+            </p:cNvPr>
+            <p:cNvSpPr/>
+            <p:nvPr/>
+          </p:nvSpPr>
+          <p:spPr>
+            <a:xfrm>
+              <a:off x="6085926" y="4341438"/>
+              <a:ext cx="5961638" cy="673192"/>
+            </a:xfrm>
+            <a:prstGeom prst="rect">
+              <a:avLst/>
+            </a:prstGeom>
+            <a:noFill/>
+            <a:ln w="57150"/>
+          </p:spPr>
+          <p:style>
+            <a:lnRef idx="2">
+              <a:schemeClr val="accent6"/>
+            </a:lnRef>
+            <a:fillRef idx="1">
+              <a:schemeClr val="lt1"/>
+            </a:fillRef>
+            <a:effectRef idx="0">
+              <a:schemeClr val="accent6"/>
+            </a:effectRef>
+            <a:fontRef idx="minor">
+              <a:schemeClr val="dk1"/>
+            </a:fontRef>
+          </p:style>
+          <p:txBody>
+            <a:bodyPr rtlCol="0" anchor="ctr"/>
+            <a:lstStyle/>
+            <a:p>
+              <a:pPr algn="r"/>
+              <a:endParaRPr lang="zh-CN" altLang="en-US" dirty="0"/>
+            </a:p>
+          </p:txBody>
+        </p:sp>
+        <p:sp>
+          <p:nvSpPr>
+            <p:cNvPr id="66" name="矩形 65">
+              <a:extLst>
+                <a:ext uri="{FF2B5EF4-FFF2-40B4-BE49-F238E27FC236}">
+                  <a16:creationId xmlns:a16="http://schemas.microsoft.com/office/drawing/2014/main" id="{B9BE4EE8-2590-434A-AC63-B2D7B2E8C915}"/>
+                </a:ext>
+              </a:extLst>
+            </p:cNvPr>
+            <p:cNvSpPr/>
+            <p:nvPr/>
+          </p:nvSpPr>
+          <p:spPr>
+            <a:xfrm>
+              <a:off x="10685726" y="4428285"/>
+              <a:ext cx="1279033" cy="471686"/>
+            </a:xfrm>
+            <a:prstGeom prst="rect">
+              <a:avLst/>
+            </a:prstGeom>
+          </p:spPr>
+          <p:style>
+            <a:lnRef idx="2">
+              <a:schemeClr val="accent6">
+                <a:shade val="50000"/>
+              </a:schemeClr>
+            </a:lnRef>
+            <a:fillRef idx="1">
+              <a:schemeClr val="accent6"/>
+            </a:fillRef>
+            <a:effectRef idx="0">
+              <a:schemeClr val="accent6"/>
+            </a:effectRef>
+            <a:fontRef idx="minor">
+              <a:schemeClr val="lt1"/>
+            </a:fontRef>
+          </p:style>
+          <p:txBody>
+            <a:bodyPr rtlCol="0" anchor="ctr"/>
+            <a:lstStyle/>
+            <a:p>
+              <a:pPr algn="ctr"/>
+              <a:r>
+                <a:rPr lang="en-US" altLang="zh-CN" dirty="0"/>
+                <a:t>Server </a:t>
+              </a:r>
+            </a:p>
+            <a:p>
+              <a:pPr algn="ctr"/>
+              <a:r>
+                <a:rPr lang="en-US" altLang="zh-CN" dirty="0"/>
+                <a:t>Manager</a:t>
+              </a:r>
+              <a:endParaRPr lang="zh-CN" altLang="en-US" dirty="0"/>
+            </a:p>
+          </p:txBody>
+        </p:sp>
+        <p:sp>
+          <p:nvSpPr>
+            <p:cNvPr id="68" name="矩形 67">
+              <a:extLst>
+                <a:ext uri="{FF2B5EF4-FFF2-40B4-BE49-F238E27FC236}">
+                  <a16:creationId xmlns:a16="http://schemas.microsoft.com/office/drawing/2014/main" id="{309DB223-AFB6-477C-B539-A733F4157003}"/>
+                </a:ext>
+              </a:extLst>
+            </p:cNvPr>
+            <p:cNvSpPr/>
+            <p:nvPr/>
+          </p:nvSpPr>
+          <p:spPr>
+            <a:xfrm>
+              <a:off x="6258169" y="4432378"/>
+              <a:ext cx="1279033" cy="471686"/>
+            </a:xfrm>
+            <a:prstGeom prst="rect">
+              <a:avLst/>
+            </a:prstGeom>
+          </p:spPr>
+          <p:style>
+            <a:lnRef idx="2">
+              <a:schemeClr val="accent6">
+                <a:shade val="50000"/>
+              </a:schemeClr>
+            </a:lnRef>
+            <a:fillRef idx="1">
+              <a:schemeClr val="accent6"/>
+            </a:fillRef>
+            <a:effectRef idx="0">
+              <a:schemeClr val="accent6"/>
+            </a:effectRef>
+            <a:fontRef idx="minor">
+              <a:schemeClr val="lt1"/>
+            </a:fontRef>
+          </p:style>
+          <p:txBody>
+            <a:bodyPr rtlCol="0" anchor="ctr"/>
+            <a:lstStyle/>
+            <a:p>
+              <a:pPr algn="ctr"/>
+              <a:r>
+                <a:rPr lang="en-US" altLang="zh-CN" dirty="0"/>
+                <a:t>Classifier</a:t>
+              </a:r>
+            </a:p>
+            <a:p>
+              <a:pPr algn="ctr"/>
+              <a:r>
+                <a:rPr lang="en-US" altLang="zh-CN" dirty="0"/>
+                <a:t>Controller</a:t>
+              </a:r>
+              <a:endParaRPr lang="zh-CN" altLang="en-US" dirty="0"/>
+            </a:p>
+          </p:txBody>
+        </p:sp>
+      </p:grpSp>
       <p:sp>
         <p:nvSpPr>
-          <p:cNvPr id="77" name="矩形 76">
-            <a:extLst>
-              <a:ext uri="{FF2B5EF4-FFF2-40B4-BE49-F238E27FC236}">
-                <a16:creationId xmlns:a16="http://schemas.microsoft.com/office/drawing/2014/main" id="{9230DAA0-9232-47E4-82F4-7E822AE48FAA}"/>
+          <p:cNvPr id="83" name="矩形 82">
+            <a:extLst>
+              <a:ext uri="{FF2B5EF4-FFF2-40B4-BE49-F238E27FC236}">
+                <a16:creationId xmlns:a16="http://schemas.microsoft.com/office/drawing/2014/main" id="{1FAAF00A-3816-436D-950F-FD8C8856A429}"/>
               </a:ext>
             </a:extLst>
           </p:cNvPr>
@@ -8455,65 +10730,8 @@
         </p:nvSpPr>
         <p:spPr>
           <a:xfrm>
-            <a:off x="5823810" y="5156642"/>
-            <a:ext cx="764438" cy="441326"/>
-          </a:xfrm>
-          <a:prstGeom prst="rect">
-            <a:avLst/>
-          </a:prstGeom>
-          <a:ln w="38100"/>
-        </p:spPr>
-        <p:style>
-          <a:lnRef idx="2">
-            <a:schemeClr val="dk1"/>
-          </a:lnRef>
-          <a:fillRef idx="1">
-            <a:schemeClr val="lt1"/>
-          </a:fillRef>
-          <a:effectRef idx="0">
-            <a:schemeClr val="dk1"/>
-          </a:effectRef>
-          <a:fontRef idx="minor">
-            <a:schemeClr val="dk1"/>
-          </a:fontRef>
-        </p:style>
-        <p:txBody>
-          <a:bodyPr rtlCol="0" anchor="ctr"/>
-          <a:lstStyle/>
-          <a:p>
-            <a:pPr algn="ctr"/>
-            <a:r>
-              <a:rPr lang="en-US" altLang="zh-CN" dirty="0">
-                <a:solidFill>
-                  <a:schemeClr val="dk1"/>
-                </a:solidFill>
-              </a:rPr>
-              <a:t>NF2</a:t>
-            </a:r>
-            <a:endParaRPr lang="zh-CN" altLang="en-US" dirty="0">
-              <a:solidFill>
-                <a:schemeClr val="dk1"/>
-              </a:solidFill>
-            </a:endParaRPr>
-          </a:p>
-        </p:txBody>
-      </p:sp>
-      <p:sp>
-        <p:nvSpPr>
-          <p:cNvPr id="57" name="矩形 56">
-            <a:extLst>
-              <a:ext uri="{FF2B5EF4-FFF2-40B4-BE49-F238E27FC236}">
-                <a16:creationId xmlns:a16="http://schemas.microsoft.com/office/drawing/2014/main" id="{617B32AC-8893-4EC9-B60F-1B8EC3985607}"/>
-              </a:ext>
-            </a:extLst>
-          </p:cNvPr>
-          <p:cNvSpPr/>
-          <p:nvPr/>
-        </p:nvSpPr>
-        <p:spPr>
-          <a:xfrm>
-            <a:off x="5823810" y="3051508"/>
-            <a:ext cx="1279034" cy="410940"/>
+            <a:off x="202517" y="3769737"/>
+            <a:ext cx="11812674" cy="402227"/>
           </a:xfrm>
           <a:prstGeom prst="rect">
             <a:avLst/>
@@ -8550,10 +10768,1213 @@
           </a:p>
         </p:txBody>
       </p:sp>
+      <p:cxnSp>
+        <p:nvCxnSpPr>
+          <p:cNvPr id="89" name="直接箭头连接符 88">
+            <a:extLst>
+              <a:ext uri="{FF2B5EF4-FFF2-40B4-BE49-F238E27FC236}">
+                <a16:creationId xmlns:a16="http://schemas.microsoft.com/office/drawing/2014/main" id="{AD34A92D-E28A-4891-B524-C0FBF59E38AF}"/>
+              </a:ext>
+            </a:extLst>
+          </p:cNvPr>
+          <p:cNvCxnSpPr>
+            <a:cxnSpLocks/>
+            <a:stCxn id="83" idx="0"/>
+            <a:endCxn id="3" idx="2"/>
+          </p:cNvCxnSpPr>
+          <p:nvPr/>
+        </p:nvCxnSpPr>
+        <p:spPr>
+          <a:xfrm flipV="1">
+            <a:off x="6108854" y="2835061"/>
+            <a:ext cx="725732" cy="934676"/>
+          </a:xfrm>
+          <a:prstGeom prst="straightConnector1">
+            <a:avLst/>
+          </a:prstGeom>
+          <a:ln w="38100" cap="flat" cmpd="sng" algn="ctr">
+            <a:solidFill>
+              <a:srgbClr val="FFC000"/>
+            </a:solidFill>
+            <a:prstDash val="dash"/>
+            <a:round/>
+            <a:headEnd type="none" w="med" len="med"/>
+            <a:tailEnd type="none" w="med" len="med"/>
+          </a:ln>
+        </p:spPr>
+        <p:style>
+          <a:lnRef idx="0">
+            <a:scrgbClr r="0" g="0" b="0"/>
+          </a:lnRef>
+          <a:fillRef idx="0">
+            <a:scrgbClr r="0" g="0" b="0"/>
+          </a:fillRef>
+          <a:effectRef idx="0">
+            <a:scrgbClr r="0" g="0" b="0"/>
+          </a:effectRef>
+          <a:fontRef idx="minor">
+            <a:schemeClr val="tx1"/>
+          </a:fontRef>
+        </p:style>
+      </p:cxnSp>
+      <p:cxnSp>
+        <p:nvCxnSpPr>
+          <p:cNvPr id="91" name="直接箭头连接符 90">
+            <a:extLst>
+              <a:ext uri="{FF2B5EF4-FFF2-40B4-BE49-F238E27FC236}">
+                <a16:creationId xmlns:a16="http://schemas.microsoft.com/office/drawing/2014/main" id="{C8184B5B-7094-4C1C-9566-05DE8EB1C631}"/>
+              </a:ext>
+            </a:extLst>
+          </p:cNvPr>
+          <p:cNvCxnSpPr>
+            <a:cxnSpLocks/>
+            <a:stCxn id="83" idx="0"/>
+            <a:endCxn id="84" idx="2"/>
+          </p:cNvCxnSpPr>
+          <p:nvPr/>
+        </p:nvCxnSpPr>
+        <p:spPr>
+          <a:xfrm flipV="1">
+            <a:off x="6108854" y="2830609"/>
+            <a:ext cx="5134243" cy="939128"/>
+          </a:xfrm>
+          <a:prstGeom prst="straightConnector1">
+            <a:avLst/>
+          </a:prstGeom>
+          <a:ln w="38100" cap="flat" cmpd="sng" algn="ctr">
+            <a:solidFill>
+              <a:srgbClr val="FFC000"/>
+            </a:solidFill>
+            <a:prstDash val="dash"/>
+            <a:round/>
+            <a:headEnd type="none" w="med" len="med"/>
+            <a:tailEnd type="none" w="med" len="med"/>
+          </a:ln>
+        </p:spPr>
+        <p:style>
+          <a:lnRef idx="0">
+            <a:scrgbClr r="0" g="0" b="0"/>
+          </a:lnRef>
+          <a:fillRef idx="0">
+            <a:scrgbClr r="0" g="0" b="0"/>
+          </a:fillRef>
+          <a:effectRef idx="0">
+            <a:scrgbClr r="0" g="0" b="0"/>
+          </a:effectRef>
+          <a:fontRef idx="minor">
+            <a:schemeClr val="tx1"/>
+          </a:fontRef>
+        </p:style>
+      </p:cxnSp>
+      <p:cxnSp>
+        <p:nvCxnSpPr>
+          <p:cNvPr id="106" name="直接箭头连接符 105">
+            <a:extLst>
+              <a:ext uri="{FF2B5EF4-FFF2-40B4-BE49-F238E27FC236}">
+                <a16:creationId xmlns:a16="http://schemas.microsoft.com/office/drawing/2014/main" id="{C5142B84-E1CA-4CFA-85B4-B1C23F39C1FF}"/>
+              </a:ext>
+            </a:extLst>
+          </p:cNvPr>
+          <p:cNvCxnSpPr>
+            <a:cxnSpLocks/>
+            <a:stCxn id="69" idx="0"/>
+            <a:endCxn id="83" idx="2"/>
+          </p:cNvCxnSpPr>
+          <p:nvPr/>
+        </p:nvCxnSpPr>
+        <p:spPr>
+          <a:xfrm flipV="1">
+            <a:off x="4267442" y="4171964"/>
+            <a:ext cx="1841412" cy="394833"/>
+          </a:xfrm>
+          <a:prstGeom prst="straightConnector1">
+            <a:avLst/>
+          </a:prstGeom>
+          <a:ln w="38100" cap="flat" cmpd="sng" algn="ctr">
+            <a:solidFill>
+              <a:srgbClr val="FFC000"/>
+            </a:solidFill>
+            <a:prstDash val="dash"/>
+            <a:round/>
+            <a:headEnd type="none" w="med" len="med"/>
+            <a:tailEnd type="none" w="med" len="med"/>
+          </a:ln>
+        </p:spPr>
+        <p:style>
+          <a:lnRef idx="0">
+            <a:scrgbClr r="0" g="0" b="0"/>
+          </a:lnRef>
+          <a:fillRef idx="0">
+            <a:scrgbClr r="0" g="0" b="0"/>
+          </a:fillRef>
+          <a:effectRef idx="0">
+            <a:scrgbClr r="0" g="0" b="0"/>
+          </a:effectRef>
+          <a:fontRef idx="minor">
+            <a:schemeClr val="tx1"/>
+          </a:fontRef>
+        </p:style>
+      </p:cxnSp>
+      <p:cxnSp>
+        <p:nvCxnSpPr>
+          <p:cNvPr id="109" name="直接箭头连接符 108">
+            <a:extLst>
+              <a:ext uri="{FF2B5EF4-FFF2-40B4-BE49-F238E27FC236}">
+                <a16:creationId xmlns:a16="http://schemas.microsoft.com/office/drawing/2014/main" id="{E8EAE9A5-71B0-4F08-A472-28F102D84E2A}"/>
+              </a:ext>
+            </a:extLst>
+          </p:cNvPr>
+          <p:cNvCxnSpPr>
+            <a:cxnSpLocks/>
+            <a:stCxn id="60" idx="0"/>
+            <a:endCxn id="83" idx="2"/>
+          </p:cNvCxnSpPr>
+          <p:nvPr/>
+        </p:nvCxnSpPr>
+        <p:spPr>
+          <a:xfrm flipH="1" flipV="1">
+            <a:off x="6108854" y="4171964"/>
+            <a:ext cx="2912517" cy="339091"/>
+          </a:xfrm>
+          <a:prstGeom prst="straightConnector1">
+            <a:avLst/>
+          </a:prstGeom>
+          <a:ln w="38100" cap="flat" cmpd="sng" algn="ctr">
+            <a:solidFill>
+              <a:srgbClr val="FFC000"/>
+            </a:solidFill>
+            <a:prstDash val="dash"/>
+            <a:round/>
+            <a:headEnd type="none" w="med" len="med"/>
+            <a:tailEnd type="none" w="med" len="med"/>
+          </a:ln>
+        </p:spPr>
+        <p:style>
+          <a:lnRef idx="0">
+            <a:scrgbClr r="0" g="0" b="0"/>
+          </a:lnRef>
+          <a:fillRef idx="0">
+            <a:scrgbClr r="0" g="0" b="0"/>
+          </a:fillRef>
+          <a:effectRef idx="0">
+            <a:scrgbClr r="0" g="0" b="0"/>
+          </a:effectRef>
+          <a:fontRef idx="minor">
+            <a:schemeClr val="tx1"/>
+          </a:fontRef>
+        </p:style>
+      </p:cxnSp>
+      <p:grpSp>
+        <p:nvGrpSpPr>
+          <p:cNvPr id="63" name="组合 62">
+            <a:extLst>
+              <a:ext uri="{FF2B5EF4-FFF2-40B4-BE49-F238E27FC236}">
+                <a16:creationId xmlns:a16="http://schemas.microsoft.com/office/drawing/2014/main" id="{7ABB2B80-8F99-4539-A1AA-F5F3B94943CD}"/>
+              </a:ext>
+            </a:extLst>
+          </p:cNvPr>
+          <p:cNvGrpSpPr/>
+          <p:nvPr/>
+        </p:nvGrpSpPr>
+        <p:grpSpPr>
+          <a:xfrm>
+            <a:off x="1118917" y="4466849"/>
+            <a:ext cx="3926851" cy="1244605"/>
+            <a:chOff x="1089644" y="4465851"/>
+            <a:chExt cx="3926851" cy="1244605"/>
+          </a:xfrm>
+        </p:grpSpPr>
+        <p:sp>
+          <p:nvSpPr>
+            <p:cNvPr id="163" name="矩形 162">
+              <a:extLst>
+                <a:ext uri="{FF2B5EF4-FFF2-40B4-BE49-F238E27FC236}">
+                  <a16:creationId xmlns:a16="http://schemas.microsoft.com/office/drawing/2014/main" id="{399E2120-1C3A-4D17-B494-4FF358DD3DAD}"/>
+                </a:ext>
+              </a:extLst>
+            </p:cNvPr>
+            <p:cNvSpPr/>
+            <p:nvPr/>
+          </p:nvSpPr>
+          <p:spPr>
+            <a:xfrm>
+              <a:off x="2733214" y="4585070"/>
+              <a:ext cx="710583" cy="471686"/>
+            </a:xfrm>
+            <a:prstGeom prst="rect">
+              <a:avLst/>
+            </a:prstGeom>
+          </p:spPr>
+          <p:style>
+            <a:lnRef idx="2">
+              <a:schemeClr val="accent6">
+                <a:shade val="50000"/>
+              </a:schemeClr>
+            </a:lnRef>
+            <a:fillRef idx="1">
+              <a:schemeClr val="accent6"/>
+            </a:fillRef>
+            <a:effectRef idx="0">
+              <a:schemeClr val="accent6"/>
+            </a:effectRef>
+            <a:fontRef idx="minor">
+              <a:schemeClr val="lt1"/>
+            </a:fontRef>
+          </p:style>
+          <p:txBody>
+            <a:bodyPr rtlCol="0" anchor="ctr"/>
+            <a:lstStyle/>
+            <a:p>
+              <a:pPr algn="ctr"/>
+              <a:r>
+                <a:rPr lang="en-US" altLang="zh-CN" dirty="0"/>
+                <a:t>L2</a:t>
+              </a:r>
+              <a:endParaRPr lang="zh-CN" altLang="en-US" dirty="0"/>
+            </a:p>
+          </p:txBody>
+        </p:sp>
+        <p:sp>
+          <p:nvSpPr>
+            <p:cNvPr id="73" name="矩形 72">
+              <a:extLst>
+                <a:ext uri="{FF2B5EF4-FFF2-40B4-BE49-F238E27FC236}">
+                  <a16:creationId xmlns:a16="http://schemas.microsoft.com/office/drawing/2014/main" id="{AF7F6D31-38A0-4C71-AD71-DB98CB298FF3}"/>
+                </a:ext>
+              </a:extLst>
+            </p:cNvPr>
+            <p:cNvSpPr/>
+            <p:nvPr/>
+          </p:nvSpPr>
+          <p:spPr>
+            <a:xfrm>
+              <a:off x="2840747" y="5124671"/>
+              <a:ext cx="1116039" cy="471686"/>
+            </a:xfrm>
+            <a:prstGeom prst="rect">
+              <a:avLst/>
+            </a:prstGeom>
+          </p:spPr>
+          <p:style>
+            <a:lnRef idx="2">
+              <a:schemeClr val="accent6">
+                <a:shade val="50000"/>
+              </a:schemeClr>
+            </a:lnRef>
+            <a:fillRef idx="1">
+              <a:schemeClr val="accent6"/>
+            </a:fillRef>
+            <a:effectRef idx="0">
+              <a:schemeClr val="accent6"/>
+            </a:effectRef>
+            <a:fontRef idx="minor">
+              <a:schemeClr val="lt1"/>
+            </a:fontRef>
+          </p:style>
+          <p:txBody>
+            <a:bodyPr rtlCol="0" anchor="ctr"/>
+            <a:lstStyle/>
+            <a:p>
+              <a:pPr algn="ctr"/>
+              <a:r>
+                <a:rPr lang="en-US" altLang="zh-CN" dirty="0" err="1"/>
+                <a:t>WestEast</a:t>
+              </a:r>
+              <a:endParaRPr lang="zh-CN" altLang="en-US" dirty="0"/>
+            </a:p>
+          </p:txBody>
+        </p:sp>
+        <p:sp>
+          <p:nvSpPr>
+            <p:cNvPr id="74" name="矩形 73">
+              <a:extLst>
+                <a:ext uri="{FF2B5EF4-FFF2-40B4-BE49-F238E27FC236}">
+                  <a16:creationId xmlns:a16="http://schemas.microsoft.com/office/drawing/2014/main" id="{02EEBB01-E170-4F04-8DAF-97F3412A23ED}"/>
+                </a:ext>
+              </a:extLst>
+            </p:cNvPr>
+            <p:cNvSpPr/>
+            <p:nvPr/>
+          </p:nvSpPr>
+          <p:spPr>
+            <a:xfrm>
+              <a:off x="1295310" y="5131669"/>
+              <a:ext cx="1375004" cy="471686"/>
+            </a:xfrm>
+            <a:prstGeom prst="rect">
+              <a:avLst/>
+            </a:prstGeom>
+          </p:spPr>
+          <p:style>
+            <a:lnRef idx="2">
+              <a:schemeClr val="accent6">
+                <a:shade val="50000"/>
+              </a:schemeClr>
+            </a:lnRef>
+            <a:fillRef idx="1">
+              <a:schemeClr val="accent6"/>
+            </a:fillRef>
+            <a:effectRef idx="0">
+              <a:schemeClr val="accent6"/>
+            </a:effectRef>
+            <a:fontRef idx="minor">
+              <a:schemeClr val="lt1"/>
+            </a:fontRef>
+          </p:style>
+          <p:txBody>
+            <a:bodyPr rtlCol="0" anchor="ctr"/>
+            <a:lstStyle/>
+            <a:p>
+              <a:pPr algn="ctr"/>
+              <a:r>
+                <a:rPr lang="en-US" altLang="zh-CN" dirty="0" err="1"/>
+                <a:t>NorthSouth</a:t>
+              </a:r>
+              <a:endParaRPr lang="zh-CN" altLang="en-US" dirty="0"/>
+            </a:p>
+          </p:txBody>
+        </p:sp>
+        <p:sp>
+          <p:nvSpPr>
+            <p:cNvPr id="85" name="矩形 84">
+              <a:extLst>
+                <a:ext uri="{FF2B5EF4-FFF2-40B4-BE49-F238E27FC236}">
+                  <a16:creationId xmlns:a16="http://schemas.microsoft.com/office/drawing/2014/main" id="{760FD45B-EB98-45CA-AF9A-BEA51DB92094}"/>
+                </a:ext>
+              </a:extLst>
+            </p:cNvPr>
+            <p:cNvSpPr/>
+            <p:nvPr/>
+          </p:nvSpPr>
+          <p:spPr>
+            <a:xfrm>
+              <a:off x="1089644" y="4465851"/>
+              <a:ext cx="3926851" cy="1244605"/>
+            </a:xfrm>
+            <a:prstGeom prst="rect">
+              <a:avLst/>
+            </a:prstGeom>
+            <a:noFill/>
+            <a:ln w="57150"/>
+          </p:spPr>
+          <p:style>
+            <a:lnRef idx="2">
+              <a:schemeClr val="accent6"/>
+            </a:lnRef>
+            <a:fillRef idx="1">
+              <a:schemeClr val="lt1"/>
+            </a:fillRef>
+            <a:effectRef idx="0">
+              <a:schemeClr val="accent6"/>
+            </a:effectRef>
+            <a:fontRef idx="minor">
+              <a:schemeClr val="dk1"/>
+            </a:fontRef>
+          </p:style>
+          <p:txBody>
+            <a:bodyPr rtlCol="0" anchor="ctr"/>
+            <a:lstStyle/>
+            <a:p>
+              <a:pPr algn="r"/>
+              <a:endParaRPr lang="zh-CN" altLang="en-US" dirty="0"/>
+            </a:p>
+          </p:txBody>
+        </p:sp>
+        <p:sp>
+          <p:nvSpPr>
+            <p:cNvPr id="97" name="矩形 96">
+              <a:extLst>
+                <a:ext uri="{FF2B5EF4-FFF2-40B4-BE49-F238E27FC236}">
+                  <a16:creationId xmlns:a16="http://schemas.microsoft.com/office/drawing/2014/main" id="{FD8C76F4-0234-45FC-BF1C-91D4DBBC68A8}"/>
+                </a:ext>
+              </a:extLst>
+            </p:cNvPr>
+            <p:cNvSpPr/>
+            <p:nvPr/>
+          </p:nvSpPr>
+          <p:spPr>
+            <a:xfrm>
+              <a:off x="1323846" y="4552882"/>
+              <a:ext cx="1143269" cy="471686"/>
+            </a:xfrm>
+            <a:prstGeom prst="rect">
+              <a:avLst/>
+            </a:prstGeom>
+          </p:spPr>
+          <p:style>
+            <a:lnRef idx="2">
+              <a:schemeClr val="accent6">
+                <a:shade val="50000"/>
+              </a:schemeClr>
+            </a:lnRef>
+            <a:fillRef idx="1">
+              <a:schemeClr val="accent6"/>
+            </a:fillRef>
+            <a:effectRef idx="0">
+              <a:schemeClr val="accent6"/>
+            </a:effectRef>
+            <a:fontRef idx="minor">
+              <a:schemeClr val="lt1"/>
+            </a:fontRef>
+          </p:style>
+          <p:txBody>
+            <a:bodyPr rtlCol="0" anchor="ctr"/>
+            <a:lstStyle/>
+            <a:p>
+              <a:pPr algn="ctr"/>
+              <a:r>
+                <a:rPr lang="en-US" altLang="zh-CN" dirty="0"/>
+                <a:t>Topo</a:t>
+              </a:r>
+            </a:p>
+            <a:p>
+              <a:pPr algn="ctr"/>
+              <a:r>
+                <a:rPr lang="en-US" altLang="zh-CN" dirty="0"/>
+                <a:t>Collector</a:t>
+              </a:r>
+              <a:endParaRPr lang="zh-CN" altLang="en-US" dirty="0"/>
+            </a:p>
+          </p:txBody>
+        </p:sp>
+        <p:sp>
+          <p:nvSpPr>
+            <p:cNvPr id="69" name="矩形 68">
+              <a:extLst>
+                <a:ext uri="{FF2B5EF4-FFF2-40B4-BE49-F238E27FC236}">
+                  <a16:creationId xmlns:a16="http://schemas.microsoft.com/office/drawing/2014/main" id="{DD37CC3F-175E-4B74-995E-B0A051C6E000}"/>
+                </a:ext>
+              </a:extLst>
+            </p:cNvPr>
+            <p:cNvSpPr/>
+            <p:nvPr/>
+          </p:nvSpPr>
+          <p:spPr>
+            <a:xfrm>
+              <a:off x="3589157" y="4565799"/>
+              <a:ext cx="1298023" cy="471686"/>
+            </a:xfrm>
+            <a:prstGeom prst="rect">
+              <a:avLst/>
+            </a:prstGeom>
+          </p:spPr>
+          <p:style>
+            <a:lnRef idx="2">
+              <a:schemeClr val="accent6">
+                <a:shade val="50000"/>
+              </a:schemeClr>
+            </a:lnRef>
+            <a:fillRef idx="1">
+              <a:schemeClr val="accent6"/>
+            </a:fillRef>
+            <a:effectRef idx="0">
+              <a:schemeClr val="accent6"/>
+            </a:effectRef>
+            <a:fontRef idx="minor">
+              <a:schemeClr val="lt1"/>
+            </a:fontRef>
+          </p:style>
+          <p:txBody>
+            <a:bodyPr rtlCol="0" anchor="ctr"/>
+            <a:lstStyle/>
+            <a:p>
+              <a:pPr algn="ctr"/>
+              <a:r>
+                <a:rPr lang="en-US" altLang="zh-CN" dirty="0"/>
+                <a:t>P4 Controller</a:t>
+              </a:r>
+              <a:endParaRPr lang="zh-CN" altLang="en-US" dirty="0"/>
+            </a:p>
+          </p:txBody>
+        </p:sp>
+        <p:sp>
+          <p:nvSpPr>
+            <p:cNvPr id="108" name="矩形 107">
+              <a:extLst>
+                <a:ext uri="{FF2B5EF4-FFF2-40B4-BE49-F238E27FC236}">
+                  <a16:creationId xmlns:a16="http://schemas.microsoft.com/office/drawing/2014/main" id="{FAC1E66D-01C3-42E4-8B96-98D4FA8BF4D4}"/>
+                </a:ext>
+              </a:extLst>
+            </p:cNvPr>
+            <p:cNvSpPr/>
+            <p:nvPr/>
+          </p:nvSpPr>
+          <p:spPr>
+            <a:xfrm>
+              <a:off x="4059106" y="5139981"/>
+              <a:ext cx="814691" cy="471686"/>
+            </a:xfrm>
+            <a:prstGeom prst="rect">
+              <a:avLst/>
+            </a:prstGeom>
+          </p:spPr>
+          <p:style>
+            <a:lnRef idx="2">
+              <a:schemeClr val="accent6">
+                <a:shade val="50000"/>
+              </a:schemeClr>
+            </a:lnRef>
+            <a:fillRef idx="1">
+              <a:schemeClr val="accent6"/>
+            </a:fillRef>
+            <a:effectRef idx="0">
+              <a:schemeClr val="accent6"/>
+            </a:effectRef>
+            <a:fontRef idx="minor">
+              <a:schemeClr val="lt1"/>
+            </a:fontRef>
+          </p:style>
+          <p:txBody>
+            <a:bodyPr rtlCol="0" anchor="ctr"/>
+            <a:lstStyle/>
+            <a:p>
+              <a:pPr algn="ctr"/>
+              <a:r>
+                <a:rPr lang="en-US" altLang="zh-CN" dirty="0"/>
+                <a:t>SFC</a:t>
+              </a:r>
+              <a:endParaRPr lang="zh-CN" altLang="en-US" dirty="0"/>
+            </a:p>
+          </p:txBody>
+        </p:sp>
+      </p:grpSp>
+      <p:sp>
+        <p:nvSpPr>
+          <p:cNvPr id="81" name="矩形 80">
+            <a:extLst>
+              <a:ext uri="{FF2B5EF4-FFF2-40B4-BE49-F238E27FC236}">
+                <a16:creationId xmlns:a16="http://schemas.microsoft.com/office/drawing/2014/main" id="{539E132C-DF75-48C2-8D92-5AABC9F9C3E3}"/>
+              </a:ext>
+            </a:extLst>
+          </p:cNvPr>
+          <p:cNvSpPr/>
+          <p:nvPr/>
+        </p:nvSpPr>
+        <p:spPr>
+          <a:xfrm>
+            <a:off x="3629432" y="1543447"/>
+            <a:ext cx="1147818" cy="1738923"/>
+          </a:xfrm>
+          <a:prstGeom prst="rect">
+            <a:avLst/>
+          </a:prstGeom>
+        </p:spPr>
+        <p:style>
+          <a:lnRef idx="2">
+            <a:schemeClr val="accent1">
+              <a:shade val="50000"/>
+            </a:schemeClr>
+          </a:lnRef>
+          <a:fillRef idx="1">
+            <a:schemeClr val="accent1"/>
+          </a:fillRef>
+          <a:effectRef idx="0">
+            <a:schemeClr val="accent1"/>
+          </a:effectRef>
+          <a:fontRef idx="minor">
+            <a:schemeClr val="lt1"/>
+          </a:fontRef>
+        </p:style>
+        <p:txBody>
+          <a:bodyPr rtlCol="0" anchor="ctr"/>
+          <a:lstStyle/>
+          <a:p>
+            <a:pPr algn="ctr"/>
+            <a:r>
+              <a:rPr lang="en-US" altLang="zh-CN" dirty="0"/>
+              <a:t>Request</a:t>
+            </a:r>
+          </a:p>
+          <a:p>
+            <a:pPr algn="ctr"/>
+            <a:r>
+              <a:rPr lang="en-US" altLang="zh-CN" dirty="0"/>
+              <a:t>Processor</a:t>
+            </a:r>
+            <a:endParaRPr lang="zh-CN" altLang="en-US" dirty="0"/>
+          </a:p>
+        </p:txBody>
+      </p:sp>
+      <p:cxnSp>
+        <p:nvCxnSpPr>
+          <p:cNvPr id="82" name="直接箭头连接符 81">
+            <a:extLst>
+              <a:ext uri="{FF2B5EF4-FFF2-40B4-BE49-F238E27FC236}">
+                <a16:creationId xmlns:a16="http://schemas.microsoft.com/office/drawing/2014/main" id="{B43E4AE6-616C-4306-8977-56283FCC591E}"/>
+              </a:ext>
+            </a:extLst>
+          </p:cNvPr>
+          <p:cNvCxnSpPr>
+            <a:cxnSpLocks/>
+            <a:stCxn id="81" idx="3"/>
+            <a:endCxn id="72" idx="3"/>
+          </p:cNvCxnSpPr>
+          <p:nvPr/>
+        </p:nvCxnSpPr>
+        <p:spPr>
+          <a:xfrm flipV="1">
+            <a:off x="4777250" y="1653009"/>
+            <a:ext cx="2057336" cy="759900"/>
+          </a:xfrm>
+          <a:prstGeom prst="straightConnector1">
+            <a:avLst/>
+          </a:prstGeom>
+          <a:ln w="28575">
+            <a:tailEnd type="triangle"/>
+          </a:ln>
+        </p:spPr>
+        <p:style>
+          <a:lnRef idx="2">
+            <a:schemeClr val="accent6"/>
+          </a:lnRef>
+          <a:fillRef idx="0">
+            <a:schemeClr val="accent6"/>
+          </a:fillRef>
+          <a:effectRef idx="1">
+            <a:schemeClr val="accent6"/>
+          </a:effectRef>
+          <a:fontRef idx="minor">
+            <a:schemeClr val="tx1"/>
+          </a:fontRef>
+        </p:style>
+      </p:cxnSp>
+      <p:cxnSp>
+        <p:nvCxnSpPr>
+          <p:cNvPr id="94" name="直接箭头连接符 93">
+            <a:extLst>
+              <a:ext uri="{FF2B5EF4-FFF2-40B4-BE49-F238E27FC236}">
+                <a16:creationId xmlns:a16="http://schemas.microsoft.com/office/drawing/2014/main" id="{F4614104-F4B4-4B34-AF9F-04DA4BE22382}"/>
+              </a:ext>
+            </a:extLst>
+          </p:cNvPr>
+          <p:cNvCxnSpPr>
+            <a:cxnSpLocks/>
+            <a:stCxn id="72" idx="3"/>
+            <a:endCxn id="150" idx="0"/>
+          </p:cNvCxnSpPr>
+          <p:nvPr/>
+        </p:nvCxnSpPr>
+        <p:spPr>
+          <a:xfrm>
+            <a:off x="6834586" y="1653009"/>
+            <a:ext cx="2127710" cy="373046"/>
+          </a:xfrm>
+          <a:prstGeom prst="straightConnector1">
+            <a:avLst/>
+          </a:prstGeom>
+          <a:ln w="28575">
+            <a:tailEnd type="triangle"/>
+          </a:ln>
+        </p:spPr>
+        <p:style>
+          <a:lnRef idx="2">
+            <a:schemeClr val="accent6"/>
+          </a:lnRef>
+          <a:fillRef idx="0">
+            <a:schemeClr val="accent6"/>
+          </a:fillRef>
+          <a:effectRef idx="1">
+            <a:schemeClr val="accent6"/>
+          </a:effectRef>
+          <a:fontRef idx="minor">
+            <a:schemeClr val="tx1"/>
+          </a:fontRef>
+        </p:style>
+      </p:cxnSp>
+      <p:cxnSp>
+        <p:nvCxnSpPr>
+          <p:cNvPr id="118" name="直接箭头连接符 117">
+            <a:extLst>
+              <a:ext uri="{FF2B5EF4-FFF2-40B4-BE49-F238E27FC236}">
+                <a16:creationId xmlns:a16="http://schemas.microsoft.com/office/drawing/2014/main" id="{579197A3-D9BA-4158-A6AF-11127D6FEE0C}"/>
+              </a:ext>
+            </a:extLst>
+          </p:cNvPr>
+          <p:cNvCxnSpPr>
+            <a:cxnSpLocks/>
+            <a:stCxn id="3" idx="3"/>
+            <a:endCxn id="150" idx="1"/>
+          </p:cNvCxnSpPr>
+          <p:nvPr/>
+        </p:nvCxnSpPr>
+        <p:spPr>
+          <a:xfrm>
+            <a:off x="7651379" y="2418193"/>
+            <a:ext cx="690645" cy="12365"/>
+          </a:xfrm>
+          <a:prstGeom prst="straightConnector1">
+            <a:avLst/>
+          </a:prstGeom>
+          <a:ln w="38100" cap="flat" cmpd="sng" algn="ctr">
+            <a:solidFill>
+              <a:srgbClr val="FFC000"/>
+            </a:solidFill>
+            <a:prstDash val="dash"/>
+            <a:round/>
+            <a:headEnd type="none" w="med" len="med"/>
+            <a:tailEnd type="none" w="med" len="med"/>
+          </a:ln>
+        </p:spPr>
+        <p:style>
+          <a:lnRef idx="0">
+            <a:scrgbClr r="0" g="0" b="0"/>
+          </a:lnRef>
+          <a:fillRef idx="0">
+            <a:scrgbClr r="0" g="0" b="0"/>
+          </a:fillRef>
+          <a:effectRef idx="0">
+            <a:scrgbClr r="0" g="0" b="0"/>
+          </a:effectRef>
+          <a:fontRef idx="minor">
+            <a:schemeClr val="tx1"/>
+          </a:fontRef>
+        </p:style>
+      </p:cxnSp>
+      <p:cxnSp>
+        <p:nvCxnSpPr>
+          <p:cNvPr id="137" name="直接箭头连接符 136">
+            <a:extLst>
+              <a:ext uri="{FF2B5EF4-FFF2-40B4-BE49-F238E27FC236}">
+                <a16:creationId xmlns:a16="http://schemas.microsoft.com/office/drawing/2014/main" id="{E04DDE99-6961-469A-8697-8AB6359B14CF}"/>
+              </a:ext>
+            </a:extLst>
+          </p:cNvPr>
+          <p:cNvCxnSpPr>
+            <a:cxnSpLocks/>
+            <a:stCxn id="3" idx="1"/>
+            <a:endCxn id="81" idx="3"/>
+          </p:cNvCxnSpPr>
+          <p:nvPr/>
+        </p:nvCxnSpPr>
+        <p:spPr>
+          <a:xfrm flipH="1" flipV="1">
+            <a:off x="4777250" y="2412909"/>
+            <a:ext cx="1240543" cy="5284"/>
+          </a:xfrm>
+          <a:prstGeom prst="straightConnector1">
+            <a:avLst/>
+          </a:prstGeom>
+          <a:ln w="38100" cap="flat" cmpd="sng" algn="ctr">
+            <a:solidFill>
+              <a:srgbClr val="FFC000"/>
+            </a:solidFill>
+            <a:prstDash val="dash"/>
+            <a:round/>
+            <a:headEnd type="none" w="med" len="med"/>
+            <a:tailEnd type="none" w="med" len="med"/>
+          </a:ln>
+        </p:spPr>
+        <p:style>
+          <a:lnRef idx="0">
+            <a:scrgbClr r="0" g="0" b="0"/>
+          </a:lnRef>
+          <a:fillRef idx="0">
+            <a:scrgbClr r="0" g="0" b="0"/>
+          </a:fillRef>
+          <a:effectRef idx="0">
+            <a:scrgbClr r="0" g="0" b="0"/>
+          </a:effectRef>
+          <a:fontRef idx="minor">
+            <a:schemeClr val="tx1"/>
+          </a:fontRef>
+        </p:style>
+      </p:cxnSp>
+      <p:cxnSp>
+        <p:nvCxnSpPr>
+          <p:cNvPr id="64" name="直接箭头连接符 63">
+            <a:extLst>
+              <a:ext uri="{FF2B5EF4-FFF2-40B4-BE49-F238E27FC236}">
+                <a16:creationId xmlns:a16="http://schemas.microsoft.com/office/drawing/2014/main" id="{575AC45D-C8E1-4287-A004-2A0D96481626}"/>
+              </a:ext>
+            </a:extLst>
+          </p:cNvPr>
+          <p:cNvCxnSpPr>
+            <a:cxnSpLocks/>
+            <a:stCxn id="72" idx="3"/>
+            <a:endCxn id="84" idx="0"/>
+          </p:cNvCxnSpPr>
+          <p:nvPr/>
+        </p:nvCxnSpPr>
+        <p:spPr>
+          <a:xfrm>
+            <a:off x="6834586" y="1653009"/>
+            <a:ext cx="4408511" cy="368594"/>
+          </a:xfrm>
+          <a:prstGeom prst="straightConnector1">
+            <a:avLst/>
+          </a:prstGeom>
+          <a:ln w="28575">
+            <a:tailEnd type="triangle"/>
+          </a:ln>
+        </p:spPr>
+        <p:style>
+          <a:lnRef idx="2">
+            <a:schemeClr val="accent6"/>
+          </a:lnRef>
+          <a:fillRef idx="0">
+            <a:schemeClr val="accent6"/>
+          </a:fillRef>
+          <a:effectRef idx="1">
+            <a:schemeClr val="accent6"/>
+          </a:effectRef>
+          <a:fontRef idx="minor">
+            <a:schemeClr val="tx1"/>
+          </a:fontRef>
+        </p:style>
+      </p:cxnSp>
+      <p:cxnSp>
+        <p:nvCxnSpPr>
+          <p:cNvPr id="67" name="直接箭头连接符 66">
+            <a:extLst>
+              <a:ext uri="{FF2B5EF4-FFF2-40B4-BE49-F238E27FC236}">
+                <a16:creationId xmlns:a16="http://schemas.microsoft.com/office/drawing/2014/main" id="{DE2BB936-176B-40CB-85C9-22BCEBAF24A7}"/>
+              </a:ext>
+            </a:extLst>
+          </p:cNvPr>
+          <p:cNvCxnSpPr>
+            <a:cxnSpLocks/>
+            <a:stCxn id="150" idx="3"/>
+            <a:endCxn id="84" idx="1"/>
+          </p:cNvCxnSpPr>
+          <p:nvPr/>
+        </p:nvCxnSpPr>
+        <p:spPr>
+          <a:xfrm flipV="1">
+            <a:off x="9582567" y="2426106"/>
+            <a:ext cx="857650" cy="4452"/>
+          </a:xfrm>
+          <a:prstGeom prst="straightConnector1">
+            <a:avLst/>
+          </a:prstGeom>
+          <a:ln w="38100" cap="flat" cmpd="sng" algn="ctr">
+            <a:solidFill>
+              <a:srgbClr val="FFC000"/>
+            </a:solidFill>
+            <a:prstDash val="dash"/>
+            <a:round/>
+            <a:headEnd type="none" w="med" len="med"/>
+            <a:tailEnd type="none" w="med" len="med"/>
+          </a:ln>
+        </p:spPr>
+        <p:style>
+          <a:lnRef idx="0">
+            <a:scrgbClr r="0" g="0" b="0"/>
+          </a:lnRef>
+          <a:fillRef idx="0">
+            <a:scrgbClr r="0" g="0" b="0"/>
+          </a:fillRef>
+          <a:effectRef idx="0">
+            <a:scrgbClr r="0" g="0" b="0"/>
+          </a:effectRef>
+          <a:fontRef idx="minor">
+            <a:schemeClr val="tx1"/>
+          </a:fontRef>
+        </p:style>
+      </p:cxnSp>
+      <p:sp>
+        <p:nvSpPr>
+          <p:cNvPr id="77" name="弧形 76">
+            <a:extLst>
+              <a:ext uri="{FF2B5EF4-FFF2-40B4-BE49-F238E27FC236}">
+                <a16:creationId xmlns:a16="http://schemas.microsoft.com/office/drawing/2014/main" id="{4550B361-6455-4CC5-BB3B-1572C3B0B864}"/>
+              </a:ext>
+            </a:extLst>
+          </p:cNvPr>
+          <p:cNvSpPr/>
+          <p:nvPr/>
+        </p:nvSpPr>
+        <p:spPr>
+          <a:xfrm>
+            <a:off x="6834585" y="1680578"/>
+            <a:ext cx="4408510" cy="672832"/>
+          </a:xfrm>
+          <a:prstGeom prst="arc">
+            <a:avLst>
+              <a:gd name="adj1" fmla="val 10871121"/>
+              <a:gd name="adj2" fmla="val 0"/>
+            </a:avLst>
+          </a:prstGeom>
+          <a:ln w="38100" cap="flat" cmpd="sng" algn="ctr">
+            <a:solidFill>
+              <a:srgbClr val="FFC000"/>
+            </a:solidFill>
+            <a:prstDash val="dash"/>
+            <a:round/>
+            <a:headEnd type="none" w="med" len="med"/>
+            <a:tailEnd type="none" w="med" len="med"/>
+          </a:ln>
+        </p:spPr>
+        <p:style>
+          <a:lnRef idx="0">
+            <a:scrgbClr r="0" g="0" b="0"/>
+          </a:lnRef>
+          <a:fillRef idx="0">
+            <a:scrgbClr r="0" g="0" b="0"/>
+          </a:fillRef>
+          <a:effectRef idx="0">
+            <a:scrgbClr r="0" g="0" b="0"/>
+          </a:effectRef>
+          <a:fontRef idx="minor">
+            <a:schemeClr val="tx1"/>
+          </a:fontRef>
+        </p:style>
+        <p:txBody>
+          <a:bodyPr rtlCol="0" anchor="ctr"/>
+          <a:lstStyle/>
+          <a:p>
+            <a:pPr algn="ctr"/>
+            <a:endParaRPr lang="zh-CN" altLang="en-US"/>
+          </a:p>
+        </p:txBody>
+      </p:sp>
+      <p:sp>
+        <p:nvSpPr>
+          <p:cNvPr id="86" name="文本框 85">
+            <a:extLst>
+              <a:ext uri="{FF2B5EF4-FFF2-40B4-BE49-F238E27FC236}">
+                <a16:creationId xmlns:a16="http://schemas.microsoft.com/office/drawing/2014/main" id="{F8846252-E3D6-4899-8795-E900F86660C1}"/>
+              </a:ext>
+            </a:extLst>
+          </p:cNvPr>
+          <p:cNvSpPr txBox="1"/>
+          <p:nvPr/>
+        </p:nvSpPr>
+        <p:spPr>
+          <a:xfrm>
+            <a:off x="4683760" y="2228658"/>
+            <a:ext cx="1544012" cy="461665"/>
+          </a:xfrm>
+          <a:prstGeom prst="rect">
+            <a:avLst/>
+          </a:prstGeom>
+          <a:noFill/>
+        </p:spPr>
+        <p:txBody>
+          <a:bodyPr wrap="none" rtlCol="0">
+            <a:spAutoFit/>
+          </a:bodyPr>
+          <a:lstStyle/>
+          <a:p>
+            <a:r>
+              <a:rPr lang="en-US" altLang="zh-CN" sz="1200" b="1" dirty="0">
+                <a:effectLst/>
+                <a:latin typeface="Consolas" panose="020B0609020204030204" pitchFamily="49" charset="0"/>
+              </a:rPr>
+              <a:t>ADD_SFCI_REQUEST</a:t>
+            </a:r>
+          </a:p>
+          <a:p>
+            <a:r>
+              <a:rPr lang="en-US" altLang="zh-CN" sz="1200" b="1" dirty="0">
+                <a:effectLst/>
+                <a:latin typeface="Consolas" panose="020B0609020204030204" pitchFamily="49" charset="0"/>
+              </a:rPr>
+              <a:t>DEL_SFC_REQUEST</a:t>
+            </a:r>
+          </a:p>
+        </p:txBody>
+      </p:sp>
+      <p:sp>
+        <p:nvSpPr>
+          <p:cNvPr id="87" name="文本框 86">
+            <a:extLst>
+              <a:ext uri="{FF2B5EF4-FFF2-40B4-BE49-F238E27FC236}">
+                <a16:creationId xmlns:a16="http://schemas.microsoft.com/office/drawing/2014/main" id="{752D50EE-9683-45C4-A848-E9DBCC130FA8}"/>
+              </a:ext>
+            </a:extLst>
+          </p:cNvPr>
+          <p:cNvSpPr txBox="1"/>
+          <p:nvPr/>
+        </p:nvSpPr>
+        <p:spPr>
+          <a:xfrm>
+            <a:off x="7289031" y="1935115"/>
+            <a:ext cx="1544012" cy="461665"/>
+          </a:xfrm>
+          <a:prstGeom prst="rect">
+            <a:avLst/>
+          </a:prstGeom>
+          <a:noFill/>
+        </p:spPr>
+        <p:txBody>
+          <a:bodyPr wrap="none" rtlCol="0">
+            <a:spAutoFit/>
+          </a:bodyPr>
+          <a:lstStyle/>
+          <a:p>
+            <a:r>
+              <a:rPr lang="en-US" altLang="zh-CN" sz="1200" b="1" dirty="0">
+                <a:effectLst/>
+                <a:latin typeface="Consolas" panose="020B0609020204030204" pitchFamily="49" charset="0"/>
+              </a:rPr>
+              <a:t>ADD_SFCI_REQUEST</a:t>
+            </a:r>
+          </a:p>
+          <a:p>
+            <a:r>
+              <a:rPr lang="en-US" altLang="zh-CN" sz="1200" b="1" dirty="0">
+                <a:effectLst/>
+                <a:latin typeface="Consolas" panose="020B0609020204030204" pitchFamily="49" charset="0"/>
+              </a:rPr>
+              <a:t>DEL_SFCI_REQUEST</a:t>
+            </a:r>
+          </a:p>
+        </p:txBody>
+      </p:sp>
+      <p:sp>
+        <p:nvSpPr>
+          <p:cNvPr id="88" name="文本框 87">
+            <a:extLst>
+              <a:ext uri="{FF2B5EF4-FFF2-40B4-BE49-F238E27FC236}">
+                <a16:creationId xmlns:a16="http://schemas.microsoft.com/office/drawing/2014/main" id="{D55B2A1F-53A9-406A-A2B9-2C9E4F130B11}"/>
+              </a:ext>
+            </a:extLst>
+          </p:cNvPr>
+          <p:cNvSpPr txBox="1"/>
+          <p:nvPr/>
+        </p:nvSpPr>
+        <p:spPr>
+          <a:xfrm>
+            <a:off x="9861711" y="2035463"/>
+            <a:ext cx="2308645" cy="276999"/>
+          </a:xfrm>
+          <a:prstGeom prst="rect">
+            <a:avLst/>
+          </a:prstGeom>
+          <a:noFill/>
+        </p:spPr>
+        <p:txBody>
+          <a:bodyPr wrap="none" rtlCol="0">
+            <a:spAutoFit/>
+          </a:bodyPr>
+          <a:lstStyle/>
+          <a:p>
+            <a:r>
+              <a:rPr lang="en-US" altLang="zh-CN" sz="1200" b="1" dirty="0">
+                <a:effectLst/>
+                <a:latin typeface="Consolas" panose="020B0609020204030204" pitchFamily="49" charset="0"/>
+              </a:rPr>
+              <a:t>REQUEST_TYPE_GET_DCN_INFO</a:t>
+            </a:r>
+          </a:p>
+        </p:txBody>
+      </p:sp>
+      <p:sp>
+        <p:nvSpPr>
+          <p:cNvPr id="92" name="文本框 91">
+            <a:extLst>
+              <a:ext uri="{FF2B5EF4-FFF2-40B4-BE49-F238E27FC236}">
+                <a16:creationId xmlns:a16="http://schemas.microsoft.com/office/drawing/2014/main" id="{4B82CF19-D7B1-412C-857F-8EB96CE65A94}"/>
+              </a:ext>
+            </a:extLst>
+          </p:cNvPr>
+          <p:cNvSpPr txBox="1"/>
+          <p:nvPr/>
+        </p:nvSpPr>
+        <p:spPr>
+          <a:xfrm>
+            <a:off x="4956850" y="3156998"/>
+            <a:ext cx="1628972" cy="646331"/>
+          </a:xfrm>
+          <a:prstGeom prst="rect">
+            <a:avLst/>
+          </a:prstGeom>
+          <a:noFill/>
+        </p:spPr>
+        <p:txBody>
+          <a:bodyPr wrap="none" rtlCol="0">
+            <a:spAutoFit/>
+          </a:bodyPr>
+          <a:lstStyle/>
+          <a:p>
+            <a:r>
+              <a:rPr lang="en-US" altLang="zh-CN" sz="1200" b="1" dirty="0">
+                <a:effectLst/>
+                <a:latin typeface="Consolas" panose="020B0609020204030204" pitchFamily="49" charset="0"/>
+              </a:rPr>
+              <a:t>CMD_TYPE_ADD_SFCI</a:t>
+            </a:r>
+          </a:p>
+          <a:p>
+            <a:r>
+              <a:rPr lang="en-US" altLang="zh-CN" sz="1200" b="1" dirty="0">
+                <a:effectLst/>
+                <a:latin typeface="Consolas" panose="020B0609020204030204" pitchFamily="49" charset="0"/>
+              </a:rPr>
+              <a:t>CMD_TYPE_DEL_SFCI</a:t>
+            </a:r>
+          </a:p>
+          <a:p>
+            <a:r>
+              <a:rPr lang="en-US" altLang="zh-CN" sz="1200" b="1" dirty="0">
+                <a:effectLst/>
+                <a:latin typeface="Consolas" panose="020B0609020204030204" pitchFamily="49" charset="0"/>
+              </a:rPr>
+              <a:t>CMD_TYPE_DEL_SFC</a:t>
+            </a:r>
+          </a:p>
+        </p:txBody>
+      </p:sp>
+      <p:sp>
+        <p:nvSpPr>
+          <p:cNvPr id="93" name="文本框 92">
+            <a:extLst>
+              <a:ext uri="{FF2B5EF4-FFF2-40B4-BE49-F238E27FC236}">
+                <a16:creationId xmlns:a16="http://schemas.microsoft.com/office/drawing/2014/main" id="{50ABD60E-AF23-49BF-9B2E-F0D1C000CA25}"/>
+              </a:ext>
+            </a:extLst>
+          </p:cNvPr>
+          <p:cNvSpPr txBox="1"/>
+          <p:nvPr/>
+        </p:nvSpPr>
+        <p:spPr>
+          <a:xfrm>
+            <a:off x="6902858" y="3146800"/>
+            <a:ext cx="2138727" cy="646331"/>
+          </a:xfrm>
+          <a:prstGeom prst="rect">
+            <a:avLst/>
+          </a:prstGeom>
+          <a:noFill/>
+        </p:spPr>
+        <p:txBody>
+          <a:bodyPr wrap="none" rtlCol="0">
+            <a:spAutoFit/>
+          </a:bodyPr>
+          <a:lstStyle/>
+          <a:p>
+            <a:r>
+              <a:rPr lang="en-US" altLang="zh-CN" sz="1200" b="1" dirty="0">
+                <a:effectLst/>
+                <a:latin typeface="Consolas" panose="020B0609020204030204" pitchFamily="49" charset="0"/>
+              </a:rPr>
+              <a:t>CMD_TYPE_GET_SERVER_SET</a:t>
+            </a:r>
+          </a:p>
+          <a:p>
+            <a:r>
+              <a:rPr lang="en-US" altLang="zh-CN" sz="1200" b="1" dirty="0">
+                <a:effectLst/>
+                <a:latin typeface="Consolas" panose="020B0609020204030204" pitchFamily="49" charset="0"/>
+              </a:rPr>
+              <a:t>CMD_TYPE_GET_TOPOLOGY</a:t>
+            </a:r>
+          </a:p>
+          <a:p>
+            <a:r>
+              <a:rPr lang="en-US" altLang="zh-CN" sz="1200" b="1" dirty="0">
+                <a:effectLst/>
+                <a:latin typeface="Consolas" panose="020B0609020204030204" pitchFamily="49" charset="0"/>
+              </a:rPr>
+              <a:t>CMD_TYPE_GET_SFCI_STATE</a:t>
+            </a:r>
+          </a:p>
+        </p:txBody>
+      </p:sp>
     </p:spTree>
     <p:extLst>
       <p:ext uri="{BB962C8B-B14F-4D97-AF65-F5344CB8AC3E}">
-        <p14:creationId xmlns:p14="http://schemas.microsoft.com/office/powerpoint/2010/main" val="2553861577"/>
+        <p14:creationId xmlns:p14="http://schemas.microsoft.com/office/powerpoint/2010/main" val="1510641304"/>
       </p:ext>
     </p:extLst>
   </p:cSld>
@@ -8563,7 +11984,7 @@
 </p:sld>
 </file>
 
-<file path=ppt/slides/slide3.xml><?xml version="1.0" encoding="utf-8"?>
+<file path=ppt/slides/slide4.xml><?xml version="1.0" encoding="utf-8"?>
 <p:sld xmlns:a="http://schemas.openxmlformats.org/drawingml/2006/main" xmlns:r="http://schemas.openxmlformats.org/officeDocument/2006/relationships" xmlns:p="http://schemas.openxmlformats.org/presentationml/2006/main">
   <p:cSld>
     <p:spTree>
@@ -9863,7 +13284,7 @@
 </p:sld>
 </file>
 
-<file path=ppt/slides/slide4.xml><?xml version="1.0" encoding="utf-8"?>
+<file path=ppt/slides/slide5.xml><?xml version="1.0" encoding="utf-8"?>
 <p:sld xmlns:a="http://schemas.openxmlformats.org/drawingml/2006/main" xmlns:r="http://schemas.openxmlformats.org/officeDocument/2006/relationships" xmlns:p="http://schemas.openxmlformats.org/presentationml/2006/main">
   <p:cSld>
     <p:spTree>
@@ -10272,7 +13693,7 @@
 </p:sld>
 </file>
 
-<file path=ppt/slides/slide5.xml><?xml version="1.0" encoding="utf-8"?>
+<file path=ppt/slides/slide6.xml><?xml version="1.0" encoding="utf-8"?>
 <p:sld xmlns:a="http://schemas.openxmlformats.org/drawingml/2006/main" xmlns:r="http://schemas.openxmlformats.org/officeDocument/2006/relationships" xmlns:p="http://schemas.openxmlformats.org/presentationml/2006/main">
   <p:cSld>
     <p:spTree>
@@ -10821,7 +14242,7 @@
 </p:sld>
 </file>
 
-<file path=ppt/slides/slide6.xml><?xml version="1.0" encoding="utf-8"?>
+<file path=ppt/slides/slide7.xml><?xml version="1.0" encoding="utf-8"?>
 <p:sld xmlns:a="http://schemas.openxmlformats.org/drawingml/2006/main" xmlns:r="http://schemas.openxmlformats.org/officeDocument/2006/relationships" xmlns:p="http://schemas.openxmlformats.org/presentationml/2006/main">
   <p:cSld>
     <p:spTree>

--- a/doc/SoftwareDesign/Architecture-P4.pptx
+++ b/doc/SoftwareDesign/Architecture-P4.pptx
@@ -203,7 +203,7 @@
           <a:p>
             <a:fld id="{B81778B8-8763-4D18-BF72-76154464FFE0}" type="datetimeFigureOut">
               <a:rPr lang="zh-CN" altLang="en-US" smtClean="0"/>
-              <a:t>2020/10/23</a:t>
+              <a:t>2020/12/03</a:t>
             </a:fld>
             <a:endParaRPr lang="zh-CN" altLang="en-US"/>
           </a:p>
@@ -3042,7 +3042,7 @@
           <a:p>
             <a:fld id="{6BBD34C2-3600-48BE-9702-B8B5DAB8968A}" type="datetimeFigureOut">
               <a:rPr lang="zh-CN" altLang="en-US" smtClean="0"/>
-              <a:t>2020/10/23</a:t>
+              <a:t>2020/12/03</a:t>
             </a:fld>
             <a:endParaRPr lang="zh-CN" altLang="en-US"/>
           </a:p>
@@ -3240,7 +3240,7 @@
           <a:p>
             <a:fld id="{6BBD34C2-3600-48BE-9702-B8B5DAB8968A}" type="datetimeFigureOut">
               <a:rPr lang="zh-CN" altLang="en-US" smtClean="0"/>
-              <a:t>2020/10/23</a:t>
+              <a:t>2020/12/03</a:t>
             </a:fld>
             <a:endParaRPr lang="zh-CN" altLang="en-US"/>
           </a:p>
@@ -3448,7 +3448,7 @@
           <a:p>
             <a:fld id="{6BBD34C2-3600-48BE-9702-B8B5DAB8968A}" type="datetimeFigureOut">
               <a:rPr lang="zh-CN" altLang="en-US" smtClean="0"/>
-              <a:t>2020/10/23</a:t>
+              <a:t>2020/12/03</a:t>
             </a:fld>
             <a:endParaRPr lang="zh-CN" altLang="en-US"/>
           </a:p>
@@ -3646,7 +3646,7 @@
           <a:p>
             <a:fld id="{6BBD34C2-3600-48BE-9702-B8B5DAB8968A}" type="datetimeFigureOut">
               <a:rPr lang="zh-CN" altLang="en-US" smtClean="0"/>
-              <a:t>2020/10/23</a:t>
+              <a:t>2020/12/03</a:t>
             </a:fld>
             <a:endParaRPr lang="zh-CN" altLang="en-US"/>
           </a:p>
@@ -3921,7 +3921,7 @@
           <a:p>
             <a:fld id="{6BBD34C2-3600-48BE-9702-B8B5DAB8968A}" type="datetimeFigureOut">
               <a:rPr lang="zh-CN" altLang="en-US" smtClean="0"/>
-              <a:t>2020/10/23</a:t>
+              <a:t>2020/12/03</a:t>
             </a:fld>
             <a:endParaRPr lang="zh-CN" altLang="en-US"/>
           </a:p>
@@ -4186,7 +4186,7 @@
           <a:p>
             <a:fld id="{6BBD34C2-3600-48BE-9702-B8B5DAB8968A}" type="datetimeFigureOut">
               <a:rPr lang="zh-CN" altLang="en-US" smtClean="0"/>
-              <a:t>2020/10/23</a:t>
+              <a:t>2020/12/03</a:t>
             </a:fld>
             <a:endParaRPr lang="zh-CN" altLang="en-US"/>
           </a:p>
@@ -4598,7 +4598,7 @@
           <a:p>
             <a:fld id="{6BBD34C2-3600-48BE-9702-B8B5DAB8968A}" type="datetimeFigureOut">
               <a:rPr lang="zh-CN" altLang="en-US" smtClean="0"/>
-              <a:t>2020/10/23</a:t>
+              <a:t>2020/12/03</a:t>
             </a:fld>
             <a:endParaRPr lang="zh-CN" altLang="en-US"/>
           </a:p>
@@ -4739,7 +4739,7 @@
           <a:p>
             <a:fld id="{6BBD34C2-3600-48BE-9702-B8B5DAB8968A}" type="datetimeFigureOut">
               <a:rPr lang="zh-CN" altLang="en-US" smtClean="0"/>
-              <a:t>2020/10/23</a:t>
+              <a:t>2020/12/03</a:t>
             </a:fld>
             <a:endParaRPr lang="zh-CN" altLang="en-US"/>
           </a:p>
@@ -4852,7 +4852,7 @@
           <a:p>
             <a:fld id="{6BBD34C2-3600-48BE-9702-B8B5DAB8968A}" type="datetimeFigureOut">
               <a:rPr lang="zh-CN" altLang="en-US" smtClean="0"/>
-              <a:t>2020/10/23</a:t>
+              <a:t>2020/12/03</a:t>
             </a:fld>
             <a:endParaRPr lang="zh-CN" altLang="en-US"/>
           </a:p>
@@ -5163,7 +5163,7 @@
           <a:p>
             <a:fld id="{6BBD34C2-3600-48BE-9702-B8B5DAB8968A}" type="datetimeFigureOut">
               <a:rPr lang="zh-CN" altLang="en-US" smtClean="0"/>
-              <a:t>2020/10/23</a:t>
+              <a:t>2020/12/03</a:t>
             </a:fld>
             <a:endParaRPr lang="zh-CN" altLang="en-US"/>
           </a:p>
@@ -5451,7 +5451,7 @@
           <a:p>
             <a:fld id="{6BBD34C2-3600-48BE-9702-B8B5DAB8968A}" type="datetimeFigureOut">
               <a:rPr lang="zh-CN" altLang="en-US" smtClean="0"/>
-              <a:t>2020/10/23</a:t>
+              <a:t>2020/12/03</a:t>
             </a:fld>
             <a:endParaRPr lang="zh-CN" altLang="en-US"/>
           </a:p>
@@ -5692,7 +5692,7 @@
           <a:p>
             <a:fld id="{6BBD34C2-3600-48BE-9702-B8B5DAB8968A}" type="datetimeFigureOut">
               <a:rPr lang="zh-CN" altLang="en-US" smtClean="0"/>
-              <a:t>2020/10/23</a:t>
+              <a:t>2020/12/03</a:t>
             </a:fld>
             <a:endParaRPr lang="zh-CN" altLang="en-US"/>
           </a:p>
@@ -6213,6 +6213,221 @@
           <a:chExt cx="0" cy="0"/>
         </a:xfrm>
       </p:grpSpPr>
+      <p:sp>
+        <p:nvSpPr>
+          <p:cNvPr id="56" name="文本框 55">
+            <a:extLst>
+              <a:ext uri="{FF2B5EF4-FFF2-40B4-BE49-F238E27FC236}">
+                <a16:creationId xmlns:a16="http://schemas.microsoft.com/office/drawing/2014/main" id="{B3FDDD64-B5BB-4475-9175-C8CE789F2646}"/>
+              </a:ext>
+            </a:extLst>
+          </p:cNvPr>
+          <p:cNvSpPr txBox="1"/>
+          <p:nvPr/>
+        </p:nvSpPr>
+        <p:spPr>
+          <a:xfrm>
+            <a:off x="10073462" y="903835"/>
+            <a:ext cx="1928728" cy="1190138"/>
+          </a:xfrm>
+          <a:prstGeom prst="rect">
+            <a:avLst/>
+          </a:prstGeom>
+        </p:spPr>
+        <p:style>
+          <a:lnRef idx="2">
+            <a:schemeClr val="accent1"/>
+          </a:lnRef>
+          <a:fillRef idx="1">
+            <a:schemeClr val="lt1"/>
+          </a:fillRef>
+          <a:effectRef idx="0">
+            <a:schemeClr val="accent1"/>
+          </a:effectRef>
+          <a:fontRef idx="minor">
+            <a:schemeClr val="dk1"/>
+          </a:fontRef>
+        </p:style>
+        <p:txBody>
+          <a:bodyPr rtlCol="0" anchor="ctr"/>
+          <a:lstStyle>
+            <a:defPPr>
+              <a:defRPr lang="zh-CN"/>
+            </a:defPPr>
+            <a:lvl1pPr marL="285750" indent="-285750">
+              <a:buFont typeface="Arial" panose="020B0604020202020204" pitchFamily="34" charset="0"/>
+              <a:buChar char="•"/>
+              <a:defRPr sz="1400">
+                <a:solidFill>
+                  <a:schemeClr val="dk1"/>
+                </a:solidFill>
+              </a:defRPr>
+            </a:lvl1pPr>
+            <a:lvl2pPr>
+              <a:defRPr>
+                <a:solidFill>
+                  <a:schemeClr val="dk1"/>
+                </a:solidFill>
+              </a:defRPr>
+            </a:lvl2pPr>
+            <a:lvl3pPr>
+              <a:defRPr>
+                <a:solidFill>
+                  <a:schemeClr val="dk1"/>
+                </a:solidFill>
+              </a:defRPr>
+            </a:lvl3pPr>
+            <a:lvl4pPr>
+              <a:defRPr>
+                <a:solidFill>
+                  <a:schemeClr val="dk1"/>
+                </a:solidFill>
+              </a:defRPr>
+            </a:lvl4pPr>
+            <a:lvl5pPr>
+              <a:defRPr>
+                <a:solidFill>
+                  <a:schemeClr val="dk1"/>
+                </a:solidFill>
+              </a:defRPr>
+            </a:lvl5pPr>
+            <a:lvl6pPr>
+              <a:defRPr>
+                <a:solidFill>
+                  <a:schemeClr val="dk1"/>
+                </a:solidFill>
+              </a:defRPr>
+            </a:lvl6pPr>
+            <a:lvl7pPr>
+              <a:defRPr>
+                <a:solidFill>
+                  <a:schemeClr val="dk1"/>
+                </a:solidFill>
+              </a:defRPr>
+            </a:lvl7pPr>
+            <a:lvl8pPr>
+              <a:defRPr>
+                <a:solidFill>
+                  <a:schemeClr val="dk1"/>
+                </a:solidFill>
+              </a:defRPr>
+            </a:lvl8pPr>
+            <a:lvl9pPr>
+              <a:defRPr>
+                <a:solidFill>
+                  <a:schemeClr val="dk1"/>
+                </a:solidFill>
+              </a:defRPr>
+            </a:lvl9pPr>
+          </a:lstStyle>
+          <a:p>
+            <a:r>
+              <a:rPr lang="en-US" altLang="zh-CN" dirty="0"/>
+              <a:t>Network info</a:t>
+            </a:r>
+          </a:p>
+          <a:p>
+            <a:pPr marL="742950" lvl="1" indent="-285750">
+              <a:buFont typeface="Arial" panose="020B0604020202020204" pitchFamily="34" charset="0"/>
+              <a:buChar char="•"/>
+            </a:pPr>
+            <a:r>
+              <a:rPr lang="en-US" altLang="zh-CN" sz="1400" dirty="0"/>
+              <a:t>Switches</a:t>
+            </a:r>
+          </a:p>
+          <a:p>
+            <a:pPr marL="742950" lvl="1" indent="-285750">
+              <a:buFont typeface="Arial" panose="020B0604020202020204" pitchFamily="34" charset="0"/>
+              <a:buChar char="•"/>
+            </a:pPr>
+            <a:r>
+              <a:rPr lang="en-US" altLang="zh-CN" sz="1400" dirty="0"/>
+              <a:t>Links</a:t>
+            </a:r>
+          </a:p>
+          <a:p>
+            <a:pPr marL="742950" lvl="1" indent="-285750">
+              <a:buFont typeface="Arial" panose="020B0604020202020204" pitchFamily="34" charset="0"/>
+              <a:buChar char="•"/>
+            </a:pPr>
+            <a:r>
+              <a:rPr lang="en-US" altLang="zh-CN" sz="1400" dirty="0"/>
+              <a:t>Servers</a:t>
+            </a:r>
+          </a:p>
+          <a:p>
+            <a:pPr marL="742950" lvl="1" indent="-285750">
+              <a:buFont typeface="Arial" panose="020B0604020202020204" pitchFamily="34" charset="0"/>
+              <a:buChar char="•"/>
+            </a:pPr>
+            <a:r>
+              <a:rPr lang="en-US" altLang="zh-CN" sz="1400" dirty="0"/>
+              <a:t>Hosts</a:t>
+            </a:r>
+          </a:p>
+        </p:txBody>
+      </p:sp>
+      <p:sp>
+        <p:nvSpPr>
+          <p:cNvPr id="55" name="矩形: 圆角 54">
+            <a:extLst>
+              <a:ext uri="{FF2B5EF4-FFF2-40B4-BE49-F238E27FC236}">
+                <a16:creationId xmlns:a16="http://schemas.microsoft.com/office/drawing/2014/main" id="{27E3BBCB-9188-410A-90F4-AA3A3DC39E10}"/>
+              </a:ext>
+            </a:extLst>
+          </p:cNvPr>
+          <p:cNvSpPr/>
+          <p:nvPr/>
+        </p:nvSpPr>
+        <p:spPr>
+          <a:xfrm>
+            <a:off x="5428782" y="166172"/>
+            <a:ext cx="2896691" cy="952413"/>
+          </a:xfrm>
+          <a:prstGeom prst="roundRect">
+            <a:avLst/>
+          </a:prstGeom>
+        </p:spPr>
+        <p:style>
+          <a:lnRef idx="2">
+            <a:schemeClr val="accent1"/>
+          </a:lnRef>
+          <a:fillRef idx="1">
+            <a:schemeClr val="lt1"/>
+          </a:fillRef>
+          <a:effectRef idx="0">
+            <a:schemeClr val="accent1"/>
+          </a:effectRef>
+          <a:fontRef idx="minor">
+            <a:schemeClr val="dk1"/>
+          </a:fontRef>
+        </p:style>
+        <p:txBody>
+          <a:bodyPr rtlCol="0" anchor="ctr"/>
+          <a:lstStyle/>
+          <a:p>
+            <a:pPr marL="285750" indent="-285750">
+              <a:buFont typeface="Arial" panose="020B0604020202020204" pitchFamily="34" charset="0"/>
+              <a:buChar char="•"/>
+            </a:pPr>
+            <a:r>
+              <a:rPr lang="en-US" altLang="zh-CN" dirty="0"/>
+              <a:t>Orchestrator Database</a:t>
+            </a:r>
+          </a:p>
+          <a:p>
+            <a:pPr marL="285750" indent="-285750">
+              <a:buFont typeface="Arial" panose="020B0604020202020204" pitchFamily="34" charset="0"/>
+              <a:buChar char="•"/>
+            </a:pPr>
+            <a:r>
+              <a:rPr lang="en-US" altLang="zh-CN" sz="1800" dirty="0"/>
+              <a:t>Measurer Database</a:t>
+            </a:r>
+          </a:p>
+        </p:txBody>
+      </p:sp>
       <p:sp>
         <p:nvSpPr>
           <p:cNvPr id="2" name="标题 1">
@@ -7486,10 +7701,982 @@
       </p:sp>
       <p:sp>
         <p:nvSpPr>
-          <p:cNvPr id="127" name="文本框 126">
-            <a:extLst>
-              <a:ext uri="{FF2B5EF4-FFF2-40B4-BE49-F238E27FC236}">
-                <a16:creationId xmlns:a16="http://schemas.microsoft.com/office/drawing/2014/main" id="{2FEC6B10-8CA1-4855-93B3-A99BCA236002}"/>
+          <p:cNvPr id="128" name="矩形 127">
+            <a:extLst>
+              <a:ext uri="{FF2B5EF4-FFF2-40B4-BE49-F238E27FC236}">
+                <a16:creationId xmlns:a16="http://schemas.microsoft.com/office/drawing/2014/main" id="{1FCE7B30-5143-4641-9826-62A1F71F077F}"/>
+              </a:ext>
+            </a:extLst>
+          </p:cNvPr>
+          <p:cNvSpPr/>
+          <p:nvPr/>
+        </p:nvSpPr>
+        <p:spPr>
+          <a:xfrm>
+            <a:off x="6023282" y="2001325"/>
+            <a:ext cx="1633586" cy="833736"/>
+          </a:xfrm>
+          <a:prstGeom prst="rect">
+            <a:avLst/>
+          </a:prstGeom>
+        </p:spPr>
+        <p:style>
+          <a:lnRef idx="2">
+            <a:schemeClr val="accent1">
+              <a:shade val="50000"/>
+            </a:schemeClr>
+          </a:lnRef>
+          <a:fillRef idx="1">
+            <a:schemeClr val="accent1"/>
+          </a:fillRef>
+          <a:effectRef idx="0">
+            <a:schemeClr val="accent1"/>
+          </a:effectRef>
+          <a:fontRef idx="minor">
+            <a:schemeClr val="lt1"/>
+          </a:fontRef>
+        </p:style>
+        <p:txBody>
+          <a:bodyPr rtlCol="0" anchor="ctr"/>
+          <a:lstStyle/>
+          <a:p>
+            <a:pPr algn="ctr"/>
+            <a:r>
+              <a:rPr lang="en-US" altLang="zh-CN" dirty="0"/>
+              <a:t>Orchestration</a:t>
+            </a:r>
+            <a:endParaRPr lang="zh-CN" altLang="en-US" dirty="0"/>
+          </a:p>
+        </p:txBody>
+      </p:sp>
+      <p:sp>
+        <p:nvSpPr>
+          <p:cNvPr id="129" name="圆柱体 128">
+            <a:extLst>
+              <a:ext uri="{FF2B5EF4-FFF2-40B4-BE49-F238E27FC236}">
+                <a16:creationId xmlns:a16="http://schemas.microsoft.com/office/drawing/2014/main" id="{A2FB7CD0-5085-4D6F-85F9-38FBC02561B0}"/>
+              </a:ext>
+            </a:extLst>
+          </p:cNvPr>
+          <p:cNvSpPr/>
+          <p:nvPr/>
+        </p:nvSpPr>
+        <p:spPr>
+          <a:xfrm>
+            <a:off x="5931680" y="933586"/>
+            <a:ext cx="1805812" cy="719423"/>
+          </a:xfrm>
+          <a:prstGeom prst="can">
+            <a:avLst/>
+          </a:prstGeom>
+        </p:spPr>
+        <p:style>
+          <a:lnRef idx="2">
+            <a:schemeClr val="accent1">
+              <a:shade val="50000"/>
+            </a:schemeClr>
+          </a:lnRef>
+          <a:fillRef idx="1">
+            <a:schemeClr val="accent1"/>
+          </a:fillRef>
+          <a:effectRef idx="0">
+            <a:schemeClr val="accent1"/>
+          </a:effectRef>
+          <a:fontRef idx="minor">
+            <a:schemeClr val="lt1"/>
+          </a:fontRef>
+        </p:style>
+        <p:txBody>
+          <a:bodyPr rtlCol="0" anchor="ctr"/>
+          <a:lstStyle/>
+          <a:p>
+            <a:pPr algn="ctr"/>
+            <a:r>
+              <a:rPr lang="en-US" altLang="zh-CN" dirty="0"/>
+              <a:t>Database</a:t>
+            </a:r>
+          </a:p>
+        </p:txBody>
+      </p:sp>
+      <p:cxnSp>
+        <p:nvCxnSpPr>
+          <p:cNvPr id="130" name="直接箭头连接符 129">
+            <a:extLst>
+              <a:ext uri="{FF2B5EF4-FFF2-40B4-BE49-F238E27FC236}">
+                <a16:creationId xmlns:a16="http://schemas.microsoft.com/office/drawing/2014/main" id="{720FF18F-9C13-451C-BAC5-0EAD81FAFFE6}"/>
+              </a:ext>
+            </a:extLst>
+          </p:cNvPr>
+          <p:cNvCxnSpPr>
+            <a:cxnSpLocks/>
+            <a:stCxn id="129" idx="3"/>
+            <a:endCxn id="128" idx="0"/>
+          </p:cNvCxnSpPr>
+          <p:nvPr/>
+        </p:nvCxnSpPr>
+        <p:spPr>
+          <a:xfrm>
+            <a:off x="6834586" y="1653009"/>
+            <a:ext cx="5489" cy="348316"/>
+          </a:xfrm>
+          <a:prstGeom prst="straightConnector1">
+            <a:avLst/>
+          </a:prstGeom>
+          <a:ln w="28575">
+            <a:tailEnd type="triangle"/>
+          </a:ln>
+        </p:spPr>
+        <p:style>
+          <a:lnRef idx="2">
+            <a:schemeClr val="accent6"/>
+          </a:lnRef>
+          <a:fillRef idx="0">
+            <a:schemeClr val="accent6"/>
+          </a:fillRef>
+          <a:effectRef idx="1">
+            <a:schemeClr val="accent6"/>
+          </a:effectRef>
+          <a:fontRef idx="minor">
+            <a:schemeClr val="tx1"/>
+          </a:fontRef>
+        </p:style>
+      </p:cxnSp>
+      <p:sp>
+        <p:nvSpPr>
+          <p:cNvPr id="139" name="矩形 138">
+            <a:extLst>
+              <a:ext uri="{FF2B5EF4-FFF2-40B4-BE49-F238E27FC236}">
+                <a16:creationId xmlns:a16="http://schemas.microsoft.com/office/drawing/2014/main" id="{71796163-4E76-4936-BD2D-F000BAEBC584}"/>
+              </a:ext>
+            </a:extLst>
+          </p:cNvPr>
+          <p:cNvSpPr/>
+          <p:nvPr/>
+        </p:nvSpPr>
+        <p:spPr>
+          <a:xfrm>
+            <a:off x="8342024" y="2026055"/>
+            <a:ext cx="1240543" cy="809006"/>
+          </a:xfrm>
+          <a:prstGeom prst="rect">
+            <a:avLst/>
+          </a:prstGeom>
+        </p:spPr>
+        <p:style>
+          <a:lnRef idx="2">
+            <a:schemeClr val="accent1">
+              <a:shade val="50000"/>
+            </a:schemeClr>
+          </a:lnRef>
+          <a:fillRef idx="1">
+            <a:schemeClr val="accent1"/>
+          </a:fillRef>
+          <a:effectRef idx="0">
+            <a:schemeClr val="accent1"/>
+          </a:effectRef>
+          <a:fontRef idx="minor">
+            <a:schemeClr val="lt1"/>
+          </a:fontRef>
+        </p:style>
+        <p:txBody>
+          <a:bodyPr rtlCol="0" anchor="ctr"/>
+          <a:lstStyle/>
+          <a:p>
+            <a:pPr algn="ctr"/>
+            <a:r>
+              <a:rPr lang="en-US" altLang="zh-CN" dirty="0"/>
+              <a:t>Adaptive</a:t>
+            </a:r>
+            <a:endParaRPr lang="zh-CN" altLang="en-US" dirty="0"/>
+          </a:p>
+        </p:txBody>
+      </p:sp>
+      <p:cxnSp>
+        <p:nvCxnSpPr>
+          <p:cNvPr id="141" name="直接箭头连接符 140">
+            <a:extLst>
+              <a:ext uri="{FF2B5EF4-FFF2-40B4-BE49-F238E27FC236}">
+                <a16:creationId xmlns:a16="http://schemas.microsoft.com/office/drawing/2014/main" id="{773A53DF-50E5-4AD7-8D88-E79EC9B65F07}"/>
+              </a:ext>
+            </a:extLst>
+          </p:cNvPr>
+          <p:cNvCxnSpPr>
+            <a:cxnSpLocks/>
+            <a:stCxn id="61" idx="3"/>
+            <a:endCxn id="129" idx="3"/>
+          </p:cNvCxnSpPr>
+          <p:nvPr/>
+        </p:nvCxnSpPr>
+        <p:spPr>
+          <a:xfrm flipV="1">
+            <a:off x="4782739" y="1653009"/>
+            <a:ext cx="2051847" cy="765916"/>
+          </a:xfrm>
+          <a:prstGeom prst="straightConnector1">
+            <a:avLst/>
+          </a:prstGeom>
+          <a:ln w="28575">
+            <a:tailEnd type="triangle"/>
+          </a:ln>
+        </p:spPr>
+        <p:style>
+          <a:lnRef idx="2">
+            <a:schemeClr val="accent6"/>
+          </a:lnRef>
+          <a:fillRef idx="0">
+            <a:schemeClr val="accent6"/>
+          </a:fillRef>
+          <a:effectRef idx="1">
+            <a:schemeClr val="accent6"/>
+          </a:effectRef>
+          <a:fontRef idx="minor">
+            <a:schemeClr val="tx1"/>
+          </a:fontRef>
+        </p:style>
+      </p:cxnSp>
+      <p:cxnSp>
+        <p:nvCxnSpPr>
+          <p:cNvPr id="142" name="直接箭头连接符 141">
+            <a:extLst>
+              <a:ext uri="{FF2B5EF4-FFF2-40B4-BE49-F238E27FC236}">
+                <a16:creationId xmlns:a16="http://schemas.microsoft.com/office/drawing/2014/main" id="{09A95B6D-FD5A-405B-B8A6-C09546D2C75C}"/>
+              </a:ext>
+            </a:extLst>
+          </p:cNvPr>
+          <p:cNvCxnSpPr>
+            <a:cxnSpLocks/>
+            <a:stCxn id="129" idx="3"/>
+            <a:endCxn id="139" idx="0"/>
+          </p:cNvCxnSpPr>
+          <p:nvPr/>
+        </p:nvCxnSpPr>
+        <p:spPr>
+          <a:xfrm>
+            <a:off x="6834586" y="1653009"/>
+            <a:ext cx="2127710" cy="373046"/>
+          </a:xfrm>
+          <a:prstGeom prst="straightConnector1">
+            <a:avLst/>
+          </a:prstGeom>
+          <a:ln w="28575">
+            <a:tailEnd type="triangle"/>
+          </a:ln>
+        </p:spPr>
+        <p:style>
+          <a:lnRef idx="2">
+            <a:schemeClr val="accent6"/>
+          </a:lnRef>
+          <a:fillRef idx="0">
+            <a:schemeClr val="accent6"/>
+          </a:fillRef>
+          <a:effectRef idx="1">
+            <a:schemeClr val="accent6"/>
+          </a:effectRef>
+          <a:fontRef idx="minor">
+            <a:schemeClr val="tx1"/>
+          </a:fontRef>
+        </p:style>
+      </p:cxnSp>
+      <p:cxnSp>
+        <p:nvCxnSpPr>
+          <p:cNvPr id="143" name="直接箭头连接符 142">
+            <a:extLst>
+              <a:ext uri="{FF2B5EF4-FFF2-40B4-BE49-F238E27FC236}">
+                <a16:creationId xmlns:a16="http://schemas.microsoft.com/office/drawing/2014/main" id="{52ED35B8-BB3F-4E85-A202-960BADF4A145}"/>
+              </a:ext>
+            </a:extLst>
+          </p:cNvPr>
+          <p:cNvCxnSpPr>
+            <a:cxnSpLocks/>
+            <a:stCxn id="128" idx="3"/>
+            <a:endCxn id="139" idx="1"/>
+          </p:cNvCxnSpPr>
+          <p:nvPr/>
+        </p:nvCxnSpPr>
+        <p:spPr>
+          <a:xfrm>
+            <a:off x="7656868" y="2418193"/>
+            <a:ext cx="685156" cy="12365"/>
+          </a:xfrm>
+          <a:prstGeom prst="straightConnector1">
+            <a:avLst/>
+          </a:prstGeom>
+          <a:ln w="38100" cap="flat" cmpd="sng" algn="ctr">
+            <a:solidFill>
+              <a:srgbClr val="FFC000"/>
+            </a:solidFill>
+            <a:prstDash val="dash"/>
+            <a:round/>
+            <a:headEnd type="none" w="med" len="med"/>
+            <a:tailEnd type="none" w="med" len="med"/>
+          </a:ln>
+        </p:spPr>
+        <p:style>
+          <a:lnRef idx="0">
+            <a:scrgbClr r="0" g="0" b="0"/>
+          </a:lnRef>
+          <a:fillRef idx="0">
+            <a:scrgbClr r="0" g="0" b="0"/>
+          </a:fillRef>
+          <a:effectRef idx="0">
+            <a:scrgbClr r="0" g="0" b="0"/>
+          </a:effectRef>
+          <a:fontRef idx="minor">
+            <a:schemeClr val="tx1"/>
+          </a:fontRef>
+        </p:style>
+      </p:cxnSp>
+      <p:cxnSp>
+        <p:nvCxnSpPr>
+          <p:cNvPr id="144" name="直接箭头连接符 143">
+            <a:extLst>
+              <a:ext uri="{FF2B5EF4-FFF2-40B4-BE49-F238E27FC236}">
+                <a16:creationId xmlns:a16="http://schemas.microsoft.com/office/drawing/2014/main" id="{2394FA7A-AF39-46E8-B866-C1D7052F993C}"/>
+              </a:ext>
+            </a:extLst>
+          </p:cNvPr>
+          <p:cNvCxnSpPr>
+            <a:cxnSpLocks/>
+            <a:stCxn id="128" idx="1"/>
+            <a:endCxn id="61" idx="3"/>
+          </p:cNvCxnSpPr>
+          <p:nvPr/>
+        </p:nvCxnSpPr>
+        <p:spPr>
+          <a:xfrm flipH="1">
+            <a:off x="4782739" y="2418193"/>
+            <a:ext cx="1240543" cy="732"/>
+          </a:xfrm>
+          <a:prstGeom prst="straightConnector1">
+            <a:avLst/>
+          </a:prstGeom>
+          <a:ln w="38100" cap="flat" cmpd="sng" algn="ctr">
+            <a:solidFill>
+              <a:srgbClr val="FFC000"/>
+            </a:solidFill>
+            <a:prstDash val="dash"/>
+            <a:round/>
+            <a:headEnd type="none" w="med" len="med"/>
+            <a:tailEnd type="none" w="med" len="med"/>
+          </a:ln>
+        </p:spPr>
+        <p:style>
+          <a:lnRef idx="0">
+            <a:scrgbClr r="0" g="0" b="0"/>
+          </a:lnRef>
+          <a:fillRef idx="0">
+            <a:scrgbClr r="0" g="0" b="0"/>
+          </a:fillRef>
+          <a:effectRef idx="0">
+            <a:scrgbClr r="0" g="0" b="0"/>
+          </a:effectRef>
+          <a:fontRef idx="minor">
+            <a:schemeClr val="tx1"/>
+          </a:fontRef>
+        </p:style>
+      </p:cxnSp>
+      <p:cxnSp>
+        <p:nvCxnSpPr>
+          <p:cNvPr id="147" name="直接箭头连接符 146">
+            <a:extLst>
+              <a:ext uri="{FF2B5EF4-FFF2-40B4-BE49-F238E27FC236}">
+                <a16:creationId xmlns:a16="http://schemas.microsoft.com/office/drawing/2014/main" id="{1CF77096-CB93-44C6-8FF7-A95F3D97E0CA}"/>
+              </a:ext>
+            </a:extLst>
+          </p:cNvPr>
+          <p:cNvCxnSpPr>
+            <a:cxnSpLocks/>
+            <a:stCxn id="129" idx="3"/>
+            <a:endCxn id="54" idx="0"/>
+          </p:cNvCxnSpPr>
+          <p:nvPr/>
+        </p:nvCxnSpPr>
+        <p:spPr>
+          <a:xfrm>
+            <a:off x="6834586" y="1653009"/>
+            <a:ext cx="4408511" cy="368594"/>
+          </a:xfrm>
+          <a:prstGeom prst="straightConnector1">
+            <a:avLst/>
+          </a:prstGeom>
+          <a:ln w="28575">
+            <a:tailEnd type="triangle"/>
+          </a:ln>
+        </p:spPr>
+        <p:style>
+          <a:lnRef idx="2">
+            <a:schemeClr val="accent6"/>
+          </a:lnRef>
+          <a:fillRef idx="0">
+            <a:schemeClr val="accent6"/>
+          </a:fillRef>
+          <a:effectRef idx="1">
+            <a:schemeClr val="accent6"/>
+          </a:effectRef>
+          <a:fontRef idx="minor">
+            <a:schemeClr val="tx1"/>
+          </a:fontRef>
+        </p:style>
+      </p:cxnSp>
+      <p:cxnSp>
+        <p:nvCxnSpPr>
+          <p:cNvPr id="149" name="直接箭头连接符 148">
+            <a:extLst>
+              <a:ext uri="{FF2B5EF4-FFF2-40B4-BE49-F238E27FC236}">
+                <a16:creationId xmlns:a16="http://schemas.microsoft.com/office/drawing/2014/main" id="{7679EF0A-8DDB-4FD6-8E2B-A95D45FA0C07}"/>
+              </a:ext>
+            </a:extLst>
+          </p:cNvPr>
+          <p:cNvCxnSpPr>
+            <a:cxnSpLocks/>
+            <a:stCxn id="83" idx="0"/>
+            <a:endCxn id="128" idx="2"/>
+          </p:cNvCxnSpPr>
+          <p:nvPr/>
+        </p:nvCxnSpPr>
+        <p:spPr>
+          <a:xfrm flipV="1">
+            <a:off x="6108854" y="2835061"/>
+            <a:ext cx="731221" cy="934676"/>
+          </a:xfrm>
+          <a:prstGeom prst="straightConnector1">
+            <a:avLst/>
+          </a:prstGeom>
+          <a:ln w="38100" cap="flat" cmpd="sng" algn="ctr">
+            <a:solidFill>
+              <a:srgbClr val="FFC000"/>
+            </a:solidFill>
+            <a:prstDash val="dash"/>
+            <a:round/>
+            <a:headEnd type="none" w="med" len="med"/>
+            <a:tailEnd type="none" w="med" len="med"/>
+          </a:ln>
+        </p:spPr>
+        <p:style>
+          <a:lnRef idx="0">
+            <a:scrgbClr r="0" g="0" b="0"/>
+          </a:lnRef>
+          <a:fillRef idx="0">
+            <a:scrgbClr r="0" g="0" b="0"/>
+          </a:fillRef>
+          <a:effectRef idx="0">
+            <a:scrgbClr r="0" g="0" b="0"/>
+          </a:effectRef>
+          <a:fontRef idx="minor">
+            <a:schemeClr val="tx1"/>
+          </a:fontRef>
+        </p:style>
+      </p:cxnSp>
+      <p:cxnSp>
+        <p:nvCxnSpPr>
+          <p:cNvPr id="152" name="直接箭头连接符 151">
+            <a:extLst>
+              <a:ext uri="{FF2B5EF4-FFF2-40B4-BE49-F238E27FC236}">
+                <a16:creationId xmlns:a16="http://schemas.microsoft.com/office/drawing/2014/main" id="{3763F01C-7D3F-4091-98C1-1AD796602EAF}"/>
+              </a:ext>
+            </a:extLst>
+          </p:cNvPr>
+          <p:cNvCxnSpPr>
+            <a:cxnSpLocks/>
+            <a:stCxn id="83" idx="0"/>
+            <a:endCxn id="54" idx="2"/>
+          </p:cNvCxnSpPr>
+          <p:nvPr/>
+        </p:nvCxnSpPr>
+        <p:spPr>
+          <a:xfrm flipV="1">
+            <a:off x="6108854" y="2830609"/>
+            <a:ext cx="5134243" cy="939128"/>
+          </a:xfrm>
+          <a:prstGeom prst="straightConnector1">
+            <a:avLst/>
+          </a:prstGeom>
+          <a:ln w="38100" cap="flat" cmpd="sng" algn="ctr">
+            <a:solidFill>
+              <a:srgbClr val="FFC000"/>
+            </a:solidFill>
+            <a:prstDash val="dash"/>
+            <a:round/>
+            <a:headEnd type="none" w="med" len="med"/>
+            <a:tailEnd type="none" w="med" len="med"/>
+          </a:ln>
+        </p:spPr>
+        <p:style>
+          <a:lnRef idx="0">
+            <a:scrgbClr r="0" g="0" b="0"/>
+          </a:lnRef>
+          <a:fillRef idx="0">
+            <a:scrgbClr r="0" g="0" b="0"/>
+          </a:fillRef>
+          <a:effectRef idx="0">
+            <a:scrgbClr r="0" g="0" b="0"/>
+          </a:effectRef>
+          <a:fontRef idx="minor">
+            <a:schemeClr val="tx1"/>
+          </a:fontRef>
+        </p:style>
+      </p:cxnSp>
+      <p:sp>
+        <p:nvSpPr>
+          <p:cNvPr id="54" name="矩形 53">
+            <a:extLst>
+              <a:ext uri="{FF2B5EF4-FFF2-40B4-BE49-F238E27FC236}">
+                <a16:creationId xmlns:a16="http://schemas.microsoft.com/office/drawing/2014/main" id="{BE61C337-220E-42EF-A760-ED891CA46E5C}"/>
+              </a:ext>
+            </a:extLst>
+          </p:cNvPr>
+          <p:cNvSpPr/>
+          <p:nvPr/>
+        </p:nvSpPr>
+        <p:spPr>
+          <a:xfrm>
+            <a:off x="10440217" y="2021603"/>
+            <a:ext cx="1605759" cy="809006"/>
+          </a:xfrm>
+          <a:prstGeom prst="rect">
+            <a:avLst/>
+          </a:prstGeom>
+        </p:spPr>
+        <p:style>
+          <a:lnRef idx="1">
+            <a:schemeClr val="accent1"/>
+          </a:lnRef>
+          <a:fillRef idx="2">
+            <a:schemeClr val="accent1"/>
+          </a:fillRef>
+          <a:effectRef idx="1">
+            <a:schemeClr val="accent1"/>
+          </a:effectRef>
+          <a:fontRef idx="minor">
+            <a:schemeClr val="dk1"/>
+          </a:fontRef>
+        </p:style>
+        <p:txBody>
+          <a:bodyPr rtlCol="0" anchor="ctr"/>
+          <a:lstStyle/>
+          <a:p>
+            <a:pPr algn="ctr"/>
+            <a:r>
+              <a:rPr lang="en-US" altLang="zh-CN" dirty="0"/>
+              <a:t>Measurement</a:t>
+            </a:r>
+          </a:p>
+        </p:txBody>
+      </p:sp>
+      <p:cxnSp>
+        <p:nvCxnSpPr>
+          <p:cNvPr id="58" name="直接箭头连接符 57">
+            <a:extLst>
+              <a:ext uri="{FF2B5EF4-FFF2-40B4-BE49-F238E27FC236}">
+                <a16:creationId xmlns:a16="http://schemas.microsoft.com/office/drawing/2014/main" id="{A8A1CE62-AD11-4348-9036-741D0E8488B4}"/>
+              </a:ext>
+            </a:extLst>
+          </p:cNvPr>
+          <p:cNvCxnSpPr>
+            <a:cxnSpLocks/>
+            <a:stCxn id="139" idx="3"/>
+            <a:endCxn id="54" idx="1"/>
+          </p:cNvCxnSpPr>
+          <p:nvPr/>
+        </p:nvCxnSpPr>
+        <p:spPr>
+          <a:xfrm flipV="1">
+            <a:off x="9582567" y="2426106"/>
+            <a:ext cx="857650" cy="4452"/>
+          </a:xfrm>
+          <a:prstGeom prst="straightConnector1">
+            <a:avLst/>
+          </a:prstGeom>
+          <a:ln w="38100" cap="flat" cmpd="sng" algn="ctr">
+            <a:solidFill>
+              <a:srgbClr val="FFC000"/>
+            </a:solidFill>
+            <a:prstDash val="dash"/>
+            <a:round/>
+            <a:headEnd type="none" w="med" len="med"/>
+            <a:tailEnd type="none" w="med" len="med"/>
+          </a:ln>
+        </p:spPr>
+        <p:style>
+          <a:lnRef idx="0">
+            <a:scrgbClr r="0" g="0" b="0"/>
+          </a:lnRef>
+          <a:fillRef idx="0">
+            <a:scrgbClr r="0" g="0" b="0"/>
+          </a:fillRef>
+          <a:effectRef idx="0">
+            <a:scrgbClr r="0" g="0" b="0"/>
+          </a:effectRef>
+          <a:fontRef idx="minor">
+            <a:schemeClr val="tx1"/>
+          </a:fontRef>
+        </p:style>
+      </p:cxnSp>
+      <p:sp>
+        <p:nvSpPr>
+          <p:cNvPr id="64" name="弧形 63">
+            <a:extLst>
+              <a:ext uri="{FF2B5EF4-FFF2-40B4-BE49-F238E27FC236}">
+                <a16:creationId xmlns:a16="http://schemas.microsoft.com/office/drawing/2014/main" id="{48F03D98-8BBB-4EA8-9EFC-B3835D7C3E2E}"/>
+              </a:ext>
+            </a:extLst>
+          </p:cNvPr>
+          <p:cNvSpPr/>
+          <p:nvPr/>
+        </p:nvSpPr>
+        <p:spPr>
+          <a:xfrm>
+            <a:off x="6834585" y="1680578"/>
+            <a:ext cx="4408510" cy="672832"/>
+          </a:xfrm>
+          <a:prstGeom prst="arc">
+            <a:avLst>
+              <a:gd name="adj1" fmla="val 10871121"/>
+              <a:gd name="adj2" fmla="val 0"/>
+            </a:avLst>
+          </a:prstGeom>
+          <a:ln w="38100" cap="flat" cmpd="sng" algn="ctr">
+            <a:solidFill>
+              <a:srgbClr val="FFC000"/>
+            </a:solidFill>
+            <a:prstDash val="dash"/>
+            <a:round/>
+            <a:headEnd type="none" w="med" len="med"/>
+            <a:tailEnd type="none" w="med" len="med"/>
+          </a:ln>
+        </p:spPr>
+        <p:style>
+          <a:lnRef idx="0">
+            <a:scrgbClr r="0" g="0" b="0"/>
+          </a:lnRef>
+          <a:fillRef idx="0">
+            <a:scrgbClr r="0" g="0" b="0"/>
+          </a:fillRef>
+          <a:effectRef idx="0">
+            <a:scrgbClr r="0" g="0" b="0"/>
+          </a:effectRef>
+          <a:fontRef idx="minor">
+            <a:schemeClr val="tx1"/>
+          </a:fontRef>
+        </p:style>
+        <p:txBody>
+          <a:bodyPr rtlCol="0" anchor="ctr"/>
+          <a:lstStyle/>
+          <a:p>
+            <a:pPr algn="ctr"/>
+            <a:endParaRPr lang="zh-CN" altLang="en-US"/>
+          </a:p>
+        </p:txBody>
+      </p:sp>
+      <p:grpSp>
+        <p:nvGrpSpPr>
+          <p:cNvPr id="3" name="组合 2">
+            <a:extLst>
+              <a:ext uri="{FF2B5EF4-FFF2-40B4-BE49-F238E27FC236}">
+                <a16:creationId xmlns:a16="http://schemas.microsoft.com/office/drawing/2014/main" id="{8B6E50D3-87B1-4A75-B783-0B360A84619F}"/>
+              </a:ext>
+            </a:extLst>
+          </p:cNvPr>
+          <p:cNvGrpSpPr/>
+          <p:nvPr/>
+        </p:nvGrpSpPr>
+        <p:grpSpPr>
+          <a:xfrm>
+            <a:off x="1951646" y="1830904"/>
+            <a:ext cx="3068255" cy="1405020"/>
+            <a:chOff x="1951646" y="1830904"/>
+            <a:chExt cx="3068255" cy="1405020"/>
+          </a:xfrm>
+        </p:grpSpPr>
+        <p:cxnSp>
+          <p:nvCxnSpPr>
+            <p:cNvPr id="57" name="直接箭头连接符 56">
+              <a:extLst>
+                <a:ext uri="{FF2B5EF4-FFF2-40B4-BE49-F238E27FC236}">
+                  <a16:creationId xmlns:a16="http://schemas.microsoft.com/office/drawing/2014/main" id="{E7FE0C67-2B8E-4E77-B34A-398616242F67}"/>
+                </a:ext>
+              </a:extLst>
+            </p:cNvPr>
+            <p:cNvCxnSpPr>
+              <a:cxnSpLocks/>
+              <a:stCxn id="59" idx="3"/>
+              <a:endCxn id="61" idx="1"/>
+            </p:cNvCxnSpPr>
+            <p:nvPr/>
+          </p:nvCxnSpPr>
+          <p:spPr>
+            <a:xfrm flipV="1">
+              <a:off x="3213394" y="2418925"/>
+              <a:ext cx="421527" cy="7899"/>
+            </a:xfrm>
+            <a:prstGeom prst="straightConnector1">
+              <a:avLst/>
+            </a:prstGeom>
+            <a:ln>
+              <a:tailEnd type="triangle"/>
+            </a:ln>
+          </p:spPr>
+          <p:style>
+            <a:lnRef idx="1">
+              <a:schemeClr val="accent1"/>
+            </a:lnRef>
+            <a:fillRef idx="0">
+              <a:schemeClr val="accent1"/>
+            </a:fillRef>
+            <a:effectRef idx="0">
+              <a:schemeClr val="accent1"/>
+            </a:effectRef>
+            <a:fontRef idx="minor">
+              <a:schemeClr val="tx1"/>
+            </a:fontRef>
+          </p:style>
+        </p:cxnSp>
+        <p:sp>
+          <p:nvSpPr>
+            <p:cNvPr id="59" name="矩形 58">
+              <a:extLst>
+                <a:ext uri="{FF2B5EF4-FFF2-40B4-BE49-F238E27FC236}">
+                  <a16:creationId xmlns:a16="http://schemas.microsoft.com/office/drawing/2014/main" id="{B54EA74E-4EE4-46E6-9C5A-A1D570BEDF07}"/>
+                </a:ext>
+              </a:extLst>
+            </p:cNvPr>
+            <p:cNvSpPr/>
+            <p:nvPr/>
+          </p:nvSpPr>
+          <p:spPr>
+            <a:xfrm>
+              <a:off x="2179708" y="2009224"/>
+              <a:ext cx="1033686" cy="835200"/>
+            </a:xfrm>
+            <a:prstGeom prst="rect">
+              <a:avLst/>
+            </a:prstGeom>
+          </p:spPr>
+          <p:style>
+            <a:lnRef idx="2">
+              <a:schemeClr val="accent3">
+                <a:shade val="50000"/>
+              </a:schemeClr>
+            </a:lnRef>
+            <a:fillRef idx="1">
+              <a:schemeClr val="accent3"/>
+            </a:fillRef>
+            <a:effectRef idx="0">
+              <a:schemeClr val="accent3"/>
+            </a:effectRef>
+            <a:fontRef idx="minor">
+              <a:schemeClr val="lt1"/>
+            </a:fontRef>
+          </p:style>
+          <p:txBody>
+            <a:bodyPr rtlCol="0" anchor="ctr"/>
+            <a:lstStyle/>
+            <a:p>
+              <a:pPr algn="ctr"/>
+              <a:r>
+                <a:rPr lang="en-US" altLang="zh-CN" sz="1400" dirty="0"/>
+                <a:t>Web</a:t>
+              </a:r>
+            </a:p>
+            <a:p>
+              <a:pPr algn="ctr"/>
+              <a:r>
+                <a:rPr lang="en-US" altLang="zh-CN" sz="1400" dirty="0"/>
+                <a:t>Front</a:t>
+              </a:r>
+            </a:p>
+            <a:p>
+              <a:pPr algn="ctr"/>
+              <a:r>
+                <a:rPr lang="en-US" altLang="zh-CN" sz="1400" dirty="0"/>
+                <a:t>End</a:t>
+              </a:r>
+              <a:endParaRPr lang="zh-CN" altLang="en-US" sz="1400" dirty="0"/>
+            </a:p>
+          </p:txBody>
+        </p:sp>
+        <p:sp>
+          <p:nvSpPr>
+            <p:cNvPr id="61" name="矩形 60">
+              <a:extLst>
+                <a:ext uri="{FF2B5EF4-FFF2-40B4-BE49-F238E27FC236}">
+                  <a16:creationId xmlns:a16="http://schemas.microsoft.com/office/drawing/2014/main" id="{C8508FB9-AEC1-471D-9B36-6ED64CC1A66F}"/>
+                </a:ext>
+              </a:extLst>
+            </p:cNvPr>
+            <p:cNvSpPr/>
+            <p:nvPr/>
+          </p:nvSpPr>
+          <p:spPr>
+            <a:xfrm>
+              <a:off x="3634921" y="2001325"/>
+              <a:ext cx="1147818" cy="835200"/>
+            </a:xfrm>
+            <a:prstGeom prst="rect">
+              <a:avLst/>
+            </a:prstGeom>
+          </p:spPr>
+          <p:style>
+            <a:lnRef idx="2">
+              <a:schemeClr val="accent1">
+                <a:shade val="50000"/>
+              </a:schemeClr>
+            </a:lnRef>
+            <a:fillRef idx="1">
+              <a:schemeClr val="accent1"/>
+            </a:fillRef>
+            <a:effectRef idx="0">
+              <a:schemeClr val="accent1"/>
+            </a:effectRef>
+            <a:fontRef idx="minor">
+              <a:schemeClr val="lt1"/>
+            </a:fontRef>
+          </p:style>
+          <p:txBody>
+            <a:bodyPr rtlCol="0" anchor="ctr"/>
+            <a:lstStyle/>
+            <a:p>
+              <a:pPr algn="ctr"/>
+              <a:r>
+                <a:rPr lang="en-US" altLang="zh-CN" dirty="0"/>
+                <a:t>Request</a:t>
+              </a:r>
+            </a:p>
+            <a:p>
+              <a:pPr algn="ctr"/>
+              <a:r>
+                <a:rPr lang="en-US" altLang="zh-CN"/>
+                <a:t>Pre-Processor</a:t>
+              </a:r>
+              <a:endParaRPr lang="zh-CN" altLang="en-US" dirty="0"/>
+            </a:p>
+          </p:txBody>
+        </p:sp>
+        <p:sp>
+          <p:nvSpPr>
+            <p:cNvPr id="50" name="矩形 49">
+              <a:extLst>
+                <a:ext uri="{FF2B5EF4-FFF2-40B4-BE49-F238E27FC236}">
+                  <a16:creationId xmlns:a16="http://schemas.microsoft.com/office/drawing/2014/main" id="{AFE1E952-59E8-4FF2-A66D-F515CD3C45FE}"/>
+                </a:ext>
+              </a:extLst>
+            </p:cNvPr>
+            <p:cNvSpPr/>
+            <p:nvPr/>
+          </p:nvSpPr>
+          <p:spPr>
+            <a:xfrm>
+              <a:off x="1951646" y="1830904"/>
+              <a:ext cx="3068255" cy="1405020"/>
+            </a:xfrm>
+            <a:prstGeom prst="rect">
+              <a:avLst/>
+            </a:prstGeom>
+            <a:noFill/>
+            <a:ln w="57150"/>
+          </p:spPr>
+          <p:style>
+            <a:lnRef idx="2">
+              <a:schemeClr val="accent6"/>
+            </a:lnRef>
+            <a:fillRef idx="1">
+              <a:schemeClr val="lt1"/>
+            </a:fillRef>
+            <a:effectRef idx="0">
+              <a:schemeClr val="accent6"/>
+            </a:effectRef>
+            <a:fontRef idx="minor">
+              <a:schemeClr val="dk1"/>
+            </a:fontRef>
+          </p:style>
+          <p:txBody>
+            <a:bodyPr rtlCol="0" anchor="ctr"/>
+            <a:lstStyle/>
+            <a:p>
+              <a:pPr algn="ctr"/>
+              <a:endParaRPr lang="zh-CN" altLang="en-US" b="1">
+                <a:solidFill>
+                  <a:schemeClr val="dk1"/>
+                </a:solidFill>
+              </a:endParaRPr>
+            </a:p>
+          </p:txBody>
+        </p:sp>
+        <p:sp>
+          <p:nvSpPr>
+            <p:cNvPr id="51" name="文本框 50">
+              <a:extLst>
+                <a:ext uri="{FF2B5EF4-FFF2-40B4-BE49-F238E27FC236}">
+                  <a16:creationId xmlns:a16="http://schemas.microsoft.com/office/drawing/2014/main" id="{E8A762F4-6C66-4ED1-8F68-8297BF2887E0}"/>
+                </a:ext>
+              </a:extLst>
+            </p:cNvPr>
+            <p:cNvSpPr txBox="1"/>
+            <p:nvPr/>
+          </p:nvSpPr>
+          <p:spPr>
+            <a:xfrm>
+              <a:off x="2896008" y="2810803"/>
+              <a:ext cx="1324402" cy="369332"/>
+            </a:xfrm>
+            <a:prstGeom prst="rect">
+              <a:avLst/>
+            </a:prstGeom>
+            <a:noFill/>
+          </p:spPr>
+          <p:txBody>
+            <a:bodyPr wrap="none" rtlCol="0">
+              <a:spAutoFit/>
+            </a:bodyPr>
+            <a:lstStyle/>
+            <a:p>
+              <a:r>
+                <a:rPr lang="en-US" altLang="zh-CN" b="1" dirty="0">
+                  <a:effectLst/>
+                  <a:latin typeface="Consolas" panose="020B0609020204030204" pitchFamily="49" charset="0"/>
+                </a:rPr>
+                <a:t>Dashboard</a:t>
+              </a:r>
+            </a:p>
+          </p:txBody>
+        </p:sp>
+      </p:grpSp>
+    </p:spTree>
+    <p:extLst>
+      <p:ext uri="{BB962C8B-B14F-4D97-AF65-F5344CB8AC3E}">
+        <p14:creationId xmlns:p14="http://schemas.microsoft.com/office/powerpoint/2010/main" val="2849545697"/>
+      </p:ext>
+    </p:extLst>
+  </p:cSld>
+  <p:clrMapOvr>
+    <a:masterClrMapping/>
+  </p:clrMapOvr>
+</p:sld>
+</file>
+
+<file path=ppt/slides/slide3.xml><?xml version="1.0" encoding="utf-8"?>
+<p:sld xmlns:a="http://schemas.openxmlformats.org/drawingml/2006/main" xmlns:r="http://schemas.openxmlformats.org/officeDocument/2006/relationships" xmlns:p="http://schemas.openxmlformats.org/presentationml/2006/main">
+  <p:cSld>
+    <p:spTree>
+      <p:nvGrpSpPr>
+        <p:cNvPr id="1" name=""/>
+        <p:cNvGrpSpPr/>
+        <p:nvPr/>
+      </p:nvGrpSpPr>
+      <p:grpSpPr>
+        <a:xfrm>
+          <a:off x="0" y="0"/>
+          <a:ext cx="0" cy="0"/>
+          <a:chOff x="0" y="0"/>
+          <a:chExt cx="0" cy="0"/>
+        </a:xfrm>
+      </p:grpSpPr>
+      <p:sp>
+        <p:nvSpPr>
+          <p:cNvPr id="70" name="文本框 69">
+            <a:extLst>
+              <a:ext uri="{FF2B5EF4-FFF2-40B4-BE49-F238E27FC236}">
+                <a16:creationId xmlns:a16="http://schemas.microsoft.com/office/drawing/2014/main" id="{696C3A7B-AA2B-4EE2-892C-D0F03840A9C9}"/>
               </a:ext>
             </a:extLst>
           </p:cNvPr>
@@ -7498,8 +8685,8 @@
         </p:nvSpPr>
         <p:spPr>
           <a:xfrm>
-            <a:off x="9273957" y="588376"/>
-            <a:ext cx="2803170" cy="1190138"/>
+            <a:off x="10073462" y="903835"/>
+            <a:ext cx="1928728" cy="1190138"/>
           </a:xfrm>
           <a:prstGeom prst="rect">
             <a:avLst/>
@@ -7641,1294 +8828,6 @@
       </p:sp>
       <p:sp>
         <p:nvSpPr>
-          <p:cNvPr id="128" name="矩形 127">
-            <a:extLst>
-              <a:ext uri="{FF2B5EF4-FFF2-40B4-BE49-F238E27FC236}">
-                <a16:creationId xmlns:a16="http://schemas.microsoft.com/office/drawing/2014/main" id="{1FCE7B30-5143-4641-9826-62A1F71F077F}"/>
-              </a:ext>
-            </a:extLst>
-          </p:cNvPr>
-          <p:cNvSpPr/>
-          <p:nvPr/>
-        </p:nvSpPr>
-        <p:spPr>
-          <a:xfrm>
-            <a:off x="6023282" y="2001325"/>
-            <a:ext cx="1633586" cy="833736"/>
-          </a:xfrm>
-          <a:prstGeom prst="rect">
-            <a:avLst/>
-          </a:prstGeom>
-        </p:spPr>
-        <p:style>
-          <a:lnRef idx="2">
-            <a:schemeClr val="accent1">
-              <a:shade val="50000"/>
-            </a:schemeClr>
-          </a:lnRef>
-          <a:fillRef idx="1">
-            <a:schemeClr val="accent1"/>
-          </a:fillRef>
-          <a:effectRef idx="0">
-            <a:schemeClr val="accent1"/>
-          </a:effectRef>
-          <a:fontRef idx="minor">
-            <a:schemeClr val="lt1"/>
-          </a:fontRef>
-        </p:style>
-        <p:txBody>
-          <a:bodyPr rtlCol="0" anchor="ctr"/>
-          <a:lstStyle/>
-          <a:p>
-            <a:pPr algn="ctr"/>
-            <a:r>
-              <a:rPr lang="en-US" altLang="zh-CN" dirty="0"/>
-              <a:t>Orchestration</a:t>
-            </a:r>
-            <a:endParaRPr lang="zh-CN" altLang="en-US" dirty="0"/>
-          </a:p>
-        </p:txBody>
-      </p:sp>
-      <p:sp>
-        <p:nvSpPr>
-          <p:cNvPr id="129" name="圆柱体 128">
-            <a:extLst>
-              <a:ext uri="{FF2B5EF4-FFF2-40B4-BE49-F238E27FC236}">
-                <a16:creationId xmlns:a16="http://schemas.microsoft.com/office/drawing/2014/main" id="{A2FB7CD0-5085-4D6F-85F9-38FBC02561B0}"/>
-              </a:ext>
-            </a:extLst>
-          </p:cNvPr>
-          <p:cNvSpPr/>
-          <p:nvPr/>
-        </p:nvSpPr>
-        <p:spPr>
-          <a:xfrm>
-            <a:off x="5931680" y="933586"/>
-            <a:ext cx="1805812" cy="719423"/>
-          </a:xfrm>
-          <a:prstGeom prst="can">
-            <a:avLst/>
-          </a:prstGeom>
-        </p:spPr>
-        <p:style>
-          <a:lnRef idx="2">
-            <a:schemeClr val="accent1">
-              <a:shade val="50000"/>
-            </a:schemeClr>
-          </a:lnRef>
-          <a:fillRef idx="1">
-            <a:schemeClr val="accent1"/>
-          </a:fillRef>
-          <a:effectRef idx="0">
-            <a:schemeClr val="accent1"/>
-          </a:effectRef>
-          <a:fontRef idx="minor">
-            <a:schemeClr val="lt1"/>
-          </a:fontRef>
-        </p:style>
-        <p:txBody>
-          <a:bodyPr rtlCol="0" anchor="ctr"/>
-          <a:lstStyle/>
-          <a:p>
-            <a:pPr algn="ctr"/>
-            <a:r>
-              <a:rPr lang="en-US" altLang="zh-CN" dirty="0"/>
-              <a:t>Database</a:t>
-            </a:r>
-          </a:p>
-        </p:txBody>
-      </p:sp>
-      <p:cxnSp>
-        <p:nvCxnSpPr>
-          <p:cNvPr id="130" name="直接箭头连接符 129">
-            <a:extLst>
-              <a:ext uri="{FF2B5EF4-FFF2-40B4-BE49-F238E27FC236}">
-                <a16:creationId xmlns:a16="http://schemas.microsoft.com/office/drawing/2014/main" id="{720FF18F-9C13-451C-BAC5-0EAD81FAFFE6}"/>
-              </a:ext>
-            </a:extLst>
-          </p:cNvPr>
-          <p:cNvCxnSpPr>
-            <a:cxnSpLocks/>
-            <a:stCxn id="129" idx="3"/>
-            <a:endCxn id="128" idx="0"/>
-          </p:cNvCxnSpPr>
-          <p:nvPr/>
-        </p:nvCxnSpPr>
-        <p:spPr>
-          <a:xfrm>
-            <a:off x="6834586" y="1653009"/>
-            <a:ext cx="5489" cy="348316"/>
-          </a:xfrm>
-          <a:prstGeom prst="straightConnector1">
-            <a:avLst/>
-          </a:prstGeom>
-          <a:ln w="28575">
-            <a:tailEnd type="triangle"/>
-          </a:ln>
-        </p:spPr>
-        <p:style>
-          <a:lnRef idx="2">
-            <a:schemeClr val="accent6"/>
-          </a:lnRef>
-          <a:fillRef idx="0">
-            <a:schemeClr val="accent6"/>
-          </a:fillRef>
-          <a:effectRef idx="1">
-            <a:schemeClr val="accent6"/>
-          </a:effectRef>
-          <a:fontRef idx="minor">
-            <a:schemeClr val="tx1"/>
-          </a:fontRef>
-        </p:style>
-      </p:cxnSp>
-      <p:sp>
-        <p:nvSpPr>
-          <p:cNvPr id="132" name="矩形 131">
-            <a:extLst>
-              <a:ext uri="{FF2B5EF4-FFF2-40B4-BE49-F238E27FC236}">
-                <a16:creationId xmlns:a16="http://schemas.microsoft.com/office/drawing/2014/main" id="{026F66B6-A934-4A33-AFAB-3BC270019F80}"/>
-              </a:ext>
-            </a:extLst>
-          </p:cNvPr>
-          <p:cNvSpPr/>
-          <p:nvPr/>
-        </p:nvSpPr>
-        <p:spPr>
-          <a:xfrm>
-            <a:off x="294855" y="1541292"/>
-            <a:ext cx="771224" cy="1741080"/>
-          </a:xfrm>
-          <a:prstGeom prst="rect">
-            <a:avLst/>
-          </a:prstGeom>
-        </p:spPr>
-        <p:style>
-          <a:lnRef idx="2">
-            <a:schemeClr val="accent3">
-              <a:shade val="50000"/>
-            </a:schemeClr>
-          </a:lnRef>
-          <a:fillRef idx="1">
-            <a:schemeClr val="accent3"/>
-          </a:fillRef>
-          <a:effectRef idx="0">
-            <a:schemeClr val="accent3"/>
-          </a:effectRef>
-          <a:fontRef idx="minor">
-            <a:schemeClr val="lt1"/>
-          </a:fontRef>
-        </p:style>
-        <p:txBody>
-          <a:bodyPr rtlCol="0" anchor="ctr"/>
-          <a:lstStyle/>
-          <a:p>
-            <a:pPr algn="ctr"/>
-            <a:r>
-              <a:rPr lang="en-US" altLang="zh-CN" sz="1400" dirty="0"/>
-              <a:t>Web</a:t>
-            </a:r>
-          </a:p>
-          <a:p>
-            <a:pPr algn="ctr"/>
-            <a:r>
-              <a:rPr lang="en-US" altLang="zh-CN" sz="1400" dirty="0"/>
-              <a:t>Front</a:t>
-            </a:r>
-          </a:p>
-          <a:p>
-            <a:pPr algn="ctr"/>
-            <a:r>
-              <a:rPr lang="en-US" altLang="zh-CN" sz="1400" dirty="0"/>
-              <a:t>End</a:t>
-            </a:r>
-            <a:endParaRPr lang="zh-CN" altLang="en-US" sz="1400" dirty="0"/>
-          </a:p>
-        </p:txBody>
-      </p:sp>
-      <p:sp>
-        <p:nvSpPr>
-          <p:cNvPr id="133" name="矩形 132">
-            <a:extLst>
-              <a:ext uri="{FF2B5EF4-FFF2-40B4-BE49-F238E27FC236}">
-                <a16:creationId xmlns:a16="http://schemas.microsoft.com/office/drawing/2014/main" id="{86C17C4F-A5D8-426D-B92D-DFB25733143A}"/>
-              </a:ext>
-            </a:extLst>
-          </p:cNvPr>
-          <p:cNvSpPr/>
-          <p:nvPr/>
-        </p:nvSpPr>
-        <p:spPr>
-          <a:xfrm>
-            <a:off x="1982240" y="1541291"/>
-            <a:ext cx="1642789" cy="592210"/>
-          </a:xfrm>
-          <a:prstGeom prst="rect">
-            <a:avLst/>
-          </a:prstGeom>
-        </p:spPr>
-        <p:style>
-          <a:lnRef idx="2">
-            <a:schemeClr val="accent3">
-              <a:shade val="50000"/>
-            </a:schemeClr>
-          </a:lnRef>
-          <a:fillRef idx="1">
-            <a:schemeClr val="accent3"/>
-          </a:fillRef>
-          <a:effectRef idx="0">
-            <a:schemeClr val="accent3"/>
-          </a:effectRef>
-          <a:fontRef idx="minor">
-            <a:schemeClr val="lt1"/>
-          </a:fontRef>
-        </p:style>
-        <p:txBody>
-          <a:bodyPr rtlCol="0" anchor="ctr"/>
-          <a:lstStyle/>
-          <a:p>
-            <a:pPr algn="ctr"/>
-            <a:r>
-              <a:rPr lang="en-US" altLang="zh-CN" sz="1400" dirty="0"/>
-              <a:t>create SFC request </a:t>
-            </a:r>
-            <a:endParaRPr lang="zh-CN" altLang="en-US" sz="1400" dirty="0"/>
-          </a:p>
-        </p:txBody>
-      </p:sp>
-      <p:sp>
-        <p:nvSpPr>
-          <p:cNvPr id="134" name="矩形 133">
-            <a:extLst>
-              <a:ext uri="{FF2B5EF4-FFF2-40B4-BE49-F238E27FC236}">
-                <a16:creationId xmlns:a16="http://schemas.microsoft.com/office/drawing/2014/main" id="{4A67718F-2A82-404D-A918-DECA843D554B}"/>
-              </a:ext>
-            </a:extLst>
-          </p:cNvPr>
-          <p:cNvSpPr/>
-          <p:nvPr/>
-        </p:nvSpPr>
-        <p:spPr>
-          <a:xfrm>
-            <a:off x="1986767" y="2141566"/>
-            <a:ext cx="1633587" cy="524819"/>
-          </a:xfrm>
-          <a:prstGeom prst="rect">
-            <a:avLst/>
-          </a:prstGeom>
-        </p:spPr>
-        <p:style>
-          <a:lnRef idx="2">
-            <a:schemeClr val="accent3">
-              <a:shade val="50000"/>
-            </a:schemeClr>
-          </a:lnRef>
-          <a:fillRef idx="1">
-            <a:schemeClr val="accent3"/>
-          </a:fillRef>
-          <a:effectRef idx="0">
-            <a:schemeClr val="accent3"/>
-          </a:effectRef>
-          <a:fontRef idx="minor">
-            <a:schemeClr val="lt1"/>
-          </a:fontRef>
-        </p:style>
-        <p:txBody>
-          <a:bodyPr rtlCol="0" anchor="ctr"/>
-          <a:lstStyle/>
-          <a:p>
-            <a:pPr algn="ctr"/>
-            <a:r>
-              <a:rPr lang="en-US" altLang="zh-CN" sz="1400" dirty="0"/>
-              <a:t>get SFC request </a:t>
-            </a:r>
-            <a:endParaRPr lang="zh-CN" altLang="en-US" sz="1400" dirty="0"/>
-          </a:p>
-        </p:txBody>
-      </p:sp>
-      <p:sp>
-        <p:nvSpPr>
-          <p:cNvPr id="135" name="矩形 134">
-            <a:extLst>
-              <a:ext uri="{FF2B5EF4-FFF2-40B4-BE49-F238E27FC236}">
-                <a16:creationId xmlns:a16="http://schemas.microsoft.com/office/drawing/2014/main" id="{CEA7101D-A6E9-4AB0-BE61-53F994D0E705}"/>
-              </a:ext>
-            </a:extLst>
-          </p:cNvPr>
-          <p:cNvSpPr/>
-          <p:nvPr/>
-        </p:nvSpPr>
-        <p:spPr>
-          <a:xfrm>
-            <a:off x="1991660" y="2674450"/>
-            <a:ext cx="1633586" cy="607921"/>
-          </a:xfrm>
-          <a:prstGeom prst="rect">
-            <a:avLst/>
-          </a:prstGeom>
-        </p:spPr>
-        <p:style>
-          <a:lnRef idx="2">
-            <a:schemeClr val="accent3">
-              <a:shade val="50000"/>
-            </a:schemeClr>
-          </a:lnRef>
-          <a:fillRef idx="1">
-            <a:schemeClr val="accent3"/>
-          </a:fillRef>
-          <a:effectRef idx="0">
-            <a:schemeClr val="accent3"/>
-          </a:effectRef>
-          <a:fontRef idx="minor">
-            <a:schemeClr val="lt1"/>
-          </a:fontRef>
-        </p:style>
-        <p:txBody>
-          <a:bodyPr rtlCol="0" anchor="ctr"/>
-          <a:lstStyle/>
-          <a:p>
-            <a:pPr algn="ctr"/>
-            <a:r>
-              <a:rPr lang="en-US" altLang="zh-CN" sz="1400" dirty="0"/>
-              <a:t>delete SFC request </a:t>
-            </a:r>
-            <a:endParaRPr lang="zh-CN" altLang="en-US" sz="1400" dirty="0"/>
-          </a:p>
-        </p:txBody>
-      </p:sp>
-      <p:sp>
-        <p:nvSpPr>
-          <p:cNvPr id="136" name="矩形 135">
-            <a:extLst>
-              <a:ext uri="{FF2B5EF4-FFF2-40B4-BE49-F238E27FC236}">
-                <a16:creationId xmlns:a16="http://schemas.microsoft.com/office/drawing/2014/main" id="{75B4CC28-EBD4-4646-9915-8E83E01D7DC9}"/>
-              </a:ext>
-            </a:extLst>
-          </p:cNvPr>
-          <p:cNvSpPr/>
-          <p:nvPr/>
-        </p:nvSpPr>
-        <p:spPr>
-          <a:xfrm>
-            <a:off x="1388364" y="1541292"/>
-            <a:ext cx="602608" cy="1741080"/>
-          </a:xfrm>
-          <a:prstGeom prst="rect">
-            <a:avLst/>
-          </a:prstGeom>
-        </p:spPr>
-        <p:style>
-          <a:lnRef idx="2">
-            <a:schemeClr val="accent3">
-              <a:shade val="50000"/>
-            </a:schemeClr>
-          </a:lnRef>
-          <a:fillRef idx="1">
-            <a:schemeClr val="accent3"/>
-          </a:fillRef>
-          <a:effectRef idx="0">
-            <a:schemeClr val="accent3"/>
-          </a:effectRef>
-          <a:fontRef idx="minor">
-            <a:schemeClr val="lt1"/>
-          </a:fontRef>
-        </p:style>
-        <p:txBody>
-          <a:bodyPr rtlCol="0" anchor="ctr"/>
-          <a:lstStyle/>
-          <a:p>
-            <a:pPr algn="ctr"/>
-            <a:r>
-              <a:rPr lang="en-US" altLang="zh-CN" sz="1400" dirty="0" err="1"/>
-              <a:t>Cmd</a:t>
-            </a:r>
-            <a:endParaRPr lang="zh-CN" altLang="en-US" sz="1400" dirty="0"/>
-          </a:p>
-        </p:txBody>
-      </p:sp>
-      <p:cxnSp>
-        <p:nvCxnSpPr>
-          <p:cNvPr id="138" name="直接箭头连接符 137">
-            <a:extLst>
-              <a:ext uri="{FF2B5EF4-FFF2-40B4-BE49-F238E27FC236}">
-                <a16:creationId xmlns:a16="http://schemas.microsoft.com/office/drawing/2014/main" id="{FA9E6563-F527-411F-800B-C382985FC12D}"/>
-              </a:ext>
-            </a:extLst>
-          </p:cNvPr>
-          <p:cNvCxnSpPr>
-            <a:cxnSpLocks/>
-            <a:stCxn id="132" idx="3"/>
-            <a:endCxn id="136" idx="1"/>
-          </p:cNvCxnSpPr>
-          <p:nvPr/>
-        </p:nvCxnSpPr>
-        <p:spPr>
-          <a:xfrm>
-            <a:off x="1066079" y="2411832"/>
-            <a:ext cx="322285" cy="0"/>
-          </a:xfrm>
-          <a:prstGeom prst="straightConnector1">
-            <a:avLst/>
-          </a:prstGeom>
-          <a:ln>
-            <a:tailEnd type="triangle"/>
-          </a:ln>
-        </p:spPr>
-        <p:style>
-          <a:lnRef idx="1">
-            <a:schemeClr val="accent1"/>
-          </a:lnRef>
-          <a:fillRef idx="0">
-            <a:schemeClr val="accent1"/>
-          </a:fillRef>
-          <a:effectRef idx="0">
-            <a:schemeClr val="accent1"/>
-          </a:effectRef>
-          <a:fontRef idx="minor">
-            <a:schemeClr val="tx1"/>
-          </a:fontRef>
-        </p:style>
-      </p:cxnSp>
-      <p:sp>
-        <p:nvSpPr>
-          <p:cNvPr id="139" name="矩形 138">
-            <a:extLst>
-              <a:ext uri="{FF2B5EF4-FFF2-40B4-BE49-F238E27FC236}">
-                <a16:creationId xmlns:a16="http://schemas.microsoft.com/office/drawing/2014/main" id="{71796163-4E76-4936-BD2D-F000BAEBC584}"/>
-              </a:ext>
-            </a:extLst>
-          </p:cNvPr>
-          <p:cNvSpPr/>
-          <p:nvPr/>
-        </p:nvSpPr>
-        <p:spPr>
-          <a:xfrm>
-            <a:off x="8342024" y="2026055"/>
-            <a:ext cx="1240543" cy="809006"/>
-          </a:xfrm>
-          <a:prstGeom prst="rect">
-            <a:avLst/>
-          </a:prstGeom>
-        </p:spPr>
-        <p:style>
-          <a:lnRef idx="2">
-            <a:schemeClr val="accent1">
-              <a:shade val="50000"/>
-            </a:schemeClr>
-          </a:lnRef>
-          <a:fillRef idx="1">
-            <a:schemeClr val="accent1"/>
-          </a:fillRef>
-          <a:effectRef idx="0">
-            <a:schemeClr val="accent1"/>
-          </a:effectRef>
-          <a:fontRef idx="minor">
-            <a:schemeClr val="lt1"/>
-          </a:fontRef>
-        </p:style>
-        <p:txBody>
-          <a:bodyPr rtlCol="0" anchor="ctr"/>
-          <a:lstStyle/>
-          <a:p>
-            <a:pPr algn="ctr"/>
-            <a:r>
-              <a:rPr lang="en-US" altLang="zh-CN" dirty="0"/>
-              <a:t>Adaptive</a:t>
-            </a:r>
-            <a:endParaRPr lang="zh-CN" altLang="en-US" dirty="0"/>
-          </a:p>
-        </p:txBody>
-      </p:sp>
-      <p:sp>
-        <p:nvSpPr>
-          <p:cNvPr id="140" name="矩形 139">
-            <a:extLst>
-              <a:ext uri="{FF2B5EF4-FFF2-40B4-BE49-F238E27FC236}">
-                <a16:creationId xmlns:a16="http://schemas.microsoft.com/office/drawing/2014/main" id="{8B41CDAD-998B-423B-87E0-CC56D6DEF4CA}"/>
-              </a:ext>
-            </a:extLst>
-          </p:cNvPr>
-          <p:cNvSpPr/>
-          <p:nvPr/>
-        </p:nvSpPr>
-        <p:spPr>
-          <a:xfrm>
-            <a:off x="3629432" y="1543447"/>
-            <a:ext cx="1147818" cy="1738923"/>
-          </a:xfrm>
-          <a:prstGeom prst="rect">
-            <a:avLst/>
-          </a:prstGeom>
-        </p:spPr>
-        <p:style>
-          <a:lnRef idx="2">
-            <a:schemeClr val="accent1">
-              <a:shade val="50000"/>
-            </a:schemeClr>
-          </a:lnRef>
-          <a:fillRef idx="1">
-            <a:schemeClr val="accent1"/>
-          </a:fillRef>
-          <a:effectRef idx="0">
-            <a:schemeClr val="accent1"/>
-          </a:effectRef>
-          <a:fontRef idx="minor">
-            <a:schemeClr val="lt1"/>
-          </a:fontRef>
-        </p:style>
-        <p:txBody>
-          <a:bodyPr rtlCol="0" anchor="ctr"/>
-          <a:lstStyle/>
-          <a:p>
-            <a:pPr algn="ctr"/>
-            <a:r>
-              <a:rPr lang="en-US" altLang="zh-CN" dirty="0"/>
-              <a:t>Request</a:t>
-            </a:r>
-          </a:p>
-          <a:p>
-            <a:pPr algn="ctr"/>
-            <a:r>
-              <a:rPr lang="en-US" altLang="zh-CN" dirty="0"/>
-              <a:t>Processor</a:t>
-            </a:r>
-            <a:endParaRPr lang="zh-CN" altLang="en-US" dirty="0"/>
-          </a:p>
-        </p:txBody>
-      </p:sp>
-      <p:cxnSp>
-        <p:nvCxnSpPr>
-          <p:cNvPr id="141" name="直接箭头连接符 140">
-            <a:extLst>
-              <a:ext uri="{FF2B5EF4-FFF2-40B4-BE49-F238E27FC236}">
-                <a16:creationId xmlns:a16="http://schemas.microsoft.com/office/drawing/2014/main" id="{773A53DF-50E5-4AD7-8D88-E79EC9B65F07}"/>
-              </a:ext>
-            </a:extLst>
-          </p:cNvPr>
-          <p:cNvCxnSpPr>
-            <a:cxnSpLocks/>
-            <a:stCxn id="140" idx="3"/>
-            <a:endCxn id="129" idx="3"/>
-          </p:cNvCxnSpPr>
-          <p:nvPr/>
-        </p:nvCxnSpPr>
-        <p:spPr>
-          <a:xfrm flipV="1">
-            <a:off x="4777250" y="1653009"/>
-            <a:ext cx="2057336" cy="759900"/>
-          </a:xfrm>
-          <a:prstGeom prst="straightConnector1">
-            <a:avLst/>
-          </a:prstGeom>
-          <a:ln w="28575">
-            <a:tailEnd type="triangle"/>
-          </a:ln>
-        </p:spPr>
-        <p:style>
-          <a:lnRef idx="2">
-            <a:schemeClr val="accent6"/>
-          </a:lnRef>
-          <a:fillRef idx="0">
-            <a:schemeClr val="accent6"/>
-          </a:fillRef>
-          <a:effectRef idx="1">
-            <a:schemeClr val="accent6"/>
-          </a:effectRef>
-          <a:fontRef idx="minor">
-            <a:schemeClr val="tx1"/>
-          </a:fontRef>
-        </p:style>
-      </p:cxnSp>
-      <p:cxnSp>
-        <p:nvCxnSpPr>
-          <p:cNvPr id="142" name="直接箭头连接符 141">
-            <a:extLst>
-              <a:ext uri="{FF2B5EF4-FFF2-40B4-BE49-F238E27FC236}">
-                <a16:creationId xmlns:a16="http://schemas.microsoft.com/office/drawing/2014/main" id="{09A95B6D-FD5A-405B-B8A6-C09546D2C75C}"/>
-              </a:ext>
-            </a:extLst>
-          </p:cNvPr>
-          <p:cNvCxnSpPr>
-            <a:cxnSpLocks/>
-            <a:stCxn id="129" idx="3"/>
-            <a:endCxn id="139" idx="0"/>
-          </p:cNvCxnSpPr>
-          <p:nvPr/>
-        </p:nvCxnSpPr>
-        <p:spPr>
-          <a:xfrm>
-            <a:off x="6834586" y="1653009"/>
-            <a:ext cx="2127710" cy="373046"/>
-          </a:xfrm>
-          <a:prstGeom prst="straightConnector1">
-            <a:avLst/>
-          </a:prstGeom>
-          <a:ln w="28575">
-            <a:tailEnd type="triangle"/>
-          </a:ln>
-        </p:spPr>
-        <p:style>
-          <a:lnRef idx="2">
-            <a:schemeClr val="accent6"/>
-          </a:lnRef>
-          <a:fillRef idx="0">
-            <a:schemeClr val="accent6"/>
-          </a:fillRef>
-          <a:effectRef idx="1">
-            <a:schemeClr val="accent6"/>
-          </a:effectRef>
-          <a:fontRef idx="minor">
-            <a:schemeClr val="tx1"/>
-          </a:fontRef>
-        </p:style>
-      </p:cxnSp>
-      <p:cxnSp>
-        <p:nvCxnSpPr>
-          <p:cNvPr id="143" name="直接箭头连接符 142">
-            <a:extLst>
-              <a:ext uri="{FF2B5EF4-FFF2-40B4-BE49-F238E27FC236}">
-                <a16:creationId xmlns:a16="http://schemas.microsoft.com/office/drawing/2014/main" id="{52ED35B8-BB3F-4E85-A202-960BADF4A145}"/>
-              </a:ext>
-            </a:extLst>
-          </p:cNvPr>
-          <p:cNvCxnSpPr>
-            <a:cxnSpLocks/>
-            <a:stCxn id="128" idx="3"/>
-            <a:endCxn id="139" idx="1"/>
-          </p:cNvCxnSpPr>
-          <p:nvPr/>
-        </p:nvCxnSpPr>
-        <p:spPr>
-          <a:xfrm>
-            <a:off x="7656868" y="2418193"/>
-            <a:ext cx="685156" cy="12365"/>
-          </a:xfrm>
-          <a:prstGeom prst="straightConnector1">
-            <a:avLst/>
-          </a:prstGeom>
-          <a:ln w="38100" cap="flat" cmpd="sng" algn="ctr">
-            <a:solidFill>
-              <a:srgbClr val="FFC000"/>
-            </a:solidFill>
-            <a:prstDash val="dash"/>
-            <a:round/>
-            <a:headEnd type="none" w="med" len="med"/>
-            <a:tailEnd type="none" w="med" len="med"/>
-          </a:ln>
-        </p:spPr>
-        <p:style>
-          <a:lnRef idx="0">
-            <a:scrgbClr r="0" g="0" b="0"/>
-          </a:lnRef>
-          <a:fillRef idx="0">
-            <a:scrgbClr r="0" g="0" b="0"/>
-          </a:fillRef>
-          <a:effectRef idx="0">
-            <a:scrgbClr r="0" g="0" b="0"/>
-          </a:effectRef>
-          <a:fontRef idx="minor">
-            <a:schemeClr val="tx1"/>
-          </a:fontRef>
-        </p:style>
-      </p:cxnSp>
-      <p:cxnSp>
-        <p:nvCxnSpPr>
-          <p:cNvPr id="144" name="直接箭头连接符 143">
-            <a:extLst>
-              <a:ext uri="{FF2B5EF4-FFF2-40B4-BE49-F238E27FC236}">
-                <a16:creationId xmlns:a16="http://schemas.microsoft.com/office/drawing/2014/main" id="{2394FA7A-AF39-46E8-B866-C1D7052F993C}"/>
-              </a:ext>
-            </a:extLst>
-          </p:cNvPr>
-          <p:cNvCxnSpPr>
-            <a:cxnSpLocks/>
-            <a:stCxn id="128" idx="1"/>
-            <a:endCxn id="140" idx="3"/>
-          </p:cNvCxnSpPr>
-          <p:nvPr/>
-        </p:nvCxnSpPr>
-        <p:spPr>
-          <a:xfrm flipH="1" flipV="1">
-            <a:off x="4777250" y="2412909"/>
-            <a:ext cx="1246032" cy="5284"/>
-          </a:xfrm>
-          <a:prstGeom prst="straightConnector1">
-            <a:avLst/>
-          </a:prstGeom>
-          <a:ln w="38100" cap="flat" cmpd="sng" algn="ctr">
-            <a:solidFill>
-              <a:srgbClr val="FFC000"/>
-            </a:solidFill>
-            <a:prstDash val="dash"/>
-            <a:round/>
-            <a:headEnd type="none" w="med" len="med"/>
-            <a:tailEnd type="none" w="med" len="med"/>
-          </a:ln>
-        </p:spPr>
-        <p:style>
-          <a:lnRef idx="0">
-            <a:scrgbClr r="0" g="0" b="0"/>
-          </a:lnRef>
-          <a:fillRef idx="0">
-            <a:scrgbClr r="0" g="0" b="0"/>
-          </a:fillRef>
-          <a:effectRef idx="0">
-            <a:scrgbClr r="0" g="0" b="0"/>
-          </a:effectRef>
-          <a:fontRef idx="minor">
-            <a:schemeClr val="tx1"/>
-          </a:fontRef>
-        </p:style>
-      </p:cxnSp>
-      <p:cxnSp>
-        <p:nvCxnSpPr>
-          <p:cNvPr id="147" name="直接箭头连接符 146">
-            <a:extLst>
-              <a:ext uri="{FF2B5EF4-FFF2-40B4-BE49-F238E27FC236}">
-                <a16:creationId xmlns:a16="http://schemas.microsoft.com/office/drawing/2014/main" id="{1CF77096-CB93-44C6-8FF7-A95F3D97E0CA}"/>
-              </a:ext>
-            </a:extLst>
-          </p:cNvPr>
-          <p:cNvCxnSpPr>
-            <a:cxnSpLocks/>
-            <a:stCxn id="129" idx="3"/>
-            <a:endCxn id="54" idx="0"/>
-          </p:cNvCxnSpPr>
-          <p:nvPr/>
-        </p:nvCxnSpPr>
-        <p:spPr>
-          <a:xfrm>
-            <a:off x="6834586" y="1653009"/>
-            <a:ext cx="4408511" cy="368594"/>
-          </a:xfrm>
-          <a:prstGeom prst="straightConnector1">
-            <a:avLst/>
-          </a:prstGeom>
-          <a:ln w="28575">
-            <a:tailEnd type="triangle"/>
-          </a:ln>
-        </p:spPr>
-        <p:style>
-          <a:lnRef idx="2">
-            <a:schemeClr val="accent6"/>
-          </a:lnRef>
-          <a:fillRef idx="0">
-            <a:schemeClr val="accent6"/>
-          </a:fillRef>
-          <a:effectRef idx="1">
-            <a:schemeClr val="accent6"/>
-          </a:effectRef>
-          <a:fontRef idx="minor">
-            <a:schemeClr val="tx1"/>
-          </a:fontRef>
-        </p:style>
-      </p:cxnSp>
-      <p:sp>
-        <p:nvSpPr>
-          <p:cNvPr id="148" name="矩形: 圆角 147">
-            <a:extLst>
-              <a:ext uri="{FF2B5EF4-FFF2-40B4-BE49-F238E27FC236}">
-                <a16:creationId xmlns:a16="http://schemas.microsoft.com/office/drawing/2014/main" id="{34F66F97-25AA-4E64-A595-34621CE887EC}"/>
-              </a:ext>
-            </a:extLst>
-          </p:cNvPr>
-          <p:cNvSpPr/>
-          <p:nvPr/>
-        </p:nvSpPr>
-        <p:spPr>
-          <a:xfrm>
-            <a:off x="5805918" y="136284"/>
-            <a:ext cx="2319455" cy="737082"/>
-          </a:xfrm>
-          <a:prstGeom prst="roundRect">
-            <a:avLst/>
-          </a:prstGeom>
-        </p:spPr>
-        <p:style>
-          <a:lnRef idx="2">
-            <a:schemeClr val="accent1"/>
-          </a:lnRef>
-          <a:fillRef idx="1">
-            <a:schemeClr val="lt1"/>
-          </a:fillRef>
-          <a:effectRef idx="0">
-            <a:schemeClr val="accent1"/>
-          </a:effectRef>
-          <a:fontRef idx="minor">
-            <a:schemeClr val="dk1"/>
-          </a:fontRef>
-        </p:style>
-        <p:txBody>
-          <a:bodyPr rtlCol="0" anchor="ctr"/>
-          <a:lstStyle/>
-          <a:p>
-            <a:pPr marL="285750" indent="-285750">
-              <a:buFont typeface="Arial" panose="020B0604020202020204" pitchFamily="34" charset="0"/>
-              <a:buChar char="•"/>
-            </a:pPr>
-            <a:r>
-              <a:rPr lang="en-US" altLang="zh-CN" sz="1400" dirty="0"/>
-              <a:t>SFC Request Table</a:t>
-            </a:r>
-          </a:p>
-          <a:p>
-            <a:pPr marL="285750" indent="-285750">
-              <a:buFont typeface="Arial" panose="020B0604020202020204" pitchFamily="34" charset="0"/>
-              <a:buChar char="•"/>
-            </a:pPr>
-            <a:r>
-              <a:rPr lang="en-US" altLang="zh-CN" sz="1400" dirty="0"/>
-              <a:t>SFCI Table</a:t>
-            </a:r>
-          </a:p>
-          <a:p>
-            <a:pPr marL="285750" indent="-285750">
-              <a:buFont typeface="Arial" panose="020B0604020202020204" pitchFamily="34" charset="0"/>
-              <a:buChar char="•"/>
-            </a:pPr>
-            <a:r>
-              <a:rPr lang="en-US" altLang="zh-CN" sz="1400" dirty="0"/>
-              <a:t>Zone Table</a:t>
-            </a:r>
-          </a:p>
-        </p:txBody>
-      </p:sp>
-      <p:cxnSp>
-        <p:nvCxnSpPr>
-          <p:cNvPr id="149" name="直接箭头连接符 148">
-            <a:extLst>
-              <a:ext uri="{FF2B5EF4-FFF2-40B4-BE49-F238E27FC236}">
-                <a16:creationId xmlns:a16="http://schemas.microsoft.com/office/drawing/2014/main" id="{7679EF0A-8DDB-4FD6-8E2B-A95D45FA0C07}"/>
-              </a:ext>
-            </a:extLst>
-          </p:cNvPr>
-          <p:cNvCxnSpPr>
-            <a:cxnSpLocks/>
-            <a:stCxn id="83" idx="0"/>
-            <a:endCxn id="128" idx="2"/>
-          </p:cNvCxnSpPr>
-          <p:nvPr/>
-        </p:nvCxnSpPr>
-        <p:spPr>
-          <a:xfrm flipV="1">
-            <a:off x="6108854" y="2835061"/>
-            <a:ext cx="731221" cy="934676"/>
-          </a:xfrm>
-          <a:prstGeom prst="straightConnector1">
-            <a:avLst/>
-          </a:prstGeom>
-          <a:ln w="38100" cap="flat" cmpd="sng" algn="ctr">
-            <a:solidFill>
-              <a:srgbClr val="FFC000"/>
-            </a:solidFill>
-            <a:prstDash val="dash"/>
-            <a:round/>
-            <a:headEnd type="none" w="med" len="med"/>
-            <a:tailEnd type="none" w="med" len="med"/>
-          </a:ln>
-        </p:spPr>
-        <p:style>
-          <a:lnRef idx="0">
-            <a:scrgbClr r="0" g="0" b="0"/>
-          </a:lnRef>
-          <a:fillRef idx="0">
-            <a:scrgbClr r="0" g="0" b="0"/>
-          </a:fillRef>
-          <a:effectRef idx="0">
-            <a:scrgbClr r="0" g="0" b="0"/>
-          </a:effectRef>
-          <a:fontRef idx="minor">
-            <a:schemeClr val="tx1"/>
-          </a:fontRef>
-        </p:style>
-      </p:cxnSp>
-      <p:cxnSp>
-        <p:nvCxnSpPr>
-          <p:cNvPr id="152" name="直接箭头连接符 151">
-            <a:extLst>
-              <a:ext uri="{FF2B5EF4-FFF2-40B4-BE49-F238E27FC236}">
-                <a16:creationId xmlns:a16="http://schemas.microsoft.com/office/drawing/2014/main" id="{3763F01C-7D3F-4091-98C1-1AD796602EAF}"/>
-              </a:ext>
-            </a:extLst>
-          </p:cNvPr>
-          <p:cNvCxnSpPr>
-            <a:cxnSpLocks/>
-            <a:stCxn id="83" idx="0"/>
-            <a:endCxn id="54" idx="2"/>
-          </p:cNvCxnSpPr>
-          <p:nvPr/>
-        </p:nvCxnSpPr>
-        <p:spPr>
-          <a:xfrm flipV="1">
-            <a:off x="6108854" y="2830609"/>
-            <a:ext cx="5134243" cy="939128"/>
-          </a:xfrm>
-          <a:prstGeom prst="straightConnector1">
-            <a:avLst/>
-          </a:prstGeom>
-          <a:ln w="38100" cap="flat" cmpd="sng" algn="ctr">
-            <a:solidFill>
-              <a:srgbClr val="FFC000"/>
-            </a:solidFill>
-            <a:prstDash val="dash"/>
-            <a:round/>
-            <a:headEnd type="none" w="med" len="med"/>
-            <a:tailEnd type="none" w="med" len="med"/>
-          </a:ln>
-        </p:spPr>
-        <p:style>
-          <a:lnRef idx="0">
-            <a:scrgbClr r="0" g="0" b="0"/>
-          </a:lnRef>
-          <a:fillRef idx="0">
-            <a:scrgbClr r="0" g="0" b="0"/>
-          </a:fillRef>
-          <a:effectRef idx="0">
-            <a:scrgbClr r="0" g="0" b="0"/>
-          </a:effectRef>
-          <a:fontRef idx="minor">
-            <a:schemeClr val="tx1"/>
-          </a:fontRef>
-        </p:style>
-      </p:cxnSp>
-      <p:sp>
-        <p:nvSpPr>
-          <p:cNvPr id="54" name="矩形 53">
-            <a:extLst>
-              <a:ext uri="{FF2B5EF4-FFF2-40B4-BE49-F238E27FC236}">
-                <a16:creationId xmlns:a16="http://schemas.microsoft.com/office/drawing/2014/main" id="{BE61C337-220E-42EF-A760-ED891CA46E5C}"/>
-              </a:ext>
-            </a:extLst>
-          </p:cNvPr>
-          <p:cNvSpPr/>
-          <p:nvPr/>
-        </p:nvSpPr>
-        <p:spPr>
-          <a:xfrm>
-            <a:off x="10440217" y="2021603"/>
-            <a:ext cx="1605759" cy="809006"/>
-          </a:xfrm>
-          <a:prstGeom prst="rect">
-            <a:avLst/>
-          </a:prstGeom>
-        </p:spPr>
-        <p:style>
-          <a:lnRef idx="1">
-            <a:schemeClr val="accent1"/>
-          </a:lnRef>
-          <a:fillRef idx="2">
-            <a:schemeClr val="accent1"/>
-          </a:fillRef>
-          <a:effectRef idx="1">
-            <a:schemeClr val="accent1"/>
-          </a:effectRef>
-          <a:fontRef idx="minor">
-            <a:schemeClr val="dk1"/>
-          </a:fontRef>
-        </p:style>
-        <p:txBody>
-          <a:bodyPr rtlCol="0" anchor="ctr"/>
-          <a:lstStyle/>
-          <a:p>
-            <a:pPr algn="ctr"/>
-            <a:r>
-              <a:rPr lang="en-US" altLang="zh-CN" dirty="0"/>
-              <a:t>Measurement</a:t>
-            </a:r>
-          </a:p>
-        </p:txBody>
-      </p:sp>
-      <p:cxnSp>
-        <p:nvCxnSpPr>
-          <p:cNvPr id="58" name="直接箭头连接符 57">
-            <a:extLst>
-              <a:ext uri="{FF2B5EF4-FFF2-40B4-BE49-F238E27FC236}">
-                <a16:creationId xmlns:a16="http://schemas.microsoft.com/office/drawing/2014/main" id="{A8A1CE62-AD11-4348-9036-741D0E8488B4}"/>
-              </a:ext>
-            </a:extLst>
-          </p:cNvPr>
-          <p:cNvCxnSpPr>
-            <a:cxnSpLocks/>
-            <a:stCxn id="139" idx="3"/>
-            <a:endCxn id="54" idx="1"/>
-          </p:cNvCxnSpPr>
-          <p:nvPr/>
-        </p:nvCxnSpPr>
-        <p:spPr>
-          <a:xfrm flipV="1">
-            <a:off x="9582567" y="2426106"/>
-            <a:ext cx="857650" cy="4452"/>
-          </a:xfrm>
-          <a:prstGeom prst="straightConnector1">
-            <a:avLst/>
-          </a:prstGeom>
-          <a:ln w="38100" cap="flat" cmpd="sng" algn="ctr">
-            <a:solidFill>
-              <a:srgbClr val="FFC000"/>
-            </a:solidFill>
-            <a:prstDash val="dash"/>
-            <a:round/>
-            <a:headEnd type="none" w="med" len="med"/>
-            <a:tailEnd type="none" w="med" len="med"/>
-          </a:ln>
-        </p:spPr>
-        <p:style>
-          <a:lnRef idx="0">
-            <a:scrgbClr r="0" g="0" b="0"/>
-          </a:lnRef>
-          <a:fillRef idx="0">
-            <a:scrgbClr r="0" g="0" b="0"/>
-          </a:fillRef>
-          <a:effectRef idx="0">
-            <a:scrgbClr r="0" g="0" b="0"/>
-          </a:effectRef>
-          <a:fontRef idx="minor">
-            <a:schemeClr val="tx1"/>
-          </a:fontRef>
-        </p:style>
-      </p:cxnSp>
-      <p:sp>
-        <p:nvSpPr>
-          <p:cNvPr id="64" name="弧形 63">
-            <a:extLst>
-              <a:ext uri="{FF2B5EF4-FFF2-40B4-BE49-F238E27FC236}">
-                <a16:creationId xmlns:a16="http://schemas.microsoft.com/office/drawing/2014/main" id="{48F03D98-8BBB-4EA8-9EFC-B3835D7C3E2E}"/>
-              </a:ext>
-            </a:extLst>
-          </p:cNvPr>
-          <p:cNvSpPr/>
-          <p:nvPr/>
-        </p:nvSpPr>
-        <p:spPr>
-          <a:xfrm>
-            <a:off x="6834585" y="1680578"/>
-            <a:ext cx="4408510" cy="672832"/>
-          </a:xfrm>
-          <a:prstGeom prst="arc">
-            <a:avLst>
-              <a:gd name="adj1" fmla="val 10871121"/>
-              <a:gd name="adj2" fmla="val 0"/>
-            </a:avLst>
-          </a:prstGeom>
-          <a:ln w="38100" cap="flat" cmpd="sng" algn="ctr">
-            <a:solidFill>
-              <a:srgbClr val="FFC000"/>
-            </a:solidFill>
-            <a:prstDash val="dash"/>
-            <a:round/>
-            <a:headEnd type="none" w="med" len="med"/>
-            <a:tailEnd type="none" w="med" len="med"/>
-          </a:ln>
-        </p:spPr>
-        <p:style>
-          <a:lnRef idx="0">
-            <a:scrgbClr r="0" g="0" b="0"/>
-          </a:lnRef>
-          <a:fillRef idx="0">
-            <a:scrgbClr r="0" g="0" b="0"/>
-          </a:fillRef>
-          <a:effectRef idx="0">
-            <a:scrgbClr r="0" g="0" b="0"/>
-          </a:effectRef>
-          <a:fontRef idx="minor">
-            <a:schemeClr val="tx1"/>
-          </a:fontRef>
-        </p:style>
-        <p:txBody>
-          <a:bodyPr rtlCol="0" anchor="ctr"/>
-          <a:lstStyle/>
-          <a:p>
-            <a:pPr algn="ctr"/>
-            <a:endParaRPr lang="zh-CN" altLang="en-US"/>
-          </a:p>
-        </p:txBody>
-      </p:sp>
-    </p:spTree>
-    <p:extLst>
-      <p:ext uri="{BB962C8B-B14F-4D97-AF65-F5344CB8AC3E}">
-        <p14:creationId xmlns:p14="http://schemas.microsoft.com/office/powerpoint/2010/main" val="2849545697"/>
-      </p:ext>
-    </p:extLst>
-  </p:cSld>
-  <p:clrMapOvr>
-    <a:masterClrMapping/>
-  </p:clrMapOvr>
-</p:sld>
-</file>
-
-<file path=ppt/slides/slide3.xml><?xml version="1.0" encoding="utf-8"?>
-<p:sld xmlns:a="http://schemas.openxmlformats.org/drawingml/2006/main" xmlns:r="http://schemas.openxmlformats.org/officeDocument/2006/relationships" xmlns:p="http://schemas.openxmlformats.org/presentationml/2006/main">
-  <p:cSld>
-    <p:spTree>
-      <p:nvGrpSpPr>
-        <p:cNvPr id="1" name=""/>
-        <p:cNvGrpSpPr/>
-        <p:nvPr/>
-      </p:nvGrpSpPr>
-      <p:grpSpPr>
-        <a:xfrm>
-          <a:off x="0" y="0"/>
-          <a:ext cx="0" cy="0"/>
-          <a:chOff x="0" y="0"/>
-          <a:chExt cx="0" cy="0"/>
-        </a:xfrm>
-      </p:grpSpPr>
-      <p:sp>
-        <p:nvSpPr>
-          <p:cNvPr id="70" name="文本框 69">
-            <a:extLst>
-              <a:ext uri="{FF2B5EF4-FFF2-40B4-BE49-F238E27FC236}">
-                <a16:creationId xmlns:a16="http://schemas.microsoft.com/office/drawing/2014/main" id="{696C3A7B-AA2B-4EE2-892C-D0F03840A9C9}"/>
-              </a:ext>
-            </a:extLst>
-          </p:cNvPr>
-          <p:cNvSpPr txBox="1"/>
-          <p:nvPr/>
-        </p:nvSpPr>
-        <p:spPr>
-          <a:xfrm>
-            <a:off x="9273957" y="588376"/>
-            <a:ext cx="2803170" cy="1190138"/>
-          </a:xfrm>
-          <a:prstGeom prst="rect">
-            <a:avLst/>
-          </a:prstGeom>
-        </p:spPr>
-        <p:style>
-          <a:lnRef idx="2">
-            <a:schemeClr val="accent1"/>
-          </a:lnRef>
-          <a:fillRef idx="1">
-            <a:schemeClr val="lt1"/>
-          </a:fillRef>
-          <a:effectRef idx="0">
-            <a:schemeClr val="accent1"/>
-          </a:effectRef>
-          <a:fontRef idx="minor">
-            <a:schemeClr val="dk1"/>
-          </a:fontRef>
-        </p:style>
-        <p:txBody>
-          <a:bodyPr rtlCol="0" anchor="ctr"/>
-          <a:lstStyle>
-            <a:defPPr>
-              <a:defRPr lang="zh-CN"/>
-            </a:defPPr>
-            <a:lvl1pPr marL="285750" indent="-285750">
-              <a:buFont typeface="Arial" panose="020B0604020202020204" pitchFamily="34" charset="0"/>
-              <a:buChar char="•"/>
-              <a:defRPr sz="1400">
-                <a:solidFill>
-                  <a:schemeClr val="dk1"/>
-                </a:solidFill>
-              </a:defRPr>
-            </a:lvl1pPr>
-            <a:lvl2pPr>
-              <a:defRPr>
-                <a:solidFill>
-                  <a:schemeClr val="dk1"/>
-                </a:solidFill>
-              </a:defRPr>
-            </a:lvl2pPr>
-            <a:lvl3pPr>
-              <a:defRPr>
-                <a:solidFill>
-                  <a:schemeClr val="dk1"/>
-                </a:solidFill>
-              </a:defRPr>
-            </a:lvl3pPr>
-            <a:lvl4pPr>
-              <a:defRPr>
-                <a:solidFill>
-                  <a:schemeClr val="dk1"/>
-                </a:solidFill>
-              </a:defRPr>
-            </a:lvl4pPr>
-            <a:lvl5pPr>
-              <a:defRPr>
-                <a:solidFill>
-                  <a:schemeClr val="dk1"/>
-                </a:solidFill>
-              </a:defRPr>
-            </a:lvl5pPr>
-            <a:lvl6pPr>
-              <a:defRPr>
-                <a:solidFill>
-                  <a:schemeClr val="dk1"/>
-                </a:solidFill>
-              </a:defRPr>
-            </a:lvl6pPr>
-            <a:lvl7pPr>
-              <a:defRPr>
-                <a:solidFill>
-                  <a:schemeClr val="dk1"/>
-                </a:solidFill>
-              </a:defRPr>
-            </a:lvl7pPr>
-            <a:lvl8pPr>
-              <a:defRPr>
-                <a:solidFill>
-                  <a:schemeClr val="dk1"/>
-                </a:solidFill>
-              </a:defRPr>
-            </a:lvl8pPr>
-            <a:lvl9pPr>
-              <a:defRPr>
-                <a:solidFill>
-                  <a:schemeClr val="dk1"/>
-                </a:solidFill>
-              </a:defRPr>
-            </a:lvl9pPr>
-          </a:lstStyle>
-          <a:p>
-            <a:r>
-              <a:rPr lang="en-US" altLang="zh-CN" dirty="0"/>
-              <a:t>Network info</a:t>
-            </a:r>
-          </a:p>
-          <a:p>
-            <a:pPr marL="742950" lvl="1" indent="-285750">
-              <a:buFont typeface="Arial" panose="020B0604020202020204" pitchFamily="34" charset="0"/>
-              <a:buChar char="•"/>
-            </a:pPr>
-            <a:r>
-              <a:rPr lang="en-US" altLang="zh-CN" sz="1400" dirty="0"/>
-              <a:t>Switches</a:t>
-            </a:r>
-          </a:p>
-          <a:p>
-            <a:pPr marL="742950" lvl="1" indent="-285750">
-              <a:buFont typeface="Arial" panose="020B0604020202020204" pitchFamily="34" charset="0"/>
-              <a:buChar char="•"/>
-            </a:pPr>
-            <a:r>
-              <a:rPr lang="en-US" altLang="zh-CN" sz="1400" dirty="0"/>
-              <a:t>Links</a:t>
-            </a:r>
-          </a:p>
-          <a:p>
-            <a:pPr marL="742950" lvl="1" indent="-285750">
-              <a:buFont typeface="Arial" panose="020B0604020202020204" pitchFamily="34" charset="0"/>
-              <a:buChar char="•"/>
-            </a:pPr>
-            <a:r>
-              <a:rPr lang="en-US" altLang="zh-CN" sz="1400" dirty="0"/>
-              <a:t>Servers</a:t>
-            </a:r>
-          </a:p>
-          <a:p>
-            <a:pPr marL="742950" lvl="1" indent="-285750">
-              <a:buFont typeface="Arial" panose="020B0604020202020204" pitchFamily="34" charset="0"/>
-              <a:buChar char="•"/>
-            </a:pPr>
-            <a:r>
-              <a:rPr lang="en-US" altLang="zh-CN" sz="1400" dirty="0"/>
-              <a:t>Hosts</a:t>
-            </a:r>
-          </a:p>
-        </p:txBody>
-      </p:sp>
-      <p:sp>
-        <p:nvSpPr>
           <p:cNvPr id="104" name="矩形: 圆角 103">
             <a:extLst>
               <a:ext uri="{FF2B5EF4-FFF2-40B4-BE49-F238E27FC236}">
@@ -9157,8 +9056,8 @@
         </p:nvSpPr>
         <p:spPr>
           <a:xfrm>
-            <a:off x="5805918" y="136284"/>
-            <a:ext cx="2319455" cy="737082"/>
+            <a:off x="5468302" y="325488"/>
+            <a:ext cx="2896691" cy="952413"/>
           </a:xfrm>
           <a:prstGeom prst="roundRect">
             <a:avLst/>
@@ -9187,8 +9086,8 @@
               <a:buChar char="•"/>
             </a:pPr>
             <a:r>
-              <a:rPr lang="en-US" altLang="zh-CN" sz="1400" dirty="0"/>
-              <a:t>SFC Request Table</a:t>
+              <a:rPr lang="en-US" altLang="zh-CN" dirty="0"/>
+              <a:t>Orchestrator Database</a:t>
             </a:r>
           </a:p>
           <a:p>
@@ -9197,18 +9096,8 @@
               <a:buChar char="•"/>
             </a:pPr>
             <a:r>
-              <a:rPr lang="en-US" altLang="zh-CN" sz="1400" dirty="0"/>
-              <a:t>SFCI Table</a:t>
-            </a:r>
-          </a:p>
-          <a:p>
-            <a:pPr marL="285750" indent="-285750">
-              <a:buFont typeface="Arial" panose="020B0604020202020204" pitchFamily="34" charset="0"/>
-              <a:buChar char="•"/>
-            </a:pPr>
-            <a:r>
-              <a:rPr lang="en-US" altLang="zh-CN" sz="1400" dirty="0"/>
-              <a:t>Zone Table</a:t>
+              <a:rPr lang="en-US" altLang="zh-CN" sz="1800" dirty="0"/>
+              <a:t>Measurer Database</a:t>
             </a:r>
           </a:p>
         </p:txBody>
@@ -9668,7 +9557,7 @@
         </p:nvSpPr>
         <p:spPr>
           <a:xfrm>
-            <a:off x="6017793" y="2001325"/>
+            <a:off x="6007403" y="2235392"/>
             <a:ext cx="1633586" cy="833736"/>
           </a:xfrm>
           <a:prstGeom prst="rect">
@@ -9804,7 +9693,7 @@
         </p:nvSpPr>
         <p:spPr>
           <a:xfrm>
-            <a:off x="5931680" y="933586"/>
+            <a:off x="5942034" y="1158484"/>
             <a:ext cx="1805812" cy="719423"/>
           </a:xfrm>
           <a:prstGeom prst="can">
@@ -9850,14 +9739,13 @@
           </p:cNvPr>
           <p:cNvCxnSpPr>
             <a:cxnSpLocks/>
-            <a:stCxn id="72" idx="3"/>
             <a:endCxn id="3" idx="0"/>
           </p:cNvCxnSpPr>
           <p:nvPr/>
         </p:nvCxnSpPr>
         <p:spPr>
           <a:xfrm>
-            <a:off x="6834586" y="1653009"/>
+            <a:off x="6824196" y="1887076"/>
             <a:ext cx="0" cy="348316"/>
           </a:xfrm>
           <a:prstGeom prst="straightConnector1">
@@ -9896,7 +9784,7 @@
         </p:nvSpPr>
         <p:spPr>
           <a:xfrm>
-            <a:off x="10440217" y="2021603"/>
+            <a:off x="10429827" y="2255670"/>
             <a:ext cx="1605759" cy="809006"/>
           </a:xfrm>
           <a:prstGeom prst="rect">
@@ -9929,270 +9817,6 @@
           </a:p>
         </p:txBody>
       </p:sp>
-      <p:sp>
-        <p:nvSpPr>
-          <p:cNvPr id="151" name="矩形 150">
-            <a:extLst>
-              <a:ext uri="{FF2B5EF4-FFF2-40B4-BE49-F238E27FC236}">
-                <a16:creationId xmlns:a16="http://schemas.microsoft.com/office/drawing/2014/main" id="{2021B616-BA54-4FF9-BB88-AF472BE1FCA8}"/>
-              </a:ext>
-            </a:extLst>
-          </p:cNvPr>
-          <p:cNvSpPr/>
-          <p:nvPr/>
-        </p:nvSpPr>
-        <p:spPr>
-          <a:xfrm>
-            <a:off x="294855" y="1541292"/>
-            <a:ext cx="771224" cy="1741080"/>
-          </a:xfrm>
-          <a:prstGeom prst="rect">
-            <a:avLst/>
-          </a:prstGeom>
-        </p:spPr>
-        <p:style>
-          <a:lnRef idx="2">
-            <a:schemeClr val="accent3">
-              <a:shade val="50000"/>
-            </a:schemeClr>
-          </a:lnRef>
-          <a:fillRef idx="1">
-            <a:schemeClr val="accent3"/>
-          </a:fillRef>
-          <a:effectRef idx="0">
-            <a:schemeClr val="accent3"/>
-          </a:effectRef>
-          <a:fontRef idx="minor">
-            <a:schemeClr val="lt1"/>
-          </a:fontRef>
-        </p:style>
-        <p:txBody>
-          <a:bodyPr rtlCol="0" anchor="ctr"/>
-          <a:lstStyle/>
-          <a:p>
-            <a:pPr algn="ctr"/>
-            <a:r>
-              <a:rPr lang="en-US" altLang="zh-CN" sz="1400" dirty="0"/>
-              <a:t>Web</a:t>
-            </a:r>
-          </a:p>
-          <a:p>
-            <a:pPr algn="ctr"/>
-            <a:r>
-              <a:rPr lang="en-US" altLang="zh-CN" sz="1400" dirty="0"/>
-              <a:t>Front</a:t>
-            </a:r>
-          </a:p>
-          <a:p>
-            <a:pPr algn="ctr"/>
-            <a:r>
-              <a:rPr lang="en-US" altLang="zh-CN" sz="1400" dirty="0"/>
-              <a:t>End</a:t>
-            </a:r>
-            <a:endParaRPr lang="zh-CN" altLang="en-US" sz="1400" dirty="0"/>
-          </a:p>
-        </p:txBody>
-      </p:sp>
-      <p:sp>
-        <p:nvSpPr>
-          <p:cNvPr id="153" name="矩形 152">
-            <a:extLst>
-              <a:ext uri="{FF2B5EF4-FFF2-40B4-BE49-F238E27FC236}">
-                <a16:creationId xmlns:a16="http://schemas.microsoft.com/office/drawing/2014/main" id="{11A28C1D-881F-4E3E-9569-15DF62FB7949}"/>
-              </a:ext>
-            </a:extLst>
-          </p:cNvPr>
-          <p:cNvSpPr/>
-          <p:nvPr/>
-        </p:nvSpPr>
-        <p:spPr>
-          <a:xfrm>
-            <a:off x="1982240" y="1541291"/>
-            <a:ext cx="1642789" cy="592210"/>
-          </a:xfrm>
-          <a:prstGeom prst="rect">
-            <a:avLst/>
-          </a:prstGeom>
-        </p:spPr>
-        <p:style>
-          <a:lnRef idx="2">
-            <a:schemeClr val="accent3">
-              <a:shade val="50000"/>
-            </a:schemeClr>
-          </a:lnRef>
-          <a:fillRef idx="1">
-            <a:schemeClr val="accent3"/>
-          </a:fillRef>
-          <a:effectRef idx="0">
-            <a:schemeClr val="accent3"/>
-          </a:effectRef>
-          <a:fontRef idx="minor">
-            <a:schemeClr val="lt1"/>
-          </a:fontRef>
-        </p:style>
-        <p:txBody>
-          <a:bodyPr rtlCol="0" anchor="ctr"/>
-          <a:lstStyle/>
-          <a:p>
-            <a:pPr algn="ctr"/>
-            <a:r>
-              <a:rPr lang="en-US" altLang="zh-CN" sz="1400" dirty="0"/>
-              <a:t>create SFC request </a:t>
-            </a:r>
-            <a:endParaRPr lang="zh-CN" altLang="en-US" sz="1400" dirty="0"/>
-          </a:p>
-        </p:txBody>
-      </p:sp>
-      <p:sp>
-        <p:nvSpPr>
-          <p:cNvPr id="154" name="矩形 153">
-            <a:extLst>
-              <a:ext uri="{FF2B5EF4-FFF2-40B4-BE49-F238E27FC236}">
-                <a16:creationId xmlns:a16="http://schemas.microsoft.com/office/drawing/2014/main" id="{95A101C6-C6ED-4222-A062-D16DDCB60E12}"/>
-              </a:ext>
-            </a:extLst>
-          </p:cNvPr>
-          <p:cNvSpPr/>
-          <p:nvPr/>
-        </p:nvSpPr>
-        <p:spPr>
-          <a:xfrm>
-            <a:off x="1986767" y="2141566"/>
-            <a:ext cx="1633587" cy="524819"/>
-          </a:xfrm>
-          <a:prstGeom prst="rect">
-            <a:avLst/>
-          </a:prstGeom>
-        </p:spPr>
-        <p:style>
-          <a:lnRef idx="2">
-            <a:schemeClr val="accent3">
-              <a:shade val="50000"/>
-            </a:schemeClr>
-          </a:lnRef>
-          <a:fillRef idx="1">
-            <a:schemeClr val="accent3"/>
-          </a:fillRef>
-          <a:effectRef idx="0">
-            <a:schemeClr val="accent3"/>
-          </a:effectRef>
-          <a:fontRef idx="minor">
-            <a:schemeClr val="lt1"/>
-          </a:fontRef>
-        </p:style>
-        <p:txBody>
-          <a:bodyPr rtlCol="0" anchor="ctr"/>
-          <a:lstStyle/>
-          <a:p>
-            <a:pPr algn="ctr"/>
-            <a:r>
-              <a:rPr lang="en-US" altLang="zh-CN" sz="1400" dirty="0"/>
-              <a:t>get SFC request </a:t>
-            </a:r>
-            <a:endParaRPr lang="zh-CN" altLang="en-US" sz="1400" dirty="0"/>
-          </a:p>
-        </p:txBody>
-      </p:sp>
-      <p:sp>
-        <p:nvSpPr>
-          <p:cNvPr id="155" name="矩形 154">
-            <a:extLst>
-              <a:ext uri="{FF2B5EF4-FFF2-40B4-BE49-F238E27FC236}">
-                <a16:creationId xmlns:a16="http://schemas.microsoft.com/office/drawing/2014/main" id="{E2A42485-64CB-424B-A4CC-72F370AC7AD3}"/>
-              </a:ext>
-            </a:extLst>
-          </p:cNvPr>
-          <p:cNvSpPr/>
-          <p:nvPr/>
-        </p:nvSpPr>
-        <p:spPr>
-          <a:xfrm>
-            <a:off x="1991660" y="2674450"/>
-            <a:ext cx="1633586" cy="607921"/>
-          </a:xfrm>
-          <a:prstGeom prst="rect">
-            <a:avLst/>
-          </a:prstGeom>
-        </p:spPr>
-        <p:style>
-          <a:lnRef idx="2">
-            <a:schemeClr val="accent3">
-              <a:shade val="50000"/>
-            </a:schemeClr>
-          </a:lnRef>
-          <a:fillRef idx="1">
-            <a:schemeClr val="accent3"/>
-          </a:fillRef>
-          <a:effectRef idx="0">
-            <a:schemeClr val="accent3"/>
-          </a:effectRef>
-          <a:fontRef idx="minor">
-            <a:schemeClr val="lt1"/>
-          </a:fontRef>
-        </p:style>
-        <p:txBody>
-          <a:bodyPr rtlCol="0" anchor="ctr"/>
-          <a:lstStyle/>
-          <a:p>
-            <a:pPr algn="ctr"/>
-            <a:r>
-              <a:rPr lang="en-US" altLang="zh-CN" sz="1400" dirty="0"/>
-              <a:t>delete SFC request </a:t>
-            </a:r>
-            <a:endParaRPr lang="zh-CN" altLang="en-US" sz="1400" dirty="0"/>
-          </a:p>
-        </p:txBody>
-      </p:sp>
-      <p:sp>
-        <p:nvSpPr>
-          <p:cNvPr id="157" name="矩形 156">
-            <a:extLst>
-              <a:ext uri="{FF2B5EF4-FFF2-40B4-BE49-F238E27FC236}">
-                <a16:creationId xmlns:a16="http://schemas.microsoft.com/office/drawing/2014/main" id="{128C99C3-2946-4536-BDE3-4579ADA131B4}"/>
-              </a:ext>
-            </a:extLst>
-          </p:cNvPr>
-          <p:cNvSpPr/>
-          <p:nvPr/>
-        </p:nvSpPr>
-        <p:spPr>
-          <a:xfrm>
-            <a:off x="1388364" y="1541292"/>
-            <a:ext cx="602608" cy="1741080"/>
-          </a:xfrm>
-          <a:prstGeom prst="rect">
-            <a:avLst/>
-          </a:prstGeom>
-        </p:spPr>
-        <p:style>
-          <a:lnRef idx="2">
-            <a:schemeClr val="accent3">
-              <a:shade val="50000"/>
-            </a:schemeClr>
-          </a:lnRef>
-          <a:fillRef idx="1">
-            <a:schemeClr val="accent3"/>
-          </a:fillRef>
-          <a:effectRef idx="0">
-            <a:schemeClr val="accent3"/>
-          </a:effectRef>
-          <a:fontRef idx="minor">
-            <a:schemeClr val="lt1"/>
-          </a:fontRef>
-        </p:style>
-        <p:txBody>
-          <a:bodyPr rtlCol="0" anchor="ctr"/>
-          <a:lstStyle/>
-          <a:p>
-            <a:pPr algn="ctr"/>
-            <a:r>
-              <a:rPr lang="en-US" altLang="zh-CN" sz="1400" dirty="0" err="1"/>
-              <a:t>Cmd</a:t>
-            </a:r>
-            <a:endParaRPr lang="zh-CN" altLang="en-US" sz="1400" dirty="0"/>
-          </a:p>
-        </p:txBody>
-      </p:sp>
       <p:cxnSp>
         <p:nvCxnSpPr>
           <p:cNvPr id="178" name="直接箭头连接符 177">
@@ -10204,15 +9828,15 @@
           </p:cNvPr>
           <p:cNvCxnSpPr>
             <a:cxnSpLocks/>
-            <a:stCxn id="151" idx="3"/>
-            <a:endCxn id="157" idx="1"/>
+            <a:stCxn id="71" idx="3"/>
+            <a:endCxn id="76" idx="1"/>
           </p:cNvCxnSpPr>
           <p:nvPr/>
         </p:nvCxnSpPr>
         <p:spPr>
-          <a:xfrm>
-            <a:off x="1066079" y="2411832"/>
-            <a:ext cx="322285" cy="0"/>
+          <a:xfrm flipV="1">
+            <a:off x="3200337" y="2648373"/>
+            <a:ext cx="421527" cy="7899"/>
           </a:xfrm>
           <a:prstGeom prst="straightConnector1">
             <a:avLst/>
@@ -10293,7 +9917,7 @@
         </p:nvSpPr>
         <p:spPr>
           <a:xfrm>
-            <a:off x="8342024" y="2026055"/>
+            <a:off x="8331634" y="2260122"/>
             <a:ext cx="1240543" cy="809006"/>
           </a:xfrm>
           <a:prstGeom prst="rect">
@@ -10786,8 +10410,8 @@
         </p:nvCxnSpPr>
         <p:spPr>
           <a:xfrm flipV="1">
-            <a:off x="6108854" y="2835061"/>
-            <a:ext cx="725732" cy="934676"/>
+            <a:off x="6108854" y="3069128"/>
+            <a:ext cx="715342" cy="700609"/>
           </a:xfrm>
           <a:prstGeom prst="straightConnector1">
             <a:avLst/>
@@ -10835,8 +10459,8 @@
         </p:nvCxnSpPr>
         <p:spPr>
           <a:xfrm flipV="1">
-            <a:off x="6108854" y="2830609"/>
-            <a:ext cx="5134243" cy="939128"/>
+            <a:off x="6108854" y="3064676"/>
+            <a:ext cx="5123853" cy="705061"/>
           </a:xfrm>
           <a:prstGeom prst="straightConnector1">
             <a:avLst/>
@@ -11338,63 +10962,6 @@
           </p:txBody>
         </p:sp>
       </p:grpSp>
-      <p:sp>
-        <p:nvSpPr>
-          <p:cNvPr id="81" name="矩形 80">
-            <a:extLst>
-              <a:ext uri="{FF2B5EF4-FFF2-40B4-BE49-F238E27FC236}">
-                <a16:creationId xmlns:a16="http://schemas.microsoft.com/office/drawing/2014/main" id="{539E132C-DF75-48C2-8D92-5AABC9F9C3E3}"/>
-              </a:ext>
-            </a:extLst>
-          </p:cNvPr>
-          <p:cNvSpPr/>
-          <p:nvPr/>
-        </p:nvSpPr>
-        <p:spPr>
-          <a:xfrm>
-            <a:off x="3629432" y="1543447"/>
-            <a:ext cx="1147818" cy="1738923"/>
-          </a:xfrm>
-          <a:prstGeom prst="rect">
-            <a:avLst/>
-          </a:prstGeom>
-        </p:spPr>
-        <p:style>
-          <a:lnRef idx="2">
-            <a:schemeClr val="accent1">
-              <a:shade val="50000"/>
-            </a:schemeClr>
-          </a:lnRef>
-          <a:fillRef idx="1">
-            <a:schemeClr val="accent1"/>
-          </a:fillRef>
-          <a:effectRef idx="0">
-            <a:schemeClr val="accent1"/>
-          </a:effectRef>
-          <a:fontRef idx="minor">
-            <a:schemeClr val="lt1"/>
-          </a:fontRef>
-        </p:style>
-        <p:txBody>
-          <a:bodyPr rtlCol="0" anchor="ctr"/>
-          <a:lstStyle/>
-          <a:p>
-            <a:pPr algn="ctr"/>
-            <a:r>
-              <a:rPr lang="en-US" altLang="zh-CN" dirty="0"/>
-              <a:t>Request</a:t>
-            </a:r>
-          </a:p>
-          <a:p>
-            <a:pPr algn="ctr"/>
-            <a:r>
-              <a:rPr lang="en-US" altLang="zh-CN" dirty="0"/>
-              <a:t>Processor</a:t>
-            </a:r>
-            <a:endParaRPr lang="zh-CN" altLang="en-US" dirty="0"/>
-          </a:p>
-        </p:txBody>
-      </p:sp>
       <p:cxnSp>
         <p:nvCxnSpPr>
           <p:cNvPr id="82" name="直接箭头连接符 81">
@@ -11406,15 +10973,14 @@
           </p:cNvPr>
           <p:cNvCxnSpPr>
             <a:cxnSpLocks/>
-            <a:stCxn id="81" idx="3"/>
-            <a:endCxn id="72" idx="3"/>
+            <a:stCxn id="76" idx="3"/>
           </p:cNvCxnSpPr>
           <p:nvPr/>
         </p:nvCxnSpPr>
         <p:spPr>
           <a:xfrm flipV="1">
-            <a:off x="4777250" y="1653009"/>
-            <a:ext cx="2057336" cy="759900"/>
+            <a:off x="4769682" y="1918827"/>
+            <a:ext cx="2054514" cy="729546"/>
           </a:xfrm>
           <a:prstGeom prst="straightConnector1">
             <a:avLst/>
@@ -11449,14 +11015,13 @@
           </p:cNvPr>
           <p:cNvCxnSpPr>
             <a:cxnSpLocks/>
-            <a:stCxn id="72" idx="3"/>
             <a:endCxn id="150" idx="0"/>
           </p:cNvCxnSpPr>
           <p:nvPr/>
         </p:nvCxnSpPr>
         <p:spPr>
           <a:xfrm>
-            <a:off x="6834586" y="1653009"/>
+            <a:off x="6824196" y="1887076"/>
             <a:ext cx="2127710" cy="373046"/>
           </a:xfrm>
           <a:prstGeom prst="straightConnector1">
@@ -11499,7 +11064,7 @@
         </p:nvCxnSpPr>
         <p:spPr>
           <a:xfrm>
-            <a:off x="7651379" y="2418193"/>
+            <a:off x="7640989" y="2652260"/>
             <a:ext cx="690645" cy="12365"/>
           </a:xfrm>
           <a:prstGeom prst="straightConnector1">
@@ -11542,14 +11107,14 @@
           <p:cNvCxnSpPr>
             <a:cxnSpLocks/>
             <a:stCxn id="3" idx="1"/>
-            <a:endCxn id="81" idx="3"/>
+            <a:endCxn id="76" idx="3"/>
           </p:cNvCxnSpPr>
           <p:nvPr/>
         </p:nvCxnSpPr>
         <p:spPr>
           <a:xfrm flipH="1" flipV="1">
-            <a:off x="4777250" y="2412909"/>
-            <a:ext cx="1240543" cy="5284"/>
+            <a:off x="4769682" y="2648373"/>
+            <a:ext cx="1237721" cy="3887"/>
           </a:xfrm>
           <a:prstGeom prst="straightConnector1">
             <a:avLst/>
@@ -11590,14 +11155,13 @@
           </p:cNvPr>
           <p:cNvCxnSpPr>
             <a:cxnSpLocks/>
-            <a:stCxn id="72" idx="3"/>
             <a:endCxn id="84" idx="0"/>
           </p:cNvCxnSpPr>
           <p:nvPr/>
         </p:nvCxnSpPr>
         <p:spPr>
           <a:xfrm>
-            <a:off x="6834586" y="1653009"/>
+            <a:off x="6824196" y="1887076"/>
             <a:ext cx="4408511" cy="368594"/>
           </a:xfrm>
           <a:prstGeom prst="straightConnector1">
@@ -11640,7 +11204,7 @@
         </p:nvCxnSpPr>
         <p:spPr>
           <a:xfrm flipV="1">
-            <a:off x="9582567" y="2426106"/>
+            <a:off x="9572177" y="2660173"/>
             <a:ext cx="857650" cy="4452"/>
           </a:xfrm>
           <a:prstGeom prst="straightConnector1">
@@ -11685,7 +11249,7 @@
         </p:nvSpPr>
         <p:spPr>
           <a:xfrm>
-            <a:off x="6834585" y="1680578"/>
+            <a:off x="6824195" y="1914645"/>
             <a:ext cx="4408510" cy="672832"/>
           </a:xfrm>
           <a:prstGeom prst="arc">
@@ -11741,7 +11305,72 @@
         </p:nvSpPr>
         <p:spPr>
           <a:xfrm>
-            <a:off x="4683760" y="2228658"/>
+            <a:off x="4694004" y="1854414"/>
+            <a:ext cx="1544012" cy="830997"/>
+          </a:xfrm>
+          <a:prstGeom prst="rect">
+            <a:avLst/>
+          </a:prstGeom>
+          <a:noFill/>
+        </p:spPr>
+        <p:txBody>
+          <a:bodyPr wrap="none" rtlCol="0">
+            <a:spAutoFit/>
+          </a:bodyPr>
+          <a:lstStyle/>
+          <a:p>
+            <a:r>
+              <a:rPr lang="en-US" altLang="zh-CN" sz="1200" b="1" dirty="0">
+                <a:effectLst/>
+                <a:latin typeface="Consolas" panose="020B0609020204030204" pitchFamily="49" charset="0"/>
+              </a:rPr>
+              <a:t>ADD_SFC_REQUEST</a:t>
+            </a:r>
+          </a:p>
+          <a:p>
+            <a:r>
+              <a:rPr lang="en-US" altLang="zh-CN" sz="1200" b="1" dirty="0">
+                <a:effectLst/>
+                <a:latin typeface="Consolas" panose="020B0609020204030204" pitchFamily="49" charset="0"/>
+              </a:rPr>
+              <a:t>ADD_SFCI_REQUEST</a:t>
+            </a:r>
+          </a:p>
+          <a:p>
+            <a:r>
+              <a:rPr lang="en-US" altLang="zh-CN" sz="1200" b="1" dirty="0">
+                <a:effectLst/>
+                <a:latin typeface="Consolas" panose="020B0609020204030204" pitchFamily="49" charset="0"/>
+              </a:rPr>
+              <a:t>DEL_SFCI_REQUEST</a:t>
+            </a:r>
+          </a:p>
+          <a:p>
+            <a:r>
+              <a:rPr lang="en-US" altLang="zh-CN" sz="1200" b="1" dirty="0">
+                <a:effectLst/>
+                <a:latin typeface="Consolas" panose="020B0609020204030204" pitchFamily="49" charset="0"/>
+              </a:rPr>
+              <a:t>DEL_SFC_REQUEST</a:t>
+            </a:r>
+          </a:p>
+        </p:txBody>
+      </p:sp>
+      <p:sp>
+        <p:nvSpPr>
+          <p:cNvPr id="87" name="文本框 86">
+            <a:extLst>
+              <a:ext uri="{FF2B5EF4-FFF2-40B4-BE49-F238E27FC236}">
+                <a16:creationId xmlns:a16="http://schemas.microsoft.com/office/drawing/2014/main" id="{752D50EE-9683-45C4-A848-E9DBCC130FA8}"/>
+              </a:ext>
+            </a:extLst>
+          </p:cNvPr>
+          <p:cNvSpPr txBox="1"/>
+          <p:nvPr/>
+        </p:nvSpPr>
+        <p:spPr>
+          <a:xfrm>
+            <a:off x="7278641" y="2169182"/>
             <a:ext cx="1544012" cy="461665"/>
           </a:xfrm>
           <a:prstGeom prst="rect">
@@ -11769,17 +11398,17 @@
                 <a:effectLst/>
                 <a:latin typeface="Consolas" panose="020B0609020204030204" pitchFamily="49" charset="0"/>
               </a:rPr>
-              <a:t>DEL_SFC_REQUEST</a:t>
+              <a:t>DEL_SFCI_REQUEST</a:t>
             </a:r>
           </a:p>
         </p:txBody>
       </p:sp>
       <p:sp>
         <p:nvSpPr>
-          <p:cNvPr id="87" name="文本框 86">
-            <a:extLst>
-              <a:ext uri="{FF2B5EF4-FFF2-40B4-BE49-F238E27FC236}">
-                <a16:creationId xmlns:a16="http://schemas.microsoft.com/office/drawing/2014/main" id="{752D50EE-9683-45C4-A848-E9DBCC130FA8}"/>
+          <p:cNvPr id="88" name="文本框 87">
+            <a:extLst>
+              <a:ext uri="{FF2B5EF4-FFF2-40B4-BE49-F238E27FC236}">
+                <a16:creationId xmlns:a16="http://schemas.microsoft.com/office/drawing/2014/main" id="{D55B2A1F-53A9-406A-A2B9-2C9E4F130B11}"/>
               </a:ext>
             </a:extLst>
           </p:cNvPr>
@@ -11788,54 +11417,7 @@
         </p:nvSpPr>
         <p:spPr>
           <a:xfrm>
-            <a:off x="7289031" y="1935115"/>
-            <a:ext cx="1544012" cy="461665"/>
-          </a:xfrm>
-          <a:prstGeom prst="rect">
-            <a:avLst/>
-          </a:prstGeom>
-          <a:noFill/>
-        </p:spPr>
-        <p:txBody>
-          <a:bodyPr wrap="none" rtlCol="0">
-            <a:spAutoFit/>
-          </a:bodyPr>
-          <a:lstStyle/>
-          <a:p>
-            <a:r>
-              <a:rPr lang="en-US" altLang="zh-CN" sz="1200" b="1" dirty="0">
-                <a:effectLst/>
-                <a:latin typeface="Consolas" panose="020B0609020204030204" pitchFamily="49" charset="0"/>
-              </a:rPr>
-              <a:t>ADD_SFCI_REQUEST</a:t>
-            </a:r>
-          </a:p>
-          <a:p>
-            <a:r>
-              <a:rPr lang="en-US" altLang="zh-CN" sz="1200" b="1" dirty="0">
-                <a:effectLst/>
-                <a:latin typeface="Consolas" panose="020B0609020204030204" pitchFamily="49" charset="0"/>
-              </a:rPr>
-              <a:t>DEL_SFCI_REQUEST</a:t>
-            </a:r>
-          </a:p>
-        </p:txBody>
-      </p:sp>
-      <p:sp>
-        <p:nvSpPr>
-          <p:cNvPr id="88" name="文本框 87">
-            <a:extLst>
-              <a:ext uri="{FF2B5EF4-FFF2-40B4-BE49-F238E27FC236}">
-                <a16:creationId xmlns:a16="http://schemas.microsoft.com/office/drawing/2014/main" id="{D55B2A1F-53A9-406A-A2B9-2C9E4F130B11}"/>
-              </a:ext>
-            </a:extLst>
-          </p:cNvPr>
-          <p:cNvSpPr txBox="1"/>
-          <p:nvPr/>
-        </p:nvSpPr>
-        <p:spPr>
-          <a:xfrm>
-            <a:off x="9861711" y="2035463"/>
+            <a:off x="9851321" y="2269530"/>
             <a:ext cx="2308645" cy="276999"/>
           </a:xfrm>
           <a:prstGeom prst="rect">
@@ -11873,8 +11455,8 @@
         </p:nvSpPr>
         <p:spPr>
           <a:xfrm>
-            <a:off x="4956850" y="3156998"/>
-            <a:ext cx="1628972" cy="646331"/>
+            <a:off x="4964293" y="2941211"/>
+            <a:ext cx="1628972" cy="830997"/>
           </a:xfrm>
           <a:prstGeom prst="rect">
             <a:avLst/>
@@ -11886,6 +11468,15 @@
             <a:spAutoFit/>
           </a:bodyPr>
           <a:lstStyle/>
+          <a:p>
+            <a:r>
+              <a:rPr lang="en-US" altLang="zh-CN" sz="1200" b="1" dirty="0">
+                <a:effectLst/>
+                <a:latin typeface="Consolas" panose="020B0609020204030204" pitchFamily="49" charset="0"/>
+              </a:rPr>
+              <a:t>CMD_TYPE_ADD_SFC</a:t>
+            </a:r>
+          </a:p>
           <a:p>
             <a:r>
               <a:rPr lang="en-US" altLang="zh-CN" sz="1200" b="1" dirty="0">
@@ -11967,6 +11558,215 @@
                 <a:latin typeface="Consolas" panose="020B0609020204030204" pitchFamily="49" charset="0"/>
               </a:rPr>
               <a:t>CMD_TYPE_GET_SFCI_STATE</a:t>
+            </a:r>
+          </a:p>
+        </p:txBody>
+      </p:sp>
+      <p:sp>
+        <p:nvSpPr>
+          <p:cNvPr id="71" name="矩形 70">
+            <a:extLst>
+              <a:ext uri="{FF2B5EF4-FFF2-40B4-BE49-F238E27FC236}">
+                <a16:creationId xmlns:a16="http://schemas.microsoft.com/office/drawing/2014/main" id="{7129EB84-0218-49C8-A664-8328989D5333}"/>
+              </a:ext>
+            </a:extLst>
+          </p:cNvPr>
+          <p:cNvSpPr/>
+          <p:nvPr/>
+        </p:nvSpPr>
+        <p:spPr>
+          <a:xfrm>
+            <a:off x="2166651" y="2238672"/>
+            <a:ext cx="1033686" cy="835200"/>
+          </a:xfrm>
+          <a:prstGeom prst="rect">
+            <a:avLst/>
+          </a:prstGeom>
+        </p:spPr>
+        <p:style>
+          <a:lnRef idx="2">
+            <a:schemeClr val="accent3">
+              <a:shade val="50000"/>
+            </a:schemeClr>
+          </a:lnRef>
+          <a:fillRef idx="1">
+            <a:schemeClr val="accent3"/>
+          </a:fillRef>
+          <a:effectRef idx="0">
+            <a:schemeClr val="accent3"/>
+          </a:effectRef>
+          <a:fontRef idx="minor">
+            <a:schemeClr val="lt1"/>
+          </a:fontRef>
+        </p:style>
+        <p:txBody>
+          <a:bodyPr rtlCol="0" anchor="ctr"/>
+          <a:lstStyle/>
+          <a:p>
+            <a:pPr algn="ctr"/>
+            <a:r>
+              <a:rPr lang="en-US" altLang="zh-CN" sz="1400" dirty="0"/>
+              <a:t>Web</a:t>
+            </a:r>
+          </a:p>
+          <a:p>
+            <a:pPr algn="ctr"/>
+            <a:r>
+              <a:rPr lang="en-US" altLang="zh-CN" sz="1400" dirty="0"/>
+              <a:t>Front</a:t>
+            </a:r>
+          </a:p>
+          <a:p>
+            <a:pPr algn="ctr"/>
+            <a:r>
+              <a:rPr lang="en-US" altLang="zh-CN" sz="1400" dirty="0"/>
+              <a:t>End</a:t>
+            </a:r>
+            <a:endParaRPr lang="zh-CN" altLang="en-US" sz="1400" dirty="0"/>
+          </a:p>
+        </p:txBody>
+      </p:sp>
+      <p:sp>
+        <p:nvSpPr>
+          <p:cNvPr id="76" name="矩形 75">
+            <a:extLst>
+              <a:ext uri="{FF2B5EF4-FFF2-40B4-BE49-F238E27FC236}">
+                <a16:creationId xmlns:a16="http://schemas.microsoft.com/office/drawing/2014/main" id="{98E15E37-1285-4DED-A1A9-CAAEDBAD766F}"/>
+              </a:ext>
+            </a:extLst>
+          </p:cNvPr>
+          <p:cNvSpPr/>
+          <p:nvPr/>
+        </p:nvSpPr>
+        <p:spPr>
+          <a:xfrm>
+            <a:off x="3621864" y="2230773"/>
+            <a:ext cx="1147818" cy="835200"/>
+          </a:xfrm>
+          <a:prstGeom prst="rect">
+            <a:avLst/>
+          </a:prstGeom>
+        </p:spPr>
+        <p:style>
+          <a:lnRef idx="2">
+            <a:schemeClr val="accent1">
+              <a:shade val="50000"/>
+            </a:schemeClr>
+          </a:lnRef>
+          <a:fillRef idx="1">
+            <a:schemeClr val="accent1"/>
+          </a:fillRef>
+          <a:effectRef idx="0">
+            <a:schemeClr val="accent1"/>
+          </a:effectRef>
+          <a:fontRef idx="minor">
+            <a:schemeClr val="lt1"/>
+          </a:fontRef>
+        </p:style>
+        <p:txBody>
+          <a:bodyPr rtlCol="0" anchor="ctr"/>
+          <a:lstStyle/>
+          <a:p>
+            <a:pPr algn="ctr"/>
+            <a:r>
+              <a:rPr lang="en-US" altLang="zh-CN" dirty="0"/>
+              <a:t>Request</a:t>
+            </a:r>
+          </a:p>
+          <a:p>
+            <a:pPr algn="ctr"/>
+            <a:r>
+              <a:rPr lang="en-US" altLang="zh-CN" dirty="0"/>
+              <a:t>Pre-Processor</a:t>
+            </a:r>
+            <a:endParaRPr lang="zh-CN" altLang="en-US" dirty="0"/>
+          </a:p>
+        </p:txBody>
+      </p:sp>
+      <p:sp>
+        <p:nvSpPr>
+          <p:cNvPr id="4" name="矩形 3">
+            <a:extLst>
+              <a:ext uri="{FF2B5EF4-FFF2-40B4-BE49-F238E27FC236}">
+                <a16:creationId xmlns:a16="http://schemas.microsoft.com/office/drawing/2014/main" id="{BE95D13B-558C-4DB3-B0F0-7F5BD162FE88}"/>
+              </a:ext>
+            </a:extLst>
+          </p:cNvPr>
+          <p:cNvSpPr/>
+          <p:nvPr/>
+        </p:nvSpPr>
+        <p:spPr>
+          <a:xfrm>
+            <a:off x="1866507" y="2093973"/>
+            <a:ext cx="3068255" cy="1405020"/>
+          </a:xfrm>
+          <a:prstGeom prst="rect">
+            <a:avLst/>
+          </a:prstGeom>
+          <a:noFill/>
+          <a:ln w="57150"/>
+        </p:spPr>
+        <p:style>
+          <a:lnRef idx="2">
+            <a:schemeClr val="accent6"/>
+          </a:lnRef>
+          <a:fillRef idx="1">
+            <a:schemeClr val="lt1"/>
+          </a:fillRef>
+          <a:effectRef idx="0">
+            <a:schemeClr val="accent6"/>
+          </a:effectRef>
+          <a:fontRef idx="minor">
+            <a:schemeClr val="dk1"/>
+          </a:fontRef>
+        </p:style>
+        <p:txBody>
+          <a:bodyPr rtlCol="0" anchor="ctr"/>
+          <a:lstStyle/>
+          <a:p>
+            <a:pPr algn="ctr"/>
+            <a:endParaRPr lang="zh-CN" altLang="en-US" b="1">
+              <a:solidFill>
+                <a:schemeClr val="dk1"/>
+              </a:solidFill>
+            </a:endParaRPr>
+          </a:p>
+        </p:txBody>
+      </p:sp>
+      <p:sp>
+        <p:nvSpPr>
+          <p:cNvPr id="65" name="文本框 64">
+            <a:extLst>
+              <a:ext uri="{FF2B5EF4-FFF2-40B4-BE49-F238E27FC236}">
+                <a16:creationId xmlns:a16="http://schemas.microsoft.com/office/drawing/2014/main" id="{9F4D0E67-F2D3-4DD3-823C-6522A5757F02}"/>
+              </a:ext>
+            </a:extLst>
+          </p:cNvPr>
+          <p:cNvSpPr txBox="1"/>
+          <p:nvPr/>
+        </p:nvSpPr>
+        <p:spPr>
+          <a:xfrm>
+            <a:off x="2810869" y="3073872"/>
+            <a:ext cx="1324402" cy="369332"/>
+          </a:xfrm>
+          <a:prstGeom prst="rect">
+            <a:avLst/>
+          </a:prstGeom>
+          <a:noFill/>
+        </p:spPr>
+        <p:txBody>
+          <a:bodyPr wrap="none" rtlCol="0">
+            <a:spAutoFit/>
+          </a:bodyPr>
+          <a:lstStyle/>
+          <a:p>
+            <a:r>
+              <a:rPr lang="en-US" altLang="zh-CN" b="1" dirty="0">
+                <a:effectLst/>
+                <a:latin typeface="Consolas" panose="020B0609020204030204" pitchFamily="49" charset="0"/>
+              </a:rPr>
+              <a:t>Dashboard</a:t>
             </a:r>
           </a:p>
         </p:txBody>

--- a/doc/SoftwareDesign/Architecture-P4.pptx
+++ b/doc/SoftwareDesign/Architecture-P4.pptx
@@ -203,7 +203,7 @@
           <a:p>
             <a:fld id="{B81778B8-8763-4D18-BF72-76154464FFE0}" type="datetimeFigureOut">
               <a:rPr lang="zh-CN" altLang="en-US" smtClean="0"/>
-              <a:t>2020/12/03</a:t>
+              <a:t>2021/01/24</a:t>
             </a:fld>
             <a:endParaRPr lang="zh-CN" altLang="en-US"/>
           </a:p>
@@ -3042,7 +3042,7 @@
           <a:p>
             <a:fld id="{6BBD34C2-3600-48BE-9702-B8B5DAB8968A}" type="datetimeFigureOut">
               <a:rPr lang="zh-CN" altLang="en-US" smtClean="0"/>
-              <a:t>2020/12/03</a:t>
+              <a:t>2021/01/24</a:t>
             </a:fld>
             <a:endParaRPr lang="zh-CN" altLang="en-US"/>
           </a:p>
@@ -3240,7 +3240,7 @@
           <a:p>
             <a:fld id="{6BBD34C2-3600-48BE-9702-B8B5DAB8968A}" type="datetimeFigureOut">
               <a:rPr lang="zh-CN" altLang="en-US" smtClean="0"/>
-              <a:t>2020/12/03</a:t>
+              <a:t>2021/01/24</a:t>
             </a:fld>
             <a:endParaRPr lang="zh-CN" altLang="en-US"/>
           </a:p>
@@ -3448,7 +3448,7 @@
           <a:p>
             <a:fld id="{6BBD34C2-3600-48BE-9702-B8B5DAB8968A}" type="datetimeFigureOut">
               <a:rPr lang="zh-CN" altLang="en-US" smtClean="0"/>
-              <a:t>2020/12/03</a:t>
+              <a:t>2021/01/24</a:t>
             </a:fld>
             <a:endParaRPr lang="zh-CN" altLang="en-US"/>
           </a:p>
@@ -3646,7 +3646,7 @@
           <a:p>
             <a:fld id="{6BBD34C2-3600-48BE-9702-B8B5DAB8968A}" type="datetimeFigureOut">
               <a:rPr lang="zh-CN" altLang="en-US" smtClean="0"/>
-              <a:t>2020/12/03</a:t>
+              <a:t>2021/01/24</a:t>
             </a:fld>
             <a:endParaRPr lang="zh-CN" altLang="en-US"/>
           </a:p>
@@ -3921,7 +3921,7 @@
           <a:p>
             <a:fld id="{6BBD34C2-3600-48BE-9702-B8B5DAB8968A}" type="datetimeFigureOut">
               <a:rPr lang="zh-CN" altLang="en-US" smtClean="0"/>
-              <a:t>2020/12/03</a:t>
+              <a:t>2021/01/24</a:t>
             </a:fld>
             <a:endParaRPr lang="zh-CN" altLang="en-US"/>
           </a:p>
@@ -4186,7 +4186,7 @@
           <a:p>
             <a:fld id="{6BBD34C2-3600-48BE-9702-B8B5DAB8968A}" type="datetimeFigureOut">
               <a:rPr lang="zh-CN" altLang="en-US" smtClean="0"/>
-              <a:t>2020/12/03</a:t>
+              <a:t>2021/01/24</a:t>
             </a:fld>
             <a:endParaRPr lang="zh-CN" altLang="en-US"/>
           </a:p>
@@ -4598,7 +4598,7 @@
           <a:p>
             <a:fld id="{6BBD34C2-3600-48BE-9702-B8B5DAB8968A}" type="datetimeFigureOut">
               <a:rPr lang="zh-CN" altLang="en-US" smtClean="0"/>
-              <a:t>2020/12/03</a:t>
+              <a:t>2021/01/24</a:t>
             </a:fld>
             <a:endParaRPr lang="zh-CN" altLang="en-US"/>
           </a:p>
@@ -4739,7 +4739,7 @@
           <a:p>
             <a:fld id="{6BBD34C2-3600-48BE-9702-B8B5DAB8968A}" type="datetimeFigureOut">
               <a:rPr lang="zh-CN" altLang="en-US" smtClean="0"/>
-              <a:t>2020/12/03</a:t>
+              <a:t>2021/01/24</a:t>
             </a:fld>
             <a:endParaRPr lang="zh-CN" altLang="en-US"/>
           </a:p>
@@ -4852,7 +4852,7 @@
           <a:p>
             <a:fld id="{6BBD34C2-3600-48BE-9702-B8B5DAB8968A}" type="datetimeFigureOut">
               <a:rPr lang="zh-CN" altLang="en-US" smtClean="0"/>
-              <a:t>2020/12/03</a:t>
+              <a:t>2021/01/24</a:t>
             </a:fld>
             <a:endParaRPr lang="zh-CN" altLang="en-US"/>
           </a:p>
@@ -5163,7 +5163,7 @@
           <a:p>
             <a:fld id="{6BBD34C2-3600-48BE-9702-B8B5DAB8968A}" type="datetimeFigureOut">
               <a:rPr lang="zh-CN" altLang="en-US" smtClean="0"/>
-              <a:t>2020/12/03</a:t>
+              <a:t>2021/01/24</a:t>
             </a:fld>
             <a:endParaRPr lang="zh-CN" altLang="en-US"/>
           </a:p>
@@ -5451,7 +5451,7 @@
           <a:p>
             <a:fld id="{6BBD34C2-3600-48BE-9702-B8B5DAB8968A}" type="datetimeFigureOut">
               <a:rPr lang="zh-CN" altLang="en-US" smtClean="0"/>
-              <a:t>2020/12/03</a:t>
+              <a:t>2021/01/24</a:t>
             </a:fld>
             <a:endParaRPr lang="zh-CN" altLang="en-US"/>
           </a:p>
@@ -5692,7 +5692,7 @@
           <a:p>
             <a:fld id="{6BBD34C2-3600-48BE-9702-B8B5DAB8968A}" type="datetimeFigureOut">
               <a:rPr lang="zh-CN" altLang="en-US" smtClean="0"/>
-              <a:t>2020/12/03</a:t>
+              <a:t>2021/01/24</a:t>
             </a:fld>
             <a:endParaRPr lang="zh-CN" altLang="en-US"/>
           </a:p>
@@ -7743,7 +7743,7 @@
             <a:pPr algn="ctr"/>
             <a:r>
               <a:rPr lang="en-US" altLang="zh-CN" dirty="0"/>
-              <a:t>Orchestration</a:t>
+              <a:t>Orchestrator</a:t>
             </a:r>
             <a:endParaRPr lang="zh-CN" altLang="en-US" dirty="0"/>
           </a:p>
@@ -11293,71 +11293,6 @@
       </p:sp>
       <p:sp>
         <p:nvSpPr>
-          <p:cNvPr id="86" name="文本框 85">
-            <a:extLst>
-              <a:ext uri="{FF2B5EF4-FFF2-40B4-BE49-F238E27FC236}">
-                <a16:creationId xmlns:a16="http://schemas.microsoft.com/office/drawing/2014/main" id="{F8846252-E3D6-4899-8795-E900F86660C1}"/>
-              </a:ext>
-            </a:extLst>
-          </p:cNvPr>
-          <p:cNvSpPr txBox="1"/>
-          <p:nvPr/>
-        </p:nvSpPr>
-        <p:spPr>
-          <a:xfrm>
-            <a:off x="4694004" y="1854414"/>
-            <a:ext cx="1544012" cy="830997"/>
-          </a:xfrm>
-          <a:prstGeom prst="rect">
-            <a:avLst/>
-          </a:prstGeom>
-          <a:noFill/>
-        </p:spPr>
-        <p:txBody>
-          <a:bodyPr wrap="none" rtlCol="0">
-            <a:spAutoFit/>
-          </a:bodyPr>
-          <a:lstStyle/>
-          <a:p>
-            <a:r>
-              <a:rPr lang="en-US" altLang="zh-CN" sz="1200" b="1" dirty="0">
-                <a:effectLst/>
-                <a:latin typeface="Consolas" panose="020B0609020204030204" pitchFamily="49" charset="0"/>
-              </a:rPr>
-              <a:t>ADD_SFC_REQUEST</a:t>
-            </a:r>
-          </a:p>
-          <a:p>
-            <a:r>
-              <a:rPr lang="en-US" altLang="zh-CN" sz="1200" b="1" dirty="0">
-                <a:effectLst/>
-                <a:latin typeface="Consolas" panose="020B0609020204030204" pitchFamily="49" charset="0"/>
-              </a:rPr>
-              <a:t>ADD_SFCI_REQUEST</a:t>
-            </a:r>
-          </a:p>
-          <a:p>
-            <a:r>
-              <a:rPr lang="en-US" altLang="zh-CN" sz="1200" b="1" dirty="0">
-                <a:effectLst/>
-                <a:latin typeface="Consolas" panose="020B0609020204030204" pitchFamily="49" charset="0"/>
-              </a:rPr>
-              <a:t>DEL_SFCI_REQUEST</a:t>
-            </a:r>
-          </a:p>
-          <a:p>
-            <a:r>
-              <a:rPr lang="en-US" altLang="zh-CN" sz="1200" b="1" dirty="0">
-                <a:effectLst/>
-                <a:latin typeface="Consolas" panose="020B0609020204030204" pitchFamily="49" charset="0"/>
-              </a:rPr>
-              <a:t>DEL_SFC_REQUEST</a:t>
-            </a:r>
-          </a:p>
-        </p:txBody>
-      </p:sp>
-      <p:sp>
-        <p:nvSpPr>
           <p:cNvPr id="87" name="文本框 86">
             <a:extLst>
               <a:ext uri="{FF2B5EF4-FFF2-40B4-BE49-F238E27FC236}">
@@ -11767,6 +11702,71 @@
                 <a:latin typeface="Consolas" panose="020B0609020204030204" pitchFamily="49" charset="0"/>
               </a:rPr>
               <a:t>Dashboard</a:t>
+            </a:r>
+          </a:p>
+        </p:txBody>
+      </p:sp>
+      <p:sp>
+        <p:nvSpPr>
+          <p:cNvPr id="86" name="文本框 85">
+            <a:extLst>
+              <a:ext uri="{FF2B5EF4-FFF2-40B4-BE49-F238E27FC236}">
+                <a16:creationId xmlns:a16="http://schemas.microsoft.com/office/drawing/2014/main" id="{F8846252-E3D6-4899-8795-E900F86660C1}"/>
+              </a:ext>
+            </a:extLst>
+          </p:cNvPr>
+          <p:cNvSpPr txBox="1"/>
+          <p:nvPr/>
+        </p:nvSpPr>
+        <p:spPr>
+          <a:xfrm>
+            <a:off x="4694004" y="1854414"/>
+            <a:ext cx="1544012" cy="830997"/>
+          </a:xfrm>
+          <a:prstGeom prst="rect">
+            <a:avLst/>
+          </a:prstGeom>
+          <a:noFill/>
+        </p:spPr>
+        <p:txBody>
+          <a:bodyPr wrap="none" rtlCol="0">
+            <a:spAutoFit/>
+          </a:bodyPr>
+          <a:lstStyle/>
+          <a:p>
+            <a:r>
+              <a:rPr lang="en-US" altLang="zh-CN" sz="1200" b="1" dirty="0">
+                <a:effectLst/>
+                <a:latin typeface="Consolas" panose="020B0609020204030204" pitchFamily="49" charset="0"/>
+              </a:rPr>
+              <a:t>ADD_SFC_REQUEST</a:t>
+            </a:r>
+          </a:p>
+          <a:p>
+            <a:r>
+              <a:rPr lang="en-US" altLang="zh-CN" sz="1200" b="1" dirty="0">
+                <a:effectLst/>
+                <a:latin typeface="Consolas" panose="020B0609020204030204" pitchFamily="49" charset="0"/>
+              </a:rPr>
+              <a:t>ADD_SFCI_REQUEST</a:t>
+            </a:r>
+          </a:p>
+          <a:p>
+            <a:r>
+              <a:rPr lang="en-US" altLang="zh-CN" sz="1200" b="1" dirty="0">
+                <a:effectLst/>
+                <a:latin typeface="Consolas" panose="020B0609020204030204" pitchFamily="49" charset="0"/>
+              </a:rPr>
+              <a:t>DEL_SFCI_REQUEST</a:t>
+            </a:r>
+          </a:p>
+          <a:p>
+            <a:r>
+              <a:rPr lang="en-US" altLang="zh-CN" sz="1200" b="1" dirty="0">
+                <a:effectLst/>
+                <a:latin typeface="Consolas" panose="020B0609020204030204" pitchFamily="49" charset="0"/>
+              </a:rPr>
+              <a:t>DEL_SFC_REQUEST</a:t>
             </a:r>
           </a:p>
         </p:txBody>

--- a/doc/SoftwareDesign/Architecture-P4.pptx
+++ b/doc/SoftwareDesign/Architecture-P4.pptx
@@ -203,7 +203,7 @@
           <a:p>
             <a:fld id="{B81778B8-8763-4D18-BF72-76154464FFE0}" type="datetimeFigureOut">
               <a:rPr lang="zh-CN" altLang="en-US" smtClean="0"/>
-              <a:t>2021/01/24</a:t>
+              <a:t>2021/11/13</a:t>
             </a:fld>
             <a:endParaRPr lang="zh-CN" altLang="en-US"/>
           </a:p>
@@ -3042,7 +3042,7 @@
           <a:p>
             <a:fld id="{6BBD34C2-3600-48BE-9702-B8B5DAB8968A}" type="datetimeFigureOut">
               <a:rPr lang="zh-CN" altLang="en-US" smtClean="0"/>
-              <a:t>2021/01/24</a:t>
+              <a:t>2021/11/13</a:t>
             </a:fld>
             <a:endParaRPr lang="zh-CN" altLang="en-US"/>
           </a:p>
@@ -3240,7 +3240,7 @@
           <a:p>
             <a:fld id="{6BBD34C2-3600-48BE-9702-B8B5DAB8968A}" type="datetimeFigureOut">
               <a:rPr lang="zh-CN" altLang="en-US" smtClean="0"/>
-              <a:t>2021/01/24</a:t>
+              <a:t>2021/11/13</a:t>
             </a:fld>
             <a:endParaRPr lang="zh-CN" altLang="en-US"/>
           </a:p>
@@ -3448,7 +3448,7 @@
           <a:p>
             <a:fld id="{6BBD34C2-3600-48BE-9702-B8B5DAB8968A}" type="datetimeFigureOut">
               <a:rPr lang="zh-CN" altLang="en-US" smtClean="0"/>
-              <a:t>2021/01/24</a:t>
+              <a:t>2021/11/13</a:t>
             </a:fld>
             <a:endParaRPr lang="zh-CN" altLang="en-US"/>
           </a:p>
@@ -3646,7 +3646,7 @@
           <a:p>
             <a:fld id="{6BBD34C2-3600-48BE-9702-B8B5DAB8968A}" type="datetimeFigureOut">
               <a:rPr lang="zh-CN" altLang="en-US" smtClean="0"/>
-              <a:t>2021/01/24</a:t>
+              <a:t>2021/11/13</a:t>
             </a:fld>
             <a:endParaRPr lang="zh-CN" altLang="en-US"/>
           </a:p>
@@ -3921,7 +3921,7 @@
           <a:p>
             <a:fld id="{6BBD34C2-3600-48BE-9702-B8B5DAB8968A}" type="datetimeFigureOut">
               <a:rPr lang="zh-CN" altLang="en-US" smtClean="0"/>
-              <a:t>2021/01/24</a:t>
+              <a:t>2021/11/13</a:t>
             </a:fld>
             <a:endParaRPr lang="zh-CN" altLang="en-US"/>
           </a:p>
@@ -4186,7 +4186,7 @@
           <a:p>
             <a:fld id="{6BBD34C2-3600-48BE-9702-B8B5DAB8968A}" type="datetimeFigureOut">
               <a:rPr lang="zh-CN" altLang="en-US" smtClean="0"/>
-              <a:t>2021/01/24</a:t>
+              <a:t>2021/11/13</a:t>
             </a:fld>
             <a:endParaRPr lang="zh-CN" altLang="en-US"/>
           </a:p>
@@ -4598,7 +4598,7 @@
           <a:p>
             <a:fld id="{6BBD34C2-3600-48BE-9702-B8B5DAB8968A}" type="datetimeFigureOut">
               <a:rPr lang="zh-CN" altLang="en-US" smtClean="0"/>
-              <a:t>2021/01/24</a:t>
+              <a:t>2021/11/13</a:t>
             </a:fld>
             <a:endParaRPr lang="zh-CN" altLang="en-US"/>
           </a:p>
@@ -4739,7 +4739,7 @@
           <a:p>
             <a:fld id="{6BBD34C2-3600-48BE-9702-B8B5DAB8968A}" type="datetimeFigureOut">
               <a:rPr lang="zh-CN" altLang="en-US" smtClean="0"/>
-              <a:t>2021/01/24</a:t>
+              <a:t>2021/11/13</a:t>
             </a:fld>
             <a:endParaRPr lang="zh-CN" altLang="en-US"/>
           </a:p>
@@ -4852,7 +4852,7 @@
           <a:p>
             <a:fld id="{6BBD34C2-3600-48BE-9702-B8B5DAB8968A}" type="datetimeFigureOut">
               <a:rPr lang="zh-CN" altLang="en-US" smtClean="0"/>
-              <a:t>2021/01/24</a:t>
+              <a:t>2021/11/13</a:t>
             </a:fld>
             <a:endParaRPr lang="zh-CN" altLang="en-US"/>
           </a:p>
@@ -5163,7 +5163,7 @@
           <a:p>
             <a:fld id="{6BBD34C2-3600-48BE-9702-B8B5DAB8968A}" type="datetimeFigureOut">
               <a:rPr lang="zh-CN" altLang="en-US" smtClean="0"/>
-              <a:t>2021/01/24</a:t>
+              <a:t>2021/11/13</a:t>
             </a:fld>
             <a:endParaRPr lang="zh-CN" altLang="en-US"/>
           </a:p>
@@ -5451,7 +5451,7 @@
           <a:p>
             <a:fld id="{6BBD34C2-3600-48BE-9702-B8B5DAB8968A}" type="datetimeFigureOut">
               <a:rPr lang="zh-CN" altLang="en-US" smtClean="0"/>
-              <a:t>2021/01/24</a:t>
+              <a:t>2021/11/13</a:t>
             </a:fld>
             <a:endParaRPr lang="zh-CN" altLang="en-US"/>
           </a:p>
@@ -5692,7 +5692,7 @@
           <a:p>
             <a:fld id="{6BBD34C2-3600-48BE-9702-B8B5DAB8968A}" type="datetimeFigureOut">
               <a:rPr lang="zh-CN" altLang="en-US" smtClean="0"/>
-              <a:t>2021/01/24</a:t>
+              <a:t>2021/11/13</a:t>
             </a:fld>
             <a:endParaRPr lang="zh-CN" altLang="en-US"/>
           </a:p>
@@ -8545,7 +8545,7 @@
             <a:p>
               <a:pPr algn="ctr"/>
               <a:r>
-                <a:rPr lang="en-US" altLang="zh-CN"/>
+                <a:rPr lang="en-US" altLang="zh-CN" dirty="0"/>
                 <a:t>Pre-Processor</a:t>
               </a:r>
               <a:endParaRPr lang="zh-CN" altLang="en-US" dirty="0"/>
